--- a/ICS5118 - Facial Emotion Detection.pptx
+++ b/ICS5118 - Facial Emotion Detection.pptx
@@ -8,6 +8,20 @@
     <p:sldId id="256" r:id="rId2"/>
     <p:sldId id="257" r:id="rId3"/>
     <p:sldId id="258" r:id="rId4"/>
+    <p:sldId id="261" r:id="rId5"/>
+    <p:sldId id="264" r:id="rId6"/>
+    <p:sldId id="265" r:id="rId7"/>
+    <p:sldId id="263" r:id="rId8"/>
+    <p:sldId id="266" r:id="rId9"/>
+    <p:sldId id="267" r:id="rId10"/>
+    <p:sldId id="272" r:id="rId11"/>
+    <p:sldId id="269" r:id="rId12"/>
+    <p:sldId id="268" r:id="rId13"/>
+    <p:sldId id="273" r:id="rId14"/>
+    <p:sldId id="274" r:id="rId15"/>
+    <p:sldId id="275" r:id="rId16"/>
+    <p:sldId id="270" r:id="rId17"/>
+    <p:sldId id="271" r:id="rId18"/>
   </p:sldIdLst>
   <p:sldSz cx="12192000" cy="6858000"/>
   <p:notesSz cx="6858000" cy="9144000"/>
@@ -106,6 +120,11 @@
       </a:defRPr>
     </a:lvl9pPr>
   </p:defaultTextStyle>
+  <p:extLst>
+    <p:ext uri="{EFAFB233-063F-42B5-8137-9DF3F51BA10A}">
+      <p15:sldGuideLst xmlns:p15="http://schemas.microsoft.com/office/powerpoint/2012/main"/>
+    </p:ext>
+  </p:extLst>
 </p:presentation>
 </file>
 
@@ -272,7 +291,7 @@
             <a:fld id="{11A6662E-FAF4-44BC-88B5-85A7CBFB6D30}" type="datetime1">
               <a:rPr lang="en-US" smtClean="0"/>
               <a:pPr/>
-              <a:t>2/23/2025</a:t>
+              <a:t>3/31/2025</a:t>
             </a:fld>
             <a:endParaRPr lang="en-US" dirty="0"/>
           </a:p>
@@ -499,7 +518,7 @@
           <a:p>
             <a:fld id="{4C559632-1575-4E14-B53B-3DC3D5ED3947}" type="datetime1">
               <a:rPr lang="en-US" smtClean="0"/>
-              <a:t>2/23/2025</a:t>
+              <a:t>3/31/2025</a:t>
             </a:fld>
             <a:endParaRPr lang="en-US"/>
           </a:p>
@@ -707,7 +726,7 @@
           <a:p>
             <a:fld id="{CC4A6868-2568-4CC9-B302-F37117B01A6E}" type="datetime1">
               <a:rPr lang="en-US" smtClean="0"/>
-              <a:t>2/23/2025</a:t>
+              <a:t>3/31/2025</a:t>
             </a:fld>
             <a:endParaRPr lang="en-US"/>
           </a:p>
@@ -912,7 +931,7 @@
           <a:p>
             <a:fld id="{0055F08A-1E71-4B2B-BB49-E743F2903911}" type="datetime1">
               <a:rPr lang="en-US" smtClean="0"/>
-              <a:t>2/23/2025</a:t>
+              <a:t>3/31/2025</a:t>
             </a:fld>
             <a:endParaRPr lang="en-US" dirty="0"/>
           </a:p>
@@ -1186,7 +1205,7 @@
           <a:p>
             <a:fld id="{15417D9E-721A-44BB-8863-9873FE64DA75}" type="datetime1">
               <a:rPr lang="en-US" smtClean="0"/>
-              <a:t>2/23/2025</a:t>
+              <a:t>3/31/2025</a:t>
             </a:fld>
             <a:endParaRPr lang="en-US"/>
           </a:p>
@@ -1459,7 +1478,7 @@
           <a:p>
             <a:fld id="{5F31DA2F-80B8-49CF-99FB-5ABCA53A607A}" type="datetime1">
               <a:rPr lang="en-US" smtClean="0"/>
-              <a:t>2/23/2025</a:t>
+              <a:t>3/31/2025</a:t>
             </a:fld>
             <a:endParaRPr lang="en-US"/>
           </a:p>
@@ -1874,7 +1893,7 @@
           <a:p>
             <a:fld id="{28852172-E6C9-4B6C-929A-A9DE3837BBF1}" type="datetime1">
               <a:rPr lang="en-US" smtClean="0"/>
-              <a:t>2/23/2025</a:t>
+              <a:t>3/31/2025</a:t>
             </a:fld>
             <a:endParaRPr lang="en-US"/>
           </a:p>
@@ -2026,7 +2045,7 @@
           <a:p>
             <a:fld id="{3AB41CFF-90C9-47B3-9DA1-F2BF8D839F7E}" type="datetime1">
               <a:rPr lang="en-US" smtClean="0"/>
-              <a:t>2/23/2025</a:t>
+              <a:t>3/31/2025</a:t>
             </a:fld>
             <a:endParaRPr lang="en-US"/>
           </a:p>
@@ -2139,7 +2158,7 @@
           <a:p>
             <a:fld id="{F06048FA-06AB-4884-A69B-986B96E68A24}" type="datetime1">
               <a:rPr lang="en-US" smtClean="0"/>
-              <a:t>2/23/2025</a:t>
+              <a:t>3/31/2025</a:t>
             </a:fld>
             <a:endParaRPr lang="en-US"/>
           </a:p>
@@ -2450,7 +2469,7 @@
           <a:p>
             <a:fld id="{50DB7ABA-0172-4F9C-889D-567164F66BCD}" type="datetime1">
               <a:rPr lang="en-US" smtClean="0"/>
-              <a:t>2/23/2025</a:t>
+              <a:t>3/31/2025</a:t>
             </a:fld>
             <a:endParaRPr lang="en-US"/>
           </a:p>
@@ -2741,7 +2760,7 @@
           <a:p>
             <a:fld id="{78AC6A5B-8AE7-4A41-B5A7-9ADC6686DC18}" type="datetime1">
               <a:rPr lang="en-US" smtClean="0"/>
-              <a:t>2/23/2025</a:t>
+              <a:t>3/31/2025</a:t>
             </a:fld>
             <a:endParaRPr lang="en-US"/>
           </a:p>
@@ -3050,7 +3069,7 @@
             <a:fld id="{57E0CF6C-748E-4B7A-BC8B-3011EF78ED13}" type="datetime1">
               <a:rPr lang="en-US" smtClean="0"/>
               <a:pPr/>
-              <a:t>2/23/2025</a:t>
+              <a:t>3/31/2025</a:t>
             </a:fld>
             <a:endParaRPr lang="en-US" dirty="0"/>
           </a:p>
@@ -4026,6 +4045,4871 @@
 </p:sld>
 </file>
 
+<file path=ppt/slides/slide10.xml><?xml version="1.0" encoding="utf-8"?>
+<p:sld xmlns:a="http://schemas.openxmlformats.org/drawingml/2006/main" xmlns:r="http://schemas.openxmlformats.org/officeDocument/2006/relationships" xmlns:p="http://schemas.openxmlformats.org/presentationml/2006/main">
+  <p:cSld>
+    <p:spTree>
+      <p:nvGrpSpPr>
+        <p:cNvPr id="1" name="">
+          <a:extLst>
+            <a:ext uri="{FF2B5EF4-FFF2-40B4-BE49-F238E27FC236}">
+              <a16:creationId xmlns:a16="http://schemas.microsoft.com/office/drawing/2014/main" id="{28CBBD48-93DC-2E04-A306-A745F0663E38}"/>
+            </a:ext>
+          </a:extLst>
+        </p:cNvPr>
+        <p:cNvGrpSpPr/>
+        <p:nvPr/>
+      </p:nvGrpSpPr>
+      <p:grpSpPr>
+        <a:xfrm>
+          <a:off x="0" y="0"/>
+          <a:ext cx="0" cy="0"/>
+          <a:chOff x="0" y="0"/>
+          <a:chExt cx="0" cy="0"/>
+        </a:xfrm>
+      </p:grpSpPr>
+      <p:sp>
+        <p:nvSpPr>
+          <p:cNvPr id="8" name="Content Placeholder 2">
+            <a:extLst>
+              <a:ext uri="{FF2B5EF4-FFF2-40B4-BE49-F238E27FC236}">
+                <a16:creationId xmlns:a16="http://schemas.microsoft.com/office/drawing/2014/main" id="{06D2C66D-36DF-3A63-050C-13F032F967CB}"/>
+              </a:ext>
+            </a:extLst>
+          </p:cNvPr>
+          <p:cNvSpPr>
+            <a:spLocks noGrp="1"/>
+          </p:cNvSpPr>
+          <p:nvPr>
+            <p:ph idx="1"/>
+          </p:nvPr>
+        </p:nvSpPr>
+        <p:spPr>
+          <a:xfrm>
+            <a:off x="458694" y="1263650"/>
+            <a:ext cx="11274612" cy="3451785"/>
+          </a:xfrm>
+        </p:spPr>
+        <p:txBody>
+          <a:bodyPr>
+            <a:normAutofit fontScale="25000" lnSpcReduction="20000"/>
+          </a:bodyPr>
+          <a:lstStyle/>
+          <a:p>
+            <a:pPr marL="342900" indent="-342900">
+              <a:lnSpc>
+                <a:spcPct val="117000"/>
+              </a:lnSpc>
+              <a:spcAft>
+                <a:spcPts val="800"/>
+              </a:spcAft>
+              <a:buFont typeface="Symbol" panose="05050102010706020507" pitchFamily="18" charset="2"/>
+              <a:buChar char=""/>
+            </a:pPr>
+            <a:r>
+              <a:rPr lang="en-US" sz="8000" b="1" kern="100" dirty="0">
+                <a:latin typeface="Aptos" panose="020B0004020202020204" pitchFamily="34" charset="0"/>
+                <a:cs typeface="Times New Roman" panose="02020603050405020304" pitchFamily="18" charset="0"/>
+              </a:rPr>
+              <a:t>Comprehensive Review and Analysis on Facial Emotion Recognition</a:t>
+            </a:r>
+          </a:p>
+          <a:p>
+            <a:pPr marL="800100" lvl="2" indent="-342900">
+              <a:lnSpc>
+                <a:spcPct val="117000"/>
+              </a:lnSpc>
+              <a:spcBef>
+                <a:spcPts val="1000"/>
+              </a:spcBef>
+              <a:spcAft>
+                <a:spcPts val="800"/>
+              </a:spcAft>
+              <a:buFont typeface="Symbol" panose="05050102010706020507" pitchFamily="18" charset="2"/>
+              <a:buChar char=""/>
+            </a:pPr>
+            <a:r>
+              <a:rPr lang="en-US" sz="6400" kern="100" dirty="0">
+                <a:latin typeface="Aptos" panose="020B0004020202020204" pitchFamily="34" charset="0"/>
+                <a:cs typeface="Times New Roman" panose="02020603050405020304" pitchFamily="18" charset="0"/>
+              </a:rPr>
+              <a:t>Authors: Amjad Rehman, Muhammad Mujahid, Alex </a:t>
+            </a:r>
+            <a:r>
+              <a:rPr lang="en-US" sz="6400" kern="100" dirty="0" err="1">
+                <a:latin typeface="Aptos" panose="020B0004020202020204" pitchFamily="34" charset="0"/>
+                <a:cs typeface="Times New Roman" panose="02020603050405020304" pitchFamily="18" charset="0"/>
+              </a:rPr>
+              <a:t>Elyassih</a:t>
+            </a:r>
+            <a:r>
+              <a:rPr lang="en-US" sz="6400" kern="100" dirty="0">
+                <a:latin typeface="Aptos" panose="020B0004020202020204" pitchFamily="34" charset="0"/>
+                <a:cs typeface="Times New Roman" panose="02020603050405020304" pitchFamily="18" charset="0"/>
+              </a:rPr>
+              <a:t>, Bayan </a:t>
+            </a:r>
+            <a:r>
+              <a:rPr lang="en-US" sz="6400" kern="100" dirty="0" err="1">
+                <a:latin typeface="Aptos" panose="020B0004020202020204" pitchFamily="34" charset="0"/>
+                <a:cs typeface="Times New Roman" panose="02020603050405020304" pitchFamily="18" charset="0"/>
+              </a:rPr>
+              <a:t>AlGhofaily</a:t>
+            </a:r>
+            <a:r>
+              <a:rPr lang="en-US" sz="6400" kern="100" dirty="0">
+                <a:latin typeface="Aptos" panose="020B0004020202020204" pitchFamily="34" charset="0"/>
+                <a:cs typeface="Times New Roman" panose="02020603050405020304" pitchFamily="18" charset="0"/>
+              </a:rPr>
+              <a:t>, Saeed Ali Omer Bahaj</a:t>
+            </a:r>
+          </a:p>
+          <a:p>
+            <a:pPr marL="342900" indent="-342900">
+              <a:lnSpc>
+                <a:spcPct val="117000"/>
+              </a:lnSpc>
+              <a:spcAft>
+                <a:spcPts val="800"/>
+              </a:spcAft>
+              <a:buFont typeface="Symbol" panose="05050102010706020507" pitchFamily="18" charset="2"/>
+              <a:buChar char=""/>
+            </a:pPr>
+            <a:r>
+              <a:rPr lang="en-US" sz="8000" b="1" kern="100" dirty="0">
+                <a:latin typeface="Aptos" panose="020B0004020202020204" pitchFamily="34" charset="0"/>
+                <a:cs typeface="Times New Roman" panose="02020603050405020304" pitchFamily="18" charset="0"/>
+              </a:rPr>
+              <a:t>Comparison </a:t>
+            </a:r>
+          </a:p>
+          <a:p>
+            <a:pPr marL="800100" lvl="2" indent="-342900">
+              <a:lnSpc>
+                <a:spcPct val="117000"/>
+              </a:lnSpc>
+              <a:spcBef>
+                <a:spcPts val="1000"/>
+              </a:spcBef>
+              <a:spcAft>
+                <a:spcPts val="800"/>
+              </a:spcAft>
+              <a:buFont typeface="Symbol" panose="05050102010706020507" pitchFamily="18" charset="2"/>
+              <a:buChar char=""/>
+            </a:pPr>
+            <a:r>
+              <a:rPr lang="en-US" sz="7200" kern="100" dirty="0">
+                <a:latin typeface="Aptos" panose="020B0004020202020204" pitchFamily="34" charset="0"/>
+                <a:cs typeface="Times New Roman" panose="02020603050405020304" pitchFamily="18" charset="0"/>
+              </a:rPr>
+              <a:t>Comparing research but didn’t implement the model from scratch</a:t>
+            </a:r>
+          </a:p>
+          <a:p>
+            <a:pPr marL="800100" lvl="2" indent="-342900">
+              <a:lnSpc>
+                <a:spcPct val="117000"/>
+              </a:lnSpc>
+              <a:spcBef>
+                <a:spcPts val="1000"/>
+              </a:spcBef>
+              <a:spcAft>
+                <a:spcPts val="800"/>
+              </a:spcAft>
+              <a:buFont typeface="Symbol" panose="05050102010706020507" pitchFamily="18" charset="2"/>
+              <a:buChar char=""/>
+            </a:pPr>
+            <a:r>
+              <a:rPr lang="en-US" sz="7200" kern="100" dirty="0">
+                <a:latin typeface="Aptos" panose="020B0004020202020204" pitchFamily="34" charset="0"/>
+                <a:cs typeface="Times New Roman" panose="02020603050405020304" pitchFamily="18" charset="0"/>
+              </a:rPr>
+              <a:t>Traditional Machine Learning Models (SVM, KNN, RF, CART, LR)</a:t>
+            </a:r>
+          </a:p>
+          <a:p>
+            <a:pPr marL="800100" lvl="2" indent="-342900">
+              <a:lnSpc>
+                <a:spcPct val="117000"/>
+              </a:lnSpc>
+              <a:spcBef>
+                <a:spcPts val="1000"/>
+              </a:spcBef>
+              <a:spcAft>
+                <a:spcPts val="800"/>
+              </a:spcAft>
+              <a:buFont typeface="Symbol" panose="05050102010706020507" pitchFamily="18" charset="2"/>
+              <a:buChar char=""/>
+            </a:pPr>
+            <a:r>
+              <a:rPr lang="en-US" sz="7200" kern="100" dirty="0">
+                <a:latin typeface="Aptos" panose="020B0004020202020204" pitchFamily="34" charset="0"/>
+                <a:cs typeface="Times New Roman" panose="02020603050405020304" pitchFamily="18" charset="0"/>
+              </a:rPr>
+              <a:t>Deep Learning Models (</a:t>
+            </a:r>
+            <a:r>
+              <a:rPr lang="en-US" sz="7200" kern="100" dirty="0" err="1">
+                <a:latin typeface="Aptos" panose="020B0004020202020204" pitchFamily="34" charset="0"/>
+                <a:cs typeface="Times New Roman" panose="02020603050405020304" pitchFamily="18" charset="0"/>
+              </a:rPr>
+              <a:t>MobileNet</a:t>
+            </a:r>
+            <a:r>
+              <a:rPr lang="en-US" sz="7200" kern="100" dirty="0">
+                <a:latin typeface="Aptos" panose="020B0004020202020204" pitchFamily="34" charset="0"/>
+                <a:cs typeface="Times New Roman" panose="02020603050405020304" pitchFamily="18" charset="0"/>
+              </a:rPr>
+              <a:t>, CNN, DCNN, VGG16, ResNet-50)</a:t>
+            </a:r>
+          </a:p>
+          <a:p>
+            <a:pPr marL="800100" lvl="2" indent="-342900">
+              <a:lnSpc>
+                <a:spcPct val="117000"/>
+              </a:lnSpc>
+              <a:spcBef>
+                <a:spcPts val="1000"/>
+              </a:spcBef>
+              <a:spcAft>
+                <a:spcPts val="800"/>
+              </a:spcAft>
+              <a:buFont typeface="Symbol" panose="05050102010706020507" pitchFamily="18" charset="2"/>
+              <a:buChar char=""/>
+            </a:pPr>
+            <a:r>
+              <a:rPr lang="en-US" sz="7200" kern="100" dirty="0">
+                <a:latin typeface="Aptos" panose="020B0004020202020204" pitchFamily="34" charset="0"/>
+                <a:cs typeface="Times New Roman" panose="02020603050405020304" pitchFamily="18" charset="0"/>
+              </a:rPr>
+              <a:t>Hybrid Models (CNN + SVM, DBN + SVM) (Feature Extraction + Classification)</a:t>
+            </a:r>
+          </a:p>
+          <a:p>
+            <a:pPr marL="800100" lvl="2" indent="-342900">
+              <a:lnSpc>
+                <a:spcPct val="117000"/>
+              </a:lnSpc>
+              <a:spcBef>
+                <a:spcPts val="1000"/>
+              </a:spcBef>
+              <a:spcAft>
+                <a:spcPts val="800"/>
+              </a:spcAft>
+              <a:buFont typeface="Symbol" panose="05050102010706020507" pitchFamily="18" charset="2"/>
+              <a:buChar char=""/>
+            </a:pPr>
+            <a:endParaRPr lang="en-US" sz="7200" kern="100" dirty="0">
+              <a:latin typeface="Aptos" panose="020B0004020202020204" pitchFamily="34" charset="0"/>
+              <a:cs typeface="Times New Roman" panose="02020603050405020304" pitchFamily="18" charset="0"/>
+            </a:endParaRPr>
+          </a:p>
+          <a:p>
+            <a:pPr marL="800100" lvl="2" indent="-342900">
+              <a:lnSpc>
+                <a:spcPct val="117000"/>
+              </a:lnSpc>
+              <a:spcBef>
+                <a:spcPts val="1000"/>
+              </a:spcBef>
+              <a:spcAft>
+                <a:spcPts val="800"/>
+              </a:spcAft>
+              <a:buFont typeface="Symbol" panose="05050102010706020507" pitchFamily="18" charset="2"/>
+              <a:buChar char=""/>
+            </a:pPr>
+            <a:endParaRPr lang="en-US" sz="7200" kern="100" dirty="0">
+              <a:latin typeface="Aptos" panose="020B0004020202020204" pitchFamily="34" charset="0"/>
+              <a:cs typeface="Times New Roman" panose="02020603050405020304" pitchFamily="18" charset="0"/>
+            </a:endParaRPr>
+          </a:p>
+          <a:p>
+            <a:pPr marL="800100" lvl="2" indent="-342900">
+              <a:lnSpc>
+                <a:spcPct val="117000"/>
+              </a:lnSpc>
+              <a:spcBef>
+                <a:spcPts val="1000"/>
+              </a:spcBef>
+              <a:spcAft>
+                <a:spcPts val="800"/>
+              </a:spcAft>
+              <a:buFont typeface="Symbol" panose="05050102010706020507" pitchFamily="18" charset="2"/>
+              <a:buChar char=""/>
+            </a:pPr>
+            <a:endParaRPr lang="en-US" sz="7200" kern="100" dirty="0">
+              <a:latin typeface="Aptos" panose="020B0004020202020204" pitchFamily="34" charset="0"/>
+              <a:cs typeface="Times New Roman" panose="02020603050405020304" pitchFamily="18" charset="0"/>
+            </a:endParaRPr>
+          </a:p>
+          <a:p>
+            <a:pPr marL="800100" lvl="2" indent="-342900">
+              <a:lnSpc>
+                <a:spcPct val="117000"/>
+              </a:lnSpc>
+              <a:spcBef>
+                <a:spcPts val="1000"/>
+              </a:spcBef>
+              <a:spcAft>
+                <a:spcPts val="800"/>
+              </a:spcAft>
+              <a:buFont typeface="Symbol" panose="05050102010706020507" pitchFamily="18" charset="2"/>
+              <a:buChar char=""/>
+            </a:pPr>
+            <a:endParaRPr lang="en-GB" sz="7200" kern="100" dirty="0">
+              <a:latin typeface="Aptos" panose="020B0004020202020204" pitchFamily="34" charset="0"/>
+              <a:cs typeface="Times New Roman" panose="02020603050405020304" pitchFamily="18" charset="0"/>
+            </a:endParaRPr>
+          </a:p>
+          <a:p>
+            <a:pPr marL="342900" indent="-342900">
+              <a:lnSpc>
+                <a:spcPct val="107000"/>
+              </a:lnSpc>
+              <a:spcAft>
+                <a:spcPts val="800"/>
+              </a:spcAft>
+              <a:buFont typeface="Symbol" panose="05050102010706020507" pitchFamily="18" charset="2"/>
+              <a:buChar char=""/>
+            </a:pPr>
+            <a:endParaRPr lang="en-GB" sz="8000" kern="100" dirty="0">
+              <a:latin typeface="Aptos" panose="020B0004020202020204" pitchFamily="34" charset="0"/>
+              <a:cs typeface="Times New Roman" panose="02020603050405020304" pitchFamily="18" charset="0"/>
+            </a:endParaRPr>
+          </a:p>
+          <a:p>
+            <a:pPr marL="0" indent="0">
+              <a:lnSpc>
+                <a:spcPct val="107000"/>
+              </a:lnSpc>
+              <a:spcAft>
+                <a:spcPts val="800"/>
+              </a:spcAft>
+              <a:buNone/>
+            </a:pPr>
+            <a:endParaRPr lang="en-GB" sz="8000" kern="100" dirty="0">
+              <a:latin typeface="Aptos" panose="020B0004020202020204" pitchFamily="34" charset="0"/>
+              <a:cs typeface="Times New Roman" panose="02020603050405020304" pitchFamily="18" charset="0"/>
+            </a:endParaRPr>
+          </a:p>
+          <a:p>
+            <a:pPr marL="0" indent="0">
+              <a:lnSpc>
+                <a:spcPct val="107000"/>
+              </a:lnSpc>
+              <a:spcAft>
+                <a:spcPts val="800"/>
+              </a:spcAft>
+              <a:buNone/>
+            </a:pPr>
+            <a:endParaRPr lang="en-GB" sz="8000" kern="100" dirty="0">
+              <a:latin typeface="Aptos" panose="020B0004020202020204" pitchFamily="34" charset="0"/>
+              <a:cs typeface="Times New Roman" panose="02020603050405020304" pitchFamily="18" charset="0"/>
+            </a:endParaRPr>
+          </a:p>
+        </p:txBody>
+      </p:sp>
+      <p:sp>
+        <p:nvSpPr>
+          <p:cNvPr id="7" name="Title 1">
+            <a:extLst>
+              <a:ext uri="{FF2B5EF4-FFF2-40B4-BE49-F238E27FC236}">
+                <a16:creationId xmlns:a16="http://schemas.microsoft.com/office/drawing/2014/main" id="{BA842BFB-B65E-0E53-CC38-CE3A1D595B8B}"/>
+              </a:ext>
+            </a:extLst>
+          </p:cNvPr>
+          <p:cNvSpPr txBox="1">
+            <a:spLocks/>
+          </p:cNvSpPr>
+          <p:nvPr/>
+        </p:nvSpPr>
+        <p:spPr>
+          <a:xfrm>
+            <a:off x="458694" y="365761"/>
+            <a:ext cx="11274612" cy="897890"/>
+          </a:xfrm>
+          <a:prstGeom prst="rect">
+            <a:avLst/>
+          </a:prstGeom>
+        </p:spPr>
+        <p:txBody>
+          <a:bodyPr vert="horz" lIns="91440" tIns="45720" rIns="91440" bIns="45720" rtlCol="0" anchor="ctr">
+            <a:normAutofit/>
+          </a:bodyPr>
+          <a:lstStyle>
+            <a:lvl1pPr algn="l" defTabSz="914400" rtl="0" eaLnBrk="1" latinLnBrk="0" hangingPunct="1">
+              <a:lnSpc>
+                <a:spcPct val="100000"/>
+              </a:lnSpc>
+              <a:spcBef>
+                <a:spcPct val="0"/>
+              </a:spcBef>
+              <a:buNone/>
+              <a:defRPr sz="4400" b="0" kern="1200">
+                <a:solidFill>
+                  <a:schemeClr val="tx1"/>
+                </a:solidFill>
+                <a:latin typeface="+mj-lt"/>
+                <a:ea typeface="+mj-ea"/>
+                <a:cs typeface="+mj-cs"/>
+              </a:defRPr>
+            </a:lvl1pPr>
+          </a:lstStyle>
+          <a:p>
+            <a:r>
+              <a:rPr lang="en-GB" kern="100" spc="75" dirty="0">
+                <a:solidFill>
+                  <a:srgbClr val="595959"/>
+                </a:solidFill>
+                <a:latin typeface="Aptos" panose="020B0004020202020204" pitchFamily="34" charset="0"/>
+                <a:ea typeface="Times New Roman" panose="02020603050405020304" pitchFamily="18" charset="0"/>
+                <a:cs typeface="Times New Roman" panose="02020603050405020304" pitchFamily="18" charset="0"/>
+              </a:rPr>
+              <a:t>Existing Research (P1-1)</a:t>
+            </a:r>
+            <a:endParaRPr lang="en-MT" dirty="0"/>
+          </a:p>
+        </p:txBody>
+      </p:sp>
+      <p:sp>
+        <p:nvSpPr>
+          <p:cNvPr id="11" name="TextBox 10">
+            <a:extLst>
+              <a:ext uri="{FF2B5EF4-FFF2-40B4-BE49-F238E27FC236}">
+                <a16:creationId xmlns:a16="http://schemas.microsoft.com/office/drawing/2014/main" id="{36CA5DCC-4CBC-ECC8-7A44-130662270D81}"/>
+              </a:ext>
+            </a:extLst>
+          </p:cNvPr>
+          <p:cNvSpPr txBox="1"/>
+          <p:nvPr/>
+        </p:nvSpPr>
+        <p:spPr>
+          <a:xfrm>
+            <a:off x="0" y="6290152"/>
+            <a:ext cx="12192000" cy="399340"/>
+          </a:xfrm>
+          <a:prstGeom prst="rect">
+            <a:avLst/>
+          </a:prstGeom>
+          <a:noFill/>
+        </p:spPr>
+        <p:txBody>
+          <a:bodyPr wrap="square">
+            <a:spAutoFit/>
+          </a:bodyPr>
+          <a:lstStyle/>
+          <a:p>
+            <a:pPr marL="0" indent="0">
+              <a:lnSpc>
+                <a:spcPct val="117000"/>
+              </a:lnSpc>
+              <a:spcAft>
+                <a:spcPts val="800"/>
+              </a:spcAft>
+              <a:buNone/>
+            </a:pPr>
+            <a:r>
+              <a:rPr lang="en-US" sz="1800" dirty="0">
+                <a:latin typeface="Aptos" panose="020B0004020202020204" pitchFamily="34" charset="0"/>
+              </a:rPr>
+              <a:t>LINK: </a:t>
+            </a:r>
+            <a:r>
+              <a:rPr lang="en-US" sz="1800" dirty="0">
+                <a:latin typeface="Aptos" panose="020B0004020202020204" pitchFamily="34" charset="0"/>
+                <a:hlinkClick r:id="rId2"/>
+              </a:rPr>
+              <a:t>https://www.sciencedirect.com/org/science/article/pii/S1546221825000529</a:t>
+            </a:r>
+            <a:endParaRPr lang="en-GB" sz="800" b="1" kern="100" dirty="0">
+              <a:latin typeface="Aptos" panose="020B0004020202020204" pitchFamily="34" charset="0"/>
+              <a:cs typeface="Times New Roman" panose="02020603050405020304" pitchFamily="18" charset="0"/>
+            </a:endParaRPr>
+          </a:p>
+        </p:txBody>
+      </p:sp>
+    </p:spTree>
+    <p:extLst>
+      <p:ext uri="{BB962C8B-B14F-4D97-AF65-F5344CB8AC3E}">
+        <p14:creationId xmlns:p14="http://schemas.microsoft.com/office/powerpoint/2010/main" val="147784856"/>
+      </p:ext>
+    </p:extLst>
+  </p:cSld>
+  <p:clrMapOvr>
+    <a:masterClrMapping/>
+  </p:clrMapOvr>
+</p:sld>
+</file>
+
+<file path=ppt/slides/slide11.xml><?xml version="1.0" encoding="utf-8"?>
+<p:sld xmlns:a="http://schemas.openxmlformats.org/drawingml/2006/main" xmlns:r="http://schemas.openxmlformats.org/officeDocument/2006/relationships" xmlns:p="http://schemas.openxmlformats.org/presentationml/2006/main">
+  <p:cSld>
+    <p:spTree>
+      <p:nvGrpSpPr>
+        <p:cNvPr id="1" name="">
+          <a:extLst>
+            <a:ext uri="{FF2B5EF4-FFF2-40B4-BE49-F238E27FC236}">
+              <a16:creationId xmlns:a16="http://schemas.microsoft.com/office/drawing/2014/main" id="{BA45131A-87F2-3C3F-7AF1-6AA5A369B0EA}"/>
+            </a:ext>
+          </a:extLst>
+        </p:cNvPr>
+        <p:cNvGrpSpPr/>
+        <p:nvPr/>
+      </p:nvGrpSpPr>
+      <p:grpSpPr>
+        <a:xfrm>
+          <a:off x="0" y="0"/>
+          <a:ext cx="0" cy="0"/>
+          <a:chOff x="0" y="0"/>
+          <a:chExt cx="0" cy="0"/>
+        </a:xfrm>
+      </p:grpSpPr>
+      <p:sp>
+        <p:nvSpPr>
+          <p:cNvPr id="8" name="Content Placeholder 2">
+            <a:extLst>
+              <a:ext uri="{FF2B5EF4-FFF2-40B4-BE49-F238E27FC236}">
+                <a16:creationId xmlns:a16="http://schemas.microsoft.com/office/drawing/2014/main" id="{5B2E179E-2D52-397E-CA87-053AAEE7703C}"/>
+              </a:ext>
+            </a:extLst>
+          </p:cNvPr>
+          <p:cNvSpPr>
+            <a:spLocks noGrp="1"/>
+          </p:cNvSpPr>
+          <p:nvPr>
+            <p:ph idx="1"/>
+          </p:nvPr>
+        </p:nvSpPr>
+        <p:spPr>
+          <a:xfrm>
+            <a:off x="458694" y="1263649"/>
+            <a:ext cx="11274612" cy="5228589"/>
+          </a:xfrm>
+        </p:spPr>
+        <p:txBody>
+          <a:bodyPr>
+            <a:normAutofit/>
+          </a:bodyPr>
+          <a:lstStyle/>
+          <a:p>
+            <a:pPr marL="342900" indent="-342900">
+              <a:lnSpc>
+                <a:spcPct val="117000"/>
+              </a:lnSpc>
+              <a:spcAft>
+                <a:spcPts val="800"/>
+              </a:spcAft>
+              <a:buFont typeface="Symbol" panose="05050102010706020507" pitchFamily="18" charset="2"/>
+              <a:buChar char=""/>
+            </a:pPr>
+            <a:r>
+              <a:rPr lang="en-GB" sz="2000" b="1" kern="100" dirty="0">
+                <a:latin typeface="Aptos" panose="020B0004020202020204" pitchFamily="34" charset="0"/>
+                <a:cs typeface="Times New Roman" panose="02020603050405020304" pitchFamily="18" charset="0"/>
+              </a:rPr>
+              <a:t>Datasets Utilised (Deep Learning)</a:t>
+            </a:r>
+          </a:p>
+          <a:p>
+            <a:pPr marL="800100" lvl="2" indent="-342900">
+              <a:lnSpc>
+                <a:spcPct val="117000"/>
+              </a:lnSpc>
+              <a:spcBef>
+                <a:spcPts val="1000"/>
+              </a:spcBef>
+              <a:spcAft>
+                <a:spcPts val="800"/>
+              </a:spcAft>
+              <a:buFont typeface="Symbol" panose="05050102010706020507" pitchFamily="18" charset="2"/>
+              <a:buChar char=""/>
+            </a:pPr>
+            <a:r>
+              <a:rPr lang="en-GB" sz="1600" kern="100" dirty="0">
+                <a:latin typeface="Aptos" panose="020B0004020202020204" pitchFamily="34" charset="0"/>
+                <a:cs typeface="Times New Roman" panose="02020603050405020304" pitchFamily="18" charset="0"/>
+              </a:rPr>
+              <a:t>FER2013, </a:t>
+            </a:r>
+            <a:r>
+              <a:rPr lang="en-GB" sz="1600" kern="100" dirty="0" err="1">
+                <a:latin typeface="Aptos" panose="020B0004020202020204" pitchFamily="34" charset="0"/>
+                <a:cs typeface="Times New Roman" panose="02020603050405020304" pitchFamily="18" charset="0"/>
+              </a:rPr>
+              <a:t>FERPlus</a:t>
+            </a:r>
+            <a:r>
+              <a:rPr lang="en-GB" sz="1600" kern="100" dirty="0">
+                <a:latin typeface="Aptos" panose="020B0004020202020204" pitchFamily="34" charset="0"/>
+                <a:cs typeface="Times New Roman" panose="02020603050405020304" pitchFamily="18" charset="0"/>
+              </a:rPr>
+              <a:t>, JAFFE, CK, CK+, RAF-DB, KDEF</a:t>
+            </a:r>
+            <a:endParaRPr lang="en-US" sz="1600" b="1" dirty="0"/>
+          </a:p>
+          <a:p>
+            <a:pPr marL="342900" indent="-342900">
+              <a:lnSpc>
+                <a:spcPct val="117000"/>
+              </a:lnSpc>
+              <a:spcAft>
+                <a:spcPts val="800"/>
+              </a:spcAft>
+              <a:buFont typeface="Symbol" panose="05050102010706020507" pitchFamily="18" charset="2"/>
+              <a:buChar char=""/>
+            </a:pPr>
+            <a:r>
+              <a:rPr lang="en-US" sz="2000" b="1" kern="100" dirty="0">
+                <a:latin typeface="Aptos" panose="020B0004020202020204" pitchFamily="34" charset="0"/>
+                <a:cs typeface="Times New Roman" panose="02020603050405020304" pitchFamily="18" charset="0"/>
+              </a:rPr>
+              <a:t>Evaluation Metrics</a:t>
+            </a:r>
+          </a:p>
+          <a:p>
+            <a:pPr marL="800100" lvl="2" indent="-342900">
+              <a:lnSpc>
+                <a:spcPct val="117000"/>
+              </a:lnSpc>
+              <a:spcBef>
+                <a:spcPts val="1000"/>
+              </a:spcBef>
+              <a:spcAft>
+                <a:spcPts val="800"/>
+              </a:spcAft>
+              <a:buFont typeface="Symbol" panose="05050102010706020507" pitchFamily="18" charset="2"/>
+              <a:buChar char=""/>
+            </a:pPr>
+            <a:r>
+              <a:rPr lang="en-US" sz="1600" b="1" kern="100" dirty="0">
+                <a:latin typeface="Aptos" panose="020B0004020202020204" pitchFamily="34" charset="0"/>
+                <a:cs typeface="Times New Roman" panose="02020603050405020304" pitchFamily="18" charset="0"/>
+              </a:rPr>
+              <a:t>Primary Metric</a:t>
+            </a:r>
+            <a:r>
+              <a:rPr lang="en-US" sz="1600" kern="100" dirty="0">
+                <a:latin typeface="Aptos" panose="020B0004020202020204" pitchFamily="34" charset="0"/>
+                <a:cs typeface="Times New Roman" panose="02020603050405020304" pitchFamily="18" charset="0"/>
+              </a:rPr>
+              <a:t>: Accuracy.</a:t>
+            </a:r>
+          </a:p>
+          <a:p>
+            <a:pPr marL="800100" lvl="2" indent="-342900">
+              <a:lnSpc>
+                <a:spcPct val="117000"/>
+              </a:lnSpc>
+              <a:spcBef>
+                <a:spcPts val="1000"/>
+              </a:spcBef>
+              <a:spcAft>
+                <a:spcPts val="800"/>
+              </a:spcAft>
+              <a:buFont typeface="Symbol" panose="05050102010706020507" pitchFamily="18" charset="2"/>
+              <a:buChar char=""/>
+            </a:pPr>
+            <a:r>
+              <a:rPr lang="en-US" sz="1600" b="1" kern="100" dirty="0">
+                <a:latin typeface="Aptos" panose="020B0004020202020204" pitchFamily="34" charset="0"/>
+                <a:cs typeface="Times New Roman" panose="02020603050405020304" pitchFamily="18" charset="0"/>
+              </a:rPr>
+              <a:t>Other Key Metrics</a:t>
+            </a:r>
+            <a:r>
+              <a:rPr lang="en-US" sz="1600" kern="100" dirty="0">
+                <a:latin typeface="Aptos" panose="020B0004020202020204" pitchFamily="34" charset="0"/>
+                <a:cs typeface="Times New Roman" panose="02020603050405020304" pitchFamily="18" charset="0"/>
+              </a:rPr>
+              <a:t>: F1-score, Precision, Recall (used in model-specific papers).</a:t>
+            </a:r>
+            <a:endParaRPr lang="en-GB" sz="1600" kern="100" dirty="0">
+              <a:latin typeface="Aptos" panose="020B0004020202020204" pitchFamily="34" charset="0"/>
+              <a:cs typeface="Times New Roman" panose="02020603050405020304" pitchFamily="18" charset="0"/>
+            </a:endParaRPr>
+          </a:p>
+          <a:p>
+            <a:pPr marL="800100" lvl="1" indent="-342900">
+              <a:lnSpc>
+                <a:spcPct val="107000"/>
+              </a:lnSpc>
+              <a:spcAft>
+                <a:spcPts val="800"/>
+              </a:spcAft>
+              <a:buFont typeface="Symbol" panose="05050102010706020507" pitchFamily="18" charset="2"/>
+              <a:buChar char=""/>
+            </a:pPr>
+            <a:endParaRPr lang="en-GB" sz="2200" kern="100" dirty="0">
+              <a:latin typeface="Aptos" panose="020B0004020202020204" pitchFamily="34" charset="0"/>
+              <a:cs typeface="Times New Roman" panose="02020603050405020304" pitchFamily="18" charset="0"/>
+            </a:endParaRPr>
+          </a:p>
+          <a:p>
+            <a:pPr marL="800100" lvl="1" indent="-342900">
+              <a:lnSpc>
+                <a:spcPct val="107000"/>
+              </a:lnSpc>
+              <a:spcAft>
+                <a:spcPts val="800"/>
+              </a:spcAft>
+              <a:buFont typeface="Symbol" panose="05050102010706020507" pitchFamily="18" charset="2"/>
+              <a:buChar char=""/>
+            </a:pPr>
+            <a:endParaRPr lang="en-GB" sz="2200" kern="100" dirty="0">
+              <a:latin typeface="Aptos" panose="020B0004020202020204" pitchFamily="34" charset="0"/>
+              <a:cs typeface="Times New Roman" panose="02020603050405020304" pitchFamily="18" charset="0"/>
+            </a:endParaRPr>
+          </a:p>
+          <a:p>
+            <a:pPr marL="800100" lvl="1" indent="-342900">
+              <a:lnSpc>
+                <a:spcPct val="107000"/>
+              </a:lnSpc>
+              <a:spcAft>
+                <a:spcPts val="800"/>
+              </a:spcAft>
+              <a:buFont typeface="Symbol" panose="05050102010706020507" pitchFamily="18" charset="2"/>
+              <a:buChar char=""/>
+            </a:pPr>
+            <a:endParaRPr lang="en-GB" sz="1600" kern="100" dirty="0">
+              <a:latin typeface="Aptos" panose="020B0004020202020204" pitchFamily="34" charset="0"/>
+              <a:cs typeface="Times New Roman" panose="02020603050405020304" pitchFamily="18" charset="0"/>
+            </a:endParaRPr>
+          </a:p>
+          <a:p>
+            <a:pPr marL="914400" lvl="2" indent="0">
+              <a:lnSpc>
+                <a:spcPct val="107000"/>
+              </a:lnSpc>
+              <a:spcAft>
+                <a:spcPts val="800"/>
+              </a:spcAft>
+              <a:buNone/>
+            </a:pPr>
+            <a:endParaRPr lang="en-GB" sz="1400" kern="100" dirty="0">
+              <a:latin typeface="Aptos" panose="020B0004020202020204" pitchFamily="34" charset="0"/>
+              <a:cs typeface="Times New Roman" panose="02020603050405020304" pitchFamily="18" charset="0"/>
+            </a:endParaRPr>
+          </a:p>
+        </p:txBody>
+      </p:sp>
+      <p:sp>
+        <p:nvSpPr>
+          <p:cNvPr id="7" name="Title 1">
+            <a:extLst>
+              <a:ext uri="{FF2B5EF4-FFF2-40B4-BE49-F238E27FC236}">
+                <a16:creationId xmlns:a16="http://schemas.microsoft.com/office/drawing/2014/main" id="{C63E8631-1C0E-8B09-76FE-2F61E07D1379}"/>
+              </a:ext>
+            </a:extLst>
+          </p:cNvPr>
+          <p:cNvSpPr txBox="1">
+            <a:spLocks/>
+          </p:cNvSpPr>
+          <p:nvPr/>
+        </p:nvSpPr>
+        <p:spPr>
+          <a:xfrm>
+            <a:off x="458694" y="365761"/>
+            <a:ext cx="11274612" cy="897890"/>
+          </a:xfrm>
+          <a:prstGeom prst="rect">
+            <a:avLst/>
+          </a:prstGeom>
+        </p:spPr>
+        <p:txBody>
+          <a:bodyPr vert="horz" lIns="91440" tIns="45720" rIns="91440" bIns="45720" rtlCol="0" anchor="ctr">
+            <a:normAutofit/>
+          </a:bodyPr>
+          <a:lstStyle>
+            <a:lvl1pPr algn="l" defTabSz="914400" rtl="0" eaLnBrk="1" latinLnBrk="0" hangingPunct="1">
+              <a:lnSpc>
+                <a:spcPct val="100000"/>
+              </a:lnSpc>
+              <a:spcBef>
+                <a:spcPct val="0"/>
+              </a:spcBef>
+              <a:buNone/>
+              <a:defRPr sz="4400" b="0" kern="1200">
+                <a:solidFill>
+                  <a:schemeClr val="tx1"/>
+                </a:solidFill>
+                <a:latin typeface="+mj-lt"/>
+                <a:ea typeface="+mj-ea"/>
+                <a:cs typeface="+mj-cs"/>
+              </a:defRPr>
+            </a:lvl1pPr>
+          </a:lstStyle>
+          <a:p>
+            <a:r>
+              <a:rPr lang="en-GB" kern="100" spc="75" dirty="0">
+                <a:solidFill>
+                  <a:srgbClr val="595959"/>
+                </a:solidFill>
+                <a:latin typeface="Aptos" panose="020B0004020202020204" pitchFamily="34" charset="0"/>
+                <a:ea typeface="Times New Roman" panose="02020603050405020304" pitchFamily="18" charset="0"/>
+                <a:cs typeface="Times New Roman" panose="02020603050405020304" pitchFamily="18" charset="0"/>
+              </a:rPr>
+              <a:t>Existing Research (P1-2)</a:t>
+            </a:r>
+            <a:endParaRPr lang="en-MT" dirty="0"/>
+          </a:p>
+        </p:txBody>
+      </p:sp>
+      <p:sp>
+        <p:nvSpPr>
+          <p:cNvPr id="4" name="Content Placeholder 2">
+            <a:extLst>
+              <a:ext uri="{FF2B5EF4-FFF2-40B4-BE49-F238E27FC236}">
+                <a16:creationId xmlns:a16="http://schemas.microsoft.com/office/drawing/2014/main" id="{8FAF1FEA-5D22-468D-0D1B-10101A2B7AD4}"/>
+              </a:ext>
+            </a:extLst>
+          </p:cNvPr>
+          <p:cNvSpPr txBox="1">
+            <a:spLocks/>
+          </p:cNvSpPr>
+          <p:nvPr/>
+        </p:nvSpPr>
+        <p:spPr>
+          <a:xfrm>
+            <a:off x="458694" y="4229100"/>
+            <a:ext cx="11274612" cy="3108325"/>
+          </a:xfrm>
+          <a:prstGeom prst="rect">
+            <a:avLst/>
+          </a:prstGeom>
+        </p:spPr>
+        <p:txBody>
+          <a:bodyPr vert="horz" lIns="91440" tIns="45720" rIns="91440" bIns="45720" rtlCol="0">
+            <a:normAutofit/>
+          </a:bodyPr>
+          <a:lstStyle>
+            <a:lvl1pPr marL="228600" indent="-228600" algn="l" defTabSz="914400" rtl="0" eaLnBrk="1" latinLnBrk="0" hangingPunct="1">
+              <a:lnSpc>
+                <a:spcPct val="110000"/>
+              </a:lnSpc>
+              <a:spcBef>
+                <a:spcPts val="1000"/>
+              </a:spcBef>
+              <a:buClr>
+                <a:schemeClr val="accent1"/>
+              </a:buClr>
+              <a:buFont typeface="Arial" panose="020B0604020202020204" pitchFamily="34" charset="0"/>
+              <a:buChar char="•"/>
+              <a:defRPr sz="2800" kern="1200">
+                <a:solidFill>
+                  <a:schemeClr val="tx1"/>
+                </a:solidFill>
+                <a:latin typeface="+mn-lt"/>
+                <a:ea typeface="+mn-ea"/>
+                <a:cs typeface="+mn-cs"/>
+              </a:defRPr>
+            </a:lvl1pPr>
+            <a:lvl2pPr marL="685800" indent="-228600" algn="l" defTabSz="914400" rtl="0" eaLnBrk="1" latinLnBrk="0" hangingPunct="1">
+              <a:lnSpc>
+                <a:spcPct val="110000"/>
+              </a:lnSpc>
+              <a:spcBef>
+                <a:spcPts val="500"/>
+              </a:spcBef>
+              <a:buClr>
+                <a:schemeClr val="accent1"/>
+              </a:buClr>
+              <a:buFont typeface="Arial" panose="020B0604020202020204" pitchFamily="34" charset="0"/>
+              <a:buChar char="•"/>
+              <a:defRPr sz="2400" kern="1200">
+                <a:solidFill>
+                  <a:schemeClr val="tx1"/>
+                </a:solidFill>
+                <a:latin typeface="+mn-lt"/>
+                <a:ea typeface="+mn-ea"/>
+                <a:cs typeface="+mn-cs"/>
+              </a:defRPr>
+            </a:lvl2pPr>
+            <a:lvl3pPr marL="1143000" indent="-228600" algn="l" defTabSz="914400" rtl="0" eaLnBrk="1" latinLnBrk="0" hangingPunct="1">
+              <a:lnSpc>
+                <a:spcPct val="110000"/>
+              </a:lnSpc>
+              <a:spcBef>
+                <a:spcPts val="500"/>
+              </a:spcBef>
+              <a:buClr>
+                <a:schemeClr val="accent1"/>
+              </a:buClr>
+              <a:buFont typeface="Arial" panose="020B0604020202020204" pitchFamily="34" charset="0"/>
+              <a:buChar char="•"/>
+              <a:defRPr sz="2000" kern="1200">
+                <a:solidFill>
+                  <a:schemeClr val="tx1"/>
+                </a:solidFill>
+                <a:latin typeface="+mn-lt"/>
+                <a:ea typeface="+mn-ea"/>
+                <a:cs typeface="+mn-cs"/>
+              </a:defRPr>
+            </a:lvl3pPr>
+            <a:lvl4pPr marL="1600200" indent="-228600" algn="l" defTabSz="914400" rtl="0" eaLnBrk="1" latinLnBrk="0" hangingPunct="1">
+              <a:lnSpc>
+                <a:spcPct val="110000"/>
+              </a:lnSpc>
+              <a:spcBef>
+                <a:spcPts val="500"/>
+              </a:spcBef>
+              <a:buClr>
+                <a:schemeClr val="accent1"/>
+              </a:buClr>
+              <a:buFont typeface="Arial" panose="020B0604020202020204" pitchFamily="34" charset="0"/>
+              <a:buChar char="•"/>
+              <a:defRPr sz="1800" kern="1200">
+                <a:solidFill>
+                  <a:schemeClr val="tx1"/>
+                </a:solidFill>
+                <a:latin typeface="+mn-lt"/>
+                <a:ea typeface="+mn-ea"/>
+                <a:cs typeface="+mn-cs"/>
+              </a:defRPr>
+            </a:lvl4pPr>
+            <a:lvl5pPr marL="2057400" indent="-228600" algn="l" defTabSz="914400" rtl="0" eaLnBrk="1" latinLnBrk="0" hangingPunct="1">
+              <a:lnSpc>
+                <a:spcPct val="110000"/>
+              </a:lnSpc>
+              <a:spcBef>
+                <a:spcPts val="500"/>
+              </a:spcBef>
+              <a:buClr>
+                <a:schemeClr val="accent1"/>
+              </a:buClr>
+              <a:buFont typeface="Arial" panose="020B0604020202020204" pitchFamily="34" charset="0"/>
+              <a:buChar char="•"/>
+              <a:defRPr sz="1800" kern="1200">
+                <a:solidFill>
+                  <a:schemeClr val="tx1"/>
+                </a:solidFill>
+                <a:latin typeface="+mn-lt"/>
+                <a:ea typeface="+mn-ea"/>
+                <a:cs typeface="+mn-cs"/>
+              </a:defRPr>
+            </a:lvl5pPr>
+            <a:lvl6pPr marL="2514600" indent="-228600" algn="l" defTabSz="914400" rtl="0" eaLnBrk="1" latinLnBrk="0" hangingPunct="1">
+              <a:lnSpc>
+                <a:spcPct val="90000"/>
+              </a:lnSpc>
+              <a:spcBef>
+                <a:spcPts val="500"/>
+              </a:spcBef>
+              <a:buFont typeface="Arial" panose="020B0604020202020204" pitchFamily="34" charset="0"/>
+              <a:buChar char="•"/>
+              <a:defRPr sz="1800" kern="1200">
+                <a:solidFill>
+                  <a:schemeClr val="tx1"/>
+                </a:solidFill>
+                <a:latin typeface="+mn-lt"/>
+                <a:ea typeface="+mn-ea"/>
+                <a:cs typeface="+mn-cs"/>
+              </a:defRPr>
+            </a:lvl6pPr>
+            <a:lvl7pPr marL="2971800" indent="-228600" algn="l" defTabSz="914400" rtl="0" eaLnBrk="1" latinLnBrk="0" hangingPunct="1">
+              <a:lnSpc>
+                <a:spcPct val="90000"/>
+              </a:lnSpc>
+              <a:spcBef>
+                <a:spcPts val="500"/>
+              </a:spcBef>
+              <a:buFont typeface="Arial" panose="020B0604020202020204" pitchFamily="34" charset="0"/>
+              <a:buChar char="•"/>
+              <a:defRPr sz="1800" kern="1200">
+                <a:solidFill>
+                  <a:schemeClr val="tx1"/>
+                </a:solidFill>
+                <a:latin typeface="+mn-lt"/>
+                <a:ea typeface="+mn-ea"/>
+                <a:cs typeface="+mn-cs"/>
+              </a:defRPr>
+            </a:lvl7pPr>
+            <a:lvl8pPr marL="3429000" indent="-228600" algn="l" defTabSz="914400" rtl="0" eaLnBrk="1" latinLnBrk="0" hangingPunct="1">
+              <a:lnSpc>
+                <a:spcPct val="90000"/>
+              </a:lnSpc>
+              <a:spcBef>
+                <a:spcPts val="500"/>
+              </a:spcBef>
+              <a:buFont typeface="Arial" panose="020B0604020202020204" pitchFamily="34" charset="0"/>
+              <a:buChar char="•"/>
+              <a:defRPr sz="1800" kern="1200">
+                <a:solidFill>
+                  <a:schemeClr val="tx1"/>
+                </a:solidFill>
+                <a:latin typeface="+mn-lt"/>
+                <a:ea typeface="+mn-ea"/>
+                <a:cs typeface="+mn-cs"/>
+              </a:defRPr>
+            </a:lvl8pPr>
+            <a:lvl9pPr marL="3886200" indent="-228600" algn="l" defTabSz="914400" rtl="0" eaLnBrk="1" latinLnBrk="0" hangingPunct="1">
+              <a:lnSpc>
+                <a:spcPct val="90000"/>
+              </a:lnSpc>
+              <a:spcBef>
+                <a:spcPts val="500"/>
+              </a:spcBef>
+              <a:buFont typeface="Arial" panose="020B0604020202020204" pitchFamily="34" charset="0"/>
+              <a:buChar char="•"/>
+              <a:defRPr sz="1800" kern="1200">
+                <a:solidFill>
+                  <a:schemeClr val="tx1"/>
+                </a:solidFill>
+                <a:latin typeface="+mn-lt"/>
+                <a:ea typeface="+mn-ea"/>
+                <a:cs typeface="+mn-cs"/>
+              </a:defRPr>
+            </a:lvl9pPr>
+          </a:lstStyle>
+          <a:p>
+            <a:pPr>
+              <a:lnSpc>
+                <a:spcPct val="107000"/>
+              </a:lnSpc>
+              <a:spcAft>
+                <a:spcPts val="800"/>
+              </a:spcAft>
+            </a:pPr>
+            <a:endParaRPr lang="en-MT" sz="1400" kern="100" dirty="0">
+              <a:effectLst/>
+              <a:latin typeface="Aptos" panose="020B0004020202020204" pitchFamily="34" charset="0"/>
+              <a:ea typeface="Aptos" panose="020B0004020202020204" pitchFamily="34" charset="0"/>
+              <a:cs typeface="Times New Roman" panose="02020603050405020304" pitchFamily="18" charset="0"/>
+            </a:endParaRPr>
+          </a:p>
+        </p:txBody>
+      </p:sp>
+    </p:spTree>
+    <p:extLst>
+      <p:ext uri="{BB962C8B-B14F-4D97-AF65-F5344CB8AC3E}">
+        <p14:creationId xmlns:p14="http://schemas.microsoft.com/office/powerpoint/2010/main" val="3061408486"/>
+      </p:ext>
+    </p:extLst>
+  </p:cSld>
+  <p:clrMapOvr>
+    <a:masterClrMapping/>
+  </p:clrMapOvr>
+</p:sld>
+</file>
+
+<file path=ppt/slides/slide12.xml><?xml version="1.0" encoding="utf-8"?>
+<p:sld xmlns:a="http://schemas.openxmlformats.org/drawingml/2006/main" xmlns:r="http://schemas.openxmlformats.org/officeDocument/2006/relationships" xmlns:p="http://schemas.openxmlformats.org/presentationml/2006/main">
+  <p:cSld>
+    <p:spTree>
+      <p:nvGrpSpPr>
+        <p:cNvPr id="1" name="">
+          <a:extLst>
+            <a:ext uri="{FF2B5EF4-FFF2-40B4-BE49-F238E27FC236}">
+              <a16:creationId xmlns:a16="http://schemas.microsoft.com/office/drawing/2014/main" id="{2D6BE5C0-1336-BEB7-9C0B-FC2CAEA0B3D8}"/>
+            </a:ext>
+          </a:extLst>
+        </p:cNvPr>
+        <p:cNvGrpSpPr/>
+        <p:nvPr/>
+      </p:nvGrpSpPr>
+      <p:grpSpPr>
+        <a:xfrm>
+          <a:off x="0" y="0"/>
+          <a:ext cx="0" cy="0"/>
+          <a:chOff x="0" y="0"/>
+          <a:chExt cx="0" cy="0"/>
+        </a:xfrm>
+      </p:grpSpPr>
+      <p:sp>
+        <p:nvSpPr>
+          <p:cNvPr id="8" name="Content Placeholder 2">
+            <a:extLst>
+              <a:ext uri="{FF2B5EF4-FFF2-40B4-BE49-F238E27FC236}">
+                <a16:creationId xmlns:a16="http://schemas.microsoft.com/office/drawing/2014/main" id="{6B8FD190-3072-ED5A-0366-E5408827815F}"/>
+              </a:ext>
+            </a:extLst>
+          </p:cNvPr>
+          <p:cNvSpPr>
+            <a:spLocks noGrp="1"/>
+          </p:cNvSpPr>
+          <p:nvPr>
+            <p:ph idx="1"/>
+          </p:nvPr>
+        </p:nvSpPr>
+        <p:spPr>
+          <a:xfrm>
+            <a:off x="458694" y="1263649"/>
+            <a:ext cx="11274612" cy="5594351"/>
+          </a:xfrm>
+        </p:spPr>
+        <p:txBody>
+          <a:bodyPr>
+            <a:normAutofit fontScale="85000" lnSpcReduction="20000"/>
+          </a:bodyPr>
+          <a:lstStyle/>
+          <a:p>
+            <a:pPr marL="342900" indent="-342900">
+              <a:lnSpc>
+                <a:spcPct val="107000"/>
+              </a:lnSpc>
+              <a:spcAft>
+                <a:spcPts val="800"/>
+              </a:spcAft>
+              <a:buFont typeface="Symbol" panose="05050102010706020507" pitchFamily="18" charset="2"/>
+              <a:buChar char=""/>
+            </a:pPr>
+            <a:r>
+              <a:rPr lang="en-GB" sz="2400" b="1" kern="100" dirty="0">
+                <a:latin typeface="Aptos" panose="020B0004020202020204" pitchFamily="34" charset="0"/>
+                <a:cs typeface="Times New Roman" panose="02020603050405020304" pitchFamily="18" charset="0"/>
+              </a:rPr>
+              <a:t>Deep Learning Results</a:t>
+            </a:r>
+          </a:p>
+          <a:p>
+            <a:pPr marL="800100" lvl="1" indent="-342900">
+              <a:lnSpc>
+                <a:spcPct val="107000"/>
+              </a:lnSpc>
+              <a:spcAft>
+                <a:spcPts val="800"/>
+              </a:spcAft>
+              <a:buFont typeface="Symbol" panose="05050102010706020507" pitchFamily="18" charset="2"/>
+              <a:buChar char=""/>
+            </a:pPr>
+            <a:r>
+              <a:rPr lang="en-US" sz="1900" kern="100" dirty="0">
+                <a:latin typeface="Aptos" panose="020B0004020202020204" pitchFamily="34" charset="0"/>
+                <a:cs typeface="Times New Roman" panose="02020603050405020304" pitchFamily="18" charset="0"/>
+              </a:rPr>
+              <a:t>Deep Learning Models outperform Traditional ML techniques in accuracy.</a:t>
+            </a:r>
+          </a:p>
+          <a:p>
+            <a:pPr marL="800100" lvl="1" indent="-342900">
+              <a:lnSpc>
+                <a:spcPct val="107000"/>
+              </a:lnSpc>
+              <a:spcAft>
+                <a:spcPts val="800"/>
+              </a:spcAft>
+              <a:buFont typeface="Symbol" panose="05050102010706020507" pitchFamily="18" charset="2"/>
+              <a:buChar char=""/>
+            </a:pPr>
+            <a:r>
+              <a:rPr lang="en-US" sz="1900" kern="100" dirty="0">
+                <a:latin typeface="Aptos" panose="020B0004020202020204" pitchFamily="34" charset="0"/>
+                <a:cs typeface="Times New Roman" panose="02020603050405020304" pitchFamily="18" charset="0"/>
+              </a:rPr>
+              <a:t>Drawbacks:</a:t>
+            </a:r>
+          </a:p>
+          <a:p>
+            <a:pPr marL="1257300" lvl="2" indent="-342900">
+              <a:lnSpc>
+                <a:spcPct val="107000"/>
+              </a:lnSpc>
+              <a:spcAft>
+                <a:spcPts val="800"/>
+              </a:spcAft>
+              <a:buFont typeface="Symbol" panose="05050102010706020507" pitchFamily="18" charset="2"/>
+              <a:buChar char=""/>
+            </a:pPr>
+            <a:r>
+              <a:rPr lang="en-US" sz="1900" kern="100" dirty="0">
+                <a:latin typeface="Aptos" panose="020B0004020202020204" pitchFamily="34" charset="0"/>
+                <a:cs typeface="Times New Roman" panose="02020603050405020304" pitchFamily="18" charset="0"/>
+              </a:rPr>
+              <a:t>Extensive datasets</a:t>
+            </a:r>
+          </a:p>
+          <a:p>
+            <a:pPr marL="1257300" lvl="2" indent="-342900">
+              <a:lnSpc>
+                <a:spcPct val="107000"/>
+              </a:lnSpc>
+              <a:spcAft>
+                <a:spcPts val="800"/>
+              </a:spcAft>
+              <a:buFont typeface="Symbol" panose="05050102010706020507" pitchFamily="18" charset="2"/>
+              <a:buChar char=""/>
+            </a:pPr>
+            <a:r>
+              <a:rPr lang="en-US" sz="1900" kern="100" dirty="0">
+                <a:latin typeface="Aptos" panose="020B0004020202020204" pitchFamily="34" charset="0"/>
+                <a:cs typeface="Times New Roman" panose="02020603050405020304" pitchFamily="18" charset="0"/>
+              </a:rPr>
+              <a:t>Substantial memory and processing power</a:t>
+            </a:r>
+          </a:p>
+          <a:p>
+            <a:pPr marL="1257300" lvl="2" indent="-342900">
+              <a:lnSpc>
+                <a:spcPct val="107000"/>
+              </a:lnSpc>
+              <a:spcAft>
+                <a:spcPts val="800"/>
+              </a:spcAft>
+              <a:buFont typeface="Symbol" panose="05050102010706020507" pitchFamily="18" charset="2"/>
+              <a:buChar char=""/>
+            </a:pPr>
+            <a:r>
+              <a:rPr lang="en-US" sz="1900" kern="100" dirty="0">
+                <a:latin typeface="Aptos" panose="020B0004020202020204" pitchFamily="34" charset="0"/>
+                <a:cs typeface="Times New Roman" panose="02020603050405020304" pitchFamily="18" charset="0"/>
+              </a:rPr>
+              <a:t>Considerable duration for both training and testing.</a:t>
+            </a:r>
+          </a:p>
+          <a:p>
+            <a:pPr marL="800100" lvl="1" indent="-342900">
+              <a:lnSpc>
+                <a:spcPct val="107000"/>
+              </a:lnSpc>
+              <a:spcAft>
+                <a:spcPts val="800"/>
+              </a:spcAft>
+              <a:buFont typeface="Symbol" panose="05050102010706020507" pitchFamily="18" charset="2"/>
+              <a:buChar char=""/>
+            </a:pPr>
+            <a:r>
+              <a:rPr lang="en-US" sz="1900" kern="100" dirty="0">
+                <a:latin typeface="Aptos" panose="020B0004020202020204" pitchFamily="34" charset="0"/>
+                <a:cs typeface="Times New Roman" panose="02020603050405020304" pitchFamily="18" charset="0"/>
+              </a:rPr>
+              <a:t>Data augmentation is overall advantageous:</a:t>
+            </a:r>
+          </a:p>
+          <a:p>
+            <a:pPr marL="1257300" lvl="2" indent="-342900">
+              <a:lnSpc>
+                <a:spcPct val="107000"/>
+              </a:lnSpc>
+              <a:spcAft>
+                <a:spcPts val="800"/>
+              </a:spcAft>
+              <a:buFont typeface="Symbol" panose="05050102010706020507" pitchFamily="18" charset="2"/>
+              <a:buChar char=""/>
+            </a:pPr>
+            <a:r>
+              <a:rPr lang="en-US" sz="1900" kern="100" dirty="0">
+                <a:latin typeface="Aptos" panose="020B0004020202020204" pitchFamily="34" charset="0"/>
+                <a:cs typeface="Times New Roman" panose="02020603050405020304" pitchFamily="18" charset="0"/>
+              </a:rPr>
+              <a:t>Enhance model flexibility</a:t>
+            </a:r>
+          </a:p>
+          <a:p>
+            <a:pPr marL="1257300" lvl="2" indent="-342900">
+              <a:lnSpc>
+                <a:spcPct val="107000"/>
+              </a:lnSpc>
+              <a:spcAft>
+                <a:spcPts val="800"/>
+              </a:spcAft>
+              <a:buFont typeface="Symbol" panose="05050102010706020507" pitchFamily="18" charset="2"/>
+              <a:buChar char=""/>
+            </a:pPr>
+            <a:r>
+              <a:rPr lang="en-US" sz="1900" kern="100" dirty="0">
+                <a:latin typeface="Aptos" panose="020B0004020202020204" pitchFamily="34" charset="0"/>
+                <a:cs typeface="Times New Roman" panose="02020603050405020304" pitchFamily="18" charset="0"/>
+              </a:rPr>
+              <a:t>Prevent overfitting</a:t>
+            </a:r>
+          </a:p>
+          <a:p>
+            <a:pPr marL="1257300" lvl="2" indent="-342900">
+              <a:lnSpc>
+                <a:spcPct val="107000"/>
+              </a:lnSpc>
+              <a:spcAft>
+                <a:spcPts val="800"/>
+              </a:spcAft>
+              <a:buFont typeface="Symbol" panose="05050102010706020507" pitchFamily="18" charset="2"/>
+              <a:buChar char=""/>
+            </a:pPr>
+            <a:r>
+              <a:rPr lang="en-US" sz="1900" kern="100" dirty="0">
+                <a:latin typeface="Aptos" panose="020B0004020202020204" pitchFamily="34" charset="0"/>
+                <a:cs typeface="Times New Roman" panose="02020603050405020304" pitchFamily="18" charset="0"/>
+              </a:rPr>
+              <a:t>Enhance model accuracy</a:t>
+            </a:r>
+          </a:p>
+          <a:p>
+            <a:pPr marL="342900" indent="-342900">
+              <a:lnSpc>
+                <a:spcPct val="107000"/>
+              </a:lnSpc>
+              <a:spcAft>
+                <a:spcPts val="800"/>
+              </a:spcAft>
+              <a:buFont typeface="Symbol" panose="05050102010706020507" pitchFamily="18" charset="2"/>
+              <a:buChar char=""/>
+            </a:pPr>
+            <a:r>
+              <a:rPr lang="en-US" sz="2400" b="1" kern="100" dirty="0">
+                <a:latin typeface="Aptos" panose="020B0004020202020204" pitchFamily="34" charset="0"/>
+                <a:cs typeface="Times New Roman" panose="02020603050405020304" pitchFamily="18" charset="0"/>
+              </a:rPr>
+              <a:t>Limitations</a:t>
+            </a:r>
+          </a:p>
+          <a:p>
+            <a:pPr marL="800100" lvl="1" indent="-342900">
+              <a:lnSpc>
+                <a:spcPct val="107000"/>
+              </a:lnSpc>
+              <a:spcAft>
+                <a:spcPts val="800"/>
+              </a:spcAft>
+              <a:buFont typeface="Symbol" panose="05050102010706020507" pitchFamily="18" charset="2"/>
+              <a:buChar char=""/>
+            </a:pPr>
+            <a:r>
+              <a:rPr lang="en-GB" sz="1900" kern="100" dirty="0">
+                <a:latin typeface="Aptos" panose="020B0004020202020204" pitchFamily="34" charset="0"/>
+                <a:cs typeface="Times New Roman" panose="02020603050405020304" pitchFamily="18" charset="0"/>
+              </a:rPr>
+              <a:t>Models weren’t compared using the same datasets / hyperparameters</a:t>
+            </a:r>
+          </a:p>
+          <a:p>
+            <a:pPr marL="800100" lvl="1" indent="-342900">
+              <a:lnSpc>
+                <a:spcPct val="107000"/>
+              </a:lnSpc>
+              <a:spcAft>
+                <a:spcPts val="800"/>
+              </a:spcAft>
+              <a:buFont typeface="Symbol" panose="05050102010706020507" pitchFamily="18" charset="2"/>
+              <a:buChar char=""/>
+            </a:pPr>
+            <a:r>
+              <a:rPr lang="en-GB" sz="1900" kern="100" dirty="0">
+                <a:latin typeface="Aptos" panose="020B0004020202020204" pitchFamily="34" charset="0"/>
+                <a:cs typeface="Times New Roman" panose="02020603050405020304" pitchFamily="18" charset="0"/>
+              </a:rPr>
+              <a:t>Considered only widely used models as opposed to SOTA</a:t>
+            </a:r>
+          </a:p>
+          <a:p>
+            <a:pPr marL="800100" lvl="1" indent="-342900">
+              <a:lnSpc>
+                <a:spcPct val="107000"/>
+              </a:lnSpc>
+              <a:spcAft>
+                <a:spcPts val="800"/>
+              </a:spcAft>
+              <a:buFont typeface="Symbol" panose="05050102010706020507" pitchFamily="18" charset="2"/>
+              <a:buChar char=""/>
+            </a:pPr>
+            <a:r>
+              <a:rPr lang="en-GB" sz="1900" kern="100" dirty="0">
+                <a:latin typeface="Aptos" panose="020B0004020202020204" pitchFamily="34" charset="0"/>
+                <a:cs typeface="Times New Roman" panose="02020603050405020304" pitchFamily="18" charset="0"/>
+              </a:rPr>
+              <a:t>Comparison was only done based on Accuracy</a:t>
+            </a:r>
+          </a:p>
+          <a:p>
+            <a:pPr marL="800100" lvl="1" indent="-342900">
+              <a:lnSpc>
+                <a:spcPct val="107000"/>
+              </a:lnSpc>
+              <a:spcAft>
+                <a:spcPts val="800"/>
+              </a:spcAft>
+              <a:buFont typeface="Symbol" panose="05050102010706020507" pitchFamily="18" charset="2"/>
+              <a:buChar char=""/>
+            </a:pPr>
+            <a:endParaRPr lang="en-GB" sz="2200" kern="100" dirty="0">
+              <a:latin typeface="Aptos" panose="020B0004020202020204" pitchFamily="34" charset="0"/>
+              <a:cs typeface="Times New Roman" panose="02020603050405020304" pitchFamily="18" charset="0"/>
+            </a:endParaRPr>
+          </a:p>
+          <a:p>
+            <a:pPr marL="800100" lvl="1" indent="-342900">
+              <a:lnSpc>
+                <a:spcPct val="107000"/>
+              </a:lnSpc>
+              <a:spcAft>
+                <a:spcPts val="800"/>
+              </a:spcAft>
+              <a:buFont typeface="Symbol" panose="05050102010706020507" pitchFamily="18" charset="2"/>
+              <a:buChar char=""/>
+            </a:pPr>
+            <a:endParaRPr lang="en-GB" sz="1600" kern="100" dirty="0">
+              <a:latin typeface="Aptos" panose="020B0004020202020204" pitchFamily="34" charset="0"/>
+              <a:cs typeface="Times New Roman" panose="02020603050405020304" pitchFamily="18" charset="0"/>
+            </a:endParaRPr>
+          </a:p>
+          <a:p>
+            <a:pPr marL="914400" lvl="2" indent="0">
+              <a:lnSpc>
+                <a:spcPct val="107000"/>
+              </a:lnSpc>
+              <a:spcAft>
+                <a:spcPts val="800"/>
+              </a:spcAft>
+              <a:buNone/>
+            </a:pPr>
+            <a:endParaRPr lang="en-GB" sz="1400" kern="100" dirty="0">
+              <a:latin typeface="Aptos" panose="020B0004020202020204" pitchFamily="34" charset="0"/>
+              <a:cs typeface="Times New Roman" panose="02020603050405020304" pitchFamily="18" charset="0"/>
+            </a:endParaRPr>
+          </a:p>
+        </p:txBody>
+      </p:sp>
+      <p:sp>
+        <p:nvSpPr>
+          <p:cNvPr id="7" name="Title 1">
+            <a:extLst>
+              <a:ext uri="{FF2B5EF4-FFF2-40B4-BE49-F238E27FC236}">
+                <a16:creationId xmlns:a16="http://schemas.microsoft.com/office/drawing/2014/main" id="{FC82661B-E797-8AE2-FD11-D50B5067C6A9}"/>
+              </a:ext>
+            </a:extLst>
+          </p:cNvPr>
+          <p:cNvSpPr txBox="1">
+            <a:spLocks/>
+          </p:cNvSpPr>
+          <p:nvPr/>
+        </p:nvSpPr>
+        <p:spPr>
+          <a:xfrm>
+            <a:off x="458694" y="365761"/>
+            <a:ext cx="11274612" cy="897890"/>
+          </a:xfrm>
+          <a:prstGeom prst="rect">
+            <a:avLst/>
+          </a:prstGeom>
+        </p:spPr>
+        <p:txBody>
+          <a:bodyPr vert="horz" lIns="91440" tIns="45720" rIns="91440" bIns="45720" rtlCol="0" anchor="ctr">
+            <a:normAutofit/>
+          </a:bodyPr>
+          <a:lstStyle>
+            <a:lvl1pPr algn="l" defTabSz="914400" rtl="0" eaLnBrk="1" latinLnBrk="0" hangingPunct="1">
+              <a:lnSpc>
+                <a:spcPct val="100000"/>
+              </a:lnSpc>
+              <a:spcBef>
+                <a:spcPct val="0"/>
+              </a:spcBef>
+              <a:buNone/>
+              <a:defRPr sz="4400" b="0" kern="1200">
+                <a:solidFill>
+                  <a:schemeClr val="tx1"/>
+                </a:solidFill>
+                <a:latin typeface="+mj-lt"/>
+                <a:ea typeface="+mj-ea"/>
+                <a:cs typeface="+mj-cs"/>
+              </a:defRPr>
+            </a:lvl1pPr>
+          </a:lstStyle>
+          <a:p>
+            <a:r>
+              <a:rPr lang="en-GB" kern="100" spc="75" dirty="0">
+                <a:solidFill>
+                  <a:srgbClr val="595959"/>
+                </a:solidFill>
+                <a:latin typeface="Aptos" panose="020B0004020202020204" pitchFamily="34" charset="0"/>
+                <a:ea typeface="Times New Roman" panose="02020603050405020304" pitchFamily="18" charset="0"/>
+                <a:cs typeface="Times New Roman" panose="02020603050405020304" pitchFamily="18" charset="0"/>
+              </a:rPr>
+              <a:t>Existing Research (P1-3)</a:t>
+            </a:r>
+            <a:endParaRPr lang="en-MT" dirty="0"/>
+          </a:p>
+        </p:txBody>
+      </p:sp>
+      <p:sp>
+        <p:nvSpPr>
+          <p:cNvPr id="4" name="Content Placeholder 2">
+            <a:extLst>
+              <a:ext uri="{FF2B5EF4-FFF2-40B4-BE49-F238E27FC236}">
+                <a16:creationId xmlns:a16="http://schemas.microsoft.com/office/drawing/2014/main" id="{E70B741B-7325-E35D-5CE8-C512868CE135}"/>
+              </a:ext>
+            </a:extLst>
+          </p:cNvPr>
+          <p:cNvSpPr txBox="1">
+            <a:spLocks/>
+          </p:cNvSpPr>
+          <p:nvPr/>
+        </p:nvSpPr>
+        <p:spPr>
+          <a:xfrm>
+            <a:off x="458694" y="4229100"/>
+            <a:ext cx="11274612" cy="3108325"/>
+          </a:xfrm>
+          <a:prstGeom prst="rect">
+            <a:avLst/>
+          </a:prstGeom>
+        </p:spPr>
+        <p:txBody>
+          <a:bodyPr vert="horz" lIns="91440" tIns="45720" rIns="91440" bIns="45720" rtlCol="0">
+            <a:normAutofit/>
+          </a:bodyPr>
+          <a:lstStyle>
+            <a:lvl1pPr marL="228600" indent="-228600" algn="l" defTabSz="914400" rtl="0" eaLnBrk="1" latinLnBrk="0" hangingPunct="1">
+              <a:lnSpc>
+                <a:spcPct val="110000"/>
+              </a:lnSpc>
+              <a:spcBef>
+                <a:spcPts val="1000"/>
+              </a:spcBef>
+              <a:buClr>
+                <a:schemeClr val="accent1"/>
+              </a:buClr>
+              <a:buFont typeface="Arial" panose="020B0604020202020204" pitchFamily="34" charset="0"/>
+              <a:buChar char="•"/>
+              <a:defRPr sz="2800" kern="1200">
+                <a:solidFill>
+                  <a:schemeClr val="tx1"/>
+                </a:solidFill>
+                <a:latin typeface="+mn-lt"/>
+                <a:ea typeface="+mn-ea"/>
+                <a:cs typeface="+mn-cs"/>
+              </a:defRPr>
+            </a:lvl1pPr>
+            <a:lvl2pPr marL="685800" indent="-228600" algn="l" defTabSz="914400" rtl="0" eaLnBrk="1" latinLnBrk="0" hangingPunct="1">
+              <a:lnSpc>
+                <a:spcPct val="110000"/>
+              </a:lnSpc>
+              <a:spcBef>
+                <a:spcPts val="500"/>
+              </a:spcBef>
+              <a:buClr>
+                <a:schemeClr val="accent1"/>
+              </a:buClr>
+              <a:buFont typeface="Arial" panose="020B0604020202020204" pitchFamily="34" charset="0"/>
+              <a:buChar char="•"/>
+              <a:defRPr sz="2400" kern="1200">
+                <a:solidFill>
+                  <a:schemeClr val="tx1"/>
+                </a:solidFill>
+                <a:latin typeface="+mn-lt"/>
+                <a:ea typeface="+mn-ea"/>
+                <a:cs typeface="+mn-cs"/>
+              </a:defRPr>
+            </a:lvl2pPr>
+            <a:lvl3pPr marL="1143000" indent="-228600" algn="l" defTabSz="914400" rtl="0" eaLnBrk="1" latinLnBrk="0" hangingPunct="1">
+              <a:lnSpc>
+                <a:spcPct val="110000"/>
+              </a:lnSpc>
+              <a:spcBef>
+                <a:spcPts val="500"/>
+              </a:spcBef>
+              <a:buClr>
+                <a:schemeClr val="accent1"/>
+              </a:buClr>
+              <a:buFont typeface="Arial" panose="020B0604020202020204" pitchFamily="34" charset="0"/>
+              <a:buChar char="•"/>
+              <a:defRPr sz="2000" kern="1200">
+                <a:solidFill>
+                  <a:schemeClr val="tx1"/>
+                </a:solidFill>
+                <a:latin typeface="+mn-lt"/>
+                <a:ea typeface="+mn-ea"/>
+                <a:cs typeface="+mn-cs"/>
+              </a:defRPr>
+            </a:lvl3pPr>
+            <a:lvl4pPr marL="1600200" indent="-228600" algn="l" defTabSz="914400" rtl="0" eaLnBrk="1" latinLnBrk="0" hangingPunct="1">
+              <a:lnSpc>
+                <a:spcPct val="110000"/>
+              </a:lnSpc>
+              <a:spcBef>
+                <a:spcPts val="500"/>
+              </a:spcBef>
+              <a:buClr>
+                <a:schemeClr val="accent1"/>
+              </a:buClr>
+              <a:buFont typeface="Arial" panose="020B0604020202020204" pitchFamily="34" charset="0"/>
+              <a:buChar char="•"/>
+              <a:defRPr sz="1800" kern="1200">
+                <a:solidFill>
+                  <a:schemeClr val="tx1"/>
+                </a:solidFill>
+                <a:latin typeface="+mn-lt"/>
+                <a:ea typeface="+mn-ea"/>
+                <a:cs typeface="+mn-cs"/>
+              </a:defRPr>
+            </a:lvl4pPr>
+            <a:lvl5pPr marL="2057400" indent="-228600" algn="l" defTabSz="914400" rtl="0" eaLnBrk="1" latinLnBrk="0" hangingPunct="1">
+              <a:lnSpc>
+                <a:spcPct val="110000"/>
+              </a:lnSpc>
+              <a:spcBef>
+                <a:spcPts val="500"/>
+              </a:spcBef>
+              <a:buClr>
+                <a:schemeClr val="accent1"/>
+              </a:buClr>
+              <a:buFont typeface="Arial" panose="020B0604020202020204" pitchFamily="34" charset="0"/>
+              <a:buChar char="•"/>
+              <a:defRPr sz="1800" kern="1200">
+                <a:solidFill>
+                  <a:schemeClr val="tx1"/>
+                </a:solidFill>
+                <a:latin typeface="+mn-lt"/>
+                <a:ea typeface="+mn-ea"/>
+                <a:cs typeface="+mn-cs"/>
+              </a:defRPr>
+            </a:lvl5pPr>
+            <a:lvl6pPr marL="2514600" indent="-228600" algn="l" defTabSz="914400" rtl="0" eaLnBrk="1" latinLnBrk="0" hangingPunct="1">
+              <a:lnSpc>
+                <a:spcPct val="90000"/>
+              </a:lnSpc>
+              <a:spcBef>
+                <a:spcPts val="500"/>
+              </a:spcBef>
+              <a:buFont typeface="Arial" panose="020B0604020202020204" pitchFamily="34" charset="0"/>
+              <a:buChar char="•"/>
+              <a:defRPr sz="1800" kern="1200">
+                <a:solidFill>
+                  <a:schemeClr val="tx1"/>
+                </a:solidFill>
+                <a:latin typeface="+mn-lt"/>
+                <a:ea typeface="+mn-ea"/>
+                <a:cs typeface="+mn-cs"/>
+              </a:defRPr>
+            </a:lvl6pPr>
+            <a:lvl7pPr marL="2971800" indent="-228600" algn="l" defTabSz="914400" rtl="0" eaLnBrk="1" latinLnBrk="0" hangingPunct="1">
+              <a:lnSpc>
+                <a:spcPct val="90000"/>
+              </a:lnSpc>
+              <a:spcBef>
+                <a:spcPts val="500"/>
+              </a:spcBef>
+              <a:buFont typeface="Arial" panose="020B0604020202020204" pitchFamily="34" charset="0"/>
+              <a:buChar char="•"/>
+              <a:defRPr sz="1800" kern="1200">
+                <a:solidFill>
+                  <a:schemeClr val="tx1"/>
+                </a:solidFill>
+                <a:latin typeface="+mn-lt"/>
+                <a:ea typeface="+mn-ea"/>
+                <a:cs typeface="+mn-cs"/>
+              </a:defRPr>
+            </a:lvl7pPr>
+            <a:lvl8pPr marL="3429000" indent="-228600" algn="l" defTabSz="914400" rtl="0" eaLnBrk="1" latinLnBrk="0" hangingPunct="1">
+              <a:lnSpc>
+                <a:spcPct val="90000"/>
+              </a:lnSpc>
+              <a:spcBef>
+                <a:spcPts val="500"/>
+              </a:spcBef>
+              <a:buFont typeface="Arial" panose="020B0604020202020204" pitchFamily="34" charset="0"/>
+              <a:buChar char="•"/>
+              <a:defRPr sz="1800" kern="1200">
+                <a:solidFill>
+                  <a:schemeClr val="tx1"/>
+                </a:solidFill>
+                <a:latin typeface="+mn-lt"/>
+                <a:ea typeface="+mn-ea"/>
+                <a:cs typeface="+mn-cs"/>
+              </a:defRPr>
+            </a:lvl8pPr>
+            <a:lvl9pPr marL="3886200" indent="-228600" algn="l" defTabSz="914400" rtl="0" eaLnBrk="1" latinLnBrk="0" hangingPunct="1">
+              <a:lnSpc>
+                <a:spcPct val="90000"/>
+              </a:lnSpc>
+              <a:spcBef>
+                <a:spcPts val="500"/>
+              </a:spcBef>
+              <a:buFont typeface="Arial" panose="020B0604020202020204" pitchFamily="34" charset="0"/>
+              <a:buChar char="•"/>
+              <a:defRPr sz="1800" kern="1200">
+                <a:solidFill>
+                  <a:schemeClr val="tx1"/>
+                </a:solidFill>
+                <a:latin typeface="+mn-lt"/>
+                <a:ea typeface="+mn-ea"/>
+                <a:cs typeface="+mn-cs"/>
+              </a:defRPr>
+            </a:lvl9pPr>
+          </a:lstStyle>
+          <a:p>
+            <a:pPr>
+              <a:lnSpc>
+                <a:spcPct val="107000"/>
+              </a:lnSpc>
+              <a:spcAft>
+                <a:spcPts val="800"/>
+              </a:spcAft>
+            </a:pPr>
+            <a:endParaRPr lang="en-MT" sz="1400" kern="100" dirty="0">
+              <a:effectLst/>
+              <a:latin typeface="Aptos" panose="020B0004020202020204" pitchFamily="34" charset="0"/>
+              <a:ea typeface="Aptos" panose="020B0004020202020204" pitchFamily="34" charset="0"/>
+              <a:cs typeface="Times New Roman" panose="02020603050405020304" pitchFamily="18" charset="0"/>
+            </a:endParaRPr>
+          </a:p>
+        </p:txBody>
+      </p:sp>
+    </p:spTree>
+    <p:extLst>
+      <p:ext uri="{BB962C8B-B14F-4D97-AF65-F5344CB8AC3E}">
+        <p14:creationId xmlns:p14="http://schemas.microsoft.com/office/powerpoint/2010/main" val="2806267999"/>
+      </p:ext>
+    </p:extLst>
+  </p:cSld>
+  <p:clrMapOvr>
+    <a:masterClrMapping/>
+  </p:clrMapOvr>
+</p:sld>
+</file>
+
+<file path=ppt/slides/slide13.xml><?xml version="1.0" encoding="utf-8"?>
+<p:sld xmlns:a="http://schemas.openxmlformats.org/drawingml/2006/main" xmlns:r="http://schemas.openxmlformats.org/officeDocument/2006/relationships" xmlns:p="http://schemas.openxmlformats.org/presentationml/2006/main">
+  <p:cSld>
+    <p:spTree>
+      <p:nvGrpSpPr>
+        <p:cNvPr id="1" name="">
+          <a:extLst>
+            <a:ext uri="{FF2B5EF4-FFF2-40B4-BE49-F238E27FC236}">
+              <a16:creationId xmlns:a16="http://schemas.microsoft.com/office/drawing/2014/main" id="{A1137723-B24E-620E-2827-FD5BA05CD09B}"/>
+            </a:ext>
+          </a:extLst>
+        </p:cNvPr>
+        <p:cNvGrpSpPr/>
+        <p:nvPr/>
+      </p:nvGrpSpPr>
+      <p:grpSpPr>
+        <a:xfrm>
+          <a:off x="0" y="0"/>
+          <a:ext cx="0" cy="0"/>
+          <a:chOff x="0" y="0"/>
+          <a:chExt cx="0" cy="0"/>
+        </a:xfrm>
+      </p:grpSpPr>
+      <p:sp>
+        <p:nvSpPr>
+          <p:cNvPr id="8" name="Content Placeholder 2">
+            <a:extLst>
+              <a:ext uri="{FF2B5EF4-FFF2-40B4-BE49-F238E27FC236}">
+                <a16:creationId xmlns:a16="http://schemas.microsoft.com/office/drawing/2014/main" id="{1FC99BDD-F0F6-B21F-CA7E-77B9D82B5FDC}"/>
+              </a:ext>
+            </a:extLst>
+          </p:cNvPr>
+          <p:cNvSpPr>
+            <a:spLocks noGrp="1"/>
+          </p:cNvSpPr>
+          <p:nvPr>
+            <p:ph idx="1"/>
+          </p:nvPr>
+        </p:nvSpPr>
+        <p:spPr>
+          <a:xfrm>
+            <a:off x="458694" y="1263650"/>
+            <a:ext cx="11274612" cy="4007598"/>
+          </a:xfrm>
+        </p:spPr>
+        <p:txBody>
+          <a:bodyPr>
+            <a:normAutofit/>
+          </a:bodyPr>
+          <a:lstStyle/>
+          <a:p>
+            <a:pPr marL="342900" indent="-342900">
+              <a:lnSpc>
+                <a:spcPct val="107000"/>
+              </a:lnSpc>
+              <a:spcAft>
+                <a:spcPts val="800"/>
+              </a:spcAft>
+              <a:buFont typeface="Symbol" panose="05050102010706020507" pitchFamily="18" charset="2"/>
+              <a:buChar char=""/>
+            </a:pPr>
+            <a:r>
+              <a:rPr lang="en-US" sz="2000" b="1" kern="100" dirty="0">
+                <a:latin typeface="Aptos" panose="020B0004020202020204" pitchFamily="34" charset="0"/>
+                <a:cs typeface="Times New Roman" panose="02020603050405020304" pitchFamily="18" charset="0"/>
+              </a:rPr>
+              <a:t>Critically examining the Domain </a:t>
+            </a:r>
+            <a:r>
+              <a:rPr lang="en-US" sz="2000" b="1" kern="100" dirty="0" err="1">
+                <a:latin typeface="Aptos" panose="020B0004020202020204" pitchFamily="34" charset="0"/>
+                <a:cs typeface="Times New Roman" panose="02020603050405020304" pitchFamily="18" charset="0"/>
+              </a:rPr>
+              <a:t>Generalisability</a:t>
+            </a:r>
+            <a:r>
+              <a:rPr lang="en-US" sz="2000" b="1" kern="100" dirty="0">
+                <a:latin typeface="Aptos" panose="020B0004020202020204" pitchFamily="34" charset="0"/>
+                <a:cs typeface="Times New Roman" panose="02020603050405020304" pitchFamily="18" charset="0"/>
+              </a:rPr>
+              <a:t> of Facial Expression Recognition models</a:t>
+            </a:r>
+          </a:p>
+          <a:p>
+            <a:pPr marL="800100" lvl="1" indent="-342900">
+              <a:lnSpc>
+                <a:spcPct val="107000"/>
+              </a:lnSpc>
+              <a:spcAft>
+                <a:spcPts val="800"/>
+              </a:spcAft>
+              <a:buFont typeface="Symbol" panose="05050102010706020507" pitchFamily="18" charset="2"/>
+              <a:buChar char=""/>
+            </a:pPr>
+            <a:r>
+              <a:rPr lang="en-GB" sz="1600" kern="100" dirty="0">
+                <a:latin typeface="Aptos" panose="020B0004020202020204" pitchFamily="34" charset="0"/>
+                <a:cs typeface="Times New Roman" panose="02020603050405020304" pitchFamily="18" charset="0"/>
+              </a:rPr>
+              <a:t>Authors: </a:t>
+            </a:r>
+            <a:r>
+              <a:rPr lang="en-US" sz="1600" kern="100" dirty="0">
+                <a:latin typeface="Aptos" panose="020B0004020202020204" pitchFamily="34" charset="0"/>
+                <a:cs typeface="Times New Roman" panose="02020603050405020304" pitchFamily="18" charset="0"/>
+              </a:rPr>
+              <a:t>Varsha Suresh, Gerard Yeo, and Desmond C. Ong</a:t>
+            </a:r>
+          </a:p>
+          <a:p>
+            <a:pPr marL="342900" indent="-342900">
+              <a:lnSpc>
+                <a:spcPct val="107000"/>
+              </a:lnSpc>
+              <a:spcAft>
+                <a:spcPts val="800"/>
+              </a:spcAft>
+              <a:buFont typeface="Symbol" panose="05050102010706020507" pitchFamily="18" charset="2"/>
+              <a:buChar char=""/>
+            </a:pPr>
+            <a:r>
+              <a:rPr lang="en-US" sz="2000" b="1" kern="100" dirty="0">
+                <a:latin typeface="Aptos" panose="020B0004020202020204" pitchFamily="34" charset="0"/>
+                <a:cs typeface="Times New Roman" panose="02020603050405020304" pitchFamily="18" charset="0"/>
+              </a:rPr>
+              <a:t>Comparison</a:t>
+            </a:r>
+          </a:p>
+          <a:p>
+            <a:pPr marL="800100" lvl="1" indent="-342900">
+              <a:lnSpc>
+                <a:spcPct val="107000"/>
+              </a:lnSpc>
+              <a:spcAft>
+                <a:spcPts val="800"/>
+              </a:spcAft>
+              <a:buFont typeface="Symbol" panose="05050102010706020507" pitchFamily="18" charset="2"/>
+              <a:buChar char=""/>
+            </a:pPr>
+            <a:r>
+              <a:rPr lang="en-US" sz="1600" kern="100" dirty="0">
+                <a:latin typeface="Aptos" panose="020B0004020202020204" pitchFamily="34" charset="0"/>
+                <a:cs typeface="Times New Roman" panose="02020603050405020304" pitchFamily="18" charset="0"/>
+              </a:rPr>
+              <a:t>Three SOTA models - ResNet50 (PT on </a:t>
+            </a:r>
+            <a:r>
+              <a:rPr lang="en-GB" sz="1600" kern="100" dirty="0">
+                <a:latin typeface="Aptos" panose="020B0004020202020204" pitchFamily="34" charset="0"/>
+                <a:cs typeface="Times New Roman" panose="02020603050405020304" pitchFamily="18" charset="0"/>
+              </a:rPr>
+              <a:t>VGGFace2</a:t>
+            </a:r>
+            <a:r>
+              <a:rPr lang="en-US" sz="1600" kern="100" dirty="0">
+                <a:latin typeface="Aptos" panose="020B0004020202020204" pitchFamily="34" charset="0"/>
+                <a:cs typeface="Times New Roman" panose="02020603050405020304" pitchFamily="18" charset="0"/>
+              </a:rPr>
+              <a:t>), Inception-</a:t>
+            </a:r>
+            <a:r>
+              <a:rPr lang="en-US" sz="1600" kern="100" dirty="0" err="1">
+                <a:latin typeface="Aptos" panose="020B0004020202020204" pitchFamily="34" charset="0"/>
+                <a:cs typeface="Times New Roman" panose="02020603050405020304" pitchFamily="18" charset="0"/>
+              </a:rPr>
+              <a:t>ResNet</a:t>
+            </a:r>
+            <a:r>
+              <a:rPr lang="en-US" sz="1600" kern="100" dirty="0">
+                <a:latin typeface="Aptos" panose="020B0004020202020204" pitchFamily="34" charset="0"/>
+                <a:cs typeface="Times New Roman" panose="02020603050405020304" pitchFamily="18" charset="0"/>
+              </a:rPr>
+              <a:t> (PT on </a:t>
+            </a:r>
+            <a:r>
+              <a:rPr lang="en-GB" sz="1600" kern="100" dirty="0">
+                <a:latin typeface="Aptos" panose="020B0004020202020204" pitchFamily="34" charset="0"/>
+                <a:cs typeface="Times New Roman" panose="02020603050405020304" pitchFamily="18" charset="0"/>
+              </a:rPr>
+              <a:t>CASIA-</a:t>
+            </a:r>
+            <a:r>
+              <a:rPr lang="en-GB" sz="1600" kern="100" dirty="0" err="1">
+                <a:latin typeface="Aptos" panose="020B0004020202020204" pitchFamily="34" charset="0"/>
+                <a:cs typeface="Times New Roman" panose="02020603050405020304" pitchFamily="18" charset="0"/>
+              </a:rPr>
+              <a:t>WebFace</a:t>
+            </a:r>
+            <a:r>
+              <a:rPr lang="en-GB" sz="1600" kern="100" dirty="0">
+                <a:latin typeface="Aptos" panose="020B0004020202020204" pitchFamily="34" charset="0"/>
+                <a:cs typeface="Times New Roman" panose="02020603050405020304" pitchFamily="18" charset="0"/>
+              </a:rPr>
+              <a:t>), </a:t>
+            </a:r>
+            <a:r>
+              <a:rPr lang="en-US" sz="1600" kern="100" dirty="0">
+                <a:latin typeface="Aptos" panose="020B0004020202020204" pitchFamily="34" charset="0"/>
+                <a:cs typeface="Times New Roman" panose="02020603050405020304" pitchFamily="18" charset="0"/>
+              </a:rPr>
+              <a:t>ResNet50 + Entropy </a:t>
+            </a:r>
+            <a:r>
+              <a:rPr lang="en-US" sz="1600" kern="100" dirty="0" err="1">
+                <a:latin typeface="Aptos" panose="020B0004020202020204" pitchFamily="34" charset="0"/>
+                <a:cs typeface="Times New Roman" panose="02020603050405020304" pitchFamily="18" charset="0"/>
+              </a:rPr>
+              <a:t>Regularisation</a:t>
+            </a:r>
+            <a:r>
+              <a:rPr lang="en-US" sz="1600" kern="100" dirty="0">
+                <a:latin typeface="Aptos" panose="020B0004020202020204" pitchFamily="34" charset="0"/>
+                <a:cs typeface="Times New Roman" panose="02020603050405020304" pitchFamily="18" charset="0"/>
+              </a:rPr>
+              <a:t> (PT on </a:t>
+            </a:r>
+            <a:r>
+              <a:rPr lang="en-GB" sz="1600" kern="100" dirty="0">
+                <a:latin typeface="Aptos" panose="020B0004020202020204" pitchFamily="34" charset="0"/>
+                <a:cs typeface="Times New Roman" panose="02020603050405020304" pitchFamily="18" charset="0"/>
+              </a:rPr>
+              <a:t>VGGFace2</a:t>
+            </a:r>
+            <a:r>
+              <a:rPr lang="en-US" sz="1600" kern="100" dirty="0">
+                <a:latin typeface="Aptos" panose="020B0004020202020204" pitchFamily="34" charset="0"/>
+                <a:cs typeface="Times New Roman" panose="02020603050405020304" pitchFamily="18" charset="0"/>
+              </a:rPr>
+              <a:t>)</a:t>
+            </a:r>
+          </a:p>
+          <a:p>
+            <a:pPr marL="800100" lvl="1" indent="-342900">
+              <a:lnSpc>
+                <a:spcPct val="107000"/>
+              </a:lnSpc>
+              <a:spcAft>
+                <a:spcPts val="800"/>
+              </a:spcAft>
+              <a:buFont typeface="Symbol" panose="05050102010706020507" pitchFamily="18" charset="2"/>
+              <a:buChar char=""/>
+            </a:pPr>
+            <a:r>
+              <a:rPr lang="en-US" sz="1600" kern="100" dirty="0">
+                <a:latin typeface="Aptos" panose="020B0004020202020204" pitchFamily="34" charset="0"/>
+                <a:cs typeface="Times New Roman" panose="02020603050405020304" pitchFamily="18" charset="0"/>
+              </a:rPr>
+              <a:t>Three API models – Face++, </a:t>
+            </a:r>
+            <a:r>
+              <a:rPr lang="en-GB" sz="1600" kern="100" dirty="0">
+                <a:latin typeface="Aptos" panose="020B0004020202020204" pitchFamily="34" charset="0"/>
+                <a:cs typeface="Times New Roman" panose="02020603050405020304" pitchFamily="18" charset="0"/>
+              </a:rPr>
+              <a:t>Amazon </a:t>
+            </a:r>
+            <a:r>
+              <a:rPr lang="en-GB" sz="1600" kern="100" dirty="0" err="1">
+                <a:latin typeface="Aptos" panose="020B0004020202020204" pitchFamily="34" charset="0"/>
+                <a:cs typeface="Times New Roman" panose="02020603050405020304" pitchFamily="18" charset="0"/>
+              </a:rPr>
+              <a:t>Rekognition</a:t>
+            </a:r>
+            <a:r>
+              <a:rPr lang="en-GB" sz="1600" kern="100" dirty="0">
+                <a:latin typeface="Aptos" panose="020B0004020202020204" pitchFamily="34" charset="0"/>
+                <a:cs typeface="Times New Roman" panose="02020603050405020304" pitchFamily="18" charset="0"/>
+              </a:rPr>
+              <a:t>, Microsoft Azure</a:t>
+            </a:r>
+            <a:endParaRPr lang="en-US" sz="1600" kern="100" dirty="0">
+              <a:latin typeface="Aptos" panose="020B0004020202020204" pitchFamily="34" charset="0"/>
+              <a:cs typeface="Times New Roman" panose="02020603050405020304" pitchFamily="18" charset="0"/>
+            </a:endParaRPr>
+          </a:p>
+          <a:p>
+            <a:pPr marL="800100" lvl="1" indent="-342900">
+              <a:lnSpc>
+                <a:spcPct val="107000"/>
+              </a:lnSpc>
+              <a:spcAft>
+                <a:spcPts val="800"/>
+              </a:spcAft>
+              <a:buFont typeface="Symbol" panose="05050102010706020507" pitchFamily="18" charset="2"/>
+              <a:buChar char=""/>
+            </a:pPr>
+            <a:r>
+              <a:rPr lang="en-US" sz="1600" kern="100" dirty="0">
+                <a:latin typeface="Aptos" panose="020B0004020202020204" pitchFamily="34" charset="0"/>
+                <a:cs typeface="Times New Roman" panose="02020603050405020304" pitchFamily="18" charset="0"/>
+              </a:rPr>
+              <a:t>12 FER datasets (6 In-Lab / 6 In-The-Wild)</a:t>
+            </a:r>
+          </a:p>
+          <a:p>
+            <a:pPr marL="1257300" lvl="2" indent="-342900">
+              <a:lnSpc>
+                <a:spcPct val="107000"/>
+              </a:lnSpc>
+              <a:spcAft>
+                <a:spcPts val="800"/>
+              </a:spcAft>
+              <a:buFont typeface="Symbol" panose="05050102010706020507" pitchFamily="18" charset="2"/>
+              <a:buChar char=""/>
+            </a:pPr>
+            <a:r>
+              <a:rPr lang="en-US" sz="1600" kern="100" dirty="0">
+                <a:latin typeface="Aptos" panose="020B0004020202020204" pitchFamily="34" charset="0"/>
+                <a:cs typeface="Times New Roman" panose="02020603050405020304" pitchFamily="18" charset="0"/>
+              </a:rPr>
+              <a:t>In-Lab: JAFFE, CK+, Oulu-CASIA, KDEF, </a:t>
+            </a:r>
+            <a:r>
+              <a:rPr lang="en-US" sz="1600" kern="100" dirty="0" err="1">
+                <a:latin typeface="Aptos" panose="020B0004020202020204" pitchFamily="34" charset="0"/>
+                <a:cs typeface="Times New Roman" panose="02020603050405020304" pitchFamily="18" charset="0"/>
+              </a:rPr>
+              <a:t>IASLab</a:t>
+            </a:r>
+            <a:r>
+              <a:rPr lang="en-US" sz="1600" kern="100" dirty="0">
+                <a:latin typeface="Aptos" panose="020B0004020202020204" pitchFamily="34" charset="0"/>
+                <a:cs typeface="Times New Roman" panose="02020603050405020304" pitchFamily="18" charset="0"/>
+              </a:rPr>
+              <a:t>, GEMEP</a:t>
+            </a:r>
+          </a:p>
+          <a:p>
+            <a:pPr marL="1257300" lvl="2" indent="-342900">
+              <a:lnSpc>
+                <a:spcPct val="107000"/>
+              </a:lnSpc>
+              <a:spcAft>
+                <a:spcPts val="800"/>
+              </a:spcAft>
+              <a:buFont typeface="Symbol" panose="05050102010706020507" pitchFamily="18" charset="2"/>
+              <a:buChar char=""/>
+            </a:pPr>
+            <a:r>
+              <a:rPr lang="en-US" sz="1600" kern="100" dirty="0">
+                <a:latin typeface="Aptos" panose="020B0004020202020204" pitchFamily="34" charset="0"/>
+                <a:cs typeface="Times New Roman" panose="02020603050405020304" pitchFamily="18" charset="0"/>
+              </a:rPr>
+              <a:t>In-The-Wild: </a:t>
+            </a:r>
+            <a:r>
+              <a:rPr lang="en-US" sz="1600" kern="100" dirty="0" err="1">
+                <a:latin typeface="Aptos" panose="020B0004020202020204" pitchFamily="34" charset="0"/>
+                <a:cs typeface="Times New Roman" panose="02020603050405020304" pitchFamily="18" charset="0"/>
+              </a:rPr>
+              <a:t>EmotioNet</a:t>
+            </a:r>
+            <a:r>
+              <a:rPr lang="en-US" sz="1600" kern="100" dirty="0">
+                <a:latin typeface="Aptos" panose="020B0004020202020204" pitchFamily="34" charset="0"/>
+                <a:cs typeface="Times New Roman" panose="02020603050405020304" pitchFamily="18" charset="0"/>
+              </a:rPr>
+              <a:t>, SFEW, RAF-DB, Aff-Wild2, FER2013, </a:t>
+            </a:r>
+            <a:r>
+              <a:rPr lang="en-US" sz="1600" kern="100" dirty="0" err="1">
+                <a:latin typeface="Aptos" panose="020B0004020202020204" pitchFamily="34" charset="0"/>
+                <a:cs typeface="Times New Roman" panose="02020603050405020304" pitchFamily="18" charset="0"/>
+              </a:rPr>
+              <a:t>AffectNet</a:t>
+            </a:r>
+            <a:endParaRPr lang="en-US" sz="1600" kern="100" dirty="0">
+              <a:latin typeface="Aptos" panose="020B0004020202020204" pitchFamily="34" charset="0"/>
+              <a:cs typeface="Times New Roman" panose="02020603050405020304" pitchFamily="18" charset="0"/>
+            </a:endParaRPr>
+          </a:p>
+          <a:p>
+            <a:pPr marL="0" indent="0">
+              <a:lnSpc>
+                <a:spcPct val="107000"/>
+              </a:lnSpc>
+              <a:spcAft>
+                <a:spcPts val="800"/>
+              </a:spcAft>
+              <a:buNone/>
+            </a:pPr>
+            <a:endParaRPr lang="en-GB" sz="2000" kern="100" dirty="0">
+              <a:latin typeface="Aptos" panose="020B0004020202020204" pitchFamily="34" charset="0"/>
+              <a:cs typeface="Times New Roman" panose="02020603050405020304" pitchFamily="18" charset="0"/>
+            </a:endParaRPr>
+          </a:p>
+          <a:p>
+            <a:pPr marL="0" indent="0">
+              <a:lnSpc>
+                <a:spcPct val="107000"/>
+              </a:lnSpc>
+              <a:spcAft>
+                <a:spcPts val="800"/>
+              </a:spcAft>
+              <a:buNone/>
+            </a:pPr>
+            <a:endParaRPr lang="en-GB" sz="2000" kern="100" dirty="0">
+              <a:latin typeface="Aptos" panose="020B0004020202020204" pitchFamily="34" charset="0"/>
+              <a:cs typeface="Times New Roman" panose="02020603050405020304" pitchFamily="18" charset="0"/>
+            </a:endParaRPr>
+          </a:p>
+          <a:p>
+            <a:pPr marL="342900" indent="-342900">
+              <a:lnSpc>
+                <a:spcPct val="107000"/>
+              </a:lnSpc>
+              <a:spcAft>
+                <a:spcPts val="800"/>
+              </a:spcAft>
+              <a:buFont typeface="Symbol" panose="05050102010706020507" pitchFamily="18" charset="2"/>
+              <a:buChar char=""/>
+            </a:pPr>
+            <a:endParaRPr lang="en-GB" sz="2000" kern="100" dirty="0">
+              <a:latin typeface="Aptos" panose="020B0004020202020204" pitchFamily="34" charset="0"/>
+              <a:cs typeface="Times New Roman" panose="02020603050405020304" pitchFamily="18" charset="0"/>
+            </a:endParaRPr>
+          </a:p>
+          <a:p>
+            <a:pPr marL="914400" lvl="2" indent="0">
+              <a:lnSpc>
+                <a:spcPct val="107000"/>
+              </a:lnSpc>
+              <a:spcAft>
+                <a:spcPts val="800"/>
+              </a:spcAft>
+              <a:buNone/>
+            </a:pPr>
+            <a:endParaRPr lang="en-GB" sz="1400" kern="100" dirty="0">
+              <a:latin typeface="Aptos" panose="020B0004020202020204" pitchFamily="34" charset="0"/>
+              <a:cs typeface="Times New Roman" panose="02020603050405020304" pitchFamily="18" charset="0"/>
+            </a:endParaRPr>
+          </a:p>
+        </p:txBody>
+      </p:sp>
+      <p:sp>
+        <p:nvSpPr>
+          <p:cNvPr id="7" name="Title 1">
+            <a:extLst>
+              <a:ext uri="{FF2B5EF4-FFF2-40B4-BE49-F238E27FC236}">
+                <a16:creationId xmlns:a16="http://schemas.microsoft.com/office/drawing/2014/main" id="{100CC945-0B3A-1344-9712-880197B7BB21}"/>
+              </a:ext>
+            </a:extLst>
+          </p:cNvPr>
+          <p:cNvSpPr txBox="1">
+            <a:spLocks/>
+          </p:cNvSpPr>
+          <p:nvPr/>
+        </p:nvSpPr>
+        <p:spPr>
+          <a:xfrm>
+            <a:off x="458694" y="365761"/>
+            <a:ext cx="11274612" cy="897890"/>
+          </a:xfrm>
+          <a:prstGeom prst="rect">
+            <a:avLst/>
+          </a:prstGeom>
+        </p:spPr>
+        <p:txBody>
+          <a:bodyPr vert="horz" lIns="91440" tIns="45720" rIns="91440" bIns="45720" rtlCol="0" anchor="ctr">
+            <a:normAutofit/>
+          </a:bodyPr>
+          <a:lstStyle>
+            <a:lvl1pPr algn="l" defTabSz="914400" rtl="0" eaLnBrk="1" latinLnBrk="0" hangingPunct="1">
+              <a:lnSpc>
+                <a:spcPct val="100000"/>
+              </a:lnSpc>
+              <a:spcBef>
+                <a:spcPct val="0"/>
+              </a:spcBef>
+              <a:buNone/>
+              <a:defRPr sz="4400" b="0" kern="1200">
+                <a:solidFill>
+                  <a:schemeClr val="tx1"/>
+                </a:solidFill>
+                <a:latin typeface="+mj-lt"/>
+                <a:ea typeface="+mj-ea"/>
+                <a:cs typeface="+mj-cs"/>
+              </a:defRPr>
+            </a:lvl1pPr>
+          </a:lstStyle>
+          <a:p>
+            <a:r>
+              <a:rPr lang="en-GB" kern="100" spc="75" dirty="0">
+                <a:solidFill>
+                  <a:srgbClr val="595959"/>
+                </a:solidFill>
+                <a:latin typeface="Aptos" panose="020B0004020202020204" pitchFamily="34" charset="0"/>
+                <a:ea typeface="Times New Roman" panose="02020603050405020304" pitchFamily="18" charset="0"/>
+                <a:cs typeface="Times New Roman" panose="02020603050405020304" pitchFamily="18" charset="0"/>
+              </a:rPr>
+              <a:t>Existing Research (P2-1)</a:t>
+            </a:r>
+            <a:endParaRPr lang="en-MT" dirty="0"/>
+          </a:p>
+        </p:txBody>
+      </p:sp>
+      <p:sp>
+        <p:nvSpPr>
+          <p:cNvPr id="3" name="TextBox 2">
+            <a:extLst>
+              <a:ext uri="{FF2B5EF4-FFF2-40B4-BE49-F238E27FC236}">
+                <a16:creationId xmlns:a16="http://schemas.microsoft.com/office/drawing/2014/main" id="{3B5D43EE-C8C7-0875-EF1F-94B22A31B1D7}"/>
+              </a:ext>
+            </a:extLst>
+          </p:cNvPr>
+          <p:cNvSpPr txBox="1"/>
+          <p:nvPr/>
+        </p:nvSpPr>
+        <p:spPr>
+          <a:xfrm>
+            <a:off x="0" y="6290152"/>
+            <a:ext cx="6096000" cy="378565"/>
+          </a:xfrm>
+          <a:prstGeom prst="rect">
+            <a:avLst/>
+          </a:prstGeom>
+          <a:noFill/>
+        </p:spPr>
+        <p:txBody>
+          <a:bodyPr wrap="square">
+            <a:spAutoFit/>
+          </a:bodyPr>
+          <a:lstStyle/>
+          <a:p>
+            <a:pPr marL="0" indent="0">
+              <a:lnSpc>
+                <a:spcPct val="107000"/>
+              </a:lnSpc>
+              <a:spcAft>
+                <a:spcPts val="800"/>
+              </a:spcAft>
+              <a:buNone/>
+            </a:pPr>
+            <a:r>
+              <a:rPr lang="en-GB" sz="1800" kern="100" dirty="0">
+                <a:latin typeface="Aptos" panose="020B0004020202020204" pitchFamily="34" charset="0"/>
+                <a:cs typeface="Times New Roman" panose="02020603050405020304" pitchFamily="18" charset="0"/>
+              </a:rPr>
+              <a:t>LINK: </a:t>
+            </a:r>
+            <a:r>
+              <a:rPr lang="en-GB" sz="1800" kern="100" dirty="0">
+                <a:latin typeface="Aptos" panose="020B0004020202020204" pitchFamily="34" charset="0"/>
+                <a:cs typeface="Times New Roman" panose="02020603050405020304" pitchFamily="18" charset="0"/>
+                <a:hlinkClick r:id="rId2"/>
+              </a:rPr>
+              <a:t>https://arxiv.org/abs/2106.15453</a:t>
+            </a:r>
+            <a:endParaRPr lang="en-GB" sz="1800" kern="100" dirty="0">
+              <a:latin typeface="Aptos" panose="020B0004020202020204" pitchFamily="34" charset="0"/>
+              <a:cs typeface="Times New Roman" panose="02020603050405020304" pitchFamily="18" charset="0"/>
+            </a:endParaRPr>
+          </a:p>
+        </p:txBody>
+      </p:sp>
+    </p:spTree>
+    <p:extLst>
+      <p:ext uri="{BB962C8B-B14F-4D97-AF65-F5344CB8AC3E}">
+        <p14:creationId xmlns:p14="http://schemas.microsoft.com/office/powerpoint/2010/main" val="847634883"/>
+      </p:ext>
+    </p:extLst>
+  </p:cSld>
+  <p:clrMapOvr>
+    <a:masterClrMapping/>
+  </p:clrMapOvr>
+</p:sld>
+</file>
+
+<file path=ppt/slides/slide14.xml><?xml version="1.0" encoding="utf-8"?>
+<p:sld xmlns:a="http://schemas.openxmlformats.org/drawingml/2006/main" xmlns:r="http://schemas.openxmlformats.org/officeDocument/2006/relationships" xmlns:p="http://schemas.openxmlformats.org/presentationml/2006/main">
+  <p:cSld>
+    <p:spTree>
+      <p:nvGrpSpPr>
+        <p:cNvPr id="1" name="">
+          <a:extLst>
+            <a:ext uri="{FF2B5EF4-FFF2-40B4-BE49-F238E27FC236}">
+              <a16:creationId xmlns:a16="http://schemas.microsoft.com/office/drawing/2014/main" id="{1C6626E9-1E9A-3D70-CCE6-10FF2C2C84DE}"/>
+            </a:ext>
+          </a:extLst>
+        </p:cNvPr>
+        <p:cNvGrpSpPr/>
+        <p:nvPr/>
+      </p:nvGrpSpPr>
+      <p:grpSpPr>
+        <a:xfrm>
+          <a:off x="0" y="0"/>
+          <a:ext cx="0" cy="0"/>
+          <a:chOff x="0" y="0"/>
+          <a:chExt cx="0" cy="0"/>
+        </a:xfrm>
+      </p:grpSpPr>
+      <p:sp>
+        <p:nvSpPr>
+          <p:cNvPr id="8" name="Content Placeholder 2">
+            <a:extLst>
+              <a:ext uri="{FF2B5EF4-FFF2-40B4-BE49-F238E27FC236}">
+                <a16:creationId xmlns:a16="http://schemas.microsoft.com/office/drawing/2014/main" id="{E7404D37-F8BA-E979-7DD0-0F3F9A485C33}"/>
+              </a:ext>
+            </a:extLst>
+          </p:cNvPr>
+          <p:cNvSpPr>
+            <a:spLocks noGrp="1"/>
+          </p:cNvSpPr>
+          <p:nvPr>
+            <p:ph idx="1"/>
+          </p:nvPr>
+        </p:nvSpPr>
+        <p:spPr>
+          <a:xfrm>
+            <a:off x="458694" y="1263649"/>
+            <a:ext cx="11274612" cy="5594351"/>
+          </a:xfrm>
+        </p:spPr>
+        <p:txBody>
+          <a:bodyPr>
+            <a:normAutofit fontScale="77500" lnSpcReduction="20000"/>
+          </a:bodyPr>
+          <a:lstStyle/>
+          <a:p>
+            <a:pPr marL="342900" indent="-342900">
+              <a:lnSpc>
+                <a:spcPct val="107000"/>
+              </a:lnSpc>
+              <a:spcAft>
+                <a:spcPts val="800"/>
+              </a:spcAft>
+              <a:buFont typeface="Symbol" panose="05050102010706020507" pitchFamily="18" charset="2"/>
+              <a:buChar char=""/>
+            </a:pPr>
+            <a:r>
+              <a:rPr lang="en-US" sz="2600" b="1" kern="100" dirty="0">
+                <a:latin typeface="Aptos" panose="020B0004020202020204" pitchFamily="34" charset="0"/>
+                <a:cs typeface="Times New Roman" panose="02020603050405020304" pitchFamily="18" charset="0"/>
+              </a:rPr>
+              <a:t>Procedure</a:t>
+            </a:r>
+          </a:p>
+          <a:p>
+            <a:pPr marL="800100" lvl="1" indent="-342900">
+              <a:lnSpc>
+                <a:spcPct val="107000"/>
+              </a:lnSpc>
+              <a:spcAft>
+                <a:spcPts val="800"/>
+              </a:spcAft>
+              <a:buFont typeface="Symbol" panose="05050102010706020507" pitchFamily="18" charset="2"/>
+              <a:buChar char=""/>
+            </a:pPr>
+            <a:r>
+              <a:rPr lang="en-US" sz="2100" kern="100" dirty="0">
+                <a:latin typeface="Aptos" panose="020B0004020202020204" pitchFamily="34" charset="0"/>
+                <a:cs typeface="Times New Roman" panose="02020603050405020304" pitchFamily="18" charset="0"/>
+              </a:rPr>
+              <a:t>Preprocessed Images </a:t>
+            </a:r>
+          </a:p>
+          <a:p>
+            <a:pPr marL="1257300" lvl="2" indent="-342900">
+              <a:lnSpc>
+                <a:spcPct val="107000"/>
+              </a:lnSpc>
+              <a:spcAft>
+                <a:spcPts val="800"/>
+              </a:spcAft>
+              <a:buFont typeface="Symbol" panose="05050102010706020507" pitchFamily="18" charset="2"/>
+              <a:buChar char=""/>
+            </a:pPr>
+            <a:r>
+              <a:rPr lang="en-US" sz="2100" kern="100" dirty="0">
+                <a:latin typeface="Aptos" panose="020B0004020202020204" pitchFamily="34" charset="0"/>
+                <a:cs typeface="Times New Roman" panose="02020603050405020304" pitchFamily="18" charset="0"/>
+              </a:rPr>
+              <a:t>MTCNN (Facial Detection) + Facial Alignment (Eye Location)</a:t>
+            </a:r>
+          </a:p>
+          <a:p>
+            <a:pPr marL="1257300" lvl="2" indent="-342900">
+              <a:lnSpc>
+                <a:spcPct val="107000"/>
+              </a:lnSpc>
+              <a:spcAft>
+                <a:spcPts val="800"/>
+              </a:spcAft>
+              <a:buFont typeface="Symbol" panose="05050102010706020507" pitchFamily="18" charset="2"/>
+              <a:buChar char=""/>
+            </a:pPr>
+            <a:r>
+              <a:rPr lang="en-US" sz="2100" kern="100" dirty="0">
+                <a:latin typeface="Aptos" panose="020B0004020202020204" pitchFamily="34" charset="0"/>
+                <a:cs typeface="Times New Roman" panose="02020603050405020304" pitchFamily="18" charset="0"/>
+              </a:rPr>
+              <a:t>Grayscale</a:t>
+            </a:r>
+          </a:p>
+          <a:p>
+            <a:pPr marL="1257300" lvl="2" indent="-342900">
+              <a:lnSpc>
+                <a:spcPct val="107000"/>
+              </a:lnSpc>
+              <a:spcAft>
+                <a:spcPts val="800"/>
+              </a:spcAft>
+              <a:buFont typeface="Symbol" panose="05050102010706020507" pitchFamily="18" charset="2"/>
+              <a:buChar char=""/>
+            </a:pPr>
+            <a:r>
+              <a:rPr lang="en-US" sz="2100" kern="100" dirty="0">
+                <a:latin typeface="Aptos" panose="020B0004020202020204" pitchFamily="34" charset="0"/>
+                <a:cs typeface="Times New Roman" panose="02020603050405020304" pitchFamily="18" charset="0"/>
+              </a:rPr>
+              <a:t>Resized (ResNet50 – 224</a:t>
+            </a:r>
+            <a:r>
+              <a:rPr lang="en-US" sz="2100" kern="100" baseline="30000" dirty="0">
+                <a:latin typeface="Aptos" panose="020B0004020202020204" pitchFamily="34" charset="0"/>
+                <a:cs typeface="Times New Roman" panose="02020603050405020304" pitchFamily="18" charset="0"/>
+              </a:rPr>
+              <a:t>2</a:t>
+            </a:r>
+            <a:r>
+              <a:rPr lang="en-US" sz="2100" kern="100" dirty="0">
+                <a:latin typeface="Aptos" panose="020B0004020202020204" pitchFamily="34" charset="0"/>
+                <a:cs typeface="Times New Roman" panose="02020603050405020304" pitchFamily="18" charset="0"/>
+              </a:rPr>
+              <a:t>, Inception-</a:t>
+            </a:r>
+            <a:r>
+              <a:rPr lang="en-US" sz="2100" kern="100" dirty="0" err="1">
+                <a:latin typeface="Aptos" panose="020B0004020202020204" pitchFamily="34" charset="0"/>
+                <a:cs typeface="Times New Roman" panose="02020603050405020304" pitchFamily="18" charset="0"/>
+              </a:rPr>
+              <a:t>ResNet</a:t>
+            </a:r>
+            <a:r>
+              <a:rPr lang="en-US" sz="2100" kern="100" dirty="0">
+                <a:latin typeface="Aptos" panose="020B0004020202020204" pitchFamily="34" charset="0"/>
+                <a:cs typeface="Times New Roman" panose="02020603050405020304" pitchFamily="18" charset="0"/>
+              </a:rPr>
+              <a:t> – 160</a:t>
+            </a:r>
+            <a:r>
+              <a:rPr lang="en-US" sz="2100" kern="100" baseline="30000" dirty="0">
+                <a:latin typeface="Aptos" panose="020B0004020202020204" pitchFamily="34" charset="0"/>
+                <a:cs typeface="Times New Roman" panose="02020603050405020304" pitchFamily="18" charset="0"/>
+              </a:rPr>
+              <a:t>2</a:t>
+            </a:r>
+            <a:r>
+              <a:rPr lang="en-US" sz="2100" kern="100" dirty="0">
+                <a:latin typeface="Aptos" panose="020B0004020202020204" pitchFamily="34" charset="0"/>
+                <a:cs typeface="Times New Roman" panose="02020603050405020304" pitchFamily="18" charset="0"/>
+              </a:rPr>
+              <a:t>)</a:t>
+            </a:r>
+          </a:p>
+          <a:p>
+            <a:pPr marL="1257300" lvl="2" indent="-342900">
+              <a:lnSpc>
+                <a:spcPct val="107000"/>
+              </a:lnSpc>
+              <a:spcAft>
+                <a:spcPts val="800"/>
+              </a:spcAft>
+              <a:buFont typeface="Symbol" panose="05050102010706020507" pitchFamily="18" charset="2"/>
+              <a:buChar char=""/>
+            </a:pPr>
+            <a:r>
+              <a:rPr lang="en-US" sz="2100" kern="100" dirty="0">
+                <a:latin typeface="Aptos" panose="020B0004020202020204" pitchFamily="34" charset="0"/>
+                <a:cs typeface="Times New Roman" panose="02020603050405020304" pitchFamily="18" charset="0"/>
+              </a:rPr>
+              <a:t>50% Horizontal Flip (Reduce Overfitting)</a:t>
+            </a:r>
+          </a:p>
+          <a:p>
+            <a:pPr marL="800100" lvl="1" indent="-342900">
+              <a:lnSpc>
+                <a:spcPct val="107000"/>
+              </a:lnSpc>
+              <a:spcAft>
+                <a:spcPts val="800"/>
+              </a:spcAft>
+              <a:buFont typeface="Symbol" panose="05050102010706020507" pitchFamily="18" charset="2"/>
+              <a:buChar char=""/>
+            </a:pPr>
+            <a:r>
+              <a:rPr lang="en-US" sz="2100" kern="100" dirty="0">
+                <a:latin typeface="Aptos" panose="020B0004020202020204" pitchFamily="34" charset="0"/>
+                <a:cs typeface="Times New Roman" panose="02020603050405020304" pitchFamily="18" charset="0"/>
+              </a:rPr>
+              <a:t>Maintained  same hyperparameters where possible </a:t>
+            </a:r>
+          </a:p>
+          <a:p>
+            <a:pPr marL="800100" lvl="1" indent="-342900">
+              <a:lnSpc>
+                <a:spcPct val="107000"/>
+              </a:lnSpc>
+              <a:spcAft>
+                <a:spcPts val="800"/>
+              </a:spcAft>
+              <a:buFont typeface="Symbol" panose="05050102010706020507" pitchFamily="18" charset="2"/>
+              <a:buChar char=""/>
+            </a:pPr>
+            <a:r>
+              <a:rPr lang="en-US" sz="2100" kern="100" dirty="0">
+                <a:latin typeface="Aptos" panose="020B0004020202020204" pitchFamily="34" charset="0"/>
+                <a:cs typeface="Times New Roman" panose="02020603050405020304" pitchFamily="18" charset="0"/>
+              </a:rPr>
+              <a:t>Three experiments – Investigate Cross-Corpus domain generalisation:</a:t>
+            </a:r>
+          </a:p>
+          <a:p>
+            <a:pPr marL="1257300" lvl="2" indent="-342900">
+              <a:lnSpc>
+                <a:spcPct val="107000"/>
+              </a:lnSpc>
+              <a:spcAft>
+                <a:spcPts val="800"/>
+              </a:spcAft>
+              <a:buFont typeface="Symbol" panose="05050102010706020507" pitchFamily="18" charset="2"/>
+              <a:buChar char=""/>
+            </a:pPr>
+            <a:r>
+              <a:rPr lang="en-US" sz="2100" b="0" i="0" dirty="0">
+                <a:effectLst/>
+                <a:latin typeface="Arial" panose="020B0604020202020204" pitchFamily="34" charset="0"/>
+              </a:rPr>
+              <a:t>Single-Source training</a:t>
+            </a:r>
+          </a:p>
+          <a:p>
+            <a:pPr marL="1257300" lvl="2" indent="-342900">
+              <a:lnSpc>
+                <a:spcPct val="107000"/>
+              </a:lnSpc>
+              <a:spcAft>
+                <a:spcPts val="800"/>
+              </a:spcAft>
+              <a:buFont typeface="Symbol" panose="05050102010706020507" pitchFamily="18" charset="2"/>
+              <a:buChar char=""/>
+            </a:pPr>
+            <a:r>
+              <a:rPr lang="en-US" sz="2100" kern="100" dirty="0">
+                <a:latin typeface="Aptos" panose="020B0004020202020204" pitchFamily="34" charset="0"/>
+                <a:cs typeface="Times New Roman" panose="02020603050405020304" pitchFamily="18" charset="0"/>
+              </a:rPr>
+              <a:t>Multiple-Source training</a:t>
+            </a:r>
+          </a:p>
+          <a:p>
+            <a:pPr marL="1714500" lvl="3" indent="-342900">
+              <a:lnSpc>
+                <a:spcPct val="107000"/>
+              </a:lnSpc>
+              <a:spcAft>
+                <a:spcPts val="800"/>
+              </a:spcAft>
+              <a:buFont typeface="Symbol" panose="05050102010706020507" pitchFamily="18" charset="2"/>
+              <a:buChar char=""/>
+            </a:pPr>
+            <a:r>
+              <a:rPr lang="en-US" kern="100" dirty="0">
+                <a:latin typeface="Aptos" panose="020B0004020202020204" pitchFamily="34" charset="0"/>
+                <a:cs typeface="Times New Roman" panose="02020603050405020304" pitchFamily="18" charset="0"/>
+              </a:rPr>
+              <a:t>Within-Setting</a:t>
+            </a:r>
+          </a:p>
+          <a:p>
+            <a:pPr marL="1714500" lvl="3" indent="-342900">
+              <a:lnSpc>
+                <a:spcPct val="107000"/>
+              </a:lnSpc>
+              <a:spcAft>
+                <a:spcPts val="800"/>
+              </a:spcAft>
+              <a:buFont typeface="Symbol" panose="05050102010706020507" pitchFamily="18" charset="2"/>
+              <a:buChar char=""/>
+            </a:pPr>
+            <a:r>
+              <a:rPr lang="en-US" kern="100" dirty="0">
+                <a:latin typeface="Aptos" panose="020B0004020202020204" pitchFamily="34" charset="0"/>
+                <a:cs typeface="Times New Roman" panose="02020603050405020304" pitchFamily="18" charset="0"/>
+              </a:rPr>
+              <a:t>Cross-Setting</a:t>
+            </a:r>
+          </a:p>
+          <a:p>
+            <a:pPr marL="1714500" lvl="3" indent="-342900">
+              <a:lnSpc>
+                <a:spcPct val="107000"/>
+              </a:lnSpc>
+              <a:spcAft>
+                <a:spcPts val="800"/>
+              </a:spcAft>
+              <a:buFont typeface="Symbol" panose="05050102010706020507" pitchFamily="18" charset="2"/>
+              <a:buChar char=""/>
+            </a:pPr>
+            <a:r>
+              <a:rPr lang="en-US" kern="100" dirty="0">
+                <a:latin typeface="Aptos" panose="020B0004020202020204" pitchFamily="34" charset="0"/>
+                <a:cs typeface="Times New Roman" panose="02020603050405020304" pitchFamily="18" charset="0"/>
+              </a:rPr>
+              <a:t>Leave-one-out</a:t>
+            </a:r>
+          </a:p>
+          <a:p>
+            <a:pPr marL="1257300" lvl="2" indent="-342900">
+              <a:lnSpc>
+                <a:spcPct val="107000"/>
+              </a:lnSpc>
+              <a:spcAft>
+                <a:spcPts val="800"/>
+              </a:spcAft>
+              <a:buFont typeface="Symbol" panose="05050102010706020507" pitchFamily="18" charset="2"/>
+              <a:buChar char=""/>
+            </a:pPr>
+            <a:r>
+              <a:rPr lang="en-US" sz="2100" kern="100" dirty="0">
+                <a:latin typeface="Aptos" panose="020B0004020202020204" pitchFamily="34" charset="0"/>
+                <a:cs typeface="Times New Roman" panose="02020603050405020304" pitchFamily="18" charset="0"/>
+              </a:rPr>
+              <a:t>Evaluate three FER APIs</a:t>
+            </a:r>
+            <a:endParaRPr lang="en-GB" sz="2100" kern="100" dirty="0">
+              <a:latin typeface="Aptos" panose="020B0004020202020204" pitchFamily="34" charset="0"/>
+              <a:cs typeface="Times New Roman" panose="02020603050405020304" pitchFamily="18" charset="0"/>
+            </a:endParaRPr>
+          </a:p>
+          <a:p>
+            <a:pPr marL="800100" lvl="1" indent="-342900">
+              <a:lnSpc>
+                <a:spcPct val="107000"/>
+              </a:lnSpc>
+              <a:spcAft>
+                <a:spcPts val="800"/>
+              </a:spcAft>
+              <a:buFont typeface="Symbol" panose="05050102010706020507" pitchFamily="18" charset="2"/>
+              <a:buChar char=""/>
+            </a:pPr>
+            <a:endParaRPr lang="en-GB" sz="2200" kern="100" dirty="0">
+              <a:latin typeface="Aptos" panose="020B0004020202020204" pitchFamily="34" charset="0"/>
+              <a:cs typeface="Times New Roman" panose="02020603050405020304" pitchFamily="18" charset="0"/>
+            </a:endParaRPr>
+          </a:p>
+          <a:p>
+            <a:pPr marL="800100" lvl="1" indent="-342900">
+              <a:lnSpc>
+                <a:spcPct val="107000"/>
+              </a:lnSpc>
+              <a:spcAft>
+                <a:spcPts val="800"/>
+              </a:spcAft>
+              <a:buFont typeface="Symbol" panose="05050102010706020507" pitchFamily="18" charset="2"/>
+              <a:buChar char=""/>
+            </a:pPr>
+            <a:endParaRPr lang="en-GB" sz="1600" kern="100" dirty="0">
+              <a:latin typeface="Aptos" panose="020B0004020202020204" pitchFamily="34" charset="0"/>
+              <a:cs typeface="Times New Roman" panose="02020603050405020304" pitchFamily="18" charset="0"/>
+            </a:endParaRPr>
+          </a:p>
+          <a:p>
+            <a:pPr marL="914400" lvl="2" indent="0">
+              <a:lnSpc>
+                <a:spcPct val="107000"/>
+              </a:lnSpc>
+              <a:spcAft>
+                <a:spcPts val="800"/>
+              </a:spcAft>
+              <a:buNone/>
+            </a:pPr>
+            <a:endParaRPr lang="en-GB" sz="1400" kern="100" dirty="0">
+              <a:latin typeface="Aptos" panose="020B0004020202020204" pitchFamily="34" charset="0"/>
+              <a:cs typeface="Times New Roman" panose="02020603050405020304" pitchFamily="18" charset="0"/>
+            </a:endParaRPr>
+          </a:p>
+        </p:txBody>
+      </p:sp>
+      <p:sp>
+        <p:nvSpPr>
+          <p:cNvPr id="7" name="Title 1">
+            <a:extLst>
+              <a:ext uri="{FF2B5EF4-FFF2-40B4-BE49-F238E27FC236}">
+                <a16:creationId xmlns:a16="http://schemas.microsoft.com/office/drawing/2014/main" id="{A2A7ACC1-F702-B95C-A1EF-CDF00084F71F}"/>
+              </a:ext>
+            </a:extLst>
+          </p:cNvPr>
+          <p:cNvSpPr txBox="1">
+            <a:spLocks/>
+          </p:cNvSpPr>
+          <p:nvPr/>
+        </p:nvSpPr>
+        <p:spPr>
+          <a:xfrm>
+            <a:off x="458694" y="358392"/>
+            <a:ext cx="11274612" cy="897890"/>
+          </a:xfrm>
+          <a:prstGeom prst="rect">
+            <a:avLst/>
+          </a:prstGeom>
+        </p:spPr>
+        <p:txBody>
+          <a:bodyPr vert="horz" lIns="91440" tIns="45720" rIns="91440" bIns="45720" rtlCol="0" anchor="ctr">
+            <a:normAutofit/>
+          </a:bodyPr>
+          <a:lstStyle>
+            <a:lvl1pPr algn="l" defTabSz="914400" rtl="0" eaLnBrk="1" latinLnBrk="0" hangingPunct="1">
+              <a:lnSpc>
+                <a:spcPct val="100000"/>
+              </a:lnSpc>
+              <a:spcBef>
+                <a:spcPct val="0"/>
+              </a:spcBef>
+              <a:buNone/>
+              <a:defRPr sz="4400" b="0" kern="1200">
+                <a:solidFill>
+                  <a:schemeClr val="tx1"/>
+                </a:solidFill>
+                <a:latin typeface="+mj-lt"/>
+                <a:ea typeface="+mj-ea"/>
+                <a:cs typeface="+mj-cs"/>
+              </a:defRPr>
+            </a:lvl1pPr>
+          </a:lstStyle>
+          <a:p>
+            <a:r>
+              <a:rPr lang="en-GB" kern="100" spc="75" dirty="0">
+                <a:solidFill>
+                  <a:srgbClr val="595959"/>
+                </a:solidFill>
+                <a:latin typeface="Aptos" panose="020B0004020202020204" pitchFamily="34" charset="0"/>
+                <a:ea typeface="Times New Roman" panose="02020603050405020304" pitchFamily="18" charset="0"/>
+                <a:cs typeface="Times New Roman" panose="02020603050405020304" pitchFamily="18" charset="0"/>
+              </a:rPr>
+              <a:t>Existing Research (P2-2)</a:t>
+            </a:r>
+            <a:endParaRPr lang="en-MT" dirty="0"/>
+          </a:p>
+        </p:txBody>
+      </p:sp>
+      <p:sp>
+        <p:nvSpPr>
+          <p:cNvPr id="4" name="Content Placeholder 2">
+            <a:extLst>
+              <a:ext uri="{FF2B5EF4-FFF2-40B4-BE49-F238E27FC236}">
+                <a16:creationId xmlns:a16="http://schemas.microsoft.com/office/drawing/2014/main" id="{F8B0FC4A-7B0C-1193-B079-67BD17E107DD}"/>
+              </a:ext>
+            </a:extLst>
+          </p:cNvPr>
+          <p:cNvSpPr txBox="1">
+            <a:spLocks/>
+          </p:cNvSpPr>
+          <p:nvPr/>
+        </p:nvSpPr>
+        <p:spPr>
+          <a:xfrm>
+            <a:off x="458694" y="4229100"/>
+            <a:ext cx="11274612" cy="3108325"/>
+          </a:xfrm>
+          <a:prstGeom prst="rect">
+            <a:avLst/>
+          </a:prstGeom>
+        </p:spPr>
+        <p:txBody>
+          <a:bodyPr vert="horz" lIns="91440" tIns="45720" rIns="91440" bIns="45720" rtlCol="0">
+            <a:normAutofit/>
+          </a:bodyPr>
+          <a:lstStyle>
+            <a:lvl1pPr marL="228600" indent="-228600" algn="l" defTabSz="914400" rtl="0" eaLnBrk="1" latinLnBrk="0" hangingPunct="1">
+              <a:lnSpc>
+                <a:spcPct val="110000"/>
+              </a:lnSpc>
+              <a:spcBef>
+                <a:spcPts val="1000"/>
+              </a:spcBef>
+              <a:buClr>
+                <a:schemeClr val="accent1"/>
+              </a:buClr>
+              <a:buFont typeface="Arial" panose="020B0604020202020204" pitchFamily="34" charset="0"/>
+              <a:buChar char="•"/>
+              <a:defRPr sz="2800" kern="1200">
+                <a:solidFill>
+                  <a:schemeClr val="tx1"/>
+                </a:solidFill>
+                <a:latin typeface="+mn-lt"/>
+                <a:ea typeface="+mn-ea"/>
+                <a:cs typeface="+mn-cs"/>
+              </a:defRPr>
+            </a:lvl1pPr>
+            <a:lvl2pPr marL="685800" indent="-228600" algn="l" defTabSz="914400" rtl="0" eaLnBrk="1" latinLnBrk="0" hangingPunct="1">
+              <a:lnSpc>
+                <a:spcPct val="110000"/>
+              </a:lnSpc>
+              <a:spcBef>
+                <a:spcPts val="500"/>
+              </a:spcBef>
+              <a:buClr>
+                <a:schemeClr val="accent1"/>
+              </a:buClr>
+              <a:buFont typeface="Arial" panose="020B0604020202020204" pitchFamily="34" charset="0"/>
+              <a:buChar char="•"/>
+              <a:defRPr sz="2400" kern="1200">
+                <a:solidFill>
+                  <a:schemeClr val="tx1"/>
+                </a:solidFill>
+                <a:latin typeface="+mn-lt"/>
+                <a:ea typeface="+mn-ea"/>
+                <a:cs typeface="+mn-cs"/>
+              </a:defRPr>
+            </a:lvl2pPr>
+            <a:lvl3pPr marL="1143000" indent="-228600" algn="l" defTabSz="914400" rtl="0" eaLnBrk="1" latinLnBrk="0" hangingPunct="1">
+              <a:lnSpc>
+                <a:spcPct val="110000"/>
+              </a:lnSpc>
+              <a:spcBef>
+                <a:spcPts val="500"/>
+              </a:spcBef>
+              <a:buClr>
+                <a:schemeClr val="accent1"/>
+              </a:buClr>
+              <a:buFont typeface="Arial" panose="020B0604020202020204" pitchFamily="34" charset="0"/>
+              <a:buChar char="•"/>
+              <a:defRPr sz="2000" kern="1200">
+                <a:solidFill>
+                  <a:schemeClr val="tx1"/>
+                </a:solidFill>
+                <a:latin typeface="+mn-lt"/>
+                <a:ea typeface="+mn-ea"/>
+                <a:cs typeface="+mn-cs"/>
+              </a:defRPr>
+            </a:lvl3pPr>
+            <a:lvl4pPr marL="1600200" indent="-228600" algn="l" defTabSz="914400" rtl="0" eaLnBrk="1" latinLnBrk="0" hangingPunct="1">
+              <a:lnSpc>
+                <a:spcPct val="110000"/>
+              </a:lnSpc>
+              <a:spcBef>
+                <a:spcPts val="500"/>
+              </a:spcBef>
+              <a:buClr>
+                <a:schemeClr val="accent1"/>
+              </a:buClr>
+              <a:buFont typeface="Arial" panose="020B0604020202020204" pitchFamily="34" charset="0"/>
+              <a:buChar char="•"/>
+              <a:defRPr sz="1800" kern="1200">
+                <a:solidFill>
+                  <a:schemeClr val="tx1"/>
+                </a:solidFill>
+                <a:latin typeface="+mn-lt"/>
+                <a:ea typeface="+mn-ea"/>
+                <a:cs typeface="+mn-cs"/>
+              </a:defRPr>
+            </a:lvl4pPr>
+            <a:lvl5pPr marL="2057400" indent="-228600" algn="l" defTabSz="914400" rtl="0" eaLnBrk="1" latinLnBrk="0" hangingPunct="1">
+              <a:lnSpc>
+                <a:spcPct val="110000"/>
+              </a:lnSpc>
+              <a:spcBef>
+                <a:spcPts val="500"/>
+              </a:spcBef>
+              <a:buClr>
+                <a:schemeClr val="accent1"/>
+              </a:buClr>
+              <a:buFont typeface="Arial" panose="020B0604020202020204" pitchFamily="34" charset="0"/>
+              <a:buChar char="•"/>
+              <a:defRPr sz="1800" kern="1200">
+                <a:solidFill>
+                  <a:schemeClr val="tx1"/>
+                </a:solidFill>
+                <a:latin typeface="+mn-lt"/>
+                <a:ea typeface="+mn-ea"/>
+                <a:cs typeface="+mn-cs"/>
+              </a:defRPr>
+            </a:lvl5pPr>
+            <a:lvl6pPr marL="2514600" indent="-228600" algn="l" defTabSz="914400" rtl="0" eaLnBrk="1" latinLnBrk="0" hangingPunct="1">
+              <a:lnSpc>
+                <a:spcPct val="90000"/>
+              </a:lnSpc>
+              <a:spcBef>
+                <a:spcPts val="500"/>
+              </a:spcBef>
+              <a:buFont typeface="Arial" panose="020B0604020202020204" pitchFamily="34" charset="0"/>
+              <a:buChar char="•"/>
+              <a:defRPr sz="1800" kern="1200">
+                <a:solidFill>
+                  <a:schemeClr val="tx1"/>
+                </a:solidFill>
+                <a:latin typeface="+mn-lt"/>
+                <a:ea typeface="+mn-ea"/>
+                <a:cs typeface="+mn-cs"/>
+              </a:defRPr>
+            </a:lvl6pPr>
+            <a:lvl7pPr marL="2971800" indent="-228600" algn="l" defTabSz="914400" rtl="0" eaLnBrk="1" latinLnBrk="0" hangingPunct="1">
+              <a:lnSpc>
+                <a:spcPct val="90000"/>
+              </a:lnSpc>
+              <a:spcBef>
+                <a:spcPts val="500"/>
+              </a:spcBef>
+              <a:buFont typeface="Arial" panose="020B0604020202020204" pitchFamily="34" charset="0"/>
+              <a:buChar char="•"/>
+              <a:defRPr sz="1800" kern="1200">
+                <a:solidFill>
+                  <a:schemeClr val="tx1"/>
+                </a:solidFill>
+                <a:latin typeface="+mn-lt"/>
+                <a:ea typeface="+mn-ea"/>
+                <a:cs typeface="+mn-cs"/>
+              </a:defRPr>
+            </a:lvl7pPr>
+            <a:lvl8pPr marL="3429000" indent="-228600" algn="l" defTabSz="914400" rtl="0" eaLnBrk="1" latinLnBrk="0" hangingPunct="1">
+              <a:lnSpc>
+                <a:spcPct val="90000"/>
+              </a:lnSpc>
+              <a:spcBef>
+                <a:spcPts val="500"/>
+              </a:spcBef>
+              <a:buFont typeface="Arial" panose="020B0604020202020204" pitchFamily="34" charset="0"/>
+              <a:buChar char="•"/>
+              <a:defRPr sz="1800" kern="1200">
+                <a:solidFill>
+                  <a:schemeClr val="tx1"/>
+                </a:solidFill>
+                <a:latin typeface="+mn-lt"/>
+                <a:ea typeface="+mn-ea"/>
+                <a:cs typeface="+mn-cs"/>
+              </a:defRPr>
+            </a:lvl8pPr>
+            <a:lvl9pPr marL="3886200" indent="-228600" algn="l" defTabSz="914400" rtl="0" eaLnBrk="1" latinLnBrk="0" hangingPunct="1">
+              <a:lnSpc>
+                <a:spcPct val="90000"/>
+              </a:lnSpc>
+              <a:spcBef>
+                <a:spcPts val="500"/>
+              </a:spcBef>
+              <a:buFont typeface="Arial" panose="020B0604020202020204" pitchFamily="34" charset="0"/>
+              <a:buChar char="•"/>
+              <a:defRPr sz="1800" kern="1200">
+                <a:solidFill>
+                  <a:schemeClr val="tx1"/>
+                </a:solidFill>
+                <a:latin typeface="+mn-lt"/>
+                <a:ea typeface="+mn-ea"/>
+                <a:cs typeface="+mn-cs"/>
+              </a:defRPr>
+            </a:lvl9pPr>
+          </a:lstStyle>
+          <a:p>
+            <a:pPr>
+              <a:lnSpc>
+                <a:spcPct val="107000"/>
+              </a:lnSpc>
+              <a:spcAft>
+                <a:spcPts val="800"/>
+              </a:spcAft>
+            </a:pPr>
+            <a:endParaRPr lang="en-MT" sz="1400" kern="100" dirty="0">
+              <a:effectLst/>
+              <a:latin typeface="Aptos" panose="020B0004020202020204" pitchFamily="34" charset="0"/>
+              <a:ea typeface="Aptos" panose="020B0004020202020204" pitchFamily="34" charset="0"/>
+              <a:cs typeface="Times New Roman" panose="02020603050405020304" pitchFamily="18" charset="0"/>
+            </a:endParaRPr>
+          </a:p>
+        </p:txBody>
+      </p:sp>
+    </p:spTree>
+    <p:extLst>
+      <p:ext uri="{BB962C8B-B14F-4D97-AF65-F5344CB8AC3E}">
+        <p14:creationId xmlns:p14="http://schemas.microsoft.com/office/powerpoint/2010/main" val="1640308298"/>
+      </p:ext>
+    </p:extLst>
+  </p:cSld>
+  <p:clrMapOvr>
+    <a:masterClrMapping/>
+  </p:clrMapOvr>
+</p:sld>
+</file>
+
+<file path=ppt/slides/slide15.xml><?xml version="1.0" encoding="utf-8"?>
+<p:sld xmlns:a="http://schemas.openxmlformats.org/drawingml/2006/main" xmlns:r="http://schemas.openxmlformats.org/officeDocument/2006/relationships" xmlns:p="http://schemas.openxmlformats.org/presentationml/2006/main">
+  <p:cSld>
+    <p:spTree>
+      <p:nvGrpSpPr>
+        <p:cNvPr id="1" name="">
+          <a:extLst>
+            <a:ext uri="{FF2B5EF4-FFF2-40B4-BE49-F238E27FC236}">
+              <a16:creationId xmlns:a16="http://schemas.microsoft.com/office/drawing/2014/main" id="{D15C816E-FCCD-CAA9-99FF-11EF0C598581}"/>
+            </a:ext>
+          </a:extLst>
+        </p:cNvPr>
+        <p:cNvGrpSpPr/>
+        <p:nvPr/>
+      </p:nvGrpSpPr>
+      <p:grpSpPr>
+        <a:xfrm>
+          <a:off x="0" y="0"/>
+          <a:ext cx="0" cy="0"/>
+          <a:chOff x="0" y="0"/>
+          <a:chExt cx="0" cy="0"/>
+        </a:xfrm>
+      </p:grpSpPr>
+      <p:sp>
+        <p:nvSpPr>
+          <p:cNvPr id="8" name="Content Placeholder 2">
+            <a:extLst>
+              <a:ext uri="{FF2B5EF4-FFF2-40B4-BE49-F238E27FC236}">
+                <a16:creationId xmlns:a16="http://schemas.microsoft.com/office/drawing/2014/main" id="{89EE8278-D188-2493-96B9-409683847B6D}"/>
+              </a:ext>
+            </a:extLst>
+          </p:cNvPr>
+          <p:cNvSpPr>
+            <a:spLocks noGrp="1"/>
+          </p:cNvSpPr>
+          <p:nvPr>
+            <p:ph idx="1"/>
+          </p:nvPr>
+        </p:nvSpPr>
+        <p:spPr>
+          <a:xfrm>
+            <a:off x="458694" y="1263649"/>
+            <a:ext cx="11274612" cy="5594351"/>
+          </a:xfrm>
+        </p:spPr>
+        <p:txBody>
+          <a:bodyPr>
+            <a:normAutofit/>
+          </a:bodyPr>
+          <a:lstStyle/>
+          <a:p>
+            <a:pPr marL="342900" indent="-342900">
+              <a:lnSpc>
+                <a:spcPct val="107000"/>
+              </a:lnSpc>
+              <a:spcAft>
+                <a:spcPts val="800"/>
+              </a:spcAft>
+              <a:buFont typeface="Symbol" panose="05050102010706020507" pitchFamily="18" charset="2"/>
+              <a:buChar char=""/>
+            </a:pPr>
+            <a:r>
+              <a:rPr lang="en-US" sz="2000" b="1" kern="100" dirty="0">
+                <a:latin typeface="Aptos" panose="020B0004020202020204" pitchFamily="34" charset="0"/>
+                <a:cs typeface="Times New Roman" panose="02020603050405020304" pitchFamily="18" charset="0"/>
+              </a:rPr>
+              <a:t>Results</a:t>
+            </a:r>
+          </a:p>
+          <a:p>
+            <a:pPr marL="800100" lvl="1" indent="-342900">
+              <a:lnSpc>
+                <a:spcPct val="87000"/>
+              </a:lnSpc>
+              <a:spcAft>
+                <a:spcPts val="800"/>
+              </a:spcAft>
+              <a:buFont typeface="Symbol" panose="05050102010706020507" pitchFamily="18" charset="2"/>
+              <a:buChar char=""/>
+            </a:pPr>
+            <a:r>
+              <a:rPr lang="en-GB" sz="1600" dirty="0">
+                <a:latin typeface="Arial" panose="020B0604020202020204" pitchFamily="34" charset="0"/>
+              </a:rPr>
+              <a:t>Primarily Metric – Accuracy</a:t>
+            </a:r>
+          </a:p>
+          <a:p>
+            <a:pPr marL="800100" lvl="1" indent="-342900">
+              <a:lnSpc>
+                <a:spcPct val="87000"/>
+              </a:lnSpc>
+              <a:spcAft>
+                <a:spcPts val="800"/>
+              </a:spcAft>
+              <a:buFont typeface="Symbol" panose="05050102010706020507" pitchFamily="18" charset="2"/>
+              <a:buChar char=""/>
+            </a:pPr>
+            <a:r>
+              <a:rPr lang="en-GB" sz="1600" dirty="0">
+                <a:latin typeface="Arial" panose="020B0604020202020204" pitchFamily="34" charset="0"/>
+              </a:rPr>
+              <a:t>Experiment 1 (</a:t>
+            </a:r>
+            <a:r>
+              <a:rPr lang="en-US" sz="1600" dirty="0">
+                <a:latin typeface="Arial" panose="020B0604020202020204" pitchFamily="34" charset="0"/>
+              </a:rPr>
+              <a:t>Single-Source)</a:t>
+            </a:r>
+          </a:p>
+          <a:p>
+            <a:pPr marL="1257300" lvl="2" indent="-342900">
+              <a:lnSpc>
+                <a:spcPct val="87000"/>
+              </a:lnSpc>
+              <a:spcAft>
+                <a:spcPts val="800"/>
+              </a:spcAft>
+              <a:buFont typeface="Symbol" panose="05050102010706020507" pitchFamily="18" charset="2"/>
+              <a:buChar char=""/>
+            </a:pPr>
+            <a:r>
+              <a:rPr lang="en-US" sz="1600" dirty="0">
+                <a:latin typeface="Arial" panose="020B0604020202020204" pitchFamily="34" charset="0"/>
+              </a:rPr>
+              <a:t>Average Accuracy (76.4% -&gt; 42.0%)</a:t>
+            </a:r>
+          </a:p>
+          <a:p>
+            <a:pPr marL="800100" lvl="1" indent="-342900">
+              <a:lnSpc>
+                <a:spcPct val="87000"/>
+              </a:lnSpc>
+              <a:spcAft>
+                <a:spcPts val="800"/>
+              </a:spcAft>
+              <a:buFont typeface="Symbol" panose="05050102010706020507" pitchFamily="18" charset="2"/>
+              <a:buChar char=""/>
+            </a:pPr>
+            <a:r>
+              <a:rPr lang="en-US" sz="1600" dirty="0">
+                <a:latin typeface="Arial" panose="020B0604020202020204" pitchFamily="34" charset="0"/>
+              </a:rPr>
+              <a:t>Experiment 2 (Multi-Source) </a:t>
+            </a:r>
+          </a:p>
+          <a:p>
+            <a:pPr marL="1257300" lvl="2" indent="-342900">
+              <a:lnSpc>
+                <a:spcPct val="87000"/>
+              </a:lnSpc>
+              <a:spcAft>
+                <a:spcPts val="800"/>
+              </a:spcAft>
+              <a:buFont typeface="Symbol" panose="05050102010706020507" pitchFamily="18" charset="2"/>
+              <a:buChar char=""/>
+            </a:pPr>
+            <a:r>
+              <a:rPr lang="en-US" sz="1600" dirty="0">
+                <a:latin typeface="Arial" panose="020B0604020202020204" pitchFamily="34" charset="0"/>
+              </a:rPr>
+              <a:t>Within-Setting - Average Accuracy (61.7%)</a:t>
+            </a:r>
+          </a:p>
+          <a:p>
+            <a:pPr marL="1257300" lvl="2" indent="-342900">
+              <a:lnSpc>
+                <a:spcPct val="87000"/>
+              </a:lnSpc>
+              <a:spcAft>
+                <a:spcPts val="800"/>
+              </a:spcAft>
+              <a:buFont typeface="Symbol" panose="05050102010706020507" pitchFamily="18" charset="2"/>
+              <a:buChar char=""/>
+            </a:pPr>
+            <a:r>
+              <a:rPr lang="en-US" sz="1600" dirty="0">
+                <a:latin typeface="Arial" panose="020B0604020202020204" pitchFamily="34" charset="0"/>
+              </a:rPr>
+              <a:t>Cross-Setting - Average Accuracy (42.76%)</a:t>
+            </a:r>
+          </a:p>
+          <a:p>
+            <a:pPr marL="1257300" lvl="2" indent="-342900">
+              <a:lnSpc>
+                <a:spcPct val="87000"/>
+              </a:lnSpc>
+              <a:spcAft>
+                <a:spcPts val="800"/>
+              </a:spcAft>
+              <a:buFont typeface="Symbol" panose="05050102010706020507" pitchFamily="18" charset="2"/>
+              <a:buChar char=""/>
+            </a:pPr>
+            <a:r>
+              <a:rPr lang="en-US" sz="1600" dirty="0">
+                <a:latin typeface="Arial" panose="020B0604020202020204" pitchFamily="34" charset="0"/>
+              </a:rPr>
+              <a:t>Leave-one-out - Average Accuracy (65.6%)</a:t>
+            </a:r>
+          </a:p>
+          <a:p>
+            <a:pPr marL="1257300" lvl="2" indent="-342900">
+              <a:lnSpc>
+                <a:spcPct val="87000"/>
+              </a:lnSpc>
+              <a:spcAft>
+                <a:spcPts val="800"/>
+              </a:spcAft>
+              <a:buFont typeface="Symbol" panose="05050102010706020507" pitchFamily="18" charset="2"/>
+              <a:buChar char=""/>
+            </a:pPr>
+            <a:r>
+              <a:rPr lang="en-US" sz="1600" dirty="0">
+                <a:latin typeface="Arial" panose="020B0604020202020204" pitchFamily="34" charset="0"/>
+              </a:rPr>
+              <a:t>The larger the training data generally improves cross-setting performance for all models</a:t>
+            </a:r>
+          </a:p>
+          <a:p>
+            <a:pPr marL="800100" lvl="1" indent="-342900">
+              <a:lnSpc>
+                <a:spcPct val="87000"/>
+              </a:lnSpc>
+              <a:spcAft>
+                <a:spcPts val="800"/>
+              </a:spcAft>
+              <a:buFont typeface="Symbol" panose="05050102010706020507" pitchFamily="18" charset="2"/>
+              <a:buChar char=""/>
+            </a:pPr>
+            <a:r>
+              <a:rPr lang="en-US" sz="1600" dirty="0">
+                <a:latin typeface="Arial" panose="020B0604020202020204" pitchFamily="34" charset="0"/>
+              </a:rPr>
+              <a:t>Experiment 3 (Commercial API)</a:t>
+            </a:r>
+          </a:p>
+          <a:p>
+            <a:pPr marL="1257300" lvl="2" indent="-342900">
+              <a:lnSpc>
+                <a:spcPct val="87000"/>
+              </a:lnSpc>
+              <a:spcAft>
+                <a:spcPts val="800"/>
+              </a:spcAft>
+              <a:buFont typeface="Symbol" panose="05050102010706020507" pitchFamily="18" charset="2"/>
+              <a:buChar char=""/>
+            </a:pPr>
+            <a:r>
+              <a:rPr lang="en-US" sz="1600" dirty="0">
+                <a:latin typeface="Arial" panose="020B0604020202020204" pitchFamily="34" charset="0"/>
+              </a:rPr>
+              <a:t>API average performance underperforms by 25% across all datasets compared to within-corpus results</a:t>
+            </a:r>
+            <a:endParaRPr lang="en-GB" sz="1600" dirty="0">
+              <a:latin typeface="Arial" panose="020B0604020202020204" pitchFamily="34" charset="0"/>
+            </a:endParaRPr>
+          </a:p>
+        </p:txBody>
+      </p:sp>
+      <p:sp>
+        <p:nvSpPr>
+          <p:cNvPr id="7" name="Title 1">
+            <a:extLst>
+              <a:ext uri="{FF2B5EF4-FFF2-40B4-BE49-F238E27FC236}">
+                <a16:creationId xmlns:a16="http://schemas.microsoft.com/office/drawing/2014/main" id="{9CD3E5FB-1502-CC19-AD33-8A807B519864}"/>
+              </a:ext>
+            </a:extLst>
+          </p:cNvPr>
+          <p:cNvSpPr txBox="1">
+            <a:spLocks/>
+          </p:cNvSpPr>
+          <p:nvPr/>
+        </p:nvSpPr>
+        <p:spPr>
+          <a:xfrm>
+            <a:off x="458694" y="365761"/>
+            <a:ext cx="11274612" cy="897890"/>
+          </a:xfrm>
+          <a:prstGeom prst="rect">
+            <a:avLst/>
+          </a:prstGeom>
+        </p:spPr>
+        <p:txBody>
+          <a:bodyPr vert="horz" lIns="91440" tIns="45720" rIns="91440" bIns="45720" rtlCol="0" anchor="ctr">
+            <a:normAutofit/>
+          </a:bodyPr>
+          <a:lstStyle>
+            <a:lvl1pPr algn="l" defTabSz="914400" rtl="0" eaLnBrk="1" latinLnBrk="0" hangingPunct="1">
+              <a:lnSpc>
+                <a:spcPct val="100000"/>
+              </a:lnSpc>
+              <a:spcBef>
+                <a:spcPct val="0"/>
+              </a:spcBef>
+              <a:buNone/>
+              <a:defRPr sz="4400" b="0" kern="1200">
+                <a:solidFill>
+                  <a:schemeClr val="tx1"/>
+                </a:solidFill>
+                <a:latin typeface="+mj-lt"/>
+                <a:ea typeface="+mj-ea"/>
+                <a:cs typeface="+mj-cs"/>
+              </a:defRPr>
+            </a:lvl1pPr>
+          </a:lstStyle>
+          <a:p>
+            <a:r>
+              <a:rPr lang="en-GB" kern="100" spc="75" dirty="0">
+                <a:solidFill>
+                  <a:srgbClr val="595959"/>
+                </a:solidFill>
+                <a:latin typeface="Aptos" panose="020B0004020202020204" pitchFamily="34" charset="0"/>
+                <a:ea typeface="Times New Roman" panose="02020603050405020304" pitchFamily="18" charset="0"/>
+                <a:cs typeface="Times New Roman" panose="02020603050405020304" pitchFamily="18" charset="0"/>
+              </a:rPr>
+              <a:t>Existing Research (P2-3)</a:t>
+            </a:r>
+            <a:endParaRPr lang="en-MT" dirty="0"/>
+          </a:p>
+        </p:txBody>
+      </p:sp>
+      <p:sp>
+        <p:nvSpPr>
+          <p:cNvPr id="4" name="Content Placeholder 2">
+            <a:extLst>
+              <a:ext uri="{FF2B5EF4-FFF2-40B4-BE49-F238E27FC236}">
+                <a16:creationId xmlns:a16="http://schemas.microsoft.com/office/drawing/2014/main" id="{C6F84582-F2AB-E337-21B8-106503808527}"/>
+              </a:ext>
+            </a:extLst>
+          </p:cNvPr>
+          <p:cNvSpPr txBox="1">
+            <a:spLocks/>
+          </p:cNvSpPr>
+          <p:nvPr/>
+        </p:nvSpPr>
+        <p:spPr>
+          <a:xfrm>
+            <a:off x="458694" y="4229100"/>
+            <a:ext cx="11274612" cy="3108325"/>
+          </a:xfrm>
+          <a:prstGeom prst="rect">
+            <a:avLst/>
+          </a:prstGeom>
+        </p:spPr>
+        <p:txBody>
+          <a:bodyPr vert="horz" lIns="91440" tIns="45720" rIns="91440" bIns="45720" rtlCol="0">
+            <a:normAutofit/>
+          </a:bodyPr>
+          <a:lstStyle>
+            <a:lvl1pPr marL="228600" indent="-228600" algn="l" defTabSz="914400" rtl="0" eaLnBrk="1" latinLnBrk="0" hangingPunct="1">
+              <a:lnSpc>
+                <a:spcPct val="110000"/>
+              </a:lnSpc>
+              <a:spcBef>
+                <a:spcPts val="1000"/>
+              </a:spcBef>
+              <a:buClr>
+                <a:schemeClr val="accent1"/>
+              </a:buClr>
+              <a:buFont typeface="Arial" panose="020B0604020202020204" pitchFamily="34" charset="0"/>
+              <a:buChar char="•"/>
+              <a:defRPr sz="2800" kern="1200">
+                <a:solidFill>
+                  <a:schemeClr val="tx1"/>
+                </a:solidFill>
+                <a:latin typeface="+mn-lt"/>
+                <a:ea typeface="+mn-ea"/>
+                <a:cs typeface="+mn-cs"/>
+              </a:defRPr>
+            </a:lvl1pPr>
+            <a:lvl2pPr marL="685800" indent="-228600" algn="l" defTabSz="914400" rtl="0" eaLnBrk="1" latinLnBrk="0" hangingPunct="1">
+              <a:lnSpc>
+                <a:spcPct val="110000"/>
+              </a:lnSpc>
+              <a:spcBef>
+                <a:spcPts val="500"/>
+              </a:spcBef>
+              <a:buClr>
+                <a:schemeClr val="accent1"/>
+              </a:buClr>
+              <a:buFont typeface="Arial" panose="020B0604020202020204" pitchFamily="34" charset="0"/>
+              <a:buChar char="•"/>
+              <a:defRPr sz="2400" kern="1200">
+                <a:solidFill>
+                  <a:schemeClr val="tx1"/>
+                </a:solidFill>
+                <a:latin typeface="+mn-lt"/>
+                <a:ea typeface="+mn-ea"/>
+                <a:cs typeface="+mn-cs"/>
+              </a:defRPr>
+            </a:lvl2pPr>
+            <a:lvl3pPr marL="1143000" indent="-228600" algn="l" defTabSz="914400" rtl="0" eaLnBrk="1" latinLnBrk="0" hangingPunct="1">
+              <a:lnSpc>
+                <a:spcPct val="110000"/>
+              </a:lnSpc>
+              <a:spcBef>
+                <a:spcPts val="500"/>
+              </a:spcBef>
+              <a:buClr>
+                <a:schemeClr val="accent1"/>
+              </a:buClr>
+              <a:buFont typeface="Arial" panose="020B0604020202020204" pitchFamily="34" charset="0"/>
+              <a:buChar char="•"/>
+              <a:defRPr sz="2000" kern="1200">
+                <a:solidFill>
+                  <a:schemeClr val="tx1"/>
+                </a:solidFill>
+                <a:latin typeface="+mn-lt"/>
+                <a:ea typeface="+mn-ea"/>
+                <a:cs typeface="+mn-cs"/>
+              </a:defRPr>
+            </a:lvl3pPr>
+            <a:lvl4pPr marL="1600200" indent="-228600" algn="l" defTabSz="914400" rtl="0" eaLnBrk="1" latinLnBrk="0" hangingPunct="1">
+              <a:lnSpc>
+                <a:spcPct val="110000"/>
+              </a:lnSpc>
+              <a:spcBef>
+                <a:spcPts val="500"/>
+              </a:spcBef>
+              <a:buClr>
+                <a:schemeClr val="accent1"/>
+              </a:buClr>
+              <a:buFont typeface="Arial" panose="020B0604020202020204" pitchFamily="34" charset="0"/>
+              <a:buChar char="•"/>
+              <a:defRPr sz="1800" kern="1200">
+                <a:solidFill>
+                  <a:schemeClr val="tx1"/>
+                </a:solidFill>
+                <a:latin typeface="+mn-lt"/>
+                <a:ea typeface="+mn-ea"/>
+                <a:cs typeface="+mn-cs"/>
+              </a:defRPr>
+            </a:lvl4pPr>
+            <a:lvl5pPr marL="2057400" indent="-228600" algn="l" defTabSz="914400" rtl="0" eaLnBrk="1" latinLnBrk="0" hangingPunct="1">
+              <a:lnSpc>
+                <a:spcPct val="110000"/>
+              </a:lnSpc>
+              <a:spcBef>
+                <a:spcPts val="500"/>
+              </a:spcBef>
+              <a:buClr>
+                <a:schemeClr val="accent1"/>
+              </a:buClr>
+              <a:buFont typeface="Arial" panose="020B0604020202020204" pitchFamily="34" charset="0"/>
+              <a:buChar char="•"/>
+              <a:defRPr sz="1800" kern="1200">
+                <a:solidFill>
+                  <a:schemeClr val="tx1"/>
+                </a:solidFill>
+                <a:latin typeface="+mn-lt"/>
+                <a:ea typeface="+mn-ea"/>
+                <a:cs typeface="+mn-cs"/>
+              </a:defRPr>
+            </a:lvl5pPr>
+            <a:lvl6pPr marL="2514600" indent="-228600" algn="l" defTabSz="914400" rtl="0" eaLnBrk="1" latinLnBrk="0" hangingPunct="1">
+              <a:lnSpc>
+                <a:spcPct val="90000"/>
+              </a:lnSpc>
+              <a:spcBef>
+                <a:spcPts val="500"/>
+              </a:spcBef>
+              <a:buFont typeface="Arial" panose="020B0604020202020204" pitchFamily="34" charset="0"/>
+              <a:buChar char="•"/>
+              <a:defRPr sz="1800" kern="1200">
+                <a:solidFill>
+                  <a:schemeClr val="tx1"/>
+                </a:solidFill>
+                <a:latin typeface="+mn-lt"/>
+                <a:ea typeface="+mn-ea"/>
+                <a:cs typeface="+mn-cs"/>
+              </a:defRPr>
+            </a:lvl6pPr>
+            <a:lvl7pPr marL="2971800" indent="-228600" algn="l" defTabSz="914400" rtl="0" eaLnBrk="1" latinLnBrk="0" hangingPunct="1">
+              <a:lnSpc>
+                <a:spcPct val="90000"/>
+              </a:lnSpc>
+              <a:spcBef>
+                <a:spcPts val="500"/>
+              </a:spcBef>
+              <a:buFont typeface="Arial" panose="020B0604020202020204" pitchFamily="34" charset="0"/>
+              <a:buChar char="•"/>
+              <a:defRPr sz="1800" kern="1200">
+                <a:solidFill>
+                  <a:schemeClr val="tx1"/>
+                </a:solidFill>
+                <a:latin typeface="+mn-lt"/>
+                <a:ea typeface="+mn-ea"/>
+                <a:cs typeface="+mn-cs"/>
+              </a:defRPr>
+            </a:lvl7pPr>
+            <a:lvl8pPr marL="3429000" indent="-228600" algn="l" defTabSz="914400" rtl="0" eaLnBrk="1" latinLnBrk="0" hangingPunct="1">
+              <a:lnSpc>
+                <a:spcPct val="90000"/>
+              </a:lnSpc>
+              <a:spcBef>
+                <a:spcPts val="500"/>
+              </a:spcBef>
+              <a:buFont typeface="Arial" panose="020B0604020202020204" pitchFamily="34" charset="0"/>
+              <a:buChar char="•"/>
+              <a:defRPr sz="1800" kern="1200">
+                <a:solidFill>
+                  <a:schemeClr val="tx1"/>
+                </a:solidFill>
+                <a:latin typeface="+mn-lt"/>
+                <a:ea typeface="+mn-ea"/>
+                <a:cs typeface="+mn-cs"/>
+              </a:defRPr>
+            </a:lvl8pPr>
+            <a:lvl9pPr marL="3886200" indent="-228600" algn="l" defTabSz="914400" rtl="0" eaLnBrk="1" latinLnBrk="0" hangingPunct="1">
+              <a:lnSpc>
+                <a:spcPct val="90000"/>
+              </a:lnSpc>
+              <a:spcBef>
+                <a:spcPts val="500"/>
+              </a:spcBef>
+              <a:buFont typeface="Arial" panose="020B0604020202020204" pitchFamily="34" charset="0"/>
+              <a:buChar char="•"/>
+              <a:defRPr sz="1800" kern="1200">
+                <a:solidFill>
+                  <a:schemeClr val="tx1"/>
+                </a:solidFill>
+                <a:latin typeface="+mn-lt"/>
+                <a:ea typeface="+mn-ea"/>
+                <a:cs typeface="+mn-cs"/>
+              </a:defRPr>
+            </a:lvl9pPr>
+          </a:lstStyle>
+          <a:p>
+            <a:pPr>
+              <a:lnSpc>
+                <a:spcPct val="107000"/>
+              </a:lnSpc>
+              <a:spcAft>
+                <a:spcPts val="800"/>
+              </a:spcAft>
+            </a:pPr>
+            <a:endParaRPr lang="en-MT" sz="1400" kern="100" dirty="0">
+              <a:effectLst/>
+              <a:latin typeface="Aptos" panose="020B0004020202020204" pitchFamily="34" charset="0"/>
+              <a:ea typeface="Aptos" panose="020B0004020202020204" pitchFamily="34" charset="0"/>
+              <a:cs typeface="Times New Roman" panose="02020603050405020304" pitchFamily="18" charset="0"/>
+            </a:endParaRPr>
+          </a:p>
+        </p:txBody>
+      </p:sp>
+    </p:spTree>
+    <p:extLst>
+      <p:ext uri="{BB962C8B-B14F-4D97-AF65-F5344CB8AC3E}">
+        <p14:creationId xmlns:p14="http://schemas.microsoft.com/office/powerpoint/2010/main" val="2061491133"/>
+      </p:ext>
+    </p:extLst>
+  </p:cSld>
+  <p:clrMapOvr>
+    <a:masterClrMapping/>
+  </p:clrMapOvr>
+</p:sld>
+</file>
+
+<file path=ppt/slides/slide16.xml><?xml version="1.0" encoding="utf-8"?>
+<p:sld xmlns:a="http://schemas.openxmlformats.org/drawingml/2006/main" xmlns:r="http://schemas.openxmlformats.org/officeDocument/2006/relationships" xmlns:p="http://schemas.openxmlformats.org/presentationml/2006/main">
+  <p:cSld>
+    <p:spTree>
+      <p:nvGrpSpPr>
+        <p:cNvPr id="1" name="">
+          <a:extLst>
+            <a:ext uri="{FF2B5EF4-FFF2-40B4-BE49-F238E27FC236}">
+              <a16:creationId xmlns:a16="http://schemas.microsoft.com/office/drawing/2014/main" id="{0852EADF-23AC-CB8E-6DBB-2D9CC517CDF3}"/>
+            </a:ext>
+          </a:extLst>
+        </p:cNvPr>
+        <p:cNvGrpSpPr/>
+        <p:nvPr/>
+      </p:nvGrpSpPr>
+      <p:grpSpPr>
+        <a:xfrm>
+          <a:off x="0" y="0"/>
+          <a:ext cx="0" cy="0"/>
+          <a:chOff x="0" y="0"/>
+          <a:chExt cx="0" cy="0"/>
+        </a:xfrm>
+      </p:grpSpPr>
+      <p:sp>
+        <p:nvSpPr>
+          <p:cNvPr id="8" name="Content Placeholder 2">
+            <a:extLst>
+              <a:ext uri="{FF2B5EF4-FFF2-40B4-BE49-F238E27FC236}">
+                <a16:creationId xmlns:a16="http://schemas.microsoft.com/office/drawing/2014/main" id="{9E99EBD4-E64B-5E9C-57BF-EC8880522D57}"/>
+              </a:ext>
+            </a:extLst>
+          </p:cNvPr>
+          <p:cNvSpPr>
+            <a:spLocks noGrp="1"/>
+          </p:cNvSpPr>
+          <p:nvPr>
+            <p:ph idx="1"/>
+          </p:nvPr>
+        </p:nvSpPr>
+        <p:spPr>
+          <a:xfrm>
+            <a:off x="458694" y="1263649"/>
+            <a:ext cx="11274612" cy="5228589"/>
+          </a:xfrm>
+        </p:spPr>
+        <p:txBody>
+          <a:bodyPr>
+            <a:normAutofit/>
+          </a:bodyPr>
+          <a:lstStyle/>
+          <a:p>
+            <a:pPr marL="342900" indent="-342900">
+              <a:lnSpc>
+                <a:spcPct val="107000"/>
+              </a:lnSpc>
+              <a:spcAft>
+                <a:spcPts val="800"/>
+              </a:spcAft>
+              <a:buFont typeface="Symbol" panose="05050102010706020507" pitchFamily="18" charset="2"/>
+              <a:buChar char=""/>
+            </a:pPr>
+            <a:r>
+              <a:rPr lang="en-GB" sz="2000" b="1" kern="100" dirty="0">
+                <a:latin typeface="Aptos" panose="020B0004020202020204" pitchFamily="34" charset="0"/>
+                <a:cs typeface="Times New Roman" panose="02020603050405020304" pitchFamily="18" charset="0"/>
+              </a:rPr>
+              <a:t>Experimental Setup</a:t>
+            </a:r>
+          </a:p>
+          <a:p>
+            <a:pPr marL="800100" lvl="1" indent="-342900">
+              <a:lnSpc>
+                <a:spcPct val="107000"/>
+              </a:lnSpc>
+              <a:spcAft>
+                <a:spcPts val="800"/>
+              </a:spcAft>
+              <a:buFont typeface="Symbol" panose="05050102010706020507" pitchFamily="18" charset="2"/>
+              <a:buChar char=""/>
+            </a:pPr>
+            <a:r>
+              <a:rPr lang="en-GB" sz="1600" kern="100" dirty="0">
+                <a:latin typeface="Aptos" panose="020B0004020202020204" pitchFamily="34" charset="0"/>
+                <a:cs typeface="Times New Roman" panose="02020603050405020304" pitchFamily="18" charset="0"/>
+              </a:rPr>
+              <a:t>Determine SOTA Models &amp; Benchmark datasets (Papers with Code)</a:t>
+            </a:r>
+          </a:p>
+          <a:p>
+            <a:pPr marL="800100" lvl="1" indent="-342900">
+              <a:lnSpc>
+                <a:spcPct val="107000"/>
+              </a:lnSpc>
+              <a:spcAft>
+                <a:spcPts val="800"/>
+              </a:spcAft>
+              <a:buFont typeface="Symbol" panose="05050102010706020507" pitchFamily="18" charset="2"/>
+              <a:buChar char=""/>
+            </a:pPr>
+            <a:r>
+              <a:rPr lang="en-GB" sz="1600" kern="100" dirty="0">
+                <a:latin typeface="Aptos" panose="020B0004020202020204" pitchFamily="34" charset="0"/>
+                <a:cs typeface="Times New Roman" panose="02020603050405020304" pitchFamily="18" charset="0"/>
+              </a:rPr>
+              <a:t>Retrieve Datasets &amp; Pre-Process (Face Detection &amp; Alignment, Grayscale, Resizing)</a:t>
+            </a:r>
+          </a:p>
+          <a:p>
+            <a:pPr marL="800100" lvl="1" indent="-342900">
+              <a:lnSpc>
+                <a:spcPct val="107000"/>
+              </a:lnSpc>
+              <a:spcAft>
+                <a:spcPts val="800"/>
+              </a:spcAft>
+              <a:buFont typeface="Symbol" panose="05050102010706020507" pitchFamily="18" charset="2"/>
+              <a:buChar char=""/>
+            </a:pPr>
+            <a:r>
+              <a:rPr lang="en-GB" sz="1600" kern="100" dirty="0">
+                <a:latin typeface="Aptos" panose="020B0004020202020204" pitchFamily="34" charset="0"/>
+                <a:cs typeface="Times New Roman" panose="02020603050405020304" pitchFamily="18" charset="0"/>
+              </a:rPr>
+              <a:t>Implement the model architectures</a:t>
+            </a:r>
+          </a:p>
+          <a:p>
+            <a:pPr marL="800100" lvl="1" indent="-342900">
+              <a:lnSpc>
+                <a:spcPct val="107000"/>
+              </a:lnSpc>
+              <a:spcAft>
+                <a:spcPts val="800"/>
+              </a:spcAft>
+              <a:buFont typeface="Symbol" panose="05050102010706020507" pitchFamily="18" charset="2"/>
+              <a:buChar char=""/>
+            </a:pPr>
+            <a:r>
+              <a:rPr lang="en-GB" sz="1600" kern="100" dirty="0">
+                <a:latin typeface="Aptos" panose="020B0004020202020204" pitchFamily="34" charset="0"/>
+                <a:cs typeface="Times New Roman" panose="02020603050405020304" pitchFamily="18" charset="0"/>
+              </a:rPr>
+              <a:t>Train Models on each In-The-Wild Dataset (3) </a:t>
+            </a:r>
+          </a:p>
+          <a:p>
+            <a:pPr marL="1257300" lvl="2" indent="-342900">
+              <a:lnSpc>
+                <a:spcPct val="107000"/>
+              </a:lnSpc>
+              <a:spcAft>
+                <a:spcPts val="800"/>
+              </a:spcAft>
+              <a:buFont typeface="Symbol" panose="05050102010706020507" pitchFamily="18" charset="2"/>
+              <a:buChar char=""/>
+            </a:pPr>
+            <a:r>
+              <a:rPr lang="en-GB" sz="1600" kern="100" dirty="0">
+                <a:latin typeface="Aptos" panose="020B0004020202020204" pitchFamily="34" charset="0"/>
+                <a:cs typeface="Times New Roman" panose="02020603050405020304" pitchFamily="18" charset="0"/>
+              </a:rPr>
+              <a:t>Larger -&gt; Better overall performance (Concluded in Paper 2)</a:t>
+            </a:r>
+          </a:p>
+          <a:p>
+            <a:pPr marL="1257300" lvl="2" indent="-342900">
+              <a:lnSpc>
+                <a:spcPct val="107000"/>
+              </a:lnSpc>
+              <a:spcAft>
+                <a:spcPts val="800"/>
+              </a:spcAft>
+              <a:buFont typeface="Symbol" panose="05050102010706020507" pitchFamily="18" charset="2"/>
+              <a:buChar char=""/>
+            </a:pPr>
+            <a:r>
+              <a:rPr lang="en-GB" sz="1600" kern="100" dirty="0">
+                <a:latin typeface="Aptos" panose="020B0004020202020204" pitchFamily="34" charset="0"/>
+                <a:cs typeface="Times New Roman" panose="02020603050405020304" pitchFamily="18" charset="0"/>
+              </a:rPr>
+              <a:t>Use same hyperparameters were applicable </a:t>
+            </a:r>
+          </a:p>
+          <a:p>
+            <a:pPr marL="800100" lvl="1" indent="-342900">
+              <a:lnSpc>
+                <a:spcPct val="107000"/>
+              </a:lnSpc>
+              <a:spcAft>
+                <a:spcPts val="800"/>
+              </a:spcAft>
+              <a:buFont typeface="Symbol" panose="05050102010706020507" pitchFamily="18" charset="2"/>
+              <a:buChar char=""/>
+            </a:pPr>
+            <a:r>
+              <a:rPr lang="en-GB" sz="1600" kern="100" dirty="0">
+                <a:latin typeface="Aptos" panose="020B0004020202020204" pitchFamily="34" charset="0"/>
+                <a:cs typeface="Times New Roman" panose="02020603050405020304" pitchFamily="18" charset="0"/>
+              </a:rPr>
+              <a:t>Evaluate Models on Testing set + Other Datasets</a:t>
+            </a:r>
+          </a:p>
+          <a:p>
+            <a:pPr marL="800100" lvl="1" indent="-342900">
+              <a:lnSpc>
+                <a:spcPct val="107000"/>
+              </a:lnSpc>
+              <a:spcAft>
+                <a:spcPts val="800"/>
+              </a:spcAft>
+              <a:buFont typeface="Symbol" panose="05050102010706020507" pitchFamily="18" charset="2"/>
+              <a:buChar char=""/>
+            </a:pPr>
+            <a:r>
+              <a:rPr lang="en-GB" sz="1600" kern="100" dirty="0">
+                <a:latin typeface="Aptos" panose="020B0004020202020204" pitchFamily="34" charset="0"/>
+                <a:cs typeface="Times New Roman" panose="02020603050405020304" pitchFamily="18" charset="0"/>
+              </a:rPr>
+              <a:t>Arrive to a conclusion on best model considering:</a:t>
+            </a:r>
+          </a:p>
+          <a:p>
+            <a:pPr marL="1257300" lvl="2" indent="-342900">
+              <a:lnSpc>
+                <a:spcPct val="107000"/>
+              </a:lnSpc>
+              <a:spcAft>
+                <a:spcPts val="800"/>
+              </a:spcAft>
+              <a:buFont typeface="Symbol" panose="05050102010706020507" pitchFamily="18" charset="2"/>
+              <a:buChar char=""/>
+            </a:pPr>
+            <a:r>
+              <a:rPr lang="en-GB" sz="1600" kern="100" dirty="0">
+                <a:latin typeface="Aptos" panose="020B0004020202020204" pitchFamily="34" charset="0"/>
+                <a:cs typeface="Times New Roman" panose="02020603050405020304" pitchFamily="18" charset="0"/>
+              </a:rPr>
+              <a:t>Training time / Setup / Reported Performance Replicability / Generalisability (within / cross setting)</a:t>
+            </a:r>
+          </a:p>
+          <a:p>
+            <a:pPr marL="800100" lvl="1" indent="-342900">
+              <a:lnSpc>
+                <a:spcPct val="107000"/>
+              </a:lnSpc>
+              <a:spcAft>
+                <a:spcPts val="800"/>
+              </a:spcAft>
+              <a:buFont typeface="Symbol" panose="05050102010706020507" pitchFamily="18" charset="2"/>
+              <a:buChar char=""/>
+            </a:pPr>
+            <a:endParaRPr lang="en-GB" sz="1600" kern="100" dirty="0">
+              <a:latin typeface="Aptos" panose="020B0004020202020204" pitchFamily="34" charset="0"/>
+              <a:cs typeface="Times New Roman" panose="02020603050405020304" pitchFamily="18" charset="0"/>
+            </a:endParaRPr>
+          </a:p>
+          <a:p>
+            <a:pPr marL="914400" lvl="2" indent="0">
+              <a:lnSpc>
+                <a:spcPct val="107000"/>
+              </a:lnSpc>
+              <a:spcAft>
+                <a:spcPts val="800"/>
+              </a:spcAft>
+              <a:buNone/>
+            </a:pPr>
+            <a:endParaRPr lang="en-GB" sz="1400" kern="100" dirty="0">
+              <a:latin typeface="Aptos" panose="020B0004020202020204" pitchFamily="34" charset="0"/>
+              <a:cs typeface="Times New Roman" panose="02020603050405020304" pitchFamily="18" charset="0"/>
+            </a:endParaRPr>
+          </a:p>
+        </p:txBody>
+      </p:sp>
+      <p:sp>
+        <p:nvSpPr>
+          <p:cNvPr id="7" name="Title 1">
+            <a:extLst>
+              <a:ext uri="{FF2B5EF4-FFF2-40B4-BE49-F238E27FC236}">
+                <a16:creationId xmlns:a16="http://schemas.microsoft.com/office/drawing/2014/main" id="{B23360B9-C4FA-1A5E-E947-FE4FF05BD4FE}"/>
+              </a:ext>
+            </a:extLst>
+          </p:cNvPr>
+          <p:cNvSpPr txBox="1">
+            <a:spLocks/>
+          </p:cNvSpPr>
+          <p:nvPr/>
+        </p:nvSpPr>
+        <p:spPr>
+          <a:xfrm>
+            <a:off x="458694" y="365761"/>
+            <a:ext cx="11274612" cy="897890"/>
+          </a:xfrm>
+          <a:prstGeom prst="rect">
+            <a:avLst/>
+          </a:prstGeom>
+        </p:spPr>
+        <p:txBody>
+          <a:bodyPr vert="horz" lIns="91440" tIns="45720" rIns="91440" bIns="45720" rtlCol="0" anchor="ctr">
+            <a:normAutofit/>
+          </a:bodyPr>
+          <a:lstStyle>
+            <a:lvl1pPr algn="l" defTabSz="914400" rtl="0" eaLnBrk="1" latinLnBrk="0" hangingPunct="1">
+              <a:lnSpc>
+                <a:spcPct val="100000"/>
+              </a:lnSpc>
+              <a:spcBef>
+                <a:spcPct val="0"/>
+              </a:spcBef>
+              <a:buNone/>
+              <a:defRPr sz="4400" b="0" kern="1200">
+                <a:solidFill>
+                  <a:schemeClr val="tx1"/>
+                </a:solidFill>
+                <a:latin typeface="+mj-lt"/>
+                <a:ea typeface="+mj-ea"/>
+                <a:cs typeface="+mj-cs"/>
+              </a:defRPr>
+            </a:lvl1pPr>
+          </a:lstStyle>
+          <a:p>
+            <a:r>
+              <a:rPr lang="en-GB" kern="100" spc="75" dirty="0">
+                <a:solidFill>
+                  <a:srgbClr val="595959"/>
+                </a:solidFill>
+                <a:latin typeface="Aptos" panose="020B0004020202020204" pitchFamily="34" charset="0"/>
+                <a:ea typeface="Times New Roman" panose="02020603050405020304" pitchFamily="18" charset="0"/>
+                <a:cs typeface="Times New Roman" panose="02020603050405020304" pitchFamily="18" charset="0"/>
+              </a:rPr>
+              <a:t>My Plan (1)</a:t>
+            </a:r>
+            <a:endParaRPr lang="en-MT" dirty="0"/>
+          </a:p>
+        </p:txBody>
+      </p:sp>
+      <p:sp>
+        <p:nvSpPr>
+          <p:cNvPr id="4" name="Content Placeholder 2">
+            <a:extLst>
+              <a:ext uri="{FF2B5EF4-FFF2-40B4-BE49-F238E27FC236}">
+                <a16:creationId xmlns:a16="http://schemas.microsoft.com/office/drawing/2014/main" id="{3D230860-6E29-B259-1770-891A3BFF712E}"/>
+              </a:ext>
+            </a:extLst>
+          </p:cNvPr>
+          <p:cNvSpPr txBox="1">
+            <a:spLocks/>
+          </p:cNvSpPr>
+          <p:nvPr/>
+        </p:nvSpPr>
+        <p:spPr>
+          <a:xfrm>
+            <a:off x="458694" y="4229100"/>
+            <a:ext cx="11274612" cy="3108325"/>
+          </a:xfrm>
+          <a:prstGeom prst="rect">
+            <a:avLst/>
+          </a:prstGeom>
+        </p:spPr>
+        <p:txBody>
+          <a:bodyPr vert="horz" lIns="91440" tIns="45720" rIns="91440" bIns="45720" rtlCol="0">
+            <a:normAutofit/>
+          </a:bodyPr>
+          <a:lstStyle>
+            <a:lvl1pPr marL="228600" indent="-228600" algn="l" defTabSz="914400" rtl="0" eaLnBrk="1" latinLnBrk="0" hangingPunct="1">
+              <a:lnSpc>
+                <a:spcPct val="110000"/>
+              </a:lnSpc>
+              <a:spcBef>
+                <a:spcPts val="1000"/>
+              </a:spcBef>
+              <a:buClr>
+                <a:schemeClr val="accent1"/>
+              </a:buClr>
+              <a:buFont typeface="Arial" panose="020B0604020202020204" pitchFamily="34" charset="0"/>
+              <a:buChar char="•"/>
+              <a:defRPr sz="2800" kern="1200">
+                <a:solidFill>
+                  <a:schemeClr val="tx1"/>
+                </a:solidFill>
+                <a:latin typeface="+mn-lt"/>
+                <a:ea typeface="+mn-ea"/>
+                <a:cs typeface="+mn-cs"/>
+              </a:defRPr>
+            </a:lvl1pPr>
+            <a:lvl2pPr marL="685800" indent="-228600" algn="l" defTabSz="914400" rtl="0" eaLnBrk="1" latinLnBrk="0" hangingPunct="1">
+              <a:lnSpc>
+                <a:spcPct val="110000"/>
+              </a:lnSpc>
+              <a:spcBef>
+                <a:spcPts val="500"/>
+              </a:spcBef>
+              <a:buClr>
+                <a:schemeClr val="accent1"/>
+              </a:buClr>
+              <a:buFont typeface="Arial" panose="020B0604020202020204" pitchFamily="34" charset="0"/>
+              <a:buChar char="•"/>
+              <a:defRPr sz="2400" kern="1200">
+                <a:solidFill>
+                  <a:schemeClr val="tx1"/>
+                </a:solidFill>
+                <a:latin typeface="+mn-lt"/>
+                <a:ea typeface="+mn-ea"/>
+                <a:cs typeface="+mn-cs"/>
+              </a:defRPr>
+            </a:lvl2pPr>
+            <a:lvl3pPr marL="1143000" indent="-228600" algn="l" defTabSz="914400" rtl="0" eaLnBrk="1" latinLnBrk="0" hangingPunct="1">
+              <a:lnSpc>
+                <a:spcPct val="110000"/>
+              </a:lnSpc>
+              <a:spcBef>
+                <a:spcPts val="500"/>
+              </a:spcBef>
+              <a:buClr>
+                <a:schemeClr val="accent1"/>
+              </a:buClr>
+              <a:buFont typeface="Arial" panose="020B0604020202020204" pitchFamily="34" charset="0"/>
+              <a:buChar char="•"/>
+              <a:defRPr sz="2000" kern="1200">
+                <a:solidFill>
+                  <a:schemeClr val="tx1"/>
+                </a:solidFill>
+                <a:latin typeface="+mn-lt"/>
+                <a:ea typeface="+mn-ea"/>
+                <a:cs typeface="+mn-cs"/>
+              </a:defRPr>
+            </a:lvl3pPr>
+            <a:lvl4pPr marL="1600200" indent="-228600" algn="l" defTabSz="914400" rtl="0" eaLnBrk="1" latinLnBrk="0" hangingPunct="1">
+              <a:lnSpc>
+                <a:spcPct val="110000"/>
+              </a:lnSpc>
+              <a:spcBef>
+                <a:spcPts val="500"/>
+              </a:spcBef>
+              <a:buClr>
+                <a:schemeClr val="accent1"/>
+              </a:buClr>
+              <a:buFont typeface="Arial" panose="020B0604020202020204" pitchFamily="34" charset="0"/>
+              <a:buChar char="•"/>
+              <a:defRPr sz="1800" kern="1200">
+                <a:solidFill>
+                  <a:schemeClr val="tx1"/>
+                </a:solidFill>
+                <a:latin typeface="+mn-lt"/>
+                <a:ea typeface="+mn-ea"/>
+                <a:cs typeface="+mn-cs"/>
+              </a:defRPr>
+            </a:lvl4pPr>
+            <a:lvl5pPr marL="2057400" indent="-228600" algn="l" defTabSz="914400" rtl="0" eaLnBrk="1" latinLnBrk="0" hangingPunct="1">
+              <a:lnSpc>
+                <a:spcPct val="110000"/>
+              </a:lnSpc>
+              <a:spcBef>
+                <a:spcPts val="500"/>
+              </a:spcBef>
+              <a:buClr>
+                <a:schemeClr val="accent1"/>
+              </a:buClr>
+              <a:buFont typeface="Arial" panose="020B0604020202020204" pitchFamily="34" charset="0"/>
+              <a:buChar char="•"/>
+              <a:defRPr sz="1800" kern="1200">
+                <a:solidFill>
+                  <a:schemeClr val="tx1"/>
+                </a:solidFill>
+                <a:latin typeface="+mn-lt"/>
+                <a:ea typeface="+mn-ea"/>
+                <a:cs typeface="+mn-cs"/>
+              </a:defRPr>
+            </a:lvl5pPr>
+            <a:lvl6pPr marL="2514600" indent="-228600" algn="l" defTabSz="914400" rtl="0" eaLnBrk="1" latinLnBrk="0" hangingPunct="1">
+              <a:lnSpc>
+                <a:spcPct val="90000"/>
+              </a:lnSpc>
+              <a:spcBef>
+                <a:spcPts val="500"/>
+              </a:spcBef>
+              <a:buFont typeface="Arial" panose="020B0604020202020204" pitchFamily="34" charset="0"/>
+              <a:buChar char="•"/>
+              <a:defRPr sz="1800" kern="1200">
+                <a:solidFill>
+                  <a:schemeClr val="tx1"/>
+                </a:solidFill>
+                <a:latin typeface="+mn-lt"/>
+                <a:ea typeface="+mn-ea"/>
+                <a:cs typeface="+mn-cs"/>
+              </a:defRPr>
+            </a:lvl6pPr>
+            <a:lvl7pPr marL="2971800" indent="-228600" algn="l" defTabSz="914400" rtl="0" eaLnBrk="1" latinLnBrk="0" hangingPunct="1">
+              <a:lnSpc>
+                <a:spcPct val="90000"/>
+              </a:lnSpc>
+              <a:spcBef>
+                <a:spcPts val="500"/>
+              </a:spcBef>
+              <a:buFont typeface="Arial" panose="020B0604020202020204" pitchFamily="34" charset="0"/>
+              <a:buChar char="•"/>
+              <a:defRPr sz="1800" kern="1200">
+                <a:solidFill>
+                  <a:schemeClr val="tx1"/>
+                </a:solidFill>
+                <a:latin typeface="+mn-lt"/>
+                <a:ea typeface="+mn-ea"/>
+                <a:cs typeface="+mn-cs"/>
+              </a:defRPr>
+            </a:lvl7pPr>
+            <a:lvl8pPr marL="3429000" indent="-228600" algn="l" defTabSz="914400" rtl="0" eaLnBrk="1" latinLnBrk="0" hangingPunct="1">
+              <a:lnSpc>
+                <a:spcPct val="90000"/>
+              </a:lnSpc>
+              <a:spcBef>
+                <a:spcPts val="500"/>
+              </a:spcBef>
+              <a:buFont typeface="Arial" panose="020B0604020202020204" pitchFamily="34" charset="0"/>
+              <a:buChar char="•"/>
+              <a:defRPr sz="1800" kern="1200">
+                <a:solidFill>
+                  <a:schemeClr val="tx1"/>
+                </a:solidFill>
+                <a:latin typeface="+mn-lt"/>
+                <a:ea typeface="+mn-ea"/>
+                <a:cs typeface="+mn-cs"/>
+              </a:defRPr>
+            </a:lvl8pPr>
+            <a:lvl9pPr marL="3886200" indent="-228600" algn="l" defTabSz="914400" rtl="0" eaLnBrk="1" latinLnBrk="0" hangingPunct="1">
+              <a:lnSpc>
+                <a:spcPct val="90000"/>
+              </a:lnSpc>
+              <a:spcBef>
+                <a:spcPts val="500"/>
+              </a:spcBef>
+              <a:buFont typeface="Arial" panose="020B0604020202020204" pitchFamily="34" charset="0"/>
+              <a:buChar char="•"/>
+              <a:defRPr sz="1800" kern="1200">
+                <a:solidFill>
+                  <a:schemeClr val="tx1"/>
+                </a:solidFill>
+                <a:latin typeface="+mn-lt"/>
+                <a:ea typeface="+mn-ea"/>
+                <a:cs typeface="+mn-cs"/>
+              </a:defRPr>
+            </a:lvl9pPr>
+          </a:lstStyle>
+          <a:p>
+            <a:pPr>
+              <a:lnSpc>
+                <a:spcPct val="107000"/>
+              </a:lnSpc>
+              <a:spcAft>
+                <a:spcPts val="800"/>
+              </a:spcAft>
+            </a:pPr>
+            <a:endParaRPr lang="en-MT" sz="1400" kern="100" dirty="0">
+              <a:effectLst/>
+              <a:latin typeface="Aptos" panose="020B0004020202020204" pitchFamily="34" charset="0"/>
+              <a:ea typeface="Aptos" panose="020B0004020202020204" pitchFamily="34" charset="0"/>
+              <a:cs typeface="Times New Roman" panose="02020603050405020304" pitchFamily="18" charset="0"/>
+            </a:endParaRPr>
+          </a:p>
+        </p:txBody>
+      </p:sp>
+    </p:spTree>
+    <p:extLst>
+      <p:ext uri="{BB962C8B-B14F-4D97-AF65-F5344CB8AC3E}">
+        <p14:creationId xmlns:p14="http://schemas.microsoft.com/office/powerpoint/2010/main" val="3194962003"/>
+      </p:ext>
+    </p:extLst>
+  </p:cSld>
+  <p:clrMapOvr>
+    <a:masterClrMapping/>
+  </p:clrMapOvr>
+</p:sld>
+</file>
+
+<file path=ppt/slides/slide17.xml><?xml version="1.0" encoding="utf-8"?>
+<p:sld xmlns:a="http://schemas.openxmlformats.org/drawingml/2006/main" xmlns:r="http://schemas.openxmlformats.org/officeDocument/2006/relationships" xmlns:p="http://schemas.openxmlformats.org/presentationml/2006/main">
+  <p:cSld>
+    <p:spTree>
+      <p:nvGrpSpPr>
+        <p:cNvPr id="1" name="">
+          <a:extLst>
+            <a:ext uri="{FF2B5EF4-FFF2-40B4-BE49-F238E27FC236}">
+              <a16:creationId xmlns:a16="http://schemas.microsoft.com/office/drawing/2014/main" id="{E75EB4CA-A71E-157D-297C-0E44E857BD18}"/>
+            </a:ext>
+          </a:extLst>
+        </p:cNvPr>
+        <p:cNvGrpSpPr/>
+        <p:nvPr/>
+      </p:nvGrpSpPr>
+      <p:grpSpPr>
+        <a:xfrm>
+          <a:off x="0" y="0"/>
+          <a:ext cx="0" cy="0"/>
+          <a:chOff x="0" y="0"/>
+          <a:chExt cx="0" cy="0"/>
+        </a:xfrm>
+      </p:grpSpPr>
+      <p:sp>
+        <p:nvSpPr>
+          <p:cNvPr id="8" name="Content Placeholder 2">
+            <a:extLst>
+              <a:ext uri="{FF2B5EF4-FFF2-40B4-BE49-F238E27FC236}">
+                <a16:creationId xmlns:a16="http://schemas.microsoft.com/office/drawing/2014/main" id="{23C4E69E-7117-B48A-22F2-9FD9237CBEDA}"/>
+              </a:ext>
+            </a:extLst>
+          </p:cNvPr>
+          <p:cNvSpPr>
+            <a:spLocks noGrp="1"/>
+          </p:cNvSpPr>
+          <p:nvPr>
+            <p:ph idx="1"/>
+          </p:nvPr>
+        </p:nvSpPr>
+        <p:spPr>
+          <a:xfrm>
+            <a:off x="458694" y="1263649"/>
+            <a:ext cx="11274612" cy="5228589"/>
+          </a:xfrm>
+        </p:spPr>
+        <p:txBody>
+          <a:bodyPr>
+            <a:normAutofit/>
+          </a:bodyPr>
+          <a:lstStyle/>
+          <a:p>
+            <a:pPr marL="342900" indent="-342900">
+              <a:lnSpc>
+                <a:spcPct val="107000"/>
+              </a:lnSpc>
+              <a:spcAft>
+                <a:spcPts val="800"/>
+              </a:spcAft>
+              <a:buFont typeface="Symbol" panose="05050102010706020507" pitchFamily="18" charset="2"/>
+              <a:buChar char=""/>
+            </a:pPr>
+            <a:r>
+              <a:rPr lang="en-GB" sz="2000" b="1" kern="100" dirty="0">
+                <a:latin typeface="Aptos" panose="020B0004020202020204" pitchFamily="34" charset="0"/>
+                <a:cs typeface="Times New Roman" panose="02020603050405020304" pitchFamily="18" charset="0"/>
+              </a:rPr>
+              <a:t>Models &amp; Datasets </a:t>
+            </a:r>
+          </a:p>
+          <a:p>
+            <a:pPr marL="800100" lvl="1" indent="-342900">
+              <a:lnSpc>
+                <a:spcPct val="107000"/>
+              </a:lnSpc>
+              <a:spcAft>
+                <a:spcPts val="800"/>
+              </a:spcAft>
+              <a:buFont typeface="Symbol" panose="05050102010706020507" pitchFamily="18" charset="2"/>
+              <a:buChar char=""/>
+            </a:pPr>
+            <a:r>
+              <a:rPr lang="en-GB" sz="1600" kern="100" dirty="0">
+                <a:latin typeface="Aptos" panose="020B0004020202020204" pitchFamily="34" charset="0"/>
+                <a:cs typeface="Times New Roman" panose="02020603050405020304" pitchFamily="18" charset="0"/>
+              </a:rPr>
+              <a:t>These SOTA Models are derived from </a:t>
+            </a:r>
+            <a:r>
+              <a:rPr lang="en-GB" sz="1600" kern="100" dirty="0">
+                <a:latin typeface="Aptos" panose="020B0004020202020204" pitchFamily="34" charset="0"/>
+                <a:cs typeface="Times New Roman" panose="02020603050405020304" pitchFamily="18" charset="0"/>
+                <a:hlinkClick r:id="rId2"/>
+              </a:rPr>
+              <a:t>https://paperswithcode.com/</a:t>
+            </a:r>
+            <a:endParaRPr lang="en-GB" sz="1600" kern="100" dirty="0">
+              <a:latin typeface="Aptos" panose="020B0004020202020204" pitchFamily="34" charset="0"/>
+              <a:cs typeface="Times New Roman" panose="02020603050405020304" pitchFamily="18" charset="0"/>
+            </a:endParaRPr>
+          </a:p>
+          <a:p>
+            <a:pPr marL="800100" lvl="1" indent="-342900">
+              <a:lnSpc>
+                <a:spcPct val="107000"/>
+              </a:lnSpc>
+              <a:spcAft>
+                <a:spcPts val="800"/>
+              </a:spcAft>
+              <a:buFont typeface="Symbol" panose="05050102010706020507" pitchFamily="18" charset="2"/>
+              <a:buChar char=""/>
+            </a:pPr>
+            <a:endParaRPr lang="en-GB" sz="2200" b="1" kern="100" dirty="0">
+              <a:latin typeface="Aptos" panose="020B0004020202020204" pitchFamily="34" charset="0"/>
+              <a:cs typeface="Times New Roman" panose="02020603050405020304" pitchFamily="18" charset="0"/>
+            </a:endParaRPr>
+          </a:p>
+          <a:p>
+            <a:pPr marL="800100" lvl="1" indent="-342900">
+              <a:lnSpc>
+                <a:spcPct val="107000"/>
+              </a:lnSpc>
+              <a:spcAft>
+                <a:spcPts val="800"/>
+              </a:spcAft>
+              <a:buFont typeface="Symbol" panose="05050102010706020507" pitchFamily="18" charset="2"/>
+              <a:buChar char=""/>
+            </a:pPr>
+            <a:endParaRPr lang="en-GB" sz="2200" b="1" kern="100" dirty="0">
+              <a:latin typeface="Aptos" panose="020B0004020202020204" pitchFamily="34" charset="0"/>
+              <a:cs typeface="Times New Roman" panose="02020603050405020304" pitchFamily="18" charset="0"/>
+            </a:endParaRPr>
+          </a:p>
+          <a:p>
+            <a:pPr marL="800100" lvl="1" indent="-342900">
+              <a:lnSpc>
+                <a:spcPct val="107000"/>
+              </a:lnSpc>
+              <a:spcAft>
+                <a:spcPts val="800"/>
+              </a:spcAft>
+              <a:buFont typeface="Symbol" panose="05050102010706020507" pitchFamily="18" charset="2"/>
+              <a:buChar char=""/>
+            </a:pPr>
+            <a:endParaRPr lang="en-GB" sz="2200" b="1" kern="100" dirty="0">
+              <a:latin typeface="Aptos" panose="020B0004020202020204" pitchFamily="34" charset="0"/>
+              <a:cs typeface="Times New Roman" panose="02020603050405020304" pitchFamily="18" charset="0"/>
+            </a:endParaRPr>
+          </a:p>
+          <a:p>
+            <a:pPr marL="800100" lvl="1" indent="-342900">
+              <a:lnSpc>
+                <a:spcPct val="107000"/>
+              </a:lnSpc>
+              <a:spcAft>
+                <a:spcPts val="800"/>
+              </a:spcAft>
+              <a:buFont typeface="Symbol" panose="05050102010706020507" pitchFamily="18" charset="2"/>
+              <a:buChar char=""/>
+            </a:pPr>
+            <a:endParaRPr lang="en-GB" sz="2200" b="1" kern="100" dirty="0">
+              <a:latin typeface="Aptos" panose="020B0004020202020204" pitchFamily="34" charset="0"/>
+              <a:cs typeface="Times New Roman" panose="02020603050405020304" pitchFamily="18" charset="0"/>
+            </a:endParaRPr>
+          </a:p>
+          <a:p>
+            <a:pPr>
+              <a:lnSpc>
+                <a:spcPct val="107000"/>
+              </a:lnSpc>
+              <a:spcAft>
+                <a:spcPts val="800"/>
+              </a:spcAft>
+            </a:pPr>
+            <a:endParaRPr lang="en-GB" sz="2000" b="1" kern="100" dirty="0">
+              <a:latin typeface="Aptos" panose="020B0004020202020204" pitchFamily="34" charset="0"/>
+              <a:cs typeface="Times New Roman" panose="02020603050405020304" pitchFamily="18" charset="0"/>
+            </a:endParaRPr>
+          </a:p>
+          <a:p>
+            <a:pPr>
+              <a:lnSpc>
+                <a:spcPct val="107000"/>
+              </a:lnSpc>
+              <a:spcAft>
+                <a:spcPts val="800"/>
+              </a:spcAft>
+            </a:pPr>
+            <a:r>
+              <a:rPr lang="en-GB" sz="2000" b="1" kern="100" dirty="0">
+                <a:latin typeface="Aptos" panose="020B0004020202020204" pitchFamily="34" charset="0"/>
+                <a:cs typeface="Times New Roman" panose="02020603050405020304" pitchFamily="18" charset="0"/>
+              </a:rPr>
+              <a:t>Performance Metrics</a:t>
+            </a:r>
+          </a:p>
+          <a:p>
+            <a:pPr lvl="1">
+              <a:lnSpc>
+                <a:spcPct val="107000"/>
+              </a:lnSpc>
+              <a:spcAft>
+                <a:spcPts val="800"/>
+              </a:spcAft>
+            </a:pPr>
+            <a:r>
+              <a:rPr lang="en-GB" sz="1600" kern="100" dirty="0">
+                <a:latin typeface="Aptos" panose="020B0004020202020204" pitchFamily="34" charset="0"/>
+                <a:cs typeface="Times New Roman" panose="02020603050405020304" pitchFamily="18" charset="0"/>
+              </a:rPr>
+              <a:t>Primary Metric : Accuracy</a:t>
+            </a:r>
+          </a:p>
+          <a:p>
+            <a:pPr lvl="1">
+              <a:lnSpc>
+                <a:spcPct val="107000"/>
+              </a:lnSpc>
+              <a:spcAft>
+                <a:spcPts val="800"/>
+              </a:spcAft>
+            </a:pPr>
+            <a:r>
+              <a:rPr lang="en-GB" sz="1600" kern="100" dirty="0">
+                <a:latin typeface="Aptos" panose="020B0004020202020204" pitchFamily="34" charset="0"/>
+                <a:cs typeface="Times New Roman" panose="02020603050405020304" pitchFamily="18" charset="0"/>
+              </a:rPr>
+              <a:t>Secondary Metric: Precision, Recall, </a:t>
+            </a:r>
+            <a:r>
+              <a:rPr lang="en-US" sz="1600" kern="100" dirty="0">
+                <a:latin typeface="Aptos" panose="020B0004020202020204" pitchFamily="34" charset="0"/>
+                <a:cs typeface="Times New Roman" panose="02020603050405020304" pitchFamily="18" charset="0"/>
+              </a:rPr>
+              <a:t>F1-score</a:t>
+            </a:r>
+            <a:endParaRPr lang="en-GB" sz="1600" b="1" kern="100" dirty="0">
+              <a:latin typeface="Aptos" panose="020B0004020202020204" pitchFamily="34" charset="0"/>
+              <a:cs typeface="Times New Roman" panose="02020603050405020304" pitchFamily="18" charset="0"/>
+            </a:endParaRPr>
+          </a:p>
+        </p:txBody>
+      </p:sp>
+      <p:sp>
+        <p:nvSpPr>
+          <p:cNvPr id="7" name="Title 1">
+            <a:extLst>
+              <a:ext uri="{FF2B5EF4-FFF2-40B4-BE49-F238E27FC236}">
+                <a16:creationId xmlns:a16="http://schemas.microsoft.com/office/drawing/2014/main" id="{8519A7B8-31B7-9775-C0AC-058A330F5EA2}"/>
+              </a:ext>
+            </a:extLst>
+          </p:cNvPr>
+          <p:cNvSpPr txBox="1">
+            <a:spLocks/>
+          </p:cNvSpPr>
+          <p:nvPr/>
+        </p:nvSpPr>
+        <p:spPr>
+          <a:xfrm>
+            <a:off x="458694" y="365761"/>
+            <a:ext cx="11274612" cy="897890"/>
+          </a:xfrm>
+          <a:prstGeom prst="rect">
+            <a:avLst/>
+          </a:prstGeom>
+        </p:spPr>
+        <p:txBody>
+          <a:bodyPr vert="horz" lIns="91440" tIns="45720" rIns="91440" bIns="45720" rtlCol="0" anchor="ctr">
+            <a:normAutofit/>
+          </a:bodyPr>
+          <a:lstStyle>
+            <a:lvl1pPr algn="l" defTabSz="914400" rtl="0" eaLnBrk="1" latinLnBrk="0" hangingPunct="1">
+              <a:lnSpc>
+                <a:spcPct val="100000"/>
+              </a:lnSpc>
+              <a:spcBef>
+                <a:spcPct val="0"/>
+              </a:spcBef>
+              <a:buNone/>
+              <a:defRPr sz="4400" b="0" kern="1200">
+                <a:solidFill>
+                  <a:schemeClr val="tx1"/>
+                </a:solidFill>
+                <a:latin typeface="+mj-lt"/>
+                <a:ea typeface="+mj-ea"/>
+                <a:cs typeface="+mj-cs"/>
+              </a:defRPr>
+            </a:lvl1pPr>
+          </a:lstStyle>
+          <a:p>
+            <a:r>
+              <a:rPr lang="en-GB" kern="100" spc="75" dirty="0">
+                <a:solidFill>
+                  <a:srgbClr val="595959"/>
+                </a:solidFill>
+                <a:latin typeface="Aptos" panose="020B0004020202020204" pitchFamily="34" charset="0"/>
+                <a:ea typeface="Times New Roman" panose="02020603050405020304" pitchFamily="18" charset="0"/>
+                <a:cs typeface="Times New Roman" panose="02020603050405020304" pitchFamily="18" charset="0"/>
+              </a:rPr>
+              <a:t>My Plan (2)</a:t>
+            </a:r>
+            <a:endParaRPr lang="en-MT" dirty="0"/>
+          </a:p>
+        </p:txBody>
+      </p:sp>
+      <p:graphicFrame>
+        <p:nvGraphicFramePr>
+          <p:cNvPr id="2" name="Table 1">
+            <a:extLst>
+              <a:ext uri="{FF2B5EF4-FFF2-40B4-BE49-F238E27FC236}">
+                <a16:creationId xmlns:a16="http://schemas.microsoft.com/office/drawing/2014/main" id="{D857B56B-B369-AE6C-61CB-1391DF5B4D4F}"/>
+              </a:ext>
+            </a:extLst>
+          </p:cNvPr>
+          <p:cNvGraphicFramePr>
+            <a:graphicFrameLocks noGrp="1"/>
+          </p:cNvGraphicFramePr>
+          <p:nvPr>
+            <p:extLst>
+              <p:ext uri="{D42A27DB-BD31-4B8C-83A1-F6EECF244321}">
+                <p14:modId xmlns:p14="http://schemas.microsoft.com/office/powerpoint/2010/main" val="92273645"/>
+              </p:ext>
+            </p:extLst>
+          </p:nvPr>
+        </p:nvGraphicFramePr>
+        <p:xfrm>
+          <a:off x="2032000" y="2319020"/>
+          <a:ext cx="8128000" cy="2189480"/>
+        </p:xfrm>
+        <a:graphic>
+          <a:graphicData uri="http://schemas.openxmlformats.org/drawingml/2006/table">
+            <a:tbl>
+              <a:tblPr firstRow="1" bandRow="1">
+                <a:tableStyleId>{5C22544A-7EE6-4342-B048-85BDC9FD1C3A}</a:tableStyleId>
+              </a:tblPr>
+              <a:tblGrid>
+                <a:gridCol w="4064000">
+                  <a:extLst>
+                    <a:ext uri="{9D8B030D-6E8A-4147-A177-3AD203B41FA5}">
+                      <a16:colId xmlns:a16="http://schemas.microsoft.com/office/drawing/2014/main" val="74696118"/>
+                    </a:ext>
+                  </a:extLst>
+                </a:gridCol>
+                <a:gridCol w="4064000">
+                  <a:extLst>
+                    <a:ext uri="{9D8B030D-6E8A-4147-A177-3AD203B41FA5}">
+                      <a16:colId xmlns:a16="http://schemas.microsoft.com/office/drawing/2014/main" val="3759233739"/>
+                    </a:ext>
+                  </a:extLst>
+                </a:gridCol>
+              </a:tblGrid>
+              <a:tr h="0">
+                <a:tc>
+                  <a:txBody>
+                    <a:bodyPr/>
+                    <a:lstStyle/>
+                    <a:p>
+                      <a:r>
+                        <a:rPr lang="en-GB" sz="1600" kern="100" dirty="0">
+                          <a:solidFill>
+                            <a:schemeClr val="bg1"/>
+                          </a:solidFill>
+                          <a:latin typeface="Aptos" panose="020B0004020202020204" pitchFamily="34" charset="0"/>
+                          <a:ea typeface="+mn-ea"/>
+                          <a:cs typeface="Times New Roman" panose="02020603050405020304" pitchFamily="18" charset="0"/>
+                        </a:rPr>
+                        <a:t>Models</a:t>
+                      </a:r>
+                      <a:endParaRPr lang="en-MT" sz="1600" kern="100" dirty="0">
+                        <a:solidFill>
+                          <a:schemeClr val="bg1"/>
+                        </a:solidFill>
+                        <a:latin typeface="Aptos" panose="020B0004020202020204" pitchFamily="34" charset="0"/>
+                        <a:ea typeface="+mn-ea"/>
+                        <a:cs typeface="Times New Roman" panose="02020603050405020304" pitchFamily="18" charset="0"/>
+                      </a:endParaRPr>
+                    </a:p>
+                  </a:txBody>
+                  <a:tcPr/>
+                </a:tc>
+                <a:tc>
+                  <a:txBody>
+                    <a:bodyPr/>
+                    <a:lstStyle/>
+                    <a:p>
+                      <a:r>
+                        <a:rPr lang="en-GB" sz="1600" kern="100" dirty="0">
+                          <a:solidFill>
+                            <a:schemeClr val="bg1"/>
+                          </a:solidFill>
+                          <a:latin typeface="Aptos" panose="020B0004020202020204" pitchFamily="34" charset="0"/>
+                          <a:ea typeface="+mn-ea"/>
+                          <a:cs typeface="Times New Roman" panose="02020603050405020304" pitchFamily="18" charset="0"/>
+                        </a:rPr>
+                        <a:t>Datasets</a:t>
+                      </a:r>
+                      <a:endParaRPr lang="en-MT" sz="1600" kern="100" dirty="0">
+                        <a:solidFill>
+                          <a:schemeClr val="bg1"/>
+                        </a:solidFill>
+                        <a:latin typeface="Aptos" panose="020B0004020202020204" pitchFamily="34" charset="0"/>
+                        <a:ea typeface="+mn-ea"/>
+                        <a:cs typeface="Times New Roman" panose="02020603050405020304" pitchFamily="18" charset="0"/>
+                      </a:endParaRPr>
+                    </a:p>
+                  </a:txBody>
+                  <a:tcPr/>
+                </a:tc>
+                <a:extLst>
+                  <a:ext uri="{0D108BD9-81ED-4DB2-BD59-A6C34878D82A}">
+                    <a16:rowId xmlns:a16="http://schemas.microsoft.com/office/drawing/2014/main" val="135874453"/>
+                  </a:ext>
+                </a:extLst>
+              </a:tr>
+              <a:tr h="370840">
+                <a:tc>
+                  <a:txBody>
+                    <a:bodyPr/>
+                    <a:lstStyle/>
+                    <a:p>
+                      <a:r>
+                        <a:rPr lang="en-GB" sz="1600" kern="100" dirty="0" err="1">
+                          <a:solidFill>
+                            <a:schemeClr val="tx1"/>
+                          </a:solidFill>
+                          <a:latin typeface="Aptos" panose="020B0004020202020204" pitchFamily="34" charset="0"/>
+                          <a:ea typeface="+mn-ea"/>
+                          <a:cs typeface="Times New Roman" panose="02020603050405020304" pitchFamily="18" charset="0"/>
+                        </a:rPr>
+                        <a:t>ResEmoteNet</a:t>
+                      </a:r>
+                      <a:endParaRPr lang="en-MT" sz="1600" kern="100" dirty="0">
+                        <a:solidFill>
+                          <a:schemeClr val="tx1"/>
+                        </a:solidFill>
+                        <a:latin typeface="Aptos" panose="020B0004020202020204" pitchFamily="34" charset="0"/>
+                        <a:ea typeface="+mn-ea"/>
+                        <a:cs typeface="Times New Roman" panose="02020603050405020304" pitchFamily="18" charset="0"/>
+                      </a:endParaRPr>
+                    </a:p>
+                  </a:txBody>
+                  <a:tcPr/>
+                </a:tc>
+                <a:tc>
+                  <a:txBody>
+                    <a:bodyPr/>
+                    <a:lstStyle/>
+                    <a:p>
+                      <a:r>
+                        <a:rPr lang="en-GB" sz="1600" kern="100" dirty="0" err="1">
+                          <a:solidFill>
+                            <a:schemeClr val="tx1"/>
+                          </a:solidFill>
+                          <a:latin typeface="Aptos" panose="020B0004020202020204" pitchFamily="34" charset="0"/>
+                          <a:ea typeface="+mn-ea"/>
+                          <a:cs typeface="Times New Roman" panose="02020603050405020304" pitchFamily="18" charset="0"/>
+                        </a:rPr>
+                        <a:t>AffectNet</a:t>
+                      </a:r>
+                      <a:endParaRPr lang="en-MT" sz="1600" kern="100" dirty="0">
+                        <a:solidFill>
+                          <a:schemeClr val="tx1"/>
+                        </a:solidFill>
+                        <a:latin typeface="Aptos" panose="020B0004020202020204" pitchFamily="34" charset="0"/>
+                        <a:ea typeface="+mn-ea"/>
+                        <a:cs typeface="Times New Roman" panose="02020603050405020304" pitchFamily="18" charset="0"/>
+                      </a:endParaRPr>
+                    </a:p>
+                  </a:txBody>
+                  <a:tcPr/>
+                </a:tc>
+                <a:extLst>
+                  <a:ext uri="{0D108BD9-81ED-4DB2-BD59-A6C34878D82A}">
+                    <a16:rowId xmlns:a16="http://schemas.microsoft.com/office/drawing/2014/main" val="3884886486"/>
+                  </a:ext>
+                </a:extLst>
+              </a:tr>
+              <a:tr h="370840">
+                <a:tc>
+                  <a:txBody>
+                    <a:bodyPr/>
+                    <a:lstStyle/>
+                    <a:p>
+                      <a:r>
+                        <a:rPr lang="en-GB" sz="1600" kern="100" dirty="0">
+                          <a:solidFill>
+                            <a:schemeClr val="tx1"/>
+                          </a:solidFill>
+                          <a:latin typeface="Aptos" panose="020B0004020202020204" pitchFamily="34" charset="0"/>
+                          <a:ea typeface="+mn-ea"/>
+                          <a:cs typeface="Times New Roman" panose="02020603050405020304" pitchFamily="18" charset="0"/>
+                        </a:rPr>
+                        <a:t>ResNet50</a:t>
+                      </a:r>
+                      <a:endParaRPr lang="en-MT" sz="1600" kern="100" dirty="0">
+                        <a:solidFill>
+                          <a:schemeClr val="tx1"/>
+                        </a:solidFill>
+                        <a:latin typeface="Aptos" panose="020B0004020202020204" pitchFamily="34" charset="0"/>
+                        <a:ea typeface="+mn-ea"/>
+                        <a:cs typeface="Times New Roman" panose="02020603050405020304" pitchFamily="18" charset="0"/>
+                      </a:endParaRPr>
+                    </a:p>
+                  </a:txBody>
+                  <a:tcPr/>
+                </a:tc>
+                <a:tc>
+                  <a:txBody>
+                    <a:bodyPr/>
+                    <a:lstStyle/>
+                    <a:p>
+                      <a:r>
+                        <a:rPr lang="en-GB" sz="1600" kern="100" dirty="0">
+                          <a:solidFill>
+                            <a:schemeClr val="tx1"/>
+                          </a:solidFill>
+                          <a:latin typeface="Aptos" panose="020B0004020202020204" pitchFamily="34" charset="0"/>
+                          <a:ea typeface="+mn-ea"/>
+                          <a:cs typeface="Times New Roman" panose="02020603050405020304" pitchFamily="18" charset="0"/>
+                        </a:rPr>
+                        <a:t>FER2013</a:t>
+                      </a:r>
+                      <a:endParaRPr lang="en-MT" sz="1600" kern="100" dirty="0">
+                        <a:solidFill>
+                          <a:schemeClr val="tx1"/>
+                        </a:solidFill>
+                        <a:latin typeface="Aptos" panose="020B0004020202020204" pitchFamily="34" charset="0"/>
+                        <a:ea typeface="+mn-ea"/>
+                        <a:cs typeface="Times New Roman" panose="02020603050405020304" pitchFamily="18" charset="0"/>
+                      </a:endParaRPr>
+                    </a:p>
+                  </a:txBody>
+                  <a:tcPr/>
+                </a:tc>
+                <a:extLst>
+                  <a:ext uri="{0D108BD9-81ED-4DB2-BD59-A6C34878D82A}">
+                    <a16:rowId xmlns:a16="http://schemas.microsoft.com/office/drawing/2014/main" val="123323182"/>
+                  </a:ext>
+                </a:extLst>
+              </a:tr>
+              <a:tr h="370840">
+                <a:tc>
+                  <a:txBody>
+                    <a:bodyPr/>
+                    <a:lstStyle/>
+                    <a:p>
+                      <a:r>
+                        <a:rPr lang="en-GB" sz="1600" kern="100" dirty="0" err="1">
+                          <a:solidFill>
+                            <a:schemeClr val="tx1"/>
+                          </a:solidFill>
+                          <a:latin typeface="Aptos" panose="020B0004020202020204" pitchFamily="34" charset="0"/>
+                          <a:ea typeface="+mn-ea"/>
+                          <a:cs typeface="Times New Roman" panose="02020603050405020304" pitchFamily="18" charset="0"/>
+                        </a:rPr>
+                        <a:t>EmoNeXt</a:t>
+                      </a:r>
+                      <a:endParaRPr lang="en-MT" sz="1600" kern="100" dirty="0">
+                        <a:solidFill>
+                          <a:schemeClr val="tx1"/>
+                        </a:solidFill>
+                        <a:latin typeface="Aptos" panose="020B0004020202020204" pitchFamily="34" charset="0"/>
+                        <a:ea typeface="+mn-ea"/>
+                        <a:cs typeface="Times New Roman" panose="02020603050405020304" pitchFamily="18" charset="0"/>
+                      </a:endParaRPr>
+                    </a:p>
+                  </a:txBody>
+                  <a:tcPr/>
+                </a:tc>
+                <a:tc>
+                  <a:txBody>
+                    <a:bodyPr/>
+                    <a:lstStyle/>
+                    <a:p>
+                      <a:r>
+                        <a:rPr lang="en-GB" sz="1600" kern="100" dirty="0">
+                          <a:solidFill>
+                            <a:schemeClr val="tx1"/>
+                          </a:solidFill>
+                          <a:latin typeface="Aptos" panose="020B0004020202020204" pitchFamily="34" charset="0"/>
+                          <a:ea typeface="+mn-ea"/>
+                          <a:cs typeface="Times New Roman" panose="02020603050405020304" pitchFamily="18" charset="0"/>
+                        </a:rPr>
+                        <a:t>RAF-DB</a:t>
+                      </a:r>
+                      <a:endParaRPr lang="en-MT" sz="1600" kern="100" dirty="0">
+                        <a:solidFill>
+                          <a:schemeClr val="tx1"/>
+                        </a:solidFill>
+                        <a:latin typeface="Aptos" panose="020B0004020202020204" pitchFamily="34" charset="0"/>
+                        <a:ea typeface="+mn-ea"/>
+                        <a:cs typeface="Times New Roman" panose="02020603050405020304" pitchFamily="18" charset="0"/>
+                      </a:endParaRPr>
+                    </a:p>
+                  </a:txBody>
+                  <a:tcPr/>
+                </a:tc>
+                <a:extLst>
+                  <a:ext uri="{0D108BD9-81ED-4DB2-BD59-A6C34878D82A}">
+                    <a16:rowId xmlns:a16="http://schemas.microsoft.com/office/drawing/2014/main" val="2673018738"/>
+                  </a:ext>
+                </a:extLst>
+              </a:tr>
+              <a:tr h="370840">
+                <a:tc>
+                  <a:txBody>
+                    <a:bodyPr/>
+                    <a:lstStyle/>
+                    <a:p>
+                      <a:r>
+                        <a:rPr lang="en-GB" sz="1600" kern="100" dirty="0">
+                          <a:solidFill>
+                            <a:schemeClr val="tx1"/>
+                          </a:solidFill>
+                          <a:latin typeface="Aptos" panose="020B0004020202020204" pitchFamily="34" charset="0"/>
+                          <a:ea typeface="+mn-ea"/>
+                          <a:cs typeface="Times New Roman" panose="02020603050405020304" pitchFamily="18" charset="0"/>
+                        </a:rPr>
+                        <a:t>DDAMFN++</a:t>
+                      </a:r>
+                      <a:endParaRPr lang="en-MT" sz="1600" kern="100" dirty="0">
+                        <a:solidFill>
+                          <a:schemeClr val="tx1"/>
+                        </a:solidFill>
+                        <a:latin typeface="Aptos" panose="020B0004020202020204" pitchFamily="34" charset="0"/>
+                        <a:ea typeface="+mn-ea"/>
+                        <a:cs typeface="Times New Roman" panose="02020603050405020304" pitchFamily="18" charset="0"/>
+                      </a:endParaRPr>
+                    </a:p>
+                  </a:txBody>
+                  <a:tcPr/>
+                </a:tc>
+                <a:tc>
+                  <a:txBody>
+                    <a:bodyPr/>
+                    <a:lstStyle/>
+                    <a:p>
+                      <a:r>
+                        <a:rPr lang="en-GB" sz="1600" kern="100" dirty="0">
+                          <a:solidFill>
+                            <a:schemeClr val="tx1"/>
+                          </a:solidFill>
+                          <a:latin typeface="Aptos" panose="020B0004020202020204" pitchFamily="34" charset="0"/>
+                          <a:ea typeface="+mn-ea"/>
+                          <a:cs typeface="Times New Roman" panose="02020603050405020304" pitchFamily="18" charset="0"/>
+                        </a:rPr>
+                        <a:t>CK+</a:t>
+                      </a:r>
+                      <a:endParaRPr lang="en-MT" sz="1600" kern="100" dirty="0">
+                        <a:solidFill>
+                          <a:schemeClr val="tx1"/>
+                        </a:solidFill>
+                        <a:latin typeface="Aptos" panose="020B0004020202020204" pitchFamily="34" charset="0"/>
+                        <a:ea typeface="+mn-ea"/>
+                        <a:cs typeface="Times New Roman" panose="02020603050405020304" pitchFamily="18" charset="0"/>
+                      </a:endParaRPr>
+                    </a:p>
+                  </a:txBody>
+                  <a:tcPr/>
+                </a:tc>
+                <a:extLst>
+                  <a:ext uri="{0D108BD9-81ED-4DB2-BD59-A6C34878D82A}">
+                    <a16:rowId xmlns:a16="http://schemas.microsoft.com/office/drawing/2014/main" val="1009863000"/>
+                  </a:ext>
+                </a:extLst>
+              </a:tr>
+              <a:tr h="370840">
+                <a:tc>
+                  <a:txBody>
+                    <a:bodyPr/>
+                    <a:lstStyle/>
+                    <a:p>
+                      <a:r>
+                        <a:rPr lang="en-GB" sz="1600" kern="100" dirty="0">
+                          <a:solidFill>
+                            <a:schemeClr val="tx1"/>
+                          </a:solidFill>
+                          <a:latin typeface="Aptos" panose="020B0004020202020204" pitchFamily="34" charset="0"/>
+                          <a:ea typeface="+mn-ea"/>
+                          <a:cs typeface="Times New Roman" panose="02020603050405020304" pitchFamily="18" charset="0"/>
+                        </a:rPr>
+                        <a:t>Patt-Lite</a:t>
+                      </a:r>
+                      <a:endParaRPr lang="en-MT" sz="1600" kern="100" dirty="0">
+                        <a:solidFill>
+                          <a:schemeClr val="tx1"/>
+                        </a:solidFill>
+                        <a:latin typeface="Aptos" panose="020B0004020202020204" pitchFamily="34" charset="0"/>
+                        <a:ea typeface="+mn-ea"/>
+                        <a:cs typeface="Times New Roman" panose="02020603050405020304" pitchFamily="18" charset="0"/>
+                      </a:endParaRPr>
+                    </a:p>
+                  </a:txBody>
+                  <a:tcPr/>
+                </a:tc>
+                <a:tc>
+                  <a:txBody>
+                    <a:bodyPr/>
+                    <a:lstStyle/>
+                    <a:p>
+                      <a:r>
+                        <a:rPr lang="en-GB" sz="1600" kern="100" dirty="0">
+                          <a:solidFill>
+                            <a:schemeClr val="tx1"/>
+                          </a:solidFill>
+                          <a:latin typeface="Aptos" panose="020B0004020202020204" pitchFamily="34" charset="0"/>
+                          <a:ea typeface="+mn-ea"/>
+                          <a:cs typeface="Times New Roman" panose="02020603050405020304" pitchFamily="18" charset="0"/>
+                        </a:rPr>
+                        <a:t>JAFFE</a:t>
+                      </a:r>
+                      <a:endParaRPr lang="en-MT" sz="1600" kern="100" dirty="0">
+                        <a:solidFill>
+                          <a:schemeClr val="tx1"/>
+                        </a:solidFill>
+                        <a:latin typeface="Aptos" panose="020B0004020202020204" pitchFamily="34" charset="0"/>
+                        <a:ea typeface="+mn-ea"/>
+                        <a:cs typeface="Times New Roman" panose="02020603050405020304" pitchFamily="18" charset="0"/>
+                      </a:endParaRPr>
+                    </a:p>
+                  </a:txBody>
+                  <a:tcPr/>
+                </a:tc>
+                <a:extLst>
+                  <a:ext uri="{0D108BD9-81ED-4DB2-BD59-A6C34878D82A}">
+                    <a16:rowId xmlns:a16="http://schemas.microsoft.com/office/drawing/2014/main" val="3704132675"/>
+                  </a:ext>
+                </a:extLst>
+              </a:tr>
+            </a:tbl>
+          </a:graphicData>
+        </a:graphic>
+      </p:graphicFrame>
+    </p:spTree>
+    <p:extLst>
+      <p:ext uri="{BB962C8B-B14F-4D97-AF65-F5344CB8AC3E}">
+        <p14:creationId xmlns:p14="http://schemas.microsoft.com/office/powerpoint/2010/main" val="2230109390"/>
+      </p:ext>
+    </p:extLst>
+  </p:cSld>
+  <p:clrMapOvr>
+    <a:masterClrMapping/>
+  </p:clrMapOvr>
+</p:sld>
+</file>
+
 <file path=ppt/slides/slide2.xml><?xml version="1.0" encoding="utf-8"?>
 <p:sld xmlns:a="http://schemas.openxmlformats.org/drawingml/2006/main" xmlns:r="http://schemas.openxmlformats.org/officeDocument/2006/relationships" xmlns:p="http://schemas.openxmlformats.org/presentationml/2006/main">
   <p:cSld>
@@ -4114,7 +8998,7 @@
           <a:lstStyle/>
           <a:p>
             <a:r>
-              <a:rPr lang="en-GB" dirty="0">
+              <a:rPr lang="en-GB" sz="2000" b="1" dirty="0">
                 <a:latin typeface="Aptos" panose="020B0004020202020204" pitchFamily="34" charset="0"/>
                 <a:cs typeface="Times New Roman" panose="02020603050405020304" pitchFamily="18" charset="0"/>
               </a:rPr>
@@ -4124,7 +9008,7 @@
           <a:p>
             <a:pPr lvl="1"/>
             <a:r>
-              <a:rPr lang="en-GB" sz="2000" dirty="0">
+              <a:rPr lang="en-GB" sz="1600" dirty="0">
                 <a:latin typeface="Aptos" panose="020B0004020202020204" pitchFamily="34" charset="0"/>
                 <a:cs typeface="Times New Roman" panose="02020603050405020304" pitchFamily="18" charset="0"/>
               </a:rPr>
@@ -4134,7 +9018,7 @@
           <a:p>
             <a:pPr lvl="1"/>
             <a:r>
-              <a:rPr lang="en-GB" sz="2000" dirty="0">
+              <a:rPr lang="en-GB" sz="1600" dirty="0">
                 <a:latin typeface="Aptos" panose="020B0004020202020204" pitchFamily="34" charset="0"/>
                 <a:cs typeface="Times New Roman" panose="02020603050405020304" pitchFamily="18" charset="0"/>
               </a:rPr>
@@ -4143,7 +9027,7 @@
           </a:p>
           <a:p>
             <a:r>
-              <a:rPr lang="en-GB" dirty="0">
+              <a:rPr lang="en-GB" sz="2000" b="1" dirty="0">
                 <a:latin typeface="Aptos" panose="020B0004020202020204" pitchFamily="34" charset="0"/>
                 <a:cs typeface="Times New Roman" panose="02020603050405020304" pitchFamily="18" charset="0"/>
               </a:rPr>
@@ -4159,7 +9043,7 @@
               <a:buChar char=""/>
             </a:pPr>
             <a:r>
-              <a:rPr lang="en-GB" sz="2000" b="1" kern="100" dirty="0">
+              <a:rPr lang="en-GB" sz="1600" b="1" kern="100" dirty="0">
                 <a:effectLst/>
                 <a:latin typeface="Aptos" panose="020B0004020202020204" pitchFamily="34" charset="0"/>
                 <a:ea typeface="Aptos" panose="020B0004020202020204" pitchFamily="34" charset="0"/>
@@ -4168,7 +9052,7 @@
               <a:t>Personalised Services</a:t>
             </a:r>
             <a:r>
-              <a:rPr lang="en-GB" sz="2000" kern="100" dirty="0">
+              <a:rPr lang="en-GB" sz="1600" kern="100" dirty="0">
                 <a:effectLst/>
                 <a:latin typeface="Aptos" panose="020B0004020202020204" pitchFamily="34" charset="0"/>
                 <a:ea typeface="Aptos" panose="020B0004020202020204" pitchFamily="34" charset="0"/>
@@ -4176,7 +9060,7 @@
               </a:rPr>
               <a:t> – Provide tailored messages, music recommendations etc.</a:t>
             </a:r>
-            <a:endParaRPr lang="en-MT" sz="2000" kern="100" dirty="0">
+            <a:endParaRPr lang="en-MT" sz="1600" kern="100" dirty="0">
               <a:effectLst/>
               <a:latin typeface="Aptos" panose="020B0004020202020204" pitchFamily="34" charset="0"/>
               <a:ea typeface="Aptos" panose="020B0004020202020204" pitchFamily="34" charset="0"/>
@@ -4192,7 +9076,7 @@
               <a:buChar char=""/>
             </a:pPr>
             <a:r>
-              <a:rPr lang="en-GB" sz="2000" b="1" kern="100" dirty="0">
+              <a:rPr lang="en-GB" sz="1600" b="1" kern="100" dirty="0">
                 <a:effectLst/>
                 <a:latin typeface="Aptos" panose="020B0004020202020204" pitchFamily="34" charset="0"/>
                 <a:ea typeface="Aptos" panose="020B0004020202020204" pitchFamily="34" charset="0"/>
@@ -4201,7 +9085,7 @@
               <a:t>Customer Behaviour Analysis</a:t>
             </a:r>
             <a:r>
-              <a:rPr lang="en-GB" sz="2000" kern="100" dirty="0">
+              <a:rPr lang="en-GB" sz="1600" kern="100" dirty="0">
                 <a:effectLst/>
                 <a:latin typeface="Aptos" panose="020B0004020202020204" pitchFamily="34" charset="0"/>
                 <a:ea typeface="Aptos" panose="020B0004020202020204" pitchFamily="34" charset="0"/>
@@ -4209,7 +9093,7 @@
               </a:rPr>
               <a:t> – Tailored adverts based on emotion analysis.</a:t>
             </a:r>
-            <a:endParaRPr lang="en-MT" sz="2000" kern="100" dirty="0">
+            <a:endParaRPr lang="en-MT" sz="1600" kern="100" dirty="0">
               <a:effectLst/>
               <a:latin typeface="Aptos" panose="020B0004020202020204" pitchFamily="34" charset="0"/>
               <a:ea typeface="Aptos" panose="020B0004020202020204" pitchFamily="34" charset="0"/>
@@ -4225,7 +9109,7 @@
               <a:buChar char=""/>
             </a:pPr>
             <a:r>
-              <a:rPr lang="en-GB" sz="2000" b="1" kern="100" dirty="0">
+              <a:rPr lang="en-GB" sz="1600" b="1" kern="100" dirty="0">
                 <a:effectLst/>
                 <a:latin typeface="Aptos" panose="020B0004020202020204" pitchFamily="34" charset="0"/>
                 <a:ea typeface="Aptos" panose="020B0004020202020204" pitchFamily="34" charset="0"/>
@@ -4234,7 +9118,7 @@
               <a:t>Healthcare</a:t>
             </a:r>
             <a:r>
-              <a:rPr lang="en-GB" sz="2000" kern="100" dirty="0">
+              <a:rPr lang="en-GB" sz="1600" kern="100" dirty="0">
                 <a:effectLst/>
                 <a:latin typeface="Aptos" panose="020B0004020202020204" pitchFamily="34" charset="0"/>
                 <a:ea typeface="Aptos" panose="020B0004020202020204" pitchFamily="34" charset="0"/>
@@ -4242,7 +9126,7 @@
               </a:rPr>
               <a:t> – Detecting diseases, predict psychotic disorders, suicide prevention and patient observation.</a:t>
             </a:r>
-            <a:endParaRPr lang="en-MT" sz="2000" kern="100" dirty="0">
+            <a:endParaRPr lang="en-MT" sz="1600" kern="100" dirty="0">
               <a:effectLst/>
               <a:latin typeface="Aptos" panose="020B0004020202020204" pitchFamily="34" charset="0"/>
               <a:ea typeface="Aptos" panose="020B0004020202020204" pitchFamily="34" charset="0"/>
@@ -4258,7 +9142,7 @@
               <a:buChar char=""/>
             </a:pPr>
             <a:r>
-              <a:rPr lang="en-GB" sz="2000" b="1" kern="100" dirty="0">
+              <a:rPr lang="en-GB" sz="1600" b="1" kern="100" dirty="0">
                 <a:effectLst/>
                 <a:latin typeface="Aptos" panose="020B0004020202020204" pitchFamily="34" charset="0"/>
                 <a:ea typeface="Aptos" panose="020B0004020202020204" pitchFamily="34" charset="0"/>
@@ -4267,7 +9151,7 @@
               <a:t>Employment</a:t>
             </a:r>
             <a:r>
-              <a:rPr lang="en-GB" sz="2000" kern="100" dirty="0">
+              <a:rPr lang="en-GB" sz="1600" kern="100" dirty="0">
                 <a:effectLst/>
                 <a:latin typeface="Aptos" panose="020B0004020202020204" pitchFamily="34" charset="0"/>
                 <a:ea typeface="Aptos" panose="020B0004020202020204" pitchFamily="34" charset="0"/>
@@ -4275,7 +9159,7 @@
               </a:rPr>
               <a:t> – Monitor employee attention and mood.</a:t>
             </a:r>
-            <a:endParaRPr lang="en-MT" sz="2000" kern="100" dirty="0">
+            <a:endParaRPr lang="en-MT" sz="1600" kern="100" dirty="0">
               <a:effectLst/>
               <a:latin typeface="Aptos" panose="020B0004020202020204" pitchFamily="34" charset="0"/>
               <a:ea typeface="Aptos" panose="020B0004020202020204" pitchFamily="34" charset="0"/>
@@ -4291,7 +9175,7 @@
               <a:buChar char=""/>
             </a:pPr>
             <a:r>
-              <a:rPr lang="en-GB" sz="2000" b="1" kern="100" dirty="0">
+              <a:rPr lang="en-GB" sz="1600" b="1" kern="100" dirty="0">
                 <a:effectLst/>
                 <a:latin typeface="Aptos" panose="020B0004020202020204" pitchFamily="34" charset="0"/>
                 <a:ea typeface="Aptos" panose="020B0004020202020204" pitchFamily="34" charset="0"/>
@@ -4300,7 +9184,7 @@
               <a:t>Education</a:t>
             </a:r>
             <a:r>
-              <a:rPr lang="en-GB" sz="2000" kern="100" dirty="0">
+              <a:rPr lang="en-GB" sz="1600" kern="100" dirty="0">
                 <a:effectLst/>
                 <a:latin typeface="Aptos" panose="020B0004020202020204" pitchFamily="34" charset="0"/>
                 <a:ea typeface="Aptos" panose="020B0004020202020204" pitchFamily="34" charset="0"/>
@@ -4308,7 +9192,7 @@
               </a:rPr>
               <a:t> – Tailored tutoring systems, detect engagement in online learning. </a:t>
             </a:r>
-            <a:endParaRPr lang="en-MT" sz="2000" kern="100" dirty="0">
+            <a:endParaRPr lang="en-MT" sz="1600" kern="100" dirty="0">
               <a:effectLst/>
               <a:latin typeface="Aptos" panose="020B0004020202020204" pitchFamily="34" charset="0"/>
               <a:ea typeface="Aptos" panose="020B0004020202020204" pitchFamily="34" charset="0"/>
@@ -4324,7 +9208,7 @@
               <a:buChar char=""/>
             </a:pPr>
             <a:r>
-              <a:rPr lang="en-GB" sz="2000" b="1" kern="100" dirty="0">
+              <a:rPr lang="en-GB" sz="1600" b="1" kern="100" dirty="0">
                 <a:effectLst/>
                 <a:latin typeface="Aptos" panose="020B0004020202020204" pitchFamily="34" charset="0"/>
                 <a:ea typeface="Aptos" panose="020B0004020202020204" pitchFamily="34" charset="0"/>
@@ -4333,7 +9217,7 @@
               <a:t>Public Safety</a:t>
             </a:r>
             <a:r>
-              <a:rPr lang="en-GB" sz="2000" kern="100" dirty="0">
+              <a:rPr lang="en-GB" sz="1600" kern="100" dirty="0">
                 <a:effectLst/>
                 <a:latin typeface="Aptos" panose="020B0004020202020204" pitchFamily="34" charset="0"/>
                 <a:ea typeface="Aptos" panose="020B0004020202020204" pitchFamily="34" charset="0"/>
@@ -4341,7 +9225,7 @@
               </a:rPr>
               <a:t> – Identify emotions triggering potential terrorist threats.</a:t>
             </a:r>
-            <a:endParaRPr lang="en-MT" sz="2000" kern="100" dirty="0">
+            <a:endParaRPr lang="en-MT" sz="1600" kern="100" dirty="0">
               <a:effectLst/>
               <a:latin typeface="Aptos" panose="020B0004020202020204" pitchFamily="34" charset="0"/>
               <a:ea typeface="Aptos" panose="020B0004020202020204" pitchFamily="34" charset="0"/>
@@ -4360,7 +9244,7 @@
               <a:buChar char=""/>
             </a:pPr>
             <a:r>
-              <a:rPr lang="en-GB" sz="2000" b="1" kern="100" dirty="0">
+              <a:rPr lang="en-GB" sz="1600" b="1" kern="100" dirty="0">
                 <a:effectLst/>
                 <a:latin typeface="Aptos" panose="020B0004020202020204" pitchFamily="34" charset="0"/>
                 <a:ea typeface="Aptos" panose="020B0004020202020204" pitchFamily="34" charset="0"/>
@@ -4369,7 +9253,7 @@
               <a:t>Crime Detection</a:t>
             </a:r>
             <a:r>
-              <a:rPr lang="en-GB" sz="2000" kern="100" dirty="0">
+              <a:rPr lang="en-GB" sz="1600" kern="100" dirty="0">
                 <a:effectLst/>
                 <a:latin typeface="Aptos" panose="020B0004020202020204" pitchFamily="34" charset="0"/>
                 <a:ea typeface="Aptos" panose="020B0004020202020204" pitchFamily="34" charset="0"/>
@@ -4491,7 +9375,7 @@
               </a:spcAft>
             </a:pPr>
             <a:r>
-              <a:rPr lang="en-GB" kern="100" dirty="0">
+              <a:rPr lang="en-GB" sz="2000" b="1" kern="100" dirty="0">
                 <a:effectLst/>
                 <a:latin typeface="Aptos" panose="020B0004020202020204" pitchFamily="34" charset="0"/>
                 <a:ea typeface="Aptos" panose="020B0004020202020204" pitchFamily="34" charset="0"/>
@@ -4499,7 +9383,7 @@
               </a:rPr>
               <a:t>Issues</a:t>
             </a:r>
-            <a:endParaRPr lang="en-MT" kern="100" dirty="0">
+            <a:endParaRPr lang="en-MT" sz="2000" b="1" kern="100" dirty="0">
               <a:effectLst/>
               <a:latin typeface="Aptos" panose="020B0004020202020204" pitchFamily="34" charset="0"/>
               <a:ea typeface="Aptos" panose="020B0004020202020204" pitchFamily="34" charset="0"/>
@@ -4515,7 +9399,7 @@
               <a:buChar char=""/>
             </a:pPr>
             <a:r>
-              <a:rPr lang="en-GB" sz="2000" b="1" kern="100" dirty="0">
+              <a:rPr lang="en-GB" sz="1600" b="1" kern="100" dirty="0">
                 <a:effectLst/>
                 <a:latin typeface="Aptos" panose="020B0004020202020204" pitchFamily="34" charset="0"/>
                 <a:ea typeface="Aptos" panose="020B0004020202020204" pitchFamily="34" charset="0"/>
@@ -4524,7 +9408,7 @@
               <a:t>Privacy Risks</a:t>
             </a:r>
             <a:r>
-              <a:rPr lang="en-GB" sz="2000" b="1" kern="100" dirty="0">
+              <a:rPr lang="en-GB" sz="1600" b="1" kern="100" dirty="0">
                 <a:latin typeface="Aptos" panose="020B0004020202020204" pitchFamily="34" charset="0"/>
                 <a:ea typeface="Aptos" panose="020B0004020202020204" pitchFamily="34" charset="0"/>
                 <a:cs typeface="Times New Roman" panose="02020603050405020304" pitchFamily="18" charset="0"/>
@@ -4532,7 +9416,7 @@
               <a:t> </a:t>
             </a:r>
             <a:r>
-              <a:rPr lang="en-GB" sz="2000" kern="100" dirty="0">
+              <a:rPr lang="en-GB" sz="1600" kern="100" dirty="0">
                 <a:latin typeface="Aptos" panose="020B0004020202020204" pitchFamily="34" charset="0"/>
                 <a:ea typeface="Aptos" panose="020B0004020202020204" pitchFamily="34" charset="0"/>
                 <a:cs typeface="Times New Roman" panose="02020603050405020304" pitchFamily="18" charset="0"/>
@@ -4540,7 +9424,7 @@
               <a:t>– A</a:t>
             </a:r>
             <a:r>
-              <a:rPr lang="en-GB" sz="2000" kern="100" dirty="0">
+              <a:rPr lang="en-GB" sz="1600" kern="100" dirty="0">
                 <a:effectLst/>
                 <a:latin typeface="Aptos" panose="020B0004020202020204" pitchFamily="34" charset="0"/>
                 <a:ea typeface="Aptos" panose="020B0004020202020204" pitchFamily="34" charset="0"/>
@@ -4548,7 +9432,7 @@
               </a:rPr>
               <a:t>nalysing sensitive biometric data -&gt; privacy concerns and unauthorised data use.</a:t>
             </a:r>
-            <a:endParaRPr lang="en-MT" sz="2000" kern="100" dirty="0">
+            <a:endParaRPr lang="en-MT" sz="1600" kern="100" dirty="0">
               <a:effectLst/>
               <a:latin typeface="Aptos" panose="020B0004020202020204" pitchFamily="34" charset="0"/>
               <a:ea typeface="Aptos" panose="020B0004020202020204" pitchFamily="34" charset="0"/>
@@ -4564,7 +9448,7 @@
               <a:buChar char=""/>
             </a:pPr>
             <a:r>
-              <a:rPr lang="en-GB" sz="2000" b="1" kern="100" dirty="0">
+              <a:rPr lang="en-GB" sz="1600" b="1" kern="100" dirty="0">
                 <a:effectLst/>
                 <a:latin typeface="Aptos" panose="020B0004020202020204" pitchFamily="34" charset="0"/>
                 <a:ea typeface="Aptos" panose="020B0004020202020204" pitchFamily="34" charset="0"/>
@@ -4573,7 +9457,7 @@
               <a:t>Accuracy and Bias</a:t>
             </a:r>
             <a:r>
-              <a:rPr lang="en-GB" sz="2000" b="1" kern="100" dirty="0">
+              <a:rPr lang="en-GB" sz="1600" b="1" kern="100" dirty="0">
                 <a:latin typeface="Aptos" panose="020B0004020202020204" pitchFamily="34" charset="0"/>
                 <a:ea typeface="Aptos" panose="020B0004020202020204" pitchFamily="34" charset="0"/>
                 <a:cs typeface="Times New Roman" panose="02020603050405020304" pitchFamily="18" charset="0"/>
@@ -4581,7 +9465,7 @@
               <a:t> </a:t>
             </a:r>
             <a:r>
-              <a:rPr lang="en-GB" sz="2000" kern="100" dirty="0">
+              <a:rPr lang="en-GB" sz="1600" kern="100" dirty="0">
                 <a:latin typeface="Aptos" panose="020B0004020202020204" pitchFamily="34" charset="0"/>
                 <a:ea typeface="Aptos" panose="020B0004020202020204" pitchFamily="34" charset="0"/>
                 <a:cs typeface="Times New Roman" panose="02020603050405020304" pitchFamily="18" charset="0"/>
@@ -4589,7 +9473,7 @@
               <a:t>– I</a:t>
             </a:r>
             <a:r>
-              <a:rPr lang="en-GB" sz="2000" kern="100" dirty="0">
+              <a:rPr lang="en-GB" sz="1600" kern="100" dirty="0">
                 <a:effectLst/>
                 <a:latin typeface="Aptos" panose="020B0004020202020204" pitchFamily="34" charset="0"/>
                 <a:ea typeface="Aptos" panose="020B0004020202020204" pitchFamily="34" charset="0"/>
@@ -4597,7 +9481,7 @@
               </a:rPr>
               <a:t>naccuracies and biases, particularly against certain ethnic groups or skin colours, leading to unfair profiling and discrimination.</a:t>
             </a:r>
-            <a:endParaRPr lang="en-MT" sz="2000" kern="100" dirty="0">
+            <a:endParaRPr lang="en-MT" sz="1600" kern="100" dirty="0">
               <a:effectLst/>
               <a:latin typeface="Aptos" panose="020B0004020202020204" pitchFamily="34" charset="0"/>
               <a:ea typeface="Aptos" panose="020B0004020202020204" pitchFamily="34" charset="0"/>
@@ -4616,7 +9500,7 @@
               <a:buChar char=""/>
             </a:pPr>
             <a:r>
-              <a:rPr lang="en-GB" sz="2000" b="1" kern="100" dirty="0">
+              <a:rPr lang="en-GB" sz="1600" b="1" kern="100" dirty="0">
                 <a:effectLst/>
                 <a:latin typeface="Aptos" panose="020B0004020202020204" pitchFamily="34" charset="0"/>
                 <a:ea typeface="Aptos" panose="020B0004020202020204" pitchFamily="34" charset="0"/>
@@ -4625,7 +9509,7 @@
               <a:t>Emotional Misinterpretation</a:t>
             </a:r>
             <a:r>
-              <a:rPr lang="en-GB" sz="2000" b="1" kern="100" dirty="0">
+              <a:rPr lang="en-GB" sz="1600" b="1" kern="100" dirty="0">
                 <a:latin typeface="Aptos" panose="020B0004020202020204" pitchFamily="34" charset="0"/>
                 <a:ea typeface="Aptos" panose="020B0004020202020204" pitchFamily="34" charset="0"/>
                 <a:cs typeface="Times New Roman" panose="02020603050405020304" pitchFamily="18" charset="0"/>
@@ -4633,7 +9517,7 @@
               <a:t> </a:t>
             </a:r>
             <a:r>
-              <a:rPr lang="en-GB" sz="2000" kern="100" dirty="0">
+              <a:rPr lang="en-GB" sz="1600" kern="100" dirty="0">
                 <a:latin typeface="Aptos" panose="020B0004020202020204" pitchFamily="34" charset="0"/>
                 <a:ea typeface="Aptos" panose="020B0004020202020204" pitchFamily="34" charset="0"/>
                 <a:cs typeface="Times New Roman" panose="02020603050405020304" pitchFamily="18" charset="0"/>
@@ -4641,7 +9525,7 @@
               <a:t>– M</a:t>
             </a:r>
             <a:r>
-              <a:rPr lang="en-GB" sz="2000" kern="100" dirty="0">
+              <a:rPr lang="en-GB" sz="1600" kern="100" dirty="0">
                 <a:effectLst/>
                 <a:latin typeface="Aptos" panose="020B0004020202020204" pitchFamily="34" charset="0"/>
                 <a:ea typeface="Aptos" panose="020B0004020202020204" pitchFamily="34" charset="0"/>
@@ -4649,7 +9533,7 @@
               </a:rPr>
               <a:t>isinterpretation of emotions due to contextual factors, resulting in erroneous conclusions that can affect individuals' lives negatively.</a:t>
             </a:r>
-            <a:endParaRPr lang="en-MT" sz="2000" kern="100" dirty="0">
+            <a:endParaRPr lang="en-MT" sz="1600" kern="100" dirty="0">
               <a:effectLst/>
               <a:latin typeface="Aptos" panose="020B0004020202020204" pitchFamily="34" charset="0"/>
               <a:ea typeface="Aptos" panose="020B0004020202020204" pitchFamily="34" charset="0"/>
@@ -4948,6 +9832,3578 @@
     <p:extLst>
       <p:ext uri="{BB962C8B-B14F-4D97-AF65-F5344CB8AC3E}">
         <p14:creationId xmlns:p14="http://schemas.microsoft.com/office/powerpoint/2010/main" val="224423335"/>
+      </p:ext>
+    </p:extLst>
+  </p:cSld>
+  <p:clrMapOvr>
+    <a:masterClrMapping/>
+  </p:clrMapOvr>
+</p:sld>
+</file>
+
+<file path=ppt/slides/slide4.xml><?xml version="1.0" encoding="utf-8"?>
+<p:sld xmlns:a="http://schemas.openxmlformats.org/drawingml/2006/main" xmlns:r="http://schemas.openxmlformats.org/officeDocument/2006/relationships" xmlns:p="http://schemas.openxmlformats.org/presentationml/2006/main" show="0">
+  <p:cSld>
+    <p:spTree>
+      <p:nvGrpSpPr>
+        <p:cNvPr id="1" name="">
+          <a:extLst>
+            <a:ext uri="{FF2B5EF4-FFF2-40B4-BE49-F238E27FC236}">
+              <a16:creationId xmlns:a16="http://schemas.microsoft.com/office/drawing/2014/main" id="{581423DF-407D-3B34-5F17-9A69D2DD37AD}"/>
+            </a:ext>
+          </a:extLst>
+        </p:cNvPr>
+        <p:cNvGrpSpPr/>
+        <p:nvPr/>
+      </p:nvGrpSpPr>
+      <p:grpSpPr>
+        <a:xfrm>
+          <a:off x="0" y="0"/>
+          <a:ext cx="0" cy="0"/>
+          <a:chOff x="0" y="0"/>
+          <a:chExt cx="0" cy="0"/>
+        </a:xfrm>
+      </p:grpSpPr>
+      <p:sp>
+        <p:nvSpPr>
+          <p:cNvPr id="8" name="Content Placeholder 2">
+            <a:extLst>
+              <a:ext uri="{FF2B5EF4-FFF2-40B4-BE49-F238E27FC236}">
+                <a16:creationId xmlns:a16="http://schemas.microsoft.com/office/drawing/2014/main" id="{A7E2C3C4-9ADD-F28A-AD21-2897FBDD92B2}"/>
+              </a:ext>
+            </a:extLst>
+          </p:cNvPr>
+          <p:cNvSpPr>
+            <a:spLocks noGrp="1"/>
+          </p:cNvSpPr>
+          <p:nvPr>
+            <p:ph idx="1"/>
+          </p:nvPr>
+        </p:nvSpPr>
+        <p:spPr>
+          <a:xfrm>
+            <a:off x="458694" y="1263649"/>
+            <a:ext cx="11274612" cy="5228589"/>
+          </a:xfrm>
+        </p:spPr>
+        <p:txBody>
+          <a:bodyPr>
+            <a:normAutofit fontScale="92500"/>
+          </a:bodyPr>
+          <a:lstStyle/>
+          <a:p>
+            <a:pPr>
+              <a:lnSpc>
+                <a:spcPct val="107000"/>
+              </a:lnSpc>
+              <a:spcAft>
+                <a:spcPts val="800"/>
+              </a:spcAft>
+            </a:pPr>
+            <a:r>
+              <a:rPr lang="en-GB" kern="100" dirty="0">
+                <a:latin typeface="Aptos" panose="020B0004020202020204" pitchFamily="34" charset="0"/>
+                <a:ea typeface="Aptos" panose="020B0004020202020204" pitchFamily="34" charset="0"/>
+                <a:cs typeface="Times New Roman" panose="02020603050405020304" pitchFamily="18" charset="0"/>
+              </a:rPr>
+              <a:t>FER revolves around the idea of training visual models to detect emotions within human faces. This is primarily separated into two variations those which detect in-lab and those using in-the-wild images. However, in both cases the final required result remains the same this being an FER model able to generalise with high accuracy on unseen data thereby allowing for wide-spread application of such tools.</a:t>
+            </a:r>
+          </a:p>
+          <a:p>
+            <a:pPr>
+              <a:lnSpc>
+                <a:spcPct val="107000"/>
+              </a:lnSpc>
+              <a:spcAft>
+                <a:spcPts val="800"/>
+              </a:spcAft>
+            </a:pPr>
+            <a:endParaRPr lang="en-GB" kern="100" dirty="0">
+              <a:effectLst/>
+              <a:latin typeface="Aptos" panose="020B0004020202020204" pitchFamily="34" charset="0"/>
+              <a:ea typeface="Aptos" panose="020B0004020202020204" pitchFamily="34" charset="0"/>
+              <a:cs typeface="Times New Roman" panose="02020603050405020304" pitchFamily="18" charset="0"/>
+            </a:endParaRPr>
+          </a:p>
+          <a:p>
+            <a:pPr>
+              <a:lnSpc>
+                <a:spcPct val="107000"/>
+              </a:lnSpc>
+              <a:spcAft>
+                <a:spcPts val="800"/>
+              </a:spcAft>
+            </a:pPr>
+            <a:r>
+              <a:rPr lang="en-GB" kern="100" dirty="0">
+                <a:effectLst/>
+                <a:latin typeface="Aptos" panose="020B0004020202020204" pitchFamily="34" charset="0"/>
+                <a:ea typeface="Aptos" panose="020B0004020202020204" pitchFamily="34" charset="0"/>
+                <a:cs typeface="Times New Roman" panose="02020603050405020304" pitchFamily="18" charset="0"/>
+              </a:rPr>
+              <a:t>The general manner in which this is achieved is through the use of CNN trained on large descriptive datasets such as FER2013, </a:t>
+            </a:r>
+            <a:r>
+              <a:rPr lang="en-GB" kern="100" dirty="0" err="1">
+                <a:effectLst/>
+                <a:latin typeface="Aptos" panose="020B0004020202020204" pitchFamily="34" charset="0"/>
+                <a:ea typeface="Aptos" panose="020B0004020202020204" pitchFamily="34" charset="0"/>
+                <a:cs typeface="Times New Roman" panose="02020603050405020304" pitchFamily="18" charset="0"/>
+              </a:rPr>
+              <a:t>AffectNet</a:t>
+            </a:r>
+            <a:r>
+              <a:rPr lang="en-GB" kern="100" dirty="0">
+                <a:effectLst/>
+                <a:latin typeface="Aptos" panose="020B0004020202020204" pitchFamily="34" charset="0"/>
+                <a:ea typeface="Aptos" panose="020B0004020202020204" pitchFamily="34" charset="0"/>
+                <a:cs typeface="Times New Roman" panose="02020603050405020304" pitchFamily="18" charset="0"/>
+              </a:rPr>
+              <a:t>, JAFFE and others to detect important relevant facial features thereby deriving an emotional classification.</a:t>
+            </a:r>
+            <a:endParaRPr lang="en-MT" kern="100" dirty="0">
+              <a:effectLst/>
+              <a:latin typeface="Aptos" panose="020B0004020202020204" pitchFamily="34" charset="0"/>
+              <a:ea typeface="Aptos" panose="020B0004020202020204" pitchFamily="34" charset="0"/>
+              <a:cs typeface="Times New Roman" panose="02020603050405020304" pitchFamily="18" charset="0"/>
+            </a:endParaRPr>
+          </a:p>
+        </p:txBody>
+      </p:sp>
+      <p:sp>
+        <p:nvSpPr>
+          <p:cNvPr id="7" name="Title 1">
+            <a:extLst>
+              <a:ext uri="{FF2B5EF4-FFF2-40B4-BE49-F238E27FC236}">
+                <a16:creationId xmlns:a16="http://schemas.microsoft.com/office/drawing/2014/main" id="{6B753576-664E-FF96-44F5-EE3A4879AEAE}"/>
+              </a:ext>
+            </a:extLst>
+          </p:cNvPr>
+          <p:cNvSpPr txBox="1">
+            <a:spLocks/>
+          </p:cNvSpPr>
+          <p:nvPr/>
+        </p:nvSpPr>
+        <p:spPr>
+          <a:xfrm>
+            <a:off x="458694" y="365761"/>
+            <a:ext cx="11274612" cy="897890"/>
+          </a:xfrm>
+          <a:prstGeom prst="rect">
+            <a:avLst/>
+          </a:prstGeom>
+        </p:spPr>
+        <p:txBody>
+          <a:bodyPr vert="horz" lIns="91440" tIns="45720" rIns="91440" bIns="45720" rtlCol="0" anchor="ctr">
+            <a:normAutofit/>
+          </a:bodyPr>
+          <a:lstStyle>
+            <a:lvl1pPr algn="l" defTabSz="914400" rtl="0" eaLnBrk="1" latinLnBrk="0" hangingPunct="1">
+              <a:lnSpc>
+                <a:spcPct val="100000"/>
+              </a:lnSpc>
+              <a:spcBef>
+                <a:spcPct val="0"/>
+              </a:spcBef>
+              <a:buNone/>
+              <a:defRPr sz="4400" b="0" kern="1200">
+                <a:solidFill>
+                  <a:schemeClr val="tx1"/>
+                </a:solidFill>
+                <a:latin typeface="+mj-lt"/>
+                <a:ea typeface="+mj-ea"/>
+                <a:cs typeface="+mj-cs"/>
+              </a:defRPr>
+            </a:lvl1pPr>
+          </a:lstStyle>
+          <a:p>
+            <a:r>
+              <a:rPr lang="en-GB" kern="100" spc="75" dirty="0">
+                <a:solidFill>
+                  <a:srgbClr val="595959"/>
+                </a:solidFill>
+                <a:latin typeface="Aptos" panose="020B0004020202020204" pitchFamily="34" charset="0"/>
+                <a:ea typeface="Times New Roman" panose="02020603050405020304" pitchFamily="18" charset="0"/>
+                <a:cs typeface="Times New Roman" panose="02020603050405020304" pitchFamily="18" charset="0"/>
+              </a:rPr>
+              <a:t>Research Topic (1)</a:t>
+            </a:r>
+            <a:endParaRPr lang="en-MT" dirty="0"/>
+          </a:p>
+        </p:txBody>
+      </p:sp>
+      <p:sp>
+        <p:nvSpPr>
+          <p:cNvPr id="4" name="Content Placeholder 2">
+            <a:extLst>
+              <a:ext uri="{FF2B5EF4-FFF2-40B4-BE49-F238E27FC236}">
+                <a16:creationId xmlns:a16="http://schemas.microsoft.com/office/drawing/2014/main" id="{070641C2-476F-5CCD-DF12-F959349E175F}"/>
+              </a:ext>
+            </a:extLst>
+          </p:cNvPr>
+          <p:cNvSpPr txBox="1">
+            <a:spLocks/>
+          </p:cNvSpPr>
+          <p:nvPr/>
+        </p:nvSpPr>
+        <p:spPr>
+          <a:xfrm>
+            <a:off x="458694" y="4229100"/>
+            <a:ext cx="11274612" cy="3108325"/>
+          </a:xfrm>
+          <a:prstGeom prst="rect">
+            <a:avLst/>
+          </a:prstGeom>
+        </p:spPr>
+        <p:txBody>
+          <a:bodyPr vert="horz" lIns="91440" tIns="45720" rIns="91440" bIns="45720" rtlCol="0">
+            <a:normAutofit/>
+          </a:bodyPr>
+          <a:lstStyle>
+            <a:lvl1pPr marL="228600" indent="-228600" algn="l" defTabSz="914400" rtl="0" eaLnBrk="1" latinLnBrk="0" hangingPunct="1">
+              <a:lnSpc>
+                <a:spcPct val="110000"/>
+              </a:lnSpc>
+              <a:spcBef>
+                <a:spcPts val="1000"/>
+              </a:spcBef>
+              <a:buClr>
+                <a:schemeClr val="accent1"/>
+              </a:buClr>
+              <a:buFont typeface="Arial" panose="020B0604020202020204" pitchFamily="34" charset="0"/>
+              <a:buChar char="•"/>
+              <a:defRPr sz="2800" kern="1200">
+                <a:solidFill>
+                  <a:schemeClr val="tx1"/>
+                </a:solidFill>
+                <a:latin typeface="+mn-lt"/>
+                <a:ea typeface="+mn-ea"/>
+                <a:cs typeface="+mn-cs"/>
+              </a:defRPr>
+            </a:lvl1pPr>
+            <a:lvl2pPr marL="685800" indent="-228600" algn="l" defTabSz="914400" rtl="0" eaLnBrk="1" latinLnBrk="0" hangingPunct="1">
+              <a:lnSpc>
+                <a:spcPct val="110000"/>
+              </a:lnSpc>
+              <a:spcBef>
+                <a:spcPts val="500"/>
+              </a:spcBef>
+              <a:buClr>
+                <a:schemeClr val="accent1"/>
+              </a:buClr>
+              <a:buFont typeface="Arial" panose="020B0604020202020204" pitchFamily="34" charset="0"/>
+              <a:buChar char="•"/>
+              <a:defRPr sz="2400" kern="1200">
+                <a:solidFill>
+                  <a:schemeClr val="tx1"/>
+                </a:solidFill>
+                <a:latin typeface="+mn-lt"/>
+                <a:ea typeface="+mn-ea"/>
+                <a:cs typeface="+mn-cs"/>
+              </a:defRPr>
+            </a:lvl2pPr>
+            <a:lvl3pPr marL="1143000" indent="-228600" algn="l" defTabSz="914400" rtl="0" eaLnBrk="1" latinLnBrk="0" hangingPunct="1">
+              <a:lnSpc>
+                <a:spcPct val="110000"/>
+              </a:lnSpc>
+              <a:spcBef>
+                <a:spcPts val="500"/>
+              </a:spcBef>
+              <a:buClr>
+                <a:schemeClr val="accent1"/>
+              </a:buClr>
+              <a:buFont typeface="Arial" panose="020B0604020202020204" pitchFamily="34" charset="0"/>
+              <a:buChar char="•"/>
+              <a:defRPr sz="2000" kern="1200">
+                <a:solidFill>
+                  <a:schemeClr val="tx1"/>
+                </a:solidFill>
+                <a:latin typeface="+mn-lt"/>
+                <a:ea typeface="+mn-ea"/>
+                <a:cs typeface="+mn-cs"/>
+              </a:defRPr>
+            </a:lvl3pPr>
+            <a:lvl4pPr marL="1600200" indent="-228600" algn="l" defTabSz="914400" rtl="0" eaLnBrk="1" latinLnBrk="0" hangingPunct="1">
+              <a:lnSpc>
+                <a:spcPct val="110000"/>
+              </a:lnSpc>
+              <a:spcBef>
+                <a:spcPts val="500"/>
+              </a:spcBef>
+              <a:buClr>
+                <a:schemeClr val="accent1"/>
+              </a:buClr>
+              <a:buFont typeface="Arial" panose="020B0604020202020204" pitchFamily="34" charset="0"/>
+              <a:buChar char="•"/>
+              <a:defRPr sz="1800" kern="1200">
+                <a:solidFill>
+                  <a:schemeClr val="tx1"/>
+                </a:solidFill>
+                <a:latin typeface="+mn-lt"/>
+                <a:ea typeface="+mn-ea"/>
+                <a:cs typeface="+mn-cs"/>
+              </a:defRPr>
+            </a:lvl4pPr>
+            <a:lvl5pPr marL="2057400" indent="-228600" algn="l" defTabSz="914400" rtl="0" eaLnBrk="1" latinLnBrk="0" hangingPunct="1">
+              <a:lnSpc>
+                <a:spcPct val="110000"/>
+              </a:lnSpc>
+              <a:spcBef>
+                <a:spcPts val="500"/>
+              </a:spcBef>
+              <a:buClr>
+                <a:schemeClr val="accent1"/>
+              </a:buClr>
+              <a:buFont typeface="Arial" panose="020B0604020202020204" pitchFamily="34" charset="0"/>
+              <a:buChar char="•"/>
+              <a:defRPr sz="1800" kern="1200">
+                <a:solidFill>
+                  <a:schemeClr val="tx1"/>
+                </a:solidFill>
+                <a:latin typeface="+mn-lt"/>
+                <a:ea typeface="+mn-ea"/>
+                <a:cs typeface="+mn-cs"/>
+              </a:defRPr>
+            </a:lvl5pPr>
+            <a:lvl6pPr marL="2514600" indent="-228600" algn="l" defTabSz="914400" rtl="0" eaLnBrk="1" latinLnBrk="0" hangingPunct="1">
+              <a:lnSpc>
+                <a:spcPct val="90000"/>
+              </a:lnSpc>
+              <a:spcBef>
+                <a:spcPts val="500"/>
+              </a:spcBef>
+              <a:buFont typeface="Arial" panose="020B0604020202020204" pitchFamily="34" charset="0"/>
+              <a:buChar char="•"/>
+              <a:defRPr sz="1800" kern="1200">
+                <a:solidFill>
+                  <a:schemeClr val="tx1"/>
+                </a:solidFill>
+                <a:latin typeface="+mn-lt"/>
+                <a:ea typeface="+mn-ea"/>
+                <a:cs typeface="+mn-cs"/>
+              </a:defRPr>
+            </a:lvl6pPr>
+            <a:lvl7pPr marL="2971800" indent="-228600" algn="l" defTabSz="914400" rtl="0" eaLnBrk="1" latinLnBrk="0" hangingPunct="1">
+              <a:lnSpc>
+                <a:spcPct val="90000"/>
+              </a:lnSpc>
+              <a:spcBef>
+                <a:spcPts val="500"/>
+              </a:spcBef>
+              <a:buFont typeface="Arial" panose="020B0604020202020204" pitchFamily="34" charset="0"/>
+              <a:buChar char="•"/>
+              <a:defRPr sz="1800" kern="1200">
+                <a:solidFill>
+                  <a:schemeClr val="tx1"/>
+                </a:solidFill>
+                <a:latin typeface="+mn-lt"/>
+                <a:ea typeface="+mn-ea"/>
+                <a:cs typeface="+mn-cs"/>
+              </a:defRPr>
+            </a:lvl7pPr>
+            <a:lvl8pPr marL="3429000" indent="-228600" algn="l" defTabSz="914400" rtl="0" eaLnBrk="1" latinLnBrk="0" hangingPunct="1">
+              <a:lnSpc>
+                <a:spcPct val="90000"/>
+              </a:lnSpc>
+              <a:spcBef>
+                <a:spcPts val="500"/>
+              </a:spcBef>
+              <a:buFont typeface="Arial" panose="020B0604020202020204" pitchFamily="34" charset="0"/>
+              <a:buChar char="•"/>
+              <a:defRPr sz="1800" kern="1200">
+                <a:solidFill>
+                  <a:schemeClr val="tx1"/>
+                </a:solidFill>
+                <a:latin typeface="+mn-lt"/>
+                <a:ea typeface="+mn-ea"/>
+                <a:cs typeface="+mn-cs"/>
+              </a:defRPr>
+            </a:lvl8pPr>
+            <a:lvl9pPr marL="3886200" indent="-228600" algn="l" defTabSz="914400" rtl="0" eaLnBrk="1" latinLnBrk="0" hangingPunct="1">
+              <a:lnSpc>
+                <a:spcPct val="90000"/>
+              </a:lnSpc>
+              <a:spcBef>
+                <a:spcPts val="500"/>
+              </a:spcBef>
+              <a:buFont typeface="Arial" panose="020B0604020202020204" pitchFamily="34" charset="0"/>
+              <a:buChar char="•"/>
+              <a:defRPr sz="1800" kern="1200">
+                <a:solidFill>
+                  <a:schemeClr val="tx1"/>
+                </a:solidFill>
+                <a:latin typeface="+mn-lt"/>
+                <a:ea typeface="+mn-ea"/>
+                <a:cs typeface="+mn-cs"/>
+              </a:defRPr>
+            </a:lvl9pPr>
+          </a:lstStyle>
+          <a:p>
+            <a:pPr>
+              <a:lnSpc>
+                <a:spcPct val="107000"/>
+              </a:lnSpc>
+              <a:spcAft>
+                <a:spcPts val="800"/>
+              </a:spcAft>
+            </a:pPr>
+            <a:endParaRPr lang="en-MT" sz="1400" kern="100" dirty="0">
+              <a:effectLst/>
+              <a:latin typeface="Aptos" panose="020B0004020202020204" pitchFamily="34" charset="0"/>
+              <a:ea typeface="Aptos" panose="020B0004020202020204" pitchFamily="34" charset="0"/>
+              <a:cs typeface="Times New Roman" panose="02020603050405020304" pitchFamily="18" charset="0"/>
+            </a:endParaRPr>
+          </a:p>
+        </p:txBody>
+      </p:sp>
+    </p:spTree>
+    <p:extLst>
+      <p:ext uri="{BB962C8B-B14F-4D97-AF65-F5344CB8AC3E}">
+        <p14:creationId xmlns:p14="http://schemas.microsoft.com/office/powerpoint/2010/main" val="3411684841"/>
+      </p:ext>
+    </p:extLst>
+  </p:cSld>
+  <p:clrMapOvr>
+    <a:masterClrMapping/>
+  </p:clrMapOvr>
+</p:sld>
+</file>
+
+<file path=ppt/slides/slide5.xml><?xml version="1.0" encoding="utf-8"?>
+<p:sld xmlns:a="http://schemas.openxmlformats.org/drawingml/2006/main" xmlns:r="http://schemas.openxmlformats.org/officeDocument/2006/relationships" xmlns:p="http://schemas.openxmlformats.org/presentationml/2006/main">
+  <p:cSld>
+    <p:spTree>
+      <p:nvGrpSpPr>
+        <p:cNvPr id="1" name="">
+          <a:extLst>
+            <a:ext uri="{FF2B5EF4-FFF2-40B4-BE49-F238E27FC236}">
+              <a16:creationId xmlns:a16="http://schemas.microsoft.com/office/drawing/2014/main" id="{CB5909B4-1D28-6C7F-10E9-3F5CC7CC9D68}"/>
+            </a:ext>
+          </a:extLst>
+        </p:cNvPr>
+        <p:cNvGrpSpPr/>
+        <p:nvPr/>
+      </p:nvGrpSpPr>
+      <p:grpSpPr>
+        <a:xfrm>
+          <a:off x="0" y="0"/>
+          <a:ext cx="0" cy="0"/>
+          <a:chOff x="0" y="0"/>
+          <a:chExt cx="0" cy="0"/>
+        </a:xfrm>
+      </p:grpSpPr>
+      <p:sp>
+        <p:nvSpPr>
+          <p:cNvPr id="8" name="Content Placeholder 2">
+            <a:extLst>
+              <a:ext uri="{FF2B5EF4-FFF2-40B4-BE49-F238E27FC236}">
+                <a16:creationId xmlns:a16="http://schemas.microsoft.com/office/drawing/2014/main" id="{6C4E64BE-A5AB-2532-BE0A-086DF4BB130F}"/>
+              </a:ext>
+            </a:extLst>
+          </p:cNvPr>
+          <p:cNvSpPr>
+            <a:spLocks noGrp="1"/>
+          </p:cNvSpPr>
+          <p:nvPr>
+            <p:ph idx="1"/>
+          </p:nvPr>
+        </p:nvSpPr>
+        <p:spPr>
+          <a:xfrm>
+            <a:off x="458694" y="1263649"/>
+            <a:ext cx="11274612" cy="5228589"/>
+          </a:xfrm>
+        </p:spPr>
+        <p:txBody>
+          <a:bodyPr>
+            <a:normAutofit/>
+          </a:bodyPr>
+          <a:lstStyle/>
+          <a:p>
+            <a:pPr marL="342900" indent="-342900">
+              <a:lnSpc>
+                <a:spcPct val="107000"/>
+              </a:lnSpc>
+              <a:buFont typeface="Symbol" panose="05050102010706020507" pitchFamily="18" charset="2"/>
+              <a:buChar char=""/>
+            </a:pPr>
+            <a:r>
+              <a:rPr lang="en-US" sz="2000" b="1" kern="100" dirty="0">
+                <a:latin typeface="Aptos" panose="020B0004020202020204" pitchFamily="34" charset="0"/>
+                <a:cs typeface="Times New Roman" panose="02020603050405020304" pitchFamily="18" charset="0"/>
+              </a:rPr>
+              <a:t>Process</a:t>
+            </a:r>
+          </a:p>
+          <a:p>
+            <a:pPr marL="800100" lvl="1" indent="-342900">
+              <a:lnSpc>
+                <a:spcPct val="107000"/>
+              </a:lnSpc>
+              <a:buFont typeface="Symbol" panose="05050102010706020507" pitchFamily="18" charset="2"/>
+              <a:buChar char=""/>
+            </a:pPr>
+            <a:r>
+              <a:rPr lang="en-US" sz="1600" kern="100" dirty="0">
+                <a:latin typeface="Aptos" panose="020B0004020202020204" pitchFamily="34" charset="0"/>
+                <a:cs typeface="Times New Roman" panose="02020603050405020304" pitchFamily="18" charset="0"/>
+              </a:rPr>
+              <a:t>Facial Expression Recognition (FER) involves training visual models to detect human emotions from facial images. This can be broadly classified into:</a:t>
+            </a:r>
+          </a:p>
+          <a:p>
+            <a:pPr marL="1257300" lvl="2" indent="-342900">
+              <a:lnSpc>
+                <a:spcPct val="107000"/>
+              </a:lnSpc>
+              <a:buFont typeface="Symbol" panose="05050102010706020507" pitchFamily="18" charset="2"/>
+              <a:buChar char=""/>
+            </a:pPr>
+            <a:r>
+              <a:rPr lang="en-US" sz="1600" kern="100" dirty="0">
+                <a:latin typeface="Aptos" panose="020B0004020202020204" pitchFamily="34" charset="0"/>
+                <a:cs typeface="Times New Roman" panose="02020603050405020304" pitchFamily="18" charset="0"/>
+              </a:rPr>
+              <a:t>In-lab FER: Models trained on controlled, structured datasets. (CK+, JAFFE)</a:t>
+            </a:r>
+          </a:p>
+          <a:p>
+            <a:pPr marL="1257300" lvl="2" indent="-342900">
+              <a:lnSpc>
+                <a:spcPct val="107000"/>
+              </a:lnSpc>
+              <a:buFont typeface="Symbol" panose="05050102010706020507" pitchFamily="18" charset="2"/>
+              <a:buChar char=""/>
+            </a:pPr>
+            <a:r>
+              <a:rPr lang="en-US" sz="1600" kern="100" dirty="0">
+                <a:latin typeface="Aptos" panose="020B0004020202020204" pitchFamily="34" charset="0"/>
+                <a:cs typeface="Times New Roman" panose="02020603050405020304" pitchFamily="18" charset="0"/>
+              </a:rPr>
+              <a:t>In-the-wild FER: Models trained on real-world, unstructured images. (</a:t>
+            </a:r>
+            <a:r>
+              <a:rPr lang="en-US" sz="1600" kern="100" dirty="0" err="1">
+                <a:latin typeface="Aptos" panose="020B0004020202020204" pitchFamily="34" charset="0"/>
+                <a:cs typeface="Times New Roman" panose="02020603050405020304" pitchFamily="18" charset="0"/>
+              </a:rPr>
+              <a:t>AffectNet</a:t>
+            </a:r>
+            <a:r>
+              <a:rPr lang="en-US" sz="1600" kern="100" dirty="0">
+                <a:latin typeface="Aptos" panose="020B0004020202020204" pitchFamily="34" charset="0"/>
+                <a:cs typeface="Times New Roman" panose="02020603050405020304" pitchFamily="18" charset="0"/>
+              </a:rPr>
+              <a:t>, FER2013, RAF-DB,)</a:t>
+            </a:r>
+          </a:p>
+          <a:p>
+            <a:pPr>
+              <a:lnSpc>
+                <a:spcPct val="107000"/>
+              </a:lnSpc>
+              <a:spcAft>
+                <a:spcPts val="800"/>
+              </a:spcAft>
+            </a:pPr>
+            <a:endParaRPr lang="en-GB" kern="100" dirty="0">
+              <a:effectLst/>
+              <a:latin typeface="Aptos" panose="020B0004020202020204" pitchFamily="34" charset="0"/>
+              <a:ea typeface="Aptos" panose="020B0004020202020204" pitchFamily="34" charset="0"/>
+              <a:cs typeface="Times New Roman" panose="02020603050405020304" pitchFamily="18" charset="0"/>
+            </a:endParaRPr>
+          </a:p>
+        </p:txBody>
+      </p:sp>
+      <p:sp>
+        <p:nvSpPr>
+          <p:cNvPr id="7" name="Title 1">
+            <a:extLst>
+              <a:ext uri="{FF2B5EF4-FFF2-40B4-BE49-F238E27FC236}">
+                <a16:creationId xmlns:a16="http://schemas.microsoft.com/office/drawing/2014/main" id="{86CE8756-BD3A-B595-A937-1020F0DD81E9}"/>
+              </a:ext>
+            </a:extLst>
+          </p:cNvPr>
+          <p:cNvSpPr txBox="1">
+            <a:spLocks/>
+          </p:cNvSpPr>
+          <p:nvPr/>
+        </p:nvSpPr>
+        <p:spPr>
+          <a:xfrm>
+            <a:off x="458694" y="365761"/>
+            <a:ext cx="11274612" cy="897890"/>
+          </a:xfrm>
+          <a:prstGeom prst="rect">
+            <a:avLst/>
+          </a:prstGeom>
+        </p:spPr>
+        <p:txBody>
+          <a:bodyPr vert="horz" lIns="91440" tIns="45720" rIns="91440" bIns="45720" rtlCol="0" anchor="ctr">
+            <a:normAutofit/>
+          </a:bodyPr>
+          <a:lstStyle>
+            <a:lvl1pPr algn="l" defTabSz="914400" rtl="0" eaLnBrk="1" latinLnBrk="0" hangingPunct="1">
+              <a:lnSpc>
+                <a:spcPct val="100000"/>
+              </a:lnSpc>
+              <a:spcBef>
+                <a:spcPct val="0"/>
+              </a:spcBef>
+              <a:buNone/>
+              <a:defRPr sz="4400" b="0" kern="1200">
+                <a:solidFill>
+                  <a:schemeClr val="tx1"/>
+                </a:solidFill>
+                <a:latin typeface="+mj-lt"/>
+                <a:ea typeface="+mj-ea"/>
+                <a:cs typeface="+mj-cs"/>
+              </a:defRPr>
+            </a:lvl1pPr>
+          </a:lstStyle>
+          <a:p>
+            <a:r>
+              <a:rPr lang="en-GB" kern="100" spc="75" dirty="0">
+                <a:solidFill>
+                  <a:srgbClr val="595959"/>
+                </a:solidFill>
+                <a:latin typeface="Aptos" panose="020B0004020202020204" pitchFamily="34" charset="0"/>
+                <a:ea typeface="Times New Roman" panose="02020603050405020304" pitchFamily="18" charset="0"/>
+                <a:cs typeface="Times New Roman" panose="02020603050405020304" pitchFamily="18" charset="0"/>
+              </a:rPr>
+              <a:t>Research Topic (1)</a:t>
+            </a:r>
+            <a:endParaRPr lang="en-MT" dirty="0"/>
+          </a:p>
+        </p:txBody>
+      </p:sp>
+      <p:sp>
+        <p:nvSpPr>
+          <p:cNvPr id="4" name="Content Placeholder 2">
+            <a:extLst>
+              <a:ext uri="{FF2B5EF4-FFF2-40B4-BE49-F238E27FC236}">
+                <a16:creationId xmlns:a16="http://schemas.microsoft.com/office/drawing/2014/main" id="{C39662C9-C512-C5BE-C012-15E8C7541A66}"/>
+              </a:ext>
+            </a:extLst>
+          </p:cNvPr>
+          <p:cNvSpPr txBox="1">
+            <a:spLocks/>
+          </p:cNvSpPr>
+          <p:nvPr/>
+        </p:nvSpPr>
+        <p:spPr>
+          <a:xfrm>
+            <a:off x="458694" y="4229100"/>
+            <a:ext cx="11274612" cy="3108325"/>
+          </a:xfrm>
+          <a:prstGeom prst="rect">
+            <a:avLst/>
+          </a:prstGeom>
+        </p:spPr>
+        <p:txBody>
+          <a:bodyPr vert="horz" lIns="91440" tIns="45720" rIns="91440" bIns="45720" rtlCol="0">
+            <a:normAutofit/>
+          </a:bodyPr>
+          <a:lstStyle>
+            <a:lvl1pPr marL="228600" indent="-228600" algn="l" defTabSz="914400" rtl="0" eaLnBrk="1" latinLnBrk="0" hangingPunct="1">
+              <a:lnSpc>
+                <a:spcPct val="110000"/>
+              </a:lnSpc>
+              <a:spcBef>
+                <a:spcPts val="1000"/>
+              </a:spcBef>
+              <a:buClr>
+                <a:schemeClr val="accent1"/>
+              </a:buClr>
+              <a:buFont typeface="Arial" panose="020B0604020202020204" pitchFamily="34" charset="0"/>
+              <a:buChar char="•"/>
+              <a:defRPr sz="2800" kern="1200">
+                <a:solidFill>
+                  <a:schemeClr val="tx1"/>
+                </a:solidFill>
+                <a:latin typeface="+mn-lt"/>
+                <a:ea typeface="+mn-ea"/>
+                <a:cs typeface="+mn-cs"/>
+              </a:defRPr>
+            </a:lvl1pPr>
+            <a:lvl2pPr marL="685800" indent="-228600" algn="l" defTabSz="914400" rtl="0" eaLnBrk="1" latinLnBrk="0" hangingPunct="1">
+              <a:lnSpc>
+                <a:spcPct val="110000"/>
+              </a:lnSpc>
+              <a:spcBef>
+                <a:spcPts val="500"/>
+              </a:spcBef>
+              <a:buClr>
+                <a:schemeClr val="accent1"/>
+              </a:buClr>
+              <a:buFont typeface="Arial" panose="020B0604020202020204" pitchFamily="34" charset="0"/>
+              <a:buChar char="•"/>
+              <a:defRPr sz="2400" kern="1200">
+                <a:solidFill>
+                  <a:schemeClr val="tx1"/>
+                </a:solidFill>
+                <a:latin typeface="+mn-lt"/>
+                <a:ea typeface="+mn-ea"/>
+                <a:cs typeface="+mn-cs"/>
+              </a:defRPr>
+            </a:lvl2pPr>
+            <a:lvl3pPr marL="1143000" indent="-228600" algn="l" defTabSz="914400" rtl="0" eaLnBrk="1" latinLnBrk="0" hangingPunct="1">
+              <a:lnSpc>
+                <a:spcPct val="110000"/>
+              </a:lnSpc>
+              <a:spcBef>
+                <a:spcPts val="500"/>
+              </a:spcBef>
+              <a:buClr>
+                <a:schemeClr val="accent1"/>
+              </a:buClr>
+              <a:buFont typeface="Arial" panose="020B0604020202020204" pitchFamily="34" charset="0"/>
+              <a:buChar char="•"/>
+              <a:defRPr sz="2000" kern="1200">
+                <a:solidFill>
+                  <a:schemeClr val="tx1"/>
+                </a:solidFill>
+                <a:latin typeface="+mn-lt"/>
+                <a:ea typeface="+mn-ea"/>
+                <a:cs typeface="+mn-cs"/>
+              </a:defRPr>
+            </a:lvl3pPr>
+            <a:lvl4pPr marL="1600200" indent="-228600" algn="l" defTabSz="914400" rtl="0" eaLnBrk="1" latinLnBrk="0" hangingPunct="1">
+              <a:lnSpc>
+                <a:spcPct val="110000"/>
+              </a:lnSpc>
+              <a:spcBef>
+                <a:spcPts val="500"/>
+              </a:spcBef>
+              <a:buClr>
+                <a:schemeClr val="accent1"/>
+              </a:buClr>
+              <a:buFont typeface="Arial" panose="020B0604020202020204" pitchFamily="34" charset="0"/>
+              <a:buChar char="•"/>
+              <a:defRPr sz="1800" kern="1200">
+                <a:solidFill>
+                  <a:schemeClr val="tx1"/>
+                </a:solidFill>
+                <a:latin typeface="+mn-lt"/>
+                <a:ea typeface="+mn-ea"/>
+                <a:cs typeface="+mn-cs"/>
+              </a:defRPr>
+            </a:lvl4pPr>
+            <a:lvl5pPr marL="2057400" indent="-228600" algn="l" defTabSz="914400" rtl="0" eaLnBrk="1" latinLnBrk="0" hangingPunct="1">
+              <a:lnSpc>
+                <a:spcPct val="110000"/>
+              </a:lnSpc>
+              <a:spcBef>
+                <a:spcPts val="500"/>
+              </a:spcBef>
+              <a:buClr>
+                <a:schemeClr val="accent1"/>
+              </a:buClr>
+              <a:buFont typeface="Arial" panose="020B0604020202020204" pitchFamily="34" charset="0"/>
+              <a:buChar char="•"/>
+              <a:defRPr sz="1800" kern="1200">
+                <a:solidFill>
+                  <a:schemeClr val="tx1"/>
+                </a:solidFill>
+                <a:latin typeface="+mn-lt"/>
+                <a:ea typeface="+mn-ea"/>
+                <a:cs typeface="+mn-cs"/>
+              </a:defRPr>
+            </a:lvl5pPr>
+            <a:lvl6pPr marL="2514600" indent="-228600" algn="l" defTabSz="914400" rtl="0" eaLnBrk="1" latinLnBrk="0" hangingPunct="1">
+              <a:lnSpc>
+                <a:spcPct val="90000"/>
+              </a:lnSpc>
+              <a:spcBef>
+                <a:spcPts val="500"/>
+              </a:spcBef>
+              <a:buFont typeface="Arial" panose="020B0604020202020204" pitchFamily="34" charset="0"/>
+              <a:buChar char="•"/>
+              <a:defRPr sz="1800" kern="1200">
+                <a:solidFill>
+                  <a:schemeClr val="tx1"/>
+                </a:solidFill>
+                <a:latin typeface="+mn-lt"/>
+                <a:ea typeface="+mn-ea"/>
+                <a:cs typeface="+mn-cs"/>
+              </a:defRPr>
+            </a:lvl6pPr>
+            <a:lvl7pPr marL="2971800" indent="-228600" algn="l" defTabSz="914400" rtl="0" eaLnBrk="1" latinLnBrk="0" hangingPunct="1">
+              <a:lnSpc>
+                <a:spcPct val="90000"/>
+              </a:lnSpc>
+              <a:spcBef>
+                <a:spcPts val="500"/>
+              </a:spcBef>
+              <a:buFont typeface="Arial" panose="020B0604020202020204" pitchFamily="34" charset="0"/>
+              <a:buChar char="•"/>
+              <a:defRPr sz="1800" kern="1200">
+                <a:solidFill>
+                  <a:schemeClr val="tx1"/>
+                </a:solidFill>
+                <a:latin typeface="+mn-lt"/>
+                <a:ea typeface="+mn-ea"/>
+                <a:cs typeface="+mn-cs"/>
+              </a:defRPr>
+            </a:lvl7pPr>
+            <a:lvl8pPr marL="3429000" indent="-228600" algn="l" defTabSz="914400" rtl="0" eaLnBrk="1" latinLnBrk="0" hangingPunct="1">
+              <a:lnSpc>
+                <a:spcPct val="90000"/>
+              </a:lnSpc>
+              <a:spcBef>
+                <a:spcPts val="500"/>
+              </a:spcBef>
+              <a:buFont typeface="Arial" panose="020B0604020202020204" pitchFamily="34" charset="0"/>
+              <a:buChar char="•"/>
+              <a:defRPr sz="1800" kern="1200">
+                <a:solidFill>
+                  <a:schemeClr val="tx1"/>
+                </a:solidFill>
+                <a:latin typeface="+mn-lt"/>
+                <a:ea typeface="+mn-ea"/>
+                <a:cs typeface="+mn-cs"/>
+              </a:defRPr>
+            </a:lvl8pPr>
+            <a:lvl9pPr marL="3886200" indent="-228600" algn="l" defTabSz="914400" rtl="0" eaLnBrk="1" latinLnBrk="0" hangingPunct="1">
+              <a:lnSpc>
+                <a:spcPct val="90000"/>
+              </a:lnSpc>
+              <a:spcBef>
+                <a:spcPts val="500"/>
+              </a:spcBef>
+              <a:buFont typeface="Arial" panose="020B0604020202020204" pitchFamily="34" charset="0"/>
+              <a:buChar char="•"/>
+              <a:defRPr sz="1800" kern="1200">
+                <a:solidFill>
+                  <a:schemeClr val="tx1"/>
+                </a:solidFill>
+                <a:latin typeface="+mn-lt"/>
+                <a:ea typeface="+mn-ea"/>
+                <a:cs typeface="+mn-cs"/>
+              </a:defRPr>
+            </a:lvl9pPr>
+          </a:lstStyle>
+          <a:p>
+            <a:pPr>
+              <a:lnSpc>
+                <a:spcPct val="107000"/>
+              </a:lnSpc>
+              <a:spcAft>
+                <a:spcPts val="800"/>
+              </a:spcAft>
+            </a:pPr>
+            <a:endParaRPr lang="en-MT" sz="1400" kern="100" dirty="0">
+              <a:effectLst/>
+              <a:latin typeface="Aptos" panose="020B0004020202020204" pitchFamily="34" charset="0"/>
+              <a:ea typeface="Aptos" panose="020B0004020202020204" pitchFamily="34" charset="0"/>
+              <a:cs typeface="Times New Roman" panose="02020603050405020304" pitchFamily="18" charset="0"/>
+            </a:endParaRPr>
+          </a:p>
+        </p:txBody>
+      </p:sp>
+      <p:grpSp>
+        <p:nvGrpSpPr>
+          <p:cNvPr id="12" name="Group 11">
+            <a:extLst>
+              <a:ext uri="{FF2B5EF4-FFF2-40B4-BE49-F238E27FC236}">
+                <a16:creationId xmlns:a16="http://schemas.microsoft.com/office/drawing/2014/main" id="{DD3C04F0-E296-F9A2-99B5-91BD1A560947}"/>
+              </a:ext>
+            </a:extLst>
+          </p:cNvPr>
+          <p:cNvGrpSpPr/>
+          <p:nvPr/>
+        </p:nvGrpSpPr>
+        <p:grpSpPr>
+          <a:xfrm>
+            <a:off x="2017348" y="3263262"/>
+            <a:ext cx="2520000" cy="2889332"/>
+            <a:chOff x="2017348" y="3263262"/>
+            <a:chExt cx="2520000" cy="2889332"/>
+          </a:xfrm>
+        </p:grpSpPr>
+        <p:pic>
+          <p:nvPicPr>
+            <p:cNvPr id="3" name="Picture 2" descr="A collage of a person's face&#10;&#10;AI-generated content may be incorrect.">
+              <a:extLst>
+                <a:ext uri="{FF2B5EF4-FFF2-40B4-BE49-F238E27FC236}">
+                  <a16:creationId xmlns:a16="http://schemas.microsoft.com/office/drawing/2014/main" id="{FC690167-AFB0-9CE1-F44B-0B1F8A8D0436}"/>
+                </a:ext>
+              </a:extLst>
+            </p:cNvPr>
+            <p:cNvPicPr>
+              <a:picLocks noChangeAspect="1"/>
+            </p:cNvPicPr>
+            <p:nvPr/>
+          </p:nvPicPr>
+          <p:blipFill>
+            <a:blip r:embed="rId2"/>
+            <a:stretch>
+              <a:fillRect/>
+            </a:stretch>
+          </p:blipFill>
+          <p:spPr>
+            <a:xfrm>
+              <a:off x="2017348" y="3263262"/>
+              <a:ext cx="2520000" cy="2520000"/>
+            </a:xfrm>
+            <a:prstGeom prst="rect">
+              <a:avLst/>
+            </a:prstGeom>
+          </p:spPr>
+        </p:pic>
+        <p:sp>
+          <p:nvSpPr>
+            <p:cNvPr id="9" name="TextBox 8">
+              <a:extLst>
+                <a:ext uri="{FF2B5EF4-FFF2-40B4-BE49-F238E27FC236}">
+                  <a16:creationId xmlns:a16="http://schemas.microsoft.com/office/drawing/2014/main" id="{E5E90884-2D6F-0DFF-3F25-05D0F3ECEE67}"/>
+                </a:ext>
+              </a:extLst>
+            </p:cNvPr>
+            <p:cNvSpPr txBox="1"/>
+            <p:nvPr/>
+          </p:nvSpPr>
+          <p:spPr>
+            <a:xfrm>
+              <a:off x="2017348" y="5783262"/>
+              <a:ext cx="2520000" cy="369332"/>
+            </a:xfrm>
+            <a:prstGeom prst="rect">
+              <a:avLst/>
+            </a:prstGeom>
+            <a:noFill/>
+          </p:spPr>
+          <p:txBody>
+            <a:bodyPr wrap="square" rtlCol="0">
+              <a:spAutoFit/>
+            </a:bodyPr>
+            <a:lstStyle/>
+            <a:p>
+              <a:pPr algn="ctr"/>
+              <a:r>
+                <a:rPr lang="en-GB" dirty="0"/>
+                <a:t>In-Lab Images</a:t>
+              </a:r>
+              <a:endParaRPr lang="en-MT" dirty="0"/>
+            </a:p>
+          </p:txBody>
+        </p:sp>
+      </p:grpSp>
+      <p:grpSp>
+        <p:nvGrpSpPr>
+          <p:cNvPr id="11" name="Group 10">
+            <a:extLst>
+              <a:ext uri="{FF2B5EF4-FFF2-40B4-BE49-F238E27FC236}">
+                <a16:creationId xmlns:a16="http://schemas.microsoft.com/office/drawing/2014/main" id="{C47F000E-0964-A0C7-6E27-A38D0E6B6756}"/>
+              </a:ext>
+            </a:extLst>
+          </p:cNvPr>
+          <p:cNvGrpSpPr/>
+          <p:nvPr/>
+        </p:nvGrpSpPr>
+        <p:grpSpPr>
+          <a:xfrm>
+            <a:off x="7654652" y="3263262"/>
+            <a:ext cx="2520000" cy="2889332"/>
+            <a:chOff x="7654652" y="3263262"/>
+            <a:chExt cx="2520000" cy="2889332"/>
+          </a:xfrm>
+        </p:grpSpPr>
+        <p:pic>
+          <p:nvPicPr>
+            <p:cNvPr id="6" name="Picture 5" descr="A collage of people making faces&#10;&#10;AI-generated content may be incorrect.">
+              <a:extLst>
+                <a:ext uri="{FF2B5EF4-FFF2-40B4-BE49-F238E27FC236}">
+                  <a16:creationId xmlns:a16="http://schemas.microsoft.com/office/drawing/2014/main" id="{FA6555A0-4989-82A1-D31C-AAF920F5E91D}"/>
+                </a:ext>
+              </a:extLst>
+            </p:cNvPr>
+            <p:cNvPicPr>
+              <a:picLocks noChangeAspect="1"/>
+            </p:cNvPicPr>
+            <p:nvPr/>
+          </p:nvPicPr>
+          <p:blipFill>
+            <a:blip r:embed="rId3"/>
+            <a:stretch>
+              <a:fillRect/>
+            </a:stretch>
+          </p:blipFill>
+          <p:spPr>
+            <a:xfrm>
+              <a:off x="7654652" y="3263262"/>
+              <a:ext cx="2520000" cy="2520000"/>
+            </a:xfrm>
+            <a:prstGeom prst="rect">
+              <a:avLst/>
+            </a:prstGeom>
+          </p:spPr>
+        </p:pic>
+        <p:sp>
+          <p:nvSpPr>
+            <p:cNvPr id="10" name="TextBox 9">
+              <a:extLst>
+                <a:ext uri="{FF2B5EF4-FFF2-40B4-BE49-F238E27FC236}">
+                  <a16:creationId xmlns:a16="http://schemas.microsoft.com/office/drawing/2014/main" id="{13AB56A5-4E3F-8477-A519-CECC9804566F}"/>
+                </a:ext>
+              </a:extLst>
+            </p:cNvPr>
+            <p:cNvSpPr txBox="1"/>
+            <p:nvPr/>
+          </p:nvSpPr>
+          <p:spPr>
+            <a:xfrm>
+              <a:off x="7654652" y="5783262"/>
+              <a:ext cx="2520000" cy="369332"/>
+            </a:xfrm>
+            <a:prstGeom prst="rect">
+              <a:avLst/>
+            </a:prstGeom>
+            <a:noFill/>
+          </p:spPr>
+          <p:txBody>
+            <a:bodyPr wrap="square" rtlCol="0">
+              <a:spAutoFit/>
+            </a:bodyPr>
+            <a:lstStyle/>
+            <a:p>
+              <a:pPr algn="ctr"/>
+              <a:r>
+                <a:rPr lang="en-GB" dirty="0"/>
+                <a:t>In-The-Wild Images</a:t>
+              </a:r>
+              <a:endParaRPr lang="en-MT" dirty="0"/>
+            </a:p>
+          </p:txBody>
+        </p:sp>
+      </p:grpSp>
+    </p:spTree>
+    <p:extLst>
+      <p:ext uri="{BB962C8B-B14F-4D97-AF65-F5344CB8AC3E}">
+        <p14:creationId xmlns:p14="http://schemas.microsoft.com/office/powerpoint/2010/main" val="1085962028"/>
+      </p:ext>
+    </p:extLst>
+  </p:cSld>
+  <p:clrMapOvr>
+    <a:masterClrMapping/>
+  </p:clrMapOvr>
+</p:sld>
+</file>
+
+<file path=ppt/slides/slide6.xml><?xml version="1.0" encoding="utf-8"?>
+<p:sld xmlns:a="http://schemas.openxmlformats.org/drawingml/2006/main" xmlns:r="http://schemas.openxmlformats.org/officeDocument/2006/relationships" xmlns:p="http://schemas.openxmlformats.org/presentationml/2006/main">
+  <p:cSld>
+    <p:spTree>
+      <p:nvGrpSpPr>
+        <p:cNvPr id="1" name="">
+          <a:extLst>
+            <a:ext uri="{FF2B5EF4-FFF2-40B4-BE49-F238E27FC236}">
+              <a16:creationId xmlns:a16="http://schemas.microsoft.com/office/drawing/2014/main" id="{0563ADFB-101E-EF9B-C9D4-A2AE6A06102A}"/>
+            </a:ext>
+          </a:extLst>
+        </p:cNvPr>
+        <p:cNvGrpSpPr/>
+        <p:nvPr/>
+      </p:nvGrpSpPr>
+      <p:grpSpPr>
+        <a:xfrm>
+          <a:off x="0" y="0"/>
+          <a:ext cx="0" cy="0"/>
+          <a:chOff x="0" y="0"/>
+          <a:chExt cx="0" cy="0"/>
+        </a:xfrm>
+      </p:grpSpPr>
+      <p:sp>
+        <p:nvSpPr>
+          <p:cNvPr id="8" name="Content Placeholder 2">
+            <a:extLst>
+              <a:ext uri="{FF2B5EF4-FFF2-40B4-BE49-F238E27FC236}">
+                <a16:creationId xmlns:a16="http://schemas.microsoft.com/office/drawing/2014/main" id="{11042B07-A798-C388-68A7-CC7C89B2B84B}"/>
+              </a:ext>
+            </a:extLst>
+          </p:cNvPr>
+          <p:cNvSpPr>
+            <a:spLocks noGrp="1"/>
+          </p:cNvSpPr>
+          <p:nvPr>
+            <p:ph idx="1"/>
+          </p:nvPr>
+        </p:nvSpPr>
+        <p:spPr>
+          <a:xfrm>
+            <a:off x="458694" y="1263649"/>
+            <a:ext cx="7053730" cy="5228590"/>
+          </a:xfrm>
+        </p:spPr>
+        <p:txBody>
+          <a:bodyPr>
+            <a:normAutofit/>
+          </a:bodyPr>
+          <a:lstStyle/>
+          <a:p>
+            <a:pPr>
+              <a:lnSpc>
+                <a:spcPct val="107000"/>
+              </a:lnSpc>
+              <a:spcAft>
+                <a:spcPts val="800"/>
+              </a:spcAft>
+            </a:pPr>
+            <a:r>
+              <a:rPr lang="en-GB" sz="2000" b="1" kern="100" dirty="0">
+                <a:latin typeface="Aptos" panose="020B0004020202020204" pitchFamily="34" charset="0"/>
+                <a:cs typeface="Times New Roman" panose="02020603050405020304" pitchFamily="18" charset="0"/>
+              </a:rPr>
+              <a:t>FER Pipeline</a:t>
+            </a:r>
+          </a:p>
+          <a:p>
+            <a:pPr lvl="1">
+              <a:lnSpc>
+                <a:spcPct val="107000"/>
+              </a:lnSpc>
+              <a:spcAft>
+                <a:spcPts val="800"/>
+              </a:spcAft>
+            </a:pPr>
+            <a:r>
+              <a:rPr lang="en-GB" sz="1600" kern="100" dirty="0">
+                <a:latin typeface="Aptos" panose="020B0004020202020204" pitchFamily="34" charset="0"/>
+                <a:cs typeface="Times New Roman" panose="02020603050405020304" pitchFamily="18" charset="0"/>
+              </a:rPr>
+              <a:t>Preprocessing</a:t>
+            </a:r>
+          </a:p>
+          <a:p>
+            <a:pPr lvl="2">
+              <a:lnSpc>
+                <a:spcPct val="107000"/>
+              </a:lnSpc>
+              <a:spcAft>
+                <a:spcPts val="800"/>
+              </a:spcAft>
+            </a:pPr>
+            <a:r>
+              <a:rPr lang="en-GB" sz="1300" kern="100" dirty="0">
+                <a:latin typeface="Aptos" panose="020B0004020202020204" pitchFamily="34" charset="0"/>
+                <a:cs typeface="Times New Roman" panose="02020603050405020304" pitchFamily="18" charset="0"/>
+              </a:rPr>
+              <a:t>Grayscale conversion, Image Normalisation, Resizing &amp; Face Alignment</a:t>
+            </a:r>
+          </a:p>
+          <a:p>
+            <a:pPr lvl="1">
+              <a:lnSpc>
+                <a:spcPct val="107000"/>
+              </a:lnSpc>
+              <a:spcAft>
+                <a:spcPts val="800"/>
+              </a:spcAft>
+            </a:pPr>
+            <a:r>
+              <a:rPr lang="en-GB" sz="1600" kern="100" dirty="0">
+                <a:latin typeface="Aptos" panose="020B0004020202020204" pitchFamily="34" charset="0"/>
+                <a:cs typeface="Times New Roman" panose="02020603050405020304" pitchFamily="18" charset="0"/>
+              </a:rPr>
+              <a:t>Face Detection</a:t>
+            </a:r>
+          </a:p>
+          <a:p>
+            <a:pPr lvl="2">
+              <a:lnSpc>
+                <a:spcPct val="107000"/>
+              </a:lnSpc>
+              <a:spcAft>
+                <a:spcPts val="800"/>
+              </a:spcAft>
+            </a:pPr>
+            <a:r>
+              <a:rPr lang="en-GB" sz="1300" kern="100" dirty="0">
+                <a:latin typeface="Aptos" panose="020B0004020202020204" pitchFamily="34" charset="0"/>
+                <a:cs typeface="Times New Roman" panose="02020603050405020304" pitchFamily="18" charset="0"/>
+              </a:rPr>
+              <a:t>Haar Cascades, MTCNN, Deep-Learning face detectors </a:t>
+            </a:r>
+          </a:p>
+          <a:p>
+            <a:pPr lvl="1">
+              <a:lnSpc>
+                <a:spcPct val="107000"/>
+              </a:lnSpc>
+              <a:spcAft>
+                <a:spcPts val="800"/>
+              </a:spcAft>
+            </a:pPr>
+            <a:r>
+              <a:rPr lang="en-GB" sz="1600" kern="100" dirty="0">
+                <a:latin typeface="Aptos" panose="020B0004020202020204" pitchFamily="34" charset="0"/>
+                <a:cs typeface="Times New Roman" panose="02020603050405020304" pitchFamily="18" charset="0"/>
+              </a:rPr>
+              <a:t>Feature Extraction</a:t>
+            </a:r>
+          </a:p>
+          <a:p>
+            <a:pPr lvl="2">
+              <a:lnSpc>
+                <a:spcPct val="107000"/>
+              </a:lnSpc>
+              <a:spcAft>
+                <a:spcPts val="800"/>
+              </a:spcAft>
+            </a:pPr>
+            <a:r>
+              <a:rPr lang="en-GB" sz="1300" kern="100" dirty="0">
+                <a:latin typeface="Aptos" panose="020B0004020202020204" pitchFamily="34" charset="0"/>
+                <a:cs typeface="Times New Roman" panose="02020603050405020304" pitchFamily="18" charset="0"/>
+              </a:rPr>
+              <a:t>Modern approaches use Deep Learning to automatically learn spatial                                                                                           and temporal patterns in facial expressions</a:t>
+            </a:r>
+          </a:p>
+          <a:p>
+            <a:pPr lvl="1">
+              <a:lnSpc>
+                <a:spcPct val="107000"/>
+              </a:lnSpc>
+              <a:spcAft>
+                <a:spcPts val="800"/>
+              </a:spcAft>
+            </a:pPr>
+            <a:r>
+              <a:rPr lang="en-US" sz="1600" kern="100" dirty="0">
+                <a:latin typeface="Aptos" panose="020B0004020202020204" pitchFamily="34" charset="0"/>
+                <a:cs typeface="Times New Roman" panose="02020603050405020304" pitchFamily="18" charset="0"/>
+              </a:rPr>
+              <a:t>Classification with Deep Learning Models</a:t>
+            </a:r>
+          </a:p>
+          <a:p>
+            <a:pPr lvl="2">
+              <a:lnSpc>
+                <a:spcPct val="107000"/>
+              </a:lnSpc>
+              <a:spcAft>
+                <a:spcPts val="800"/>
+              </a:spcAft>
+            </a:pPr>
+            <a:r>
+              <a:rPr lang="en-US" sz="1300" kern="100" dirty="0">
+                <a:latin typeface="Aptos" panose="020B0004020202020204" pitchFamily="34" charset="0"/>
+                <a:cs typeface="Times New Roman" panose="02020603050405020304" pitchFamily="18" charset="0"/>
+              </a:rPr>
+              <a:t>The extracted features are then passed through the deep learning architecture</a:t>
+            </a:r>
+          </a:p>
+          <a:p>
+            <a:pPr lvl="3">
+              <a:lnSpc>
+                <a:spcPct val="107000"/>
+              </a:lnSpc>
+              <a:spcAft>
+                <a:spcPts val="800"/>
+              </a:spcAft>
+            </a:pPr>
+            <a:r>
+              <a:rPr lang="en-US" sz="1300" kern="100" dirty="0">
+                <a:latin typeface="Aptos" panose="020B0004020202020204" pitchFamily="34" charset="0"/>
+                <a:cs typeface="Times New Roman" panose="02020603050405020304" pitchFamily="18" charset="0"/>
+              </a:rPr>
+              <a:t>CNN, Transformers, RNN, LSTM</a:t>
+            </a:r>
+          </a:p>
+          <a:p>
+            <a:pPr lvl="1">
+              <a:lnSpc>
+                <a:spcPct val="107000"/>
+              </a:lnSpc>
+              <a:spcAft>
+                <a:spcPts val="800"/>
+              </a:spcAft>
+            </a:pPr>
+            <a:r>
+              <a:rPr lang="en-GB" sz="1600" kern="100" dirty="0">
+                <a:latin typeface="Aptos" panose="020B0004020202020204" pitchFamily="34" charset="0"/>
+                <a:cs typeface="Times New Roman" panose="02020603050405020304" pitchFamily="18" charset="0"/>
+              </a:rPr>
+              <a:t>Emotion Prediction</a:t>
+            </a:r>
+          </a:p>
+          <a:p>
+            <a:pPr lvl="2">
+              <a:lnSpc>
+                <a:spcPct val="107000"/>
+              </a:lnSpc>
+              <a:spcAft>
+                <a:spcPts val="800"/>
+              </a:spcAft>
+            </a:pPr>
+            <a:r>
+              <a:rPr lang="en-GB" sz="1300" kern="100" dirty="0">
+                <a:latin typeface="Aptos" panose="020B0004020202020204" pitchFamily="34" charset="0"/>
+                <a:cs typeface="Times New Roman" panose="02020603050405020304" pitchFamily="18" charset="0"/>
+              </a:rPr>
+              <a:t>Finally, the model outputs an emotional label in accordance with its training data</a:t>
+            </a:r>
+          </a:p>
+        </p:txBody>
+      </p:sp>
+      <p:sp>
+        <p:nvSpPr>
+          <p:cNvPr id="7" name="Title 1">
+            <a:extLst>
+              <a:ext uri="{FF2B5EF4-FFF2-40B4-BE49-F238E27FC236}">
+                <a16:creationId xmlns:a16="http://schemas.microsoft.com/office/drawing/2014/main" id="{51F0C852-2799-EFC7-037A-A6FD67045DC0}"/>
+              </a:ext>
+            </a:extLst>
+          </p:cNvPr>
+          <p:cNvSpPr txBox="1">
+            <a:spLocks/>
+          </p:cNvSpPr>
+          <p:nvPr/>
+        </p:nvSpPr>
+        <p:spPr>
+          <a:xfrm>
+            <a:off x="458694" y="365761"/>
+            <a:ext cx="11274612" cy="897890"/>
+          </a:xfrm>
+          <a:prstGeom prst="rect">
+            <a:avLst/>
+          </a:prstGeom>
+        </p:spPr>
+        <p:txBody>
+          <a:bodyPr vert="horz" lIns="91440" tIns="45720" rIns="91440" bIns="45720" rtlCol="0" anchor="ctr">
+            <a:normAutofit/>
+          </a:bodyPr>
+          <a:lstStyle>
+            <a:lvl1pPr algn="l" defTabSz="914400" rtl="0" eaLnBrk="1" latinLnBrk="0" hangingPunct="1">
+              <a:lnSpc>
+                <a:spcPct val="100000"/>
+              </a:lnSpc>
+              <a:spcBef>
+                <a:spcPct val="0"/>
+              </a:spcBef>
+              <a:buNone/>
+              <a:defRPr sz="4400" b="0" kern="1200">
+                <a:solidFill>
+                  <a:schemeClr val="tx1"/>
+                </a:solidFill>
+                <a:latin typeface="+mj-lt"/>
+                <a:ea typeface="+mj-ea"/>
+                <a:cs typeface="+mj-cs"/>
+              </a:defRPr>
+            </a:lvl1pPr>
+          </a:lstStyle>
+          <a:p>
+            <a:r>
+              <a:rPr lang="en-GB" kern="100" spc="75" dirty="0">
+                <a:solidFill>
+                  <a:srgbClr val="595959"/>
+                </a:solidFill>
+                <a:latin typeface="Aptos" panose="020B0004020202020204" pitchFamily="34" charset="0"/>
+                <a:ea typeface="Times New Roman" panose="02020603050405020304" pitchFamily="18" charset="0"/>
+                <a:cs typeface="Times New Roman" panose="02020603050405020304" pitchFamily="18" charset="0"/>
+              </a:rPr>
+              <a:t>Research Topic (2)</a:t>
+            </a:r>
+            <a:endParaRPr lang="en-MT" dirty="0"/>
+          </a:p>
+        </p:txBody>
+      </p:sp>
+      <p:sp>
+        <p:nvSpPr>
+          <p:cNvPr id="4" name="Content Placeholder 2">
+            <a:extLst>
+              <a:ext uri="{FF2B5EF4-FFF2-40B4-BE49-F238E27FC236}">
+                <a16:creationId xmlns:a16="http://schemas.microsoft.com/office/drawing/2014/main" id="{FE9EA080-7DB9-D027-CE8A-66508D3C67BF}"/>
+              </a:ext>
+            </a:extLst>
+          </p:cNvPr>
+          <p:cNvSpPr txBox="1">
+            <a:spLocks/>
+          </p:cNvSpPr>
+          <p:nvPr/>
+        </p:nvSpPr>
+        <p:spPr>
+          <a:xfrm>
+            <a:off x="458694" y="4229100"/>
+            <a:ext cx="11274612" cy="3108325"/>
+          </a:xfrm>
+          <a:prstGeom prst="rect">
+            <a:avLst/>
+          </a:prstGeom>
+        </p:spPr>
+        <p:txBody>
+          <a:bodyPr vert="horz" lIns="91440" tIns="45720" rIns="91440" bIns="45720" rtlCol="0">
+            <a:normAutofit/>
+          </a:bodyPr>
+          <a:lstStyle>
+            <a:lvl1pPr marL="228600" indent="-228600" algn="l" defTabSz="914400" rtl="0" eaLnBrk="1" latinLnBrk="0" hangingPunct="1">
+              <a:lnSpc>
+                <a:spcPct val="110000"/>
+              </a:lnSpc>
+              <a:spcBef>
+                <a:spcPts val="1000"/>
+              </a:spcBef>
+              <a:buClr>
+                <a:schemeClr val="accent1"/>
+              </a:buClr>
+              <a:buFont typeface="Arial" panose="020B0604020202020204" pitchFamily="34" charset="0"/>
+              <a:buChar char="•"/>
+              <a:defRPr sz="2800" kern="1200">
+                <a:solidFill>
+                  <a:schemeClr val="tx1"/>
+                </a:solidFill>
+                <a:latin typeface="+mn-lt"/>
+                <a:ea typeface="+mn-ea"/>
+                <a:cs typeface="+mn-cs"/>
+              </a:defRPr>
+            </a:lvl1pPr>
+            <a:lvl2pPr marL="685800" indent="-228600" algn="l" defTabSz="914400" rtl="0" eaLnBrk="1" latinLnBrk="0" hangingPunct="1">
+              <a:lnSpc>
+                <a:spcPct val="110000"/>
+              </a:lnSpc>
+              <a:spcBef>
+                <a:spcPts val="500"/>
+              </a:spcBef>
+              <a:buClr>
+                <a:schemeClr val="accent1"/>
+              </a:buClr>
+              <a:buFont typeface="Arial" panose="020B0604020202020204" pitchFamily="34" charset="0"/>
+              <a:buChar char="•"/>
+              <a:defRPr sz="2400" kern="1200">
+                <a:solidFill>
+                  <a:schemeClr val="tx1"/>
+                </a:solidFill>
+                <a:latin typeface="+mn-lt"/>
+                <a:ea typeface="+mn-ea"/>
+                <a:cs typeface="+mn-cs"/>
+              </a:defRPr>
+            </a:lvl2pPr>
+            <a:lvl3pPr marL="1143000" indent="-228600" algn="l" defTabSz="914400" rtl="0" eaLnBrk="1" latinLnBrk="0" hangingPunct="1">
+              <a:lnSpc>
+                <a:spcPct val="110000"/>
+              </a:lnSpc>
+              <a:spcBef>
+                <a:spcPts val="500"/>
+              </a:spcBef>
+              <a:buClr>
+                <a:schemeClr val="accent1"/>
+              </a:buClr>
+              <a:buFont typeface="Arial" panose="020B0604020202020204" pitchFamily="34" charset="0"/>
+              <a:buChar char="•"/>
+              <a:defRPr sz="2000" kern="1200">
+                <a:solidFill>
+                  <a:schemeClr val="tx1"/>
+                </a:solidFill>
+                <a:latin typeface="+mn-lt"/>
+                <a:ea typeface="+mn-ea"/>
+                <a:cs typeface="+mn-cs"/>
+              </a:defRPr>
+            </a:lvl3pPr>
+            <a:lvl4pPr marL="1600200" indent="-228600" algn="l" defTabSz="914400" rtl="0" eaLnBrk="1" latinLnBrk="0" hangingPunct="1">
+              <a:lnSpc>
+                <a:spcPct val="110000"/>
+              </a:lnSpc>
+              <a:spcBef>
+                <a:spcPts val="500"/>
+              </a:spcBef>
+              <a:buClr>
+                <a:schemeClr val="accent1"/>
+              </a:buClr>
+              <a:buFont typeface="Arial" panose="020B0604020202020204" pitchFamily="34" charset="0"/>
+              <a:buChar char="•"/>
+              <a:defRPr sz="1800" kern="1200">
+                <a:solidFill>
+                  <a:schemeClr val="tx1"/>
+                </a:solidFill>
+                <a:latin typeface="+mn-lt"/>
+                <a:ea typeface="+mn-ea"/>
+                <a:cs typeface="+mn-cs"/>
+              </a:defRPr>
+            </a:lvl4pPr>
+            <a:lvl5pPr marL="2057400" indent="-228600" algn="l" defTabSz="914400" rtl="0" eaLnBrk="1" latinLnBrk="0" hangingPunct="1">
+              <a:lnSpc>
+                <a:spcPct val="110000"/>
+              </a:lnSpc>
+              <a:spcBef>
+                <a:spcPts val="500"/>
+              </a:spcBef>
+              <a:buClr>
+                <a:schemeClr val="accent1"/>
+              </a:buClr>
+              <a:buFont typeface="Arial" panose="020B0604020202020204" pitchFamily="34" charset="0"/>
+              <a:buChar char="•"/>
+              <a:defRPr sz="1800" kern="1200">
+                <a:solidFill>
+                  <a:schemeClr val="tx1"/>
+                </a:solidFill>
+                <a:latin typeface="+mn-lt"/>
+                <a:ea typeface="+mn-ea"/>
+                <a:cs typeface="+mn-cs"/>
+              </a:defRPr>
+            </a:lvl5pPr>
+            <a:lvl6pPr marL="2514600" indent="-228600" algn="l" defTabSz="914400" rtl="0" eaLnBrk="1" latinLnBrk="0" hangingPunct="1">
+              <a:lnSpc>
+                <a:spcPct val="90000"/>
+              </a:lnSpc>
+              <a:spcBef>
+                <a:spcPts val="500"/>
+              </a:spcBef>
+              <a:buFont typeface="Arial" panose="020B0604020202020204" pitchFamily="34" charset="0"/>
+              <a:buChar char="•"/>
+              <a:defRPr sz="1800" kern="1200">
+                <a:solidFill>
+                  <a:schemeClr val="tx1"/>
+                </a:solidFill>
+                <a:latin typeface="+mn-lt"/>
+                <a:ea typeface="+mn-ea"/>
+                <a:cs typeface="+mn-cs"/>
+              </a:defRPr>
+            </a:lvl6pPr>
+            <a:lvl7pPr marL="2971800" indent="-228600" algn="l" defTabSz="914400" rtl="0" eaLnBrk="1" latinLnBrk="0" hangingPunct="1">
+              <a:lnSpc>
+                <a:spcPct val="90000"/>
+              </a:lnSpc>
+              <a:spcBef>
+                <a:spcPts val="500"/>
+              </a:spcBef>
+              <a:buFont typeface="Arial" panose="020B0604020202020204" pitchFamily="34" charset="0"/>
+              <a:buChar char="•"/>
+              <a:defRPr sz="1800" kern="1200">
+                <a:solidFill>
+                  <a:schemeClr val="tx1"/>
+                </a:solidFill>
+                <a:latin typeface="+mn-lt"/>
+                <a:ea typeface="+mn-ea"/>
+                <a:cs typeface="+mn-cs"/>
+              </a:defRPr>
+            </a:lvl7pPr>
+            <a:lvl8pPr marL="3429000" indent="-228600" algn="l" defTabSz="914400" rtl="0" eaLnBrk="1" latinLnBrk="0" hangingPunct="1">
+              <a:lnSpc>
+                <a:spcPct val="90000"/>
+              </a:lnSpc>
+              <a:spcBef>
+                <a:spcPts val="500"/>
+              </a:spcBef>
+              <a:buFont typeface="Arial" panose="020B0604020202020204" pitchFamily="34" charset="0"/>
+              <a:buChar char="•"/>
+              <a:defRPr sz="1800" kern="1200">
+                <a:solidFill>
+                  <a:schemeClr val="tx1"/>
+                </a:solidFill>
+                <a:latin typeface="+mn-lt"/>
+                <a:ea typeface="+mn-ea"/>
+                <a:cs typeface="+mn-cs"/>
+              </a:defRPr>
+            </a:lvl8pPr>
+            <a:lvl9pPr marL="3886200" indent="-228600" algn="l" defTabSz="914400" rtl="0" eaLnBrk="1" latinLnBrk="0" hangingPunct="1">
+              <a:lnSpc>
+                <a:spcPct val="90000"/>
+              </a:lnSpc>
+              <a:spcBef>
+                <a:spcPts val="500"/>
+              </a:spcBef>
+              <a:buFont typeface="Arial" panose="020B0604020202020204" pitchFamily="34" charset="0"/>
+              <a:buChar char="•"/>
+              <a:defRPr sz="1800" kern="1200">
+                <a:solidFill>
+                  <a:schemeClr val="tx1"/>
+                </a:solidFill>
+                <a:latin typeface="+mn-lt"/>
+                <a:ea typeface="+mn-ea"/>
+                <a:cs typeface="+mn-cs"/>
+              </a:defRPr>
+            </a:lvl9pPr>
+          </a:lstStyle>
+          <a:p>
+            <a:pPr>
+              <a:lnSpc>
+                <a:spcPct val="107000"/>
+              </a:lnSpc>
+              <a:spcAft>
+                <a:spcPts val="800"/>
+              </a:spcAft>
+            </a:pPr>
+            <a:endParaRPr lang="en-MT" sz="1400" kern="100" dirty="0">
+              <a:effectLst/>
+              <a:latin typeface="Aptos" panose="020B0004020202020204" pitchFamily="34" charset="0"/>
+              <a:ea typeface="Aptos" panose="020B0004020202020204" pitchFamily="34" charset="0"/>
+              <a:cs typeface="Times New Roman" panose="02020603050405020304" pitchFamily="18" charset="0"/>
+            </a:endParaRPr>
+          </a:p>
+        </p:txBody>
+      </p:sp>
+      <p:grpSp>
+        <p:nvGrpSpPr>
+          <p:cNvPr id="10" name="Group 9">
+            <a:extLst>
+              <a:ext uri="{FF2B5EF4-FFF2-40B4-BE49-F238E27FC236}">
+                <a16:creationId xmlns:a16="http://schemas.microsoft.com/office/drawing/2014/main" id="{A558B0B4-848C-88CA-DE35-1586ED72CA0B}"/>
+              </a:ext>
+            </a:extLst>
+          </p:cNvPr>
+          <p:cNvGrpSpPr/>
+          <p:nvPr/>
+        </p:nvGrpSpPr>
+        <p:grpSpPr>
+          <a:xfrm>
+            <a:off x="7605792" y="2913026"/>
+            <a:ext cx="4127514" cy="2379850"/>
+            <a:chOff x="7605792" y="2913026"/>
+            <a:chExt cx="4127514" cy="2379850"/>
+          </a:xfrm>
+        </p:grpSpPr>
+        <p:pic>
+          <p:nvPicPr>
+            <p:cNvPr id="6" name="Picture 5" descr="A screenshot of a person's face&#10;&#10;AI-generated content may be incorrect.">
+              <a:extLst>
+                <a:ext uri="{FF2B5EF4-FFF2-40B4-BE49-F238E27FC236}">
+                  <a16:creationId xmlns:a16="http://schemas.microsoft.com/office/drawing/2014/main" id="{9C569D1E-3AB1-A974-2008-1DD6535D8463}"/>
+                </a:ext>
+              </a:extLst>
+            </p:cNvPr>
+            <p:cNvPicPr>
+              <a:picLocks noChangeAspect="1"/>
+            </p:cNvPicPr>
+            <p:nvPr/>
+          </p:nvPicPr>
+          <p:blipFill>
+            <a:blip r:embed="rId2"/>
+            <a:stretch>
+              <a:fillRect/>
+            </a:stretch>
+          </p:blipFill>
+          <p:spPr>
+            <a:xfrm>
+              <a:off x="7605792" y="2913026"/>
+              <a:ext cx="4127514" cy="1929836"/>
+            </a:xfrm>
+            <a:prstGeom prst="rect">
+              <a:avLst/>
+            </a:prstGeom>
+          </p:spPr>
+        </p:pic>
+        <p:sp>
+          <p:nvSpPr>
+            <p:cNvPr id="9" name="TextBox 8">
+              <a:extLst>
+                <a:ext uri="{FF2B5EF4-FFF2-40B4-BE49-F238E27FC236}">
+                  <a16:creationId xmlns:a16="http://schemas.microsoft.com/office/drawing/2014/main" id="{4ADA1B97-40E8-2AD5-4D32-97FA40622804}"/>
+                </a:ext>
+              </a:extLst>
+            </p:cNvPr>
+            <p:cNvSpPr txBox="1"/>
+            <p:nvPr/>
+          </p:nvSpPr>
+          <p:spPr>
+            <a:xfrm>
+              <a:off x="7605792" y="4923544"/>
+              <a:ext cx="4127514" cy="369332"/>
+            </a:xfrm>
+            <a:prstGeom prst="rect">
+              <a:avLst/>
+            </a:prstGeom>
+            <a:noFill/>
+          </p:spPr>
+          <p:txBody>
+            <a:bodyPr wrap="square" rtlCol="0">
+              <a:spAutoFit/>
+            </a:bodyPr>
+            <a:lstStyle/>
+            <a:p>
+              <a:pPr algn="ctr"/>
+              <a:r>
+                <a:rPr lang="en-GB" dirty="0"/>
+                <a:t>Generic FER Pipeline</a:t>
+              </a:r>
+              <a:endParaRPr lang="en-MT" dirty="0"/>
+            </a:p>
+          </p:txBody>
+        </p:sp>
+      </p:grpSp>
+    </p:spTree>
+    <p:extLst>
+      <p:ext uri="{BB962C8B-B14F-4D97-AF65-F5344CB8AC3E}">
+        <p14:creationId xmlns:p14="http://schemas.microsoft.com/office/powerpoint/2010/main" val="1593207436"/>
+      </p:ext>
+    </p:extLst>
+  </p:cSld>
+  <p:clrMapOvr>
+    <a:masterClrMapping/>
+  </p:clrMapOvr>
+</p:sld>
+</file>
+
+<file path=ppt/slides/slide7.xml><?xml version="1.0" encoding="utf-8"?>
+<p:sld xmlns:a="http://schemas.openxmlformats.org/drawingml/2006/main" xmlns:r="http://schemas.openxmlformats.org/officeDocument/2006/relationships" xmlns:p="http://schemas.openxmlformats.org/presentationml/2006/main">
+  <p:cSld>
+    <p:spTree>
+      <p:nvGrpSpPr>
+        <p:cNvPr id="1" name="">
+          <a:extLst>
+            <a:ext uri="{FF2B5EF4-FFF2-40B4-BE49-F238E27FC236}">
+              <a16:creationId xmlns:a16="http://schemas.microsoft.com/office/drawing/2014/main" id="{810E1A93-57DE-F918-52C8-9046BD8997B3}"/>
+            </a:ext>
+          </a:extLst>
+        </p:cNvPr>
+        <p:cNvGrpSpPr/>
+        <p:nvPr/>
+      </p:nvGrpSpPr>
+      <p:grpSpPr>
+        <a:xfrm>
+          <a:off x="0" y="0"/>
+          <a:ext cx="0" cy="0"/>
+          <a:chOff x="0" y="0"/>
+          <a:chExt cx="0" cy="0"/>
+        </a:xfrm>
+      </p:grpSpPr>
+      <p:sp>
+        <p:nvSpPr>
+          <p:cNvPr id="8" name="Content Placeholder 2">
+            <a:extLst>
+              <a:ext uri="{FF2B5EF4-FFF2-40B4-BE49-F238E27FC236}">
+                <a16:creationId xmlns:a16="http://schemas.microsoft.com/office/drawing/2014/main" id="{6F00565E-C25D-5A26-CD5F-F94424C0370F}"/>
+              </a:ext>
+            </a:extLst>
+          </p:cNvPr>
+          <p:cNvSpPr>
+            <a:spLocks noGrp="1"/>
+          </p:cNvSpPr>
+          <p:nvPr>
+            <p:ph idx="1"/>
+          </p:nvPr>
+        </p:nvSpPr>
+        <p:spPr>
+          <a:xfrm>
+            <a:off x="458694" y="1263649"/>
+            <a:ext cx="11274612" cy="5228589"/>
+          </a:xfrm>
+        </p:spPr>
+        <p:txBody>
+          <a:bodyPr>
+            <a:normAutofit/>
+          </a:bodyPr>
+          <a:lstStyle/>
+          <a:p>
+            <a:pPr marL="342900" indent="-342900">
+              <a:lnSpc>
+                <a:spcPct val="107000"/>
+              </a:lnSpc>
+              <a:spcAft>
+                <a:spcPts val="800"/>
+              </a:spcAft>
+              <a:buFont typeface="Symbol" panose="05050102010706020507" pitchFamily="18" charset="2"/>
+              <a:buChar char=""/>
+            </a:pPr>
+            <a:r>
+              <a:rPr lang="en-GB" sz="2000" b="1" kern="100" dirty="0">
+                <a:latin typeface="Aptos" panose="020B0004020202020204" pitchFamily="34" charset="0"/>
+                <a:cs typeface="Times New Roman" panose="02020603050405020304" pitchFamily="18" charset="0"/>
+              </a:rPr>
+              <a:t>Key Challenge</a:t>
+            </a:r>
+          </a:p>
+          <a:p>
+            <a:pPr marL="800100" lvl="1" indent="-342900">
+              <a:lnSpc>
+                <a:spcPct val="107000"/>
+              </a:lnSpc>
+              <a:spcAft>
+                <a:spcPts val="800"/>
+              </a:spcAft>
+              <a:buFont typeface="Symbol" panose="05050102010706020507" pitchFamily="18" charset="2"/>
+              <a:buChar char=""/>
+            </a:pPr>
+            <a:r>
+              <a:rPr lang="en-GB" sz="1600" kern="100" dirty="0">
+                <a:latin typeface="Aptos" panose="020B0004020202020204" pitchFamily="34" charset="0"/>
+                <a:cs typeface="Times New Roman" panose="02020603050405020304" pitchFamily="18" charset="0"/>
+              </a:rPr>
+              <a:t>The primary challenge for FER model is Generalisability </a:t>
+            </a:r>
+          </a:p>
+          <a:p>
+            <a:pPr marL="800100" lvl="1" indent="-342900">
+              <a:lnSpc>
+                <a:spcPct val="107000"/>
+              </a:lnSpc>
+              <a:spcAft>
+                <a:spcPts val="800"/>
+              </a:spcAft>
+              <a:buFont typeface="Symbol" panose="05050102010706020507" pitchFamily="18" charset="2"/>
+              <a:buChar char=""/>
+            </a:pPr>
+            <a:r>
+              <a:rPr lang="en-GB" sz="1600" kern="100" dirty="0">
+                <a:latin typeface="Aptos" panose="020B0004020202020204" pitchFamily="34" charset="0"/>
+                <a:cs typeface="Times New Roman" panose="02020603050405020304" pitchFamily="18" charset="0"/>
+              </a:rPr>
+              <a:t>Assess SOTA models and their generalisability</a:t>
+            </a:r>
+          </a:p>
+          <a:p>
+            <a:pPr marL="1257300" lvl="2" indent="-342900">
+              <a:lnSpc>
+                <a:spcPct val="107000"/>
+              </a:lnSpc>
+              <a:spcAft>
+                <a:spcPts val="800"/>
+              </a:spcAft>
+              <a:buFont typeface="Symbol" panose="05050102010706020507" pitchFamily="18" charset="2"/>
+              <a:buChar char=""/>
+            </a:pPr>
+            <a:r>
+              <a:rPr lang="en-GB" sz="1600" kern="100" dirty="0">
+                <a:latin typeface="Aptos" panose="020B0004020202020204" pitchFamily="34" charset="0"/>
+                <a:cs typeface="Times New Roman" panose="02020603050405020304" pitchFamily="18" charset="0"/>
+              </a:rPr>
+              <a:t>Replicability of reported results</a:t>
+            </a:r>
+          </a:p>
+          <a:p>
+            <a:pPr marL="1257300" lvl="2" indent="-342900">
+              <a:lnSpc>
+                <a:spcPct val="107000"/>
+              </a:lnSpc>
+              <a:spcAft>
+                <a:spcPts val="800"/>
+              </a:spcAft>
+              <a:buFont typeface="Symbol" panose="05050102010706020507" pitchFamily="18" charset="2"/>
+              <a:buChar char=""/>
+            </a:pPr>
+            <a:r>
+              <a:rPr lang="en-GB" sz="1600" kern="100" dirty="0">
+                <a:latin typeface="Aptos" panose="020B0004020202020204" pitchFamily="34" charset="0"/>
+                <a:cs typeface="Times New Roman" panose="02020603050405020304" pitchFamily="18" charset="0"/>
+              </a:rPr>
+              <a:t>Assess results on unseen data</a:t>
+            </a:r>
+          </a:p>
+          <a:p>
+            <a:pPr marL="342900" indent="-342900">
+              <a:lnSpc>
+                <a:spcPct val="107000"/>
+              </a:lnSpc>
+              <a:spcAft>
+                <a:spcPts val="800"/>
+              </a:spcAft>
+              <a:buFont typeface="Symbol" panose="05050102010706020507" pitchFamily="18" charset="2"/>
+              <a:buChar char=""/>
+            </a:pPr>
+            <a:r>
+              <a:rPr lang="en-GB" sz="2000" b="1" kern="100" dirty="0">
+                <a:latin typeface="Aptos" panose="020B0004020202020204" pitchFamily="34" charset="0"/>
+                <a:cs typeface="Times New Roman" panose="02020603050405020304" pitchFamily="18" charset="0"/>
+              </a:rPr>
+              <a:t>Benefits</a:t>
+            </a:r>
+          </a:p>
+          <a:p>
+            <a:pPr marL="800100" lvl="1" indent="-342900">
+              <a:lnSpc>
+                <a:spcPct val="107000"/>
+              </a:lnSpc>
+              <a:spcAft>
+                <a:spcPts val="800"/>
+              </a:spcAft>
+              <a:buFont typeface="Symbol" panose="05050102010706020507" pitchFamily="18" charset="2"/>
+              <a:buChar char=""/>
+            </a:pPr>
+            <a:r>
+              <a:rPr lang="en-GB" sz="1600" kern="100" dirty="0">
+                <a:latin typeface="Aptos" panose="020B0004020202020204" pitchFamily="34" charset="0"/>
+                <a:cs typeface="Times New Roman" panose="02020603050405020304" pitchFamily="18" charset="0"/>
+              </a:rPr>
+              <a:t>Model comparison</a:t>
+            </a:r>
+          </a:p>
+          <a:p>
+            <a:pPr marL="1257300" lvl="2" indent="-342900">
+              <a:lnSpc>
+                <a:spcPct val="107000"/>
+              </a:lnSpc>
+              <a:spcAft>
+                <a:spcPts val="800"/>
+              </a:spcAft>
+              <a:buFont typeface="Symbol" panose="05050102010706020507" pitchFamily="18" charset="2"/>
+              <a:buChar char=""/>
+            </a:pPr>
+            <a:r>
+              <a:rPr lang="en-GB" sz="1600" kern="100" dirty="0">
+                <a:latin typeface="Aptos" panose="020B0004020202020204" pitchFamily="34" charset="0"/>
+                <a:cs typeface="Times New Roman" panose="02020603050405020304" pitchFamily="18" charset="0"/>
+              </a:rPr>
+              <a:t>Highlight limitations in current models</a:t>
+            </a:r>
+          </a:p>
+          <a:p>
+            <a:pPr marL="1257300" lvl="2" indent="-342900">
+              <a:lnSpc>
+                <a:spcPct val="107000"/>
+              </a:lnSpc>
+              <a:spcAft>
+                <a:spcPts val="800"/>
+              </a:spcAft>
+              <a:buFont typeface="Symbol" panose="05050102010706020507" pitchFamily="18" charset="2"/>
+              <a:buChar char=""/>
+            </a:pPr>
+            <a:r>
+              <a:rPr lang="en-GB" sz="1600" kern="100" dirty="0">
+                <a:latin typeface="Aptos" panose="020B0004020202020204" pitchFamily="34" charset="0"/>
+                <a:cs typeface="Times New Roman" panose="02020603050405020304" pitchFamily="18" charset="0"/>
+              </a:rPr>
+              <a:t>Focus further research on promising solutions</a:t>
+            </a:r>
+          </a:p>
+          <a:p>
+            <a:pPr marL="1257300" lvl="2" indent="-342900">
+              <a:lnSpc>
+                <a:spcPct val="107000"/>
+              </a:lnSpc>
+              <a:spcAft>
+                <a:spcPts val="800"/>
+              </a:spcAft>
+              <a:buFont typeface="Symbol" panose="05050102010706020507" pitchFamily="18" charset="2"/>
+              <a:buChar char=""/>
+            </a:pPr>
+            <a:r>
+              <a:rPr lang="en-GB" sz="1600" kern="100" dirty="0">
+                <a:latin typeface="Aptos" panose="020B0004020202020204" pitchFamily="34" charset="0"/>
+                <a:cs typeface="Times New Roman" panose="02020603050405020304" pitchFamily="18" charset="0"/>
+              </a:rPr>
+              <a:t>Highlight non-replicable results (Questioning SOTA status)</a:t>
+            </a:r>
+          </a:p>
+          <a:p>
+            <a:pPr marL="1257300" lvl="2" indent="-342900">
+              <a:lnSpc>
+                <a:spcPct val="107000"/>
+              </a:lnSpc>
+              <a:spcAft>
+                <a:spcPts val="800"/>
+              </a:spcAft>
+              <a:buFont typeface="Symbol" panose="05050102010706020507" pitchFamily="18" charset="2"/>
+              <a:buChar char=""/>
+            </a:pPr>
+            <a:endParaRPr lang="en-GB" sz="1600" kern="100" dirty="0">
+              <a:latin typeface="Aptos" panose="020B0004020202020204" pitchFamily="34" charset="0"/>
+              <a:cs typeface="Times New Roman" panose="02020603050405020304" pitchFamily="18" charset="0"/>
+            </a:endParaRPr>
+          </a:p>
+          <a:p>
+            <a:pPr marL="914400" lvl="2" indent="0">
+              <a:lnSpc>
+                <a:spcPct val="107000"/>
+              </a:lnSpc>
+              <a:spcAft>
+                <a:spcPts val="800"/>
+              </a:spcAft>
+              <a:buNone/>
+            </a:pPr>
+            <a:endParaRPr lang="en-GB" sz="1400" kern="100" dirty="0">
+              <a:latin typeface="Aptos" panose="020B0004020202020204" pitchFamily="34" charset="0"/>
+              <a:cs typeface="Times New Roman" panose="02020603050405020304" pitchFamily="18" charset="0"/>
+            </a:endParaRPr>
+          </a:p>
+        </p:txBody>
+      </p:sp>
+      <p:sp>
+        <p:nvSpPr>
+          <p:cNvPr id="7" name="Title 1">
+            <a:extLst>
+              <a:ext uri="{FF2B5EF4-FFF2-40B4-BE49-F238E27FC236}">
+                <a16:creationId xmlns:a16="http://schemas.microsoft.com/office/drawing/2014/main" id="{0940C8CC-5843-3684-656D-5A58366F2A6E}"/>
+              </a:ext>
+            </a:extLst>
+          </p:cNvPr>
+          <p:cNvSpPr txBox="1">
+            <a:spLocks/>
+          </p:cNvSpPr>
+          <p:nvPr/>
+        </p:nvSpPr>
+        <p:spPr>
+          <a:xfrm>
+            <a:off x="458694" y="365761"/>
+            <a:ext cx="11274612" cy="897890"/>
+          </a:xfrm>
+          <a:prstGeom prst="rect">
+            <a:avLst/>
+          </a:prstGeom>
+        </p:spPr>
+        <p:txBody>
+          <a:bodyPr vert="horz" lIns="91440" tIns="45720" rIns="91440" bIns="45720" rtlCol="0" anchor="ctr">
+            <a:normAutofit/>
+          </a:bodyPr>
+          <a:lstStyle>
+            <a:lvl1pPr algn="l" defTabSz="914400" rtl="0" eaLnBrk="1" latinLnBrk="0" hangingPunct="1">
+              <a:lnSpc>
+                <a:spcPct val="100000"/>
+              </a:lnSpc>
+              <a:spcBef>
+                <a:spcPct val="0"/>
+              </a:spcBef>
+              <a:buNone/>
+              <a:defRPr sz="4400" b="0" kern="1200">
+                <a:solidFill>
+                  <a:schemeClr val="tx1"/>
+                </a:solidFill>
+                <a:latin typeface="+mj-lt"/>
+                <a:ea typeface="+mj-ea"/>
+                <a:cs typeface="+mj-cs"/>
+              </a:defRPr>
+            </a:lvl1pPr>
+          </a:lstStyle>
+          <a:p>
+            <a:r>
+              <a:rPr lang="en-GB" kern="100" spc="75" dirty="0">
+                <a:solidFill>
+                  <a:srgbClr val="595959"/>
+                </a:solidFill>
+                <a:latin typeface="Aptos" panose="020B0004020202020204" pitchFamily="34" charset="0"/>
+                <a:ea typeface="Times New Roman" panose="02020603050405020304" pitchFamily="18" charset="0"/>
+                <a:cs typeface="Times New Roman" panose="02020603050405020304" pitchFamily="18" charset="0"/>
+              </a:rPr>
+              <a:t>Research Topic (3)</a:t>
+            </a:r>
+            <a:endParaRPr lang="en-MT" dirty="0"/>
+          </a:p>
+        </p:txBody>
+      </p:sp>
+      <p:sp>
+        <p:nvSpPr>
+          <p:cNvPr id="4" name="Content Placeholder 2">
+            <a:extLst>
+              <a:ext uri="{FF2B5EF4-FFF2-40B4-BE49-F238E27FC236}">
+                <a16:creationId xmlns:a16="http://schemas.microsoft.com/office/drawing/2014/main" id="{53EEACB3-1A39-A9B7-F480-8D784BDDB307}"/>
+              </a:ext>
+            </a:extLst>
+          </p:cNvPr>
+          <p:cNvSpPr txBox="1">
+            <a:spLocks/>
+          </p:cNvSpPr>
+          <p:nvPr/>
+        </p:nvSpPr>
+        <p:spPr>
+          <a:xfrm>
+            <a:off x="458694" y="4229100"/>
+            <a:ext cx="11274612" cy="3108325"/>
+          </a:xfrm>
+          <a:prstGeom prst="rect">
+            <a:avLst/>
+          </a:prstGeom>
+        </p:spPr>
+        <p:txBody>
+          <a:bodyPr vert="horz" lIns="91440" tIns="45720" rIns="91440" bIns="45720" rtlCol="0">
+            <a:normAutofit/>
+          </a:bodyPr>
+          <a:lstStyle>
+            <a:lvl1pPr marL="228600" indent="-228600" algn="l" defTabSz="914400" rtl="0" eaLnBrk="1" latinLnBrk="0" hangingPunct="1">
+              <a:lnSpc>
+                <a:spcPct val="110000"/>
+              </a:lnSpc>
+              <a:spcBef>
+                <a:spcPts val="1000"/>
+              </a:spcBef>
+              <a:buClr>
+                <a:schemeClr val="accent1"/>
+              </a:buClr>
+              <a:buFont typeface="Arial" panose="020B0604020202020204" pitchFamily="34" charset="0"/>
+              <a:buChar char="•"/>
+              <a:defRPr sz="2800" kern="1200">
+                <a:solidFill>
+                  <a:schemeClr val="tx1"/>
+                </a:solidFill>
+                <a:latin typeface="+mn-lt"/>
+                <a:ea typeface="+mn-ea"/>
+                <a:cs typeface="+mn-cs"/>
+              </a:defRPr>
+            </a:lvl1pPr>
+            <a:lvl2pPr marL="685800" indent="-228600" algn="l" defTabSz="914400" rtl="0" eaLnBrk="1" latinLnBrk="0" hangingPunct="1">
+              <a:lnSpc>
+                <a:spcPct val="110000"/>
+              </a:lnSpc>
+              <a:spcBef>
+                <a:spcPts val="500"/>
+              </a:spcBef>
+              <a:buClr>
+                <a:schemeClr val="accent1"/>
+              </a:buClr>
+              <a:buFont typeface="Arial" panose="020B0604020202020204" pitchFamily="34" charset="0"/>
+              <a:buChar char="•"/>
+              <a:defRPr sz="2400" kern="1200">
+                <a:solidFill>
+                  <a:schemeClr val="tx1"/>
+                </a:solidFill>
+                <a:latin typeface="+mn-lt"/>
+                <a:ea typeface="+mn-ea"/>
+                <a:cs typeface="+mn-cs"/>
+              </a:defRPr>
+            </a:lvl2pPr>
+            <a:lvl3pPr marL="1143000" indent="-228600" algn="l" defTabSz="914400" rtl="0" eaLnBrk="1" latinLnBrk="0" hangingPunct="1">
+              <a:lnSpc>
+                <a:spcPct val="110000"/>
+              </a:lnSpc>
+              <a:spcBef>
+                <a:spcPts val="500"/>
+              </a:spcBef>
+              <a:buClr>
+                <a:schemeClr val="accent1"/>
+              </a:buClr>
+              <a:buFont typeface="Arial" panose="020B0604020202020204" pitchFamily="34" charset="0"/>
+              <a:buChar char="•"/>
+              <a:defRPr sz="2000" kern="1200">
+                <a:solidFill>
+                  <a:schemeClr val="tx1"/>
+                </a:solidFill>
+                <a:latin typeface="+mn-lt"/>
+                <a:ea typeface="+mn-ea"/>
+                <a:cs typeface="+mn-cs"/>
+              </a:defRPr>
+            </a:lvl3pPr>
+            <a:lvl4pPr marL="1600200" indent="-228600" algn="l" defTabSz="914400" rtl="0" eaLnBrk="1" latinLnBrk="0" hangingPunct="1">
+              <a:lnSpc>
+                <a:spcPct val="110000"/>
+              </a:lnSpc>
+              <a:spcBef>
+                <a:spcPts val="500"/>
+              </a:spcBef>
+              <a:buClr>
+                <a:schemeClr val="accent1"/>
+              </a:buClr>
+              <a:buFont typeface="Arial" panose="020B0604020202020204" pitchFamily="34" charset="0"/>
+              <a:buChar char="•"/>
+              <a:defRPr sz="1800" kern="1200">
+                <a:solidFill>
+                  <a:schemeClr val="tx1"/>
+                </a:solidFill>
+                <a:latin typeface="+mn-lt"/>
+                <a:ea typeface="+mn-ea"/>
+                <a:cs typeface="+mn-cs"/>
+              </a:defRPr>
+            </a:lvl4pPr>
+            <a:lvl5pPr marL="2057400" indent="-228600" algn="l" defTabSz="914400" rtl="0" eaLnBrk="1" latinLnBrk="0" hangingPunct="1">
+              <a:lnSpc>
+                <a:spcPct val="110000"/>
+              </a:lnSpc>
+              <a:spcBef>
+                <a:spcPts val="500"/>
+              </a:spcBef>
+              <a:buClr>
+                <a:schemeClr val="accent1"/>
+              </a:buClr>
+              <a:buFont typeface="Arial" panose="020B0604020202020204" pitchFamily="34" charset="0"/>
+              <a:buChar char="•"/>
+              <a:defRPr sz="1800" kern="1200">
+                <a:solidFill>
+                  <a:schemeClr val="tx1"/>
+                </a:solidFill>
+                <a:latin typeface="+mn-lt"/>
+                <a:ea typeface="+mn-ea"/>
+                <a:cs typeface="+mn-cs"/>
+              </a:defRPr>
+            </a:lvl5pPr>
+            <a:lvl6pPr marL="2514600" indent="-228600" algn="l" defTabSz="914400" rtl="0" eaLnBrk="1" latinLnBrk="0" hangingPunct="1">
+              <a:lnSpc>
+                <a:spcPct val="90000"/>
+              </a:lnSpc>
+              <a:spcBef>
+                <a:spcPts val="500"/>
+              </a:spcBef>
+              <a:buFont typeface="Arial" panose="020B0604020202020204" pitchFamily="34" charset="0"/>
+              <a:buChar char="•"/>
+              <a:defRPr sz="1800" kern="1200">
+                <a:solidFill>
+                  <a:schemeClr val="tx1"/>
+                </a:solidFill>
+                <a:latin typeface="+mn-lt"/>
+                <a:ea typeface="+mn-ea"/>
+                <a:cs typeface="+mn-cs"/>
+              </a:defRPr>
+            </a:lvl6pPr>
+            <a:lvl7pPr marL="2971800" indent="-228600" algn="l" defTabSz="914400" rtl="0" eaLnBrk="1" latinLnBrk="0" hangingPunct="1">
+              <a:lnSpc>
+                <a:spcPct val="90000"/>
+              </a:lnSpc>
+              <a:spcBef>
+                <a:spcPts val="500"/>
+              </a:spcBef>
+              <a:buFont typeface="Arial" panose="020B0604020202020204" pitchFamily="34" charset="0"/>
+              <a:buChar char="•"/>
+              <a:defRPr sz="1800" kern="1200">
+                <a:solidFill>
+                  <a:schemeClr val="tx1"/>
+                </a:solidFill>
+                <a:latin typeface="+mn-lt"/>
+                <a:ea typeface="+mn-ea"/>
+                <a:cs typeface="+mn-cs"/>
+              </a:defRPr>
+            </a:lvl7pPr>
+            <a:lvl8pPr marL="3429000" indent="-228600" algn="l" defTabSz="914400" rtl="0" eaLnBrk="1" latinLnBrk="0" hangingPunct="1">
+              <a:lnSpc>
+                <a:spcPct val="90000"/>
+              </a:lnSpc>
+              <a:spcBef>
+                <a:spcPts val="500"/>
+              </a:spcBef>
+              <a:buFont typeface="Arial" panose="020B0604020202020204" pitchFamily="34" charset="0"/>
+              <a:buChar char="•"/>
+              <a:defRPr sz="1800" kern="1200">
+                <a:solidFill>
+                  <a:schemeClr val="tx1"/>
+                </a:solidFill>
+                <a:latin typeface="+mn-lt"/>
+                <a:ea typeface="+mn-ea"/>
+                <a:cs typeface="+mn-cs"/>
+              </a:defRPr>
+            </a:lvl8pPr>
+            <a:lvl9pPr marL="3886200" indent="-228600" algn="l" defTabSz="914400" rtl="0" eaLnBrk="1" latinLnBrk="0" hangingPunct="1">
+              <a:lnSpc>
+                <a:spcPct val="90000"/>
+              </a:lnSpc>
+              <a:spcBef>
+                <a:spcPts val="500"/>
+              </a:spcBef>
+              <a:buFont typeface="Arial" panose="020B0604020202020204" pitchFamily="34" charset="0"/>
+              <a:buChar char="•"/>
+              <a:defRPr sz="1800" kern="1200">
+                <a:solidFill>
+                  <a:schemeClr val="tx1"/>
+                </a:solidFill>
+                <a:latin typeface="+mn-lt"/>
+                <a:ea typeface="+mn-ea"/>
+                <a:cs typeface="+mn-cs"/>
+              </a:defRPr>
+            </a:lvl9pPr>
+          </a:lstStyle>
+          <a:p>
+            <a:pPr>
+              <a:lnSpc>
+                <a:spcPct val="107000"/>
+              </a:lnSpc>
+              <a:spcAft>
+                <a:spcPts val="800"/>
+              </a:spcAft>
+            </a:pPr>
+            <a:endParaRPr lang="en-MT" sz="1400" kern="100" dirty="0">
+              <a:effectLst/>
+              <a:latin typeface="Aptos" panose="020B0004020202020204" pitchFamily="34" charset="0"/>
+              <a:ea typeface="Aptos" panose="020B0004020202020204" pitchFamily="34" charset="0"/>
+              <a:cs typeface="Times New Roman" panose="02020603050405020304" pitchFamily="18" charset="0"/>
+            </a:endParaRPr>
+          </a:p>
+        </p:txBody>
+      </p:sp>
+    </p:spTree>
+    <p:extLst>
+      <p:ext uri="{BB962C8B-B14F-4D97-AF65-F5344CB8AC3E}">
+        <p14:creationId xmlns:p14="http://schemas.microsoft.com/office/powerpoint/2010/main" val="3927230349"/>
+      </p:ext>
+    </p:extLst>
+  </p:cSld>
+  <p:clrMapOvr>
+    <a:masterClrMapping/>
+  </p:clrMapOvr>
+</p:sld>
+</file>
+
+<file path=ppt/slides/slide8.xml><?xml version="1.0" encoding="utf-8"?>
+<p:sld xmlns:a="http://schemas.openxmlformats.org/drawingml/2006/main" xmlns:r="http://schemas.openxmlformats.org/officeDocument/2006/relationships" xmlns:p="http://schemas.openxmlformats.org/presentationml/2006/main">
+  <p:cSld>
+    <p:spTree>
+      <p:nvGrpSpPr>
+        <p:cNvPr id="1" name="">
+          <a:extLst>
+            <a:ext uri="{FF2B5EF4-FFF2-40B4-BE49-F238E27FC236}">
+              <a16:creationId xmlns:a16="http://schemas.microsoft.com/office/drawing/2014/main" id="{8E0DF733-6005-FD56-C6C2-B12EFC75075C}"/>
+            </a:ext>
+          </a:extLst>
+        </p:cNvPr>
+        <p:cNvGrpSpPr/>
+        <p:nvPr/>
+      </p:nvGrpSpPr>
+      <p:grpSpPr>
+        <a:xfrm>
+          <a:off x="0" y="0"/>
+          <a:ext cx="0" cy="0"/>
+          <a:chOff x="0" y="0"/>
+          <a:chExt cx="0" cy="0"/>
+        </a:xfrm>
+      </p:grpSpPr>
+      <p:sp>
+        <p:nvSpPr>
+          <p:cNvPr id="8" name="Content Placeholder 2">
+            <a:extLst>
+              <a:ext uri="{FF2B5EF4-FFF2-40B4-BE49-F238E27FC236}">
+                <a16:creationId xmlns:a16="http://schemas.microsoft.com/office/drawing/2014/main" id="{947F3E4A-E1DE-BC46-9702-39CB71FFE6A9}"/>
+              </a:ext>
+            </a:extLst>
+          </p:cNvPr>
+          <p:cNvSpPr>
+            <a:spLocks noGrp="1"/>
+          </p:cNvSpPr>
+          <p:nvPr>
+            <p:ph idx="1"/>
+          </p:nvPr>
+        </p:nvSpPr>
+        <p:spPr>
+          <a:xfrm>
+            <a:off x="458694" y="1263649"/>
+            <a:ext cx="11274612" cy="5228589"/>
+          </a:xfrm>
+        </p:spPr>
+        <p:txBody>
+          <a:bodyPr>
+            <a:normAutofit/>
+          </a:bodyPr>
+          <a:lstStyle/>
+          <a:p>
+            <a:pPr marL="342900" indent="-342900">
+              <a:lnSpc>
+                <a:spcPct val="107000"/>
+              </a:lnSpc>
+              <a:spcAft>
+                <a:spcPts val="800"/>
+              </a:spcAft>
+              <a:buFont typeface="Symbol" panose="05050102010706020507" pitchFamily="18" charset="2"/>
+              <a:buChar char=""/>
+            </a:pPr>
+            <a:r>
+              <a:rPr lang="en-GB" sz="2000" b="1" kern="100" dirty="0">
+                <a:latin typeface="Aptos" panose="020B0004020202020204" pitchFamily="34" charset="0"/>
+                <a:cs typeface="Times New Roman" panose="02020603050405020304" pitchFamily="18" charset="0"/>
+              </a:rPr>
+              <a:t>Motivation</a:t>
+            </a:r>
+          </a:p>
+          <a:p>
+            <a:pPr marL="800100" lvl="1" indent="-342900">
+              <a:lnSpc>
+                <a:spcPct val="107000"/>
+              </a:lnSpc>
+              <a:spcAft>
+                <a:spcPts val="800"/>
+              </a:spcAft>
+              <a:buFont typeface="Symbol" panose="05050102010706020507" pitchFamily="18" charset="2"/>
+              <a:buChar char=""/>
+            </a:pPr>
+            <a:r>
+              <a:rPr lang="en-GB" sz="1600" kern="100" dirty="0">
+                <a:latin typeface="Aptos" panose="020B0004020202020204" pitchFamily="34" charset="0"/>
+                <a:cs typeface="Times New Roman" panose="02020603050405020304" pitchFamily="18" charset="0"/>
+              </a:rPr>
+              <a:t>FER has promising applications (Healthcare, Education, Safety)</a:t>
+            </a:r>
+          </a:p>
+          <a:p>
+            <a:pPr marL="800100" lvl="1" indent="-342900">
+              <a:lnSpc>
+                <a:spcPct val="107000"/>
+              </a:lnSpc>
+              <a:spcAft>
+                <a:spcPts val="800"/>
+              </a:spcAft>
+              <a:buFont typeface="Symbol" panose="05050102010706020507" pitchFamily="18" charset="2"/>
+              <a:buChar char=""/>
+            </a:pPr>
+            <a:r>
+              <a:rPr lang="en-GB" sz="1600" kern="100" dirty="0">
+                <a:latin typeface="Aptos" panose="020B0004020202020204" pitchFamily="34" charset="0"/>
+                <a:cs typeface="Times New Roman" panose="02020603050405020304" pitchFamily="18" charset="0"/>
+              </a:rPr>
+              <a:t>Encourage FER model applicability (Assessing Generalisability)</a:t>
+            </a:r>
+          </a:p>
+          <a:p>
+            <a:pPr marL="342900" indent="-342900">
+              <a:lnSpc>
+                <a:spcPct val="107000"/>
+              </a:lnSpc>
+              <a:spcAft>
+                <a:spcPts val="800"/>
+              </a:spcAft>
+              <a:buFont typeface="Symbol" panose="05050102010706020507" pitchFamily="18" charset="2"/>
+              <a:buChar char=""/>
+            </a:pPr>
+            <a:r>
+              <a:rPr lang="en-GB" sz="2000" b="1" kern="100" dirty="0">
+                <a:latin typeface="Aptos" panose="020B0004020202020204" pitchFamily="34" charset="0"/>
+                <a:cs typeface="Times New Roman" panose="02020603050405020304" pitchFamily="18" charset="0"/>
+              </a:rPr>
+              <a:t>What I Want to Explore</a:t>
+            </a:r>
+          </a:p>
+          <a:p>
+            <a:pPr marL="800100" lvl="1" indent="-342900">
+              <a:lnSpc>
+                <a:spcPct val="107000"/>
+              </a:lnSpc>
+              <a:spcAft>
+                <a:spcPts val="800"/>
+              </a:spcAft>
+              <a:buFont typeface="Symbol" panose="05050102010706020507" pitchFamily="18" charset="2"/>
+              <a:buChar char=""/>
+            </a:pPr>
+            <a:r>
+              <a:rPr lang="en-GB" sz="1600" kern="100" dirty="0">
+                <a:latin typeface="Aptos" panose="020B0004020202020204" pitchFamily="34" charset="0"/>
+                <a:cs typeface="Times New Roman" panose="02020603050405020304" pitchFamily="18" charset="0"/>
+              </a:rPr>
+              <a:t>Model Performance Replicability</a:t>
+            </a:r>
+          </a:p>
+          <a:p>
+            <a:pPr marL="800100" lvl="1" indent="-342900">
+              <a:lnSpc>
+                <a:spcPct val="107000"/>
+              </a:lnSpc>
+              <a:spcAft>
+                <a:spcPts val="800"/>
+              </a:spcAft>
+              <a:buFont typeface="Symbol" panose="05050102010706020507" pitchFamily="18" charset="2"/>
+              <a:buChar char=""/>
+            </a:pPr>
+            <a:r>
+              <a:rPr lang="en-GB" sz="1600" kern="100" dirty="0">
+                <a:latin typeface="Aptos" panose="020B0004020202020204" pitchFamily="34" charset="0"/>
+                <a:cs typeface="Times New Roman" panose="02020603050405020304" pitchFamily="18" charset="0"/>
+              </a:rPr>
+              <a:t>Cross-Datasets Performance</a:t>
+            </a:r>
+          </a:p>
+          <a:p>
+            <a:pPr marL="342900" indent="-342900">
+              <a:lnSpc>
+                <a:spcPct val="107000"/>
+              </a:lnSpc>
+              <a:spcAft>
+                <a:spcPts val="800"/>
+              </a:spcAft>
+              <a:buFont typeface="Symbol" panose="05050102010706020507" pitchFamily="18" charset="2"/>
+              <a:buChar char=""/>
+            </a:pPr>
+            <a:r>
+              <a:rPr lang="en-GB" sz="2000" b="1" kern="100" dirty="0">
+                <a:latin typeface="Aptos" panose="020B0004020202020204" pitchFamily="34" charset="0"/>
+                <a:cs typeface="Times New Roman" panose="02020603050405020304" pitchFamily="18" charset="0"/>
+              </a:rPr>
+              <a:t>What I Hope to Achieve</a:t>
+            </a:r>
+          </a:p>
+          <a:p>
+            <a:pPr marL="800100" lvl="1" indent="-342900">
+              <a:lnSpc>
+                <a:spcPct val="107000"/>
+              </a:lnSpc>
+              <a:spcAft>
+                <a:spcPts val="800"/>
+              </a:spcAft>
+              <a:buFont typeface="Symbol" panose="05050102010706020507" pitchFamily="18" charset="2"/>
+              <a:buChar char=""/>
+            </a:pPr>
+            <a:r>
+              <a:rPr lang="en-GB" sz="1600" kern="100" dirty="0">
+                <a:latin typeface="Aptos" panose="020B0004020202020204" pitchFamily="34" charset="0"/>
+                <a:cs typeface="Times New Roman" panose="02020603050405020304" pitchFamily="18" charset="0"/>
+              </a:rPr>
+              <a:t>Comprehensive Understanding</a:t>
+            </a:r>
+          </a:p>
+          <a:p>
+            <a:pPr marL="800100" lvl="1" indent="-342900">
+              <a:lnSpc>
+                <a:spcPct val="107000"/>
+              </a:lnSpc>
+              <a:spcAft>
+                <a:spcPts val="800"/>
+              </a:spcAft>
+              <a:buFont typeface="Symbol" panose="05050102010706020507" pitchFamily="18" charset="2"/>
+              <a:buChar char=""/>
+            </a:pPr>
+            <a:r>
+              <a:rPr lang="en-GB" sz="1600" kern="100" dirty="0">
+                <a:latin typeface="Aptos" panose="020B0004020202020204" pitchFamily="34" charset="0"/>
+                <a:cs typeface="Times New Roman" panose="02020603050405020304" pitchFamily="18" charset="0"/>
+              </a:rPr>
+              <a:t>Identify Best Model &amp; Techniques (Results and Ease of use)</a:t>
+            </a:r>
+          </a:p>
+          <a:p>
+            <a:pPr marL="800100" lvl="1" indent="-342900">
+              <a:lnSpc>
+                <a:spcPct val="107000"/>
+              </a:lnSpc>
+              <a:spcAft>
+                <a:spcPts val="800"/>
+              </a:spcAft>
+              <a:buFont typeface="Symbol" panose="05050102010706020507" pitchFamily="18" charset="2"/>
+              <a:buChar char=""/>
+            </a:pPr>
+            <a:r>
+              <a:rPr lang="en-GB" sz="1600" kern="100" dirty="0">
+                <a:latin typeface="Aptos" panose="020B0004020202020204" pitchFamily="34" charset="0"/>
+                <a:cs typeface="Times New Roman" panose="02020603050405020304" pitchFamily="18" charset="0"/>
+              </a:rPr>
+              <a:t>Encourage Replicability &amp; Result transparency  </a:t>
+            </a:r>
+          </a:p>
+          <a:p>
+            <a:pPr marL="800100" lvl="1" indent="-342900">
+              <a:lnSpc>
+                <a:spcPct val="107000"/>
+              </a:lnSpc>
+              <a:spcAft>
+                <a:spcPts val="800"/>
+              </a:spcAft>
+              <a:buFont typeface="Symbol" panose="05050102010706020507" pitchFamily="18" charset="2"/>
+              <a:buChar char=""/>
+            </a:pPr>
+            <a:endParaRPr lang="en-GB" sz="2200" kern="100" dirty="0">
+              <a:latin typeface="Aptos" panose="020B0004020202020204" pitchFamily="34" charset="0"/>
+              <a:cs typeface="Times New Roman" panose="02020603050405020304" pitchFamily="18" charset="0"/>
+            </a:endParaRPr>
+          </a:p>
+          <a:p>
+            <a:pPr marL="800100" lvl="1" indent="-342900">
+              <a:lnSpc>
+                <a:spcPct val="107000"/>
+              </a:lnSpc>
+              <a:spcAft>
+                <a:spcPts val="800"/>
+              </a:spcAft>
+              <a:buFont typeface="Symbol" panose="05050102010706020507" pitchFamily="18" charset="2"/>
+              <a:buChar char=""/>
+            </a:pPr>
+            <a:endParaRPr lang="en-GB" sz="2200" kern="100" dirty="0">
+              <a:latin typeface="Aptos" panose="020B0004020202020204" pitchFamily="34" charset="0"/>
+              <a:cs typeface="Times New Roman" panose="02020603050405020304" pitchFamily="18" charset="0"/>
+            </a:endParaRPr>
+          </a:p>
+          <a:p>
+            <a:pPr marL="800100" lvl="1" indent="-342900">
+              <a:lnSpc>
+                <a:spcPct val="107000"/>
+              </a:lnSpc>
+              <a:spcAft>
+                <a:spcPts val="800"/>
+              </a:spcAft>
+              <a:buFont typeface="Symbol" panose="05050102010706020507" pitchFamily="18" charset="2"/>
+              <a:buChar char=""/>
+            </a:pPr>
+            <a:endParaRPr lang="en-GB" sz="1600" kern="100" dirty="0">
+              <a:latin typeface="Aptos" panose="020B0004020202020204" pitchFamily="34" charset="0"/>
+              <a:cs typeface="Times New Roman" panose="02020603050405020304" pitchFamily="18" charset="0"/>
+            </a:endParaRPr>
+          </a:p>
+          <a:p>
+            <a:pPr marL="914400" lvl="2" indent="0">
+              <a:lnSpc>
+                <a:spcPct val="107000"/>
+              </a:lnSpc>
+              <a:spcAft>
+                <a:spcPts val="800"/>
+              </a:spcAft>
+              <a:buNone/>
+            </a:pPr>
+            <a:endParaRPr lang="en-GB" sz="1400" kern="100" dirty="0">
+              <a:latin typeface="Aptos" panose="020B0004020202020204" pitchFamily="34" charset="0"/>
+              <a:cs typeface="Times New Roman" panose="02020603050405020304" pitchFamily="18" charset="0"/>
+            </a:endParaRPr>
+          </a:p>
+        </p:txBody>
+      </p:sp>
+      <p:sp>
+        <p:nvSpPr>
+          <p:cNvPr id="7" name="Title 1">
+            <a:extLst>
+              <a:ext uri="{FF2B5EF4-FFF2-40B4-BE49-F238E27FC236}">
+                <a16:creationId xmlns:a16="http://schemas.microsoft.com/office/drawing/2014/main" id="{DBB9710B-A443-0699-820E-A35BB834B8F8}"/>
+              </a:ext>
+            </a:extLst>
+          </p:cNvPr>
+          <p:cNvSpPr txBox="1">
+            <a:spLocks/>
+          </p:cNvSpPr>
+          <p:nvPr/>
+        </p:nvSpPr>
+        <p:spPr>
+          <a:xfrm>
+            <a:off x="458694" y="365761"/>
+            <a:ext cx="11274612" cy="897890"/>
+          </a:xfrm>
+          <a:prstGeom prst="rect">
+            <a:avLst/>
+          </a:prstGeom>
+        </p:spPr>
+        <p:txBody>
+          <a:bodyPr vert="horz" lIns="91440" tIns="45720" rIns="91440" bIns="45720" rtlCol="0" anchor="ctr">
+            <a:normAutofit/>
+          </a:bodyPr>
+          <a:lstStyle>
+            <a:lvl1pPr algn="l" defTabSz="914400" rtl="0" eaLnBrk="1" latinLnBrk="0" hangingPunct="1">
+              <a:lnSpc>
+                <a:spcPct val="100000"/>
+              </a:lnSpc>
+              <a:spcBef>
+                <a:spcPct val="0"/>
+              </a:spcBef>
+              <a:buNone/>
+              <a:defRPr sz="4400" b="0" kern="1200">
+                <a:solidFill>
+                  <a:schemeClr val="tx1"/>
+                </a:solidFill>
+                <a:latin typeface="+mj-lt"/>
+                <a:ea typeface="+mj-ea"/>
+                <a:cs typeface="+mj-cs"/>
+              </a:defRPr>
+            </a:lvl1pPr>
+          </a:lstStyle>
+          <a:p>
+            <a:r>
+              <a:rPr lang="en-GB" kern="100" spc="75">
+                <a:solidFill>
+                  <a:srgbClr val="595959"/>
+                </a:solidFill>
+                <a:latin typeface="Aptos" panose="020B0004020202020204" pitchFamily="34" charset="0"/>
+                <a:ea typeface="Times New Roman" panose="02020603050405020304" pitchFamily="18" charset="0"/>
+                <a:cs typeface="Times New Roman" panose="02020603050405020304" pitchFamily="18" charset="0"/>
+              </a:rPr>
+              <a:t>Aims and Objectives</a:t>
+            </a:r>
+            <a:endParaRPr lang="en-MT" dirty="0"/>
+          </a:p>
+        </p:txBody>
+      </p:sp>
+      <p:sp>
+        <p:nvSpPr>
+          <p:cNvPr id="4" name="Content Placeholder 2">
+            <a:extLst>
+              <a:ext uri="{FF2B5EF4-FFF2-40B4-BE49-F238E27FC236}">
+                <a16:creationId xmlns:a16="http://schemas.microsoft.com/office/drawing/2014/main" id="{03988AB9-15CA-35F4-4B55-B06666AEFC1C}"/>
+              </a:ext>
+            </a:extLst>
+          </p:cNvPr>
+          <p:cNvSpPr txBox="1">
+            <a:spLocks/>
+          </p:cNvSpPr>
+          <p:nvPr/>
+        </p:nvSpPr>
+        <p:spPr>
+          <a:xfrm>
+            <a:off x="458694" y="4229100"/>
+            <a:ext cx="11274612" cy="3108325"/>
+          </a:xfrm>
+          <a:prstGeom prst="rect">
+            <a:avLst/>
+          </a:prstGeom>
+        </p:spPr>
+        <p:txBody>
+          <a:bodyPr vert="horz" lIns="91440" tIns="45720" rIns="91440" bIns="45720" rtlCol="0">
+            <a:normAutofit/>
+          </a:bodyPr>
+          <a:lstStyle>
+            <a:lvl1pPr marL="228600" indent="-228600" algn="l" defTabSz="914400" rtl="0" eaLnBrk="1" latinLnBrk="0" hangingPunct="1">
+              <a:lnSpc>
+                <a:spcPct val="110000"/>
+              </a:lnSpc>
+              <a:spcBef>
+                <a:spcPts val="1000"/>
+              </a:spcBef>
+              <a:buClr>
+                <a:schemeClr val="accent1"/>
+              </a:buClr>
+              <a:buFont typeface="Arial" panose="020B0604020202020204" pitchFamily="34" charset="0"/>
+              <a:buChar char="•"/>
+              <a:defRPr sz="2800" kern="1200">
+                <a:solidFill>
+                  <a:schemeClr val="tx1"/>
+                </a:solidFill>
+                <a:latin typeface="+mn-lt"/>
+                <a:ea typeface="+mn-ea"/>
+                <a:cs typeface="+mn-cs"/>
+              </a:defRPr>
+            </a:lvl1pPr>
+            <a:lvl2pPr marL="685800" indent="-228600" algn="l" defTabSz="914400" rtl="0" eaLnBrk="1" latinLnBrk="0" hangingPunct="1">
+              <a:lnSpc>
+                <a:spcPct val="110000"/>
+              </a:lnSpc>
+              <a:spcBef>
+                <a:spcPts val="500"/>
+              </a:spcBef>
+              <a:buClr>
+                <a:schemeClr val="accent1"/>
+              </a:buClr>
+              <a:buFont typeface="Arial" panose="020B0604020202020204" pitchFamily="34" charset="0"/>
+              <a:buChar char="•"/>
+              <a:defRPr sz="2400" kern="1200">
+                <a:solidFill>
+                  <a:schemeClr val="tx1"/>
+                </a:solidFill>
+                <a:latin typeface="+mn-lt"/>
+                <a:ea typeface="+mn-ea"/>
+                <a:cs typeface="+mn-cs"/>
+              </a:defRPr>
+            </a:lvl2pPr>
+            <a:lvl3pPr marL="1143000" indent="-228600" algn="l" defTabSz="914400" rtl="0" eaLnBrk="1" latinLnBrk="0" hangingPunct="1">
+              <a:lnSpc>
+                <a:spcPct val="110000"/>
+              </a:lnSpc>
+              <a:spcBef>
+                <a:spcPts val="500"/>
+              </a:spcBef>
+              <a:buClr>
+                <a:schemeClr val="accent1"/>
+              </a:buClr>
+              <a:buFont typeface="Arial" panose="020B0604020202020204" pitchFamily="34" charset="0"/>
+              <a:buChar char="•"/>
+              <a:defRPr sz="2000" kern="1200">
+                <a:solidFill>
+                  <a:schemeClr val="tx1"/>
+                </a:solidFill>
+                <a:latin typeface="+mn-lt"/>
+                <a:ea typeface="+mn-ea"/>
+                <a:cs typeface="+mn-cs"/>
+              </a:defRPr>
+            </a:lvl3pPr>
+            <a:lvl4pPr marL="1600200" indent="-228600" algn="l" defTabSz="914400" rtl="0" eaLnBrk="1" latinLnBrk="0" hangingPunct="1">
+              <a:lnSpc>
+                <a:spcPct val="110000"/>
+              </a:lnSpc>
+              <a:spcBef>
+                <a:spcPts val="500"/>
+              </a:spcBef>
+              <a:buClr>
+                <a:schemeClr val="accent1"/>
+              </a:buClr>
+              <a:buFont typeface="Arial" panose="020B0604020202020204" pitchFamily="34" charset="0"/>
+              <a:buChar char="•"/>
+              <a:defRPr sz="1800" kern="1200">
+                <a:solidFill>
+                  <a:schemeClr val="tx1"/>
+                </a:solidFill>
+                <a:latin typeface="+mn-lt"/>
+                <a:ea typeface="+mn-ea"/>
+                <a:cs typeface="+mn-cs"/>
+              </a:defRPr>
+            </a:lvl4pPr>
+            <a:lvl5pPr marL="2057400" indent="-228600" algn="l" defTabSz="914400" rtl="0" eaLnBrk="1" latinLnBrk="0" hangingPunct="1">
+              <a:lnSpc>
+                <a:spcPct val="110000"/>
+              </a:lnSpc>
+              <a:spcBef>
+                <a:spcPts val="500"/>
+              </a:spcBef>
+              <a:buClr>
+                <a:schemeClr val="accent1"/>
+              </a:buClr>
+              <a:buFont typeface="Arial" panose="020B0604020202020204" pitchFamily="34" charset="0"/>
+              <a:buChar char="•"/>
+              <a:defRPr sz="1800" kern="1200">
+                <a:solidFill>
+                  <a:schemeClr val="tx1"/>
+                </a:solidFill>
+                <a:latin typeface="+mn-lt"/>
+                <a:ea typeface="+mn-ea"/>
+                <a:cs typeface="+mn-cs"/>
+              </a:defRPr>
+            </a:lvl5pPr>
+            <a:lvl6pPr marL="2514600" indent="-228600" algn="l" defTabSz="914400" rtl="0" eaLnBrk="1" latinLnBrk="0" hangingPunct="1">
+              <a:lnSpc>
+                <a:spcPct val="90000"/>
+              </a:lnSpc>
+              <a:spcBef>
+                <a:spcPts val="500"/>
+              </a:spcBef>
+              <a:buFont typeface="Arial" panose="020B0604020202020204" pitchFamily="34" charset="0"/>
+              <a:buChar char="•"/>
+              <a:defRPr sz="1800" kern="1200">
+                <a:solidFill>
+                  <a:schemeClr val="tx1"/>
+                </a:solidFill>
+                <a:latin typeface="+mn-lt"/>
+                <a:ea typeface="+mn-ea"/>
+                <a:cs typeface="+mn-cs"/>
+              </a:defRPr>
+            </a:lvl6pPr>
+            <a:lvl7pPr marL="2971800" indent="-228600" algn="l" defTabSz="914400" rtl="0" eaLnBrk="1" latinLnBrk="0" hangingPunct="1">
+              <a:lnSpc>
+                <a:spcPct val="90000"/>
+              </a:lnSpc>
+              <a:spcBef>
+                <a:spcPts val="500"/>
+              </a:spcBef>
+              <a:buFont typeface="Arial" panose="020B0604020202020204" pitchFamily="34" charset="0"/>
+              <a:buChar char="•"/>
+              <a:defRPr sz="1800" kern="1200">
+                <a:solidFill>
+                  <a:schemeClr val="tx1"/>
+                </a:solidFill>
+                <a:latin typeface="+mn-lt"/>
+                <a:ea typeface="+mn-ea"/>
+                <a:cs typeface="+mn-cs"/>
+              </a:defRPr>
+            </a:lvl7pPr>
+            <a:lvl8pPr marL="3429000" indent="-228600" algn="l" defTabSz="914400" rtl="0" eaLnBrk="1" latinLnBrk="0" hangingPunct="1">
+              <a:lnSpc>
+                <a:spcPct val="90000"/>
+              </a:lnSpc>
+              <a:spcBef>
+                <a:spcPts val="500"/>
+              </a:spcBef>
+              <a:buFont typeface="Arial" panose="020B0604020202020204" pitchFamily="34" charset="0"/>
+              <a:buChar char="•"/>
+              <a:defRPr sz="1800" kern="1200">
+                <a:solidFill>
+                  <a:schemeClr val="tx1"/>
+                </a:solidFill>
+                <a:latin typeface="+mn-lt"/>
+                <a:ea typeface="+mn-ea"/>
+                <a:cs typeface="+mn-cs"/>
+              </a:defRPr>
+            </a:lvl8pPr>
+            <a:lvl9pPr marL="3886200" indent="-228600" algn="l" defTabSz="914400" rtl="0" eaLnBrk="1" latinLnBrk="0" hangingPunct="1">
+              <a:lnSpc>
+                <a:spcPct val="90000"/>
+              </a:lnSpc>
+              <a:spcBef>
+                <a:spcPts val="500"/>
+              </a:spcBef>
+              <a:buFont typeface="Arial" panose="020B0604020202020204" pitchFamily="34" charset="0"/>
+              <a:buChar char="•"/>
+              <a:defRPr sz="1800" kern="1200">
+                <a:solidFill>
+                  <a:schemeClr val="tx1"/>
+                </a:solidFill>
+                <a:latin typeface="+mn-lt"/>
+                <a:ea typeface="+mn-ea"/>
+                <a:cs typeface="+mn-cs"/>
+              </a:defRPr>
+            </a:lvl9pPr>
+          </a:lstStyle>
+          <a:p>
+            <a:pPr>
+              <a:lnSpc>
+                <a:spcPct val="107000"/>
+              </a:lnSpc>
+              <a:spcAft>
+                <a:spcPts val="800"/>
+              </a:spcAft>
+            </a:pPr>
+            <a:endParaRPr lang="en-MT" sz="1400" kern="100" dirty="0">
+              <a:effectLst/>
+              <a:latin typeface="Aptos" panose="020B0004020202020204" pitchFamily="34" charset="0"/>
+              <a:ea typeface="Aptos" panose="020B0004020202020204" pitchFamily="34" charset="0"/>
+              <a:cs typeface="Times New Roman" panose="02020603050405020304" pitchFamily="18" charset="0"/>
+            </a:endParaRPr>
+          </a:p>
+        </p:txBody>
+      </p:sp>
+    </p:spTree>
+    <p:extLst>
+      <p:ext uri="{BB962C8B-B14F-4D97-AF65-F5344CB8AC3E}">
+        <p14:creationId xmlns:p14="http://schemas.microsoft.com/office/powerpoint/2010/main" val="2559888786"/>
+      </p:ext>
+    </p:extLst>
+  </p:cSld>
+  <p:clrMapOvr>
+    <a:masterClrMapping/>
+  </p:clrMapOvr>
+</p:sld>
+</file>
+
+<file path=ppt/slides/slide9.xml><?xml version="1.0" encoding="utf-8"?>
+<p:sld xmlns:a="http://schemas.openxmlformats.org/drawingml/2006/main" xmlns:r="http://schemas.openxmlformats.org/officeDocument/2006/relationships" xmlns:p="http://schemas.openxmlformats.org/presentationml/2006/main" show="0">
+  <p:cSld>
+    <p:spTree>
+      <p:nvGrpSpPr>
+        <p:cNvPr id="1" name="">
+          <a:extLst>
+            <a:ext uri="{FF2B5EF4-FFF2-40B4-BE49-F238E27FC236}">
+              <a16:creationId xmlns:a16="http://schemas.microsoft.com/office/drawing/2014/main" id="{C0A821D8-C4A5-E467-15F0-45DBB7B98F78}"/>
+            </a:ext>
+          </a:extLst>
+        </p:cNvPr>
+        <p:cNvGrpSpPr/>
+        <p:nvPr/>
+      </p:nvGrpSpPr>
+      <p:grpSpPr>
+        <a:xfrm>
+          <a:off x="0" y="0"/>
+          <a:ext cx="0" cy="0"/>
+          <a:chOff x="0" y="0"/>
+          <a:chExt cx="0" cy="0"/>
+        </a:xfrm>
+      </p:grpSpPr>
+      <p:sp>
+        <p:nvSpPr>
+          <p:cNvPr id="8" name="Content Placeholder 2">
+            <a:extLst>
+              <a:ext uri="{FF2B5EF4-FFF2-40B4-BE49-F238E27FC236}">
+                <a16:creationId xmlns:a16="http://schemas.microsoft.com/office/drawing/2014/main" id="{A6B14A5C-6F37-E0E5-C39A-F1F2D7833674}"/>
+              </a:ext>
+            </a:extLst>
+          </p:cNvPr>
+          <p:cNvSpPr>
+            <a:spLocks noGrp="1"/>
+          </p:cNvSpPr>
+          <p:nvPr>
+            <p:ph idx="1"/>
+          </p:nvPr>
+        </p:nvSpPr>
+        <p:spPr>
+          <a:xfrm>
+            <a:off x="458694" y="1263649"/>
+            <a:ext cx="11274612" cy="5228589"/>
+          </a:xfrm>
+        </p:spPr>
+        <p:txBody>
+          <a:bodyPr>
+            <a:normAutofit fontScale="70000" lnSpcReduction="20000"/>
+          </a:bodyPr>
+          <a:lstStyle/>
+          <a:p>
+            <a:pPr marL="342900" indent="-342900">
+              <a:lnSpc>
+                <a:spcPct val="107000"/>
+              </a:lnSpc>
+              <a:spcAft>
+                <a:spcPts val="800"/>
+              </a:spcAft>
+              <a:buFont typeface="Symbol" panose="05050102010706020507" pitchFamily="18" charset="2"/>
+              <a:buChar char=""/>
+            </a:pPr>
+            <a:r>
+              <a:rPr lang="en-US" sz="2900" dirty="0"/>
+              <a:t>Comprehensive Review and Analysis on Facial Emotion Recognition: Performance Insights into Deep and Traditional Learning with Current Updates and Challenges</a:t>
+            </a:r>
+          </a:p>
+          <a:p>
+            <a:pPr marL="342900" indent="-342900">
+              <a:lnSpc>
+                <a:spcPct val="107000"/>
+              </a:lnSpc>
+              <a:spcAft>
+                <a:spcPts val="800"/>
+              </a:spcAft>
+              <a:buFont typeface="Symbol" panose="05050102010706020507" pitchFamily="18" charset="2"/>
+              <a:buChar char=""/>
+            </a:pPr>
+            <a:r>
+              <a:rPr lang="en-US" sz="2000" b="1" kern="100" dirty="0">
+                <a:latin typeface="Aptos" panose="020B0004020202020204" pitchFamily="34" charset="0"/>
+                <a:cs typeface="Times New Roman" panose="02020603050405020304" pitchFamily="18" charset="0"/>
+              </a:rPr>
+              <a:t>Comparison </a:t>
+            </a:r>
+          </a:p>
+          <a:p>
+            <a:pPr marL="800100" lvl="1" indent="-342900">
+              <a:lnSpc>
+                <a:spcPct val="107000"/>
+              </a:lnSpc>
+              <a:spcAft>
+                <a:spcPts val="800"/>
+              </a:spcAft>
+              <a:buFont typeface="Symbol" panose="05050102010706020507" pitchFamily="18" charset="2"/>
+              <a:buChar char=""/>
+            </a:pPr>
+            <a:r>
+              <a:rPr lang="en-US" sz="1600" kern="100" dirty="0">
+                <a:latin typeface="Aptos" panose="020B0004020202020204" pitchFamily="34" charset="0"/>
+                <a:cs typeface="Times New Roman" panose="02020603050405020304" pitchFamily="18" charset="0"/>
+              </a:rPr>
+              <a:t>Comparing research but didn’t implement the model from scratch</a:t>
+            </a:r>
+          </a:p>
+          <a:p>
+            <a:pPr marL="800100" lvl="1" indent="-342900">
+              <a:lnSpc>
+                <a:spcPct val="107000"/>
+              </a:lnSpc>
+              <a:spcAft>
+                <a:spcPts val="800"/>
+              </a:spcAft>
+              <a:buFont typeface="Symbol" panose="05050102010706020507" pitchFamily="18" charset="2"/>
+              <a:buChar char=""/>
+            </a:pPr>
+            <a:r>
+              <a:rPr lang="en-US" sz="1600" kern="100" dirty="0">
+                <a:latin typeface="Aptos" panose="020B0004020202020204" pitchFamily="34" charset="0"/>
+                <a:cs typeface="Times New Roman" panose="02020603050405020304" pitchFamily="18" charset="0"/>
+              </a:rPr>
+              <a:t>Machine Learning Models (SVM, KNN, RF, CART, LR)</a:t>
+            </a:r>
+          </a:p>
+          <a:p>
+            <a:pPr marL="800100" lvl="1" indent="-342900">
+              <a:lnSpc>
+                <a:spcPct val="107000"/>
+              </a:lnSpc>
+              <a:spcAft>
+                <a:spcPts val="800"/>
+              </a:spcAft>
+              <a:buFont typeface="Symbol" panose="05050102010706020507" pitchFamily="18" charset="2"/>
+              <a:buChar char=""/>
+            </a:pPr>
+            <a:r>
+              <a:rPr lang="en-US" sz="1600" kern="100" dirty="0">
+                <a:latin typeface="Aptos" panose="020B0004020202020204" pitchFamily="34" charset="0"/>
+                <a:cs typeface="Times New Roman" panose="02020603050405020304" pitchFamily="18" charset="0"/>
+              </a:rPr>
+              <a:t>Deep Learning Models (</a:t>
+            </a:r>
+            <a:r>
+              <a:rPr lang="en-US" sz="1600" kern="100" dirty="0" err="1">
+                <a:latin typeface="Aptos" panose="020B0004020202020204" pitchFamily="34" charset="0"/>
+                <a:cs typeface="Times New Roman" panose="02020603050405020304" pitchFamily="18" charset="0"/>
+              </a:rPr>
+              <a:t>MobileNet</a:t>
+            </a:r>
+            <a:r>
+              <a:rPr lang="en-US" sz="1600" kern="100" dirty="0">
+                <a:latin typeface="Aptos" panose="020B0004020202020204" pitchFamily="34" charset="0"/>
+                <a:cs typeface="Times New Roman" panose="02020603050405020304" pitchFamily="18" charset="0"/>
+              </a:rPr>
+              <a:t>, CNN, DCNN, VGG16, ResNet-50)</a:t>
+            </a:r>
+          </a:p>
+          <a:p>
+            <a:pPr marL="800100" lvl="1" indent="-342900">
+              <a:lnSpc>
+                <a:spcPct val="107000"/>
+              </a:lnSpc>
+              <a:spcAft>
+                <a:spcPts val="800"/>
+              </a:spcAft>
+              <a:buFont typeface="Symbol" panose="05050102010706020507" pitchFamily="18" charset="2"/>
+              <a:buChar char=""/>
+            </a:pPr>
+            <a:r>
+              <a:rPr lang="en-US" sz="1600" kern="100" dirty="0">
+                <a:latin typeface="Aptos" panose="020B0004020202020204" pitchFamily="34" charset="0"/>
+                <a:cs typeface="Times New Roman" panose="02020603050405020304" pitchFamily="18" charset="0"/>
+              </a:rPr>
+              <a:t>Hybrid Models (CNN+SVM, DBN+SVM) (Feature </a:t>
+            </a:r>
+            <a:r>
+              <a:rPr lang="en-US" sz="1600" kern="100" dirty="0" err="1">
+                <a:latin typeface="Aptos" panose="020B0004020202020204" pitchFamily="34" charset="0"/>
+                <a:cs typeface="Times New Roman" panose="02020603050405020304" pitchFamily="18" charset="0"/>
+              </a:rPr>
+              <a:t>Extraction+Classification</a:t>
+            </a:r>
+            <a:r>
+              <a:rPr lang="en-US" sz="1600" kern="100" dirty="0">
+                <a:latin typeface="Aptos" panose="020B0004020202020204" pitchFamily="34" charset="0"/>
+                <a:cs typeface="Times New Roman" panose="02020603050405020304" pitchFamily="18" charset="0"/>
+              </a:rPr>
+              <a:t>)</a:t>
+            </a:r>
+            <a:endParaRPr lang="en-GB" sz="1600" kern="100" dirty="0">
+              <a:latin typeface="Aptos" panose="020B0004020202020204" pitchFamily="34" charset="0"/>
+              <a:cs typeface="Times New Roman" panose="02020603050405020304" pitchFamily="18" charset="0"/>
+            </a:endParaRPr>
+          </a:p>
+          <a:p>
+            <a:pPr marL="342900" indent="-342900">
+              <a:lnSpc>
+                <a:spcPct val="107000"/>
+              </a:lnSpc>
+              <a:spcAft>
+                <a:spcPts val="800"/>
+              </a:spcAft>
+              <a:buFont typeface="Symbol" panose="05050102010706020507" pitchFamily="18" charset="2"/>
+              <a:buChar char=""/>
+            </a:pPr>
+            <a:r>
+              <a:rPr lang="en-GB" sz="2000" b="1" kern="100" dirty="0">
+                <a:latin typeface="Aptos" panose="020B0004020202020204" pitchFamily="34" charset="0"/>
+                <a:cs typeface="Times New Roman" panose="02020603050405020304" pitchFamily="18" charset="0"/>
+              </a:rPr>
+              <a:t>Datasets</a:t>
+            </a:r>
+          </a:p>
+          <a:p>
+            <a:pPr marL="800100" lvl="1" indent="-342900">
+              <a:lnSpc>
+                <a:spcPct val="107000"/>
+              </a:lnSpc>
+              <a:spcAft>
+                <a:spcPts val="800"/>
+              </a:spcAft>
+              <a:buFont typeface="Symbol" panose="05050102010706020507" pitchFamily="18" charset="2"/>
+              <a:buChar char=""/>
+            </a:pPr>
+            <a:r>
+              <a:rPr lang="en-GB" sz="1600" kern="100" dirty="0">
+                <a:latin typeface="Aptos" panose="020B0004020202020204" pitchFamily="34" charset="0"/>
+                <a:cs typeface="Times New Roman" panose="02020603050405020304" pitchFamily="18" charset="0"/>
+              </a:rPr>
+              <a:t>FER2013, JAFFE, CK+, RAF-DB</a:t>
+            </a:r>
+          </a:p>
+          <a:p>
+            <a:pPr marL="342900" indent="-342900">
+              <a:lnSpc>
+                <a:spcPct val="107000"/>
+              </a:lnSpc>
+              <a:spcAft>
+                <a:spcPts val="800"/>
+              </a:spcAft>
+              <a:buFont typeface="Symbol" panose="05050102010706020507" pitchFamily="18" charset="2"/>
+              <a:buChar char=""/>
+            </a:pPr>
+            <a:r>
+              <a:rPr lang="en-GB" sz="2000" b="1" kern="100" dirty="0">
+                <a:latin typeface="Aptos" panose="020B0004020202020204" pitchFamily="34" charset="0"/>
+                <a:cs typeface="Times New Roman" panose="02020603050405020304" pitchFamily="18" charset="0"/>
+              </a:rPr>
+              <a:t>Deep Learning Results</a:t>
+            </a:r>
+          </a:p>
+          <a:p>
+            <a:pPr marL="800100" lvl="1" indent="-342900">
+              <a:lnSpc>
+                <a:spcPct val="107000"/>
+              </a:lnSpc>
+              <a:spcAft>
+                <a:spcPts val="800"/>
+              </a:spcAft>
+              <a:buFont typeface="Symbol" panose="05050102010706020507" pitchFamily="18" charset="2"/>
+              <a:buChar char=""/>
+            </a:pPr>
+            <a:r>
+              <a:rPr lang="en-GB" sz="1600" kern="100" dirty="0">
+                <a:latin typeface="Aptos" panose="020B0004020202020204" pitchFamily="34" charset="0"/>
+                <a:cs typeface="Times New Roman" panose="02020603050405020304" pitchFamily="18" charset="0"/>
+              </a:rPr>
+              <a:t>Deep Learning techniques outperformed traditional ML models</a:t>
+            </a:r>
+          </a:p>
+          <a:p>
+            <a:pPr marL="800100" lvl="1" indent="-342900">
+              <a:lnSpc>
+                <a:spcPct val="107000"/>
+              </a:lnSpc>
+              <a:spcAft>
+                <a:spcPts val="800"/>
+              </a:spcAft>
+              <a:buFont typeface="Symbol" panose="05050102010706020507" pitchFamily="18" charset="2"/>
+              <a:buChar char=""/>
+            </a:pPr>
+            <a:r>
+              <a:rPr lang="en-US" sz="1200" dirty="0"/>
+              <a:t>Regrettably, deep learning-based FER methodology still has several drawbacks. Specifically, these techniques need extensive datasets, substantial memory and processing power, and a considerable duration for both training and testing.</a:t>
+            </a:r>
+          </a:p>
+          <a:p>
+            <a:pPr marL="800100" lvl="1" indent="-342900">
+              <a:lnSpc>
+                <a:spcPct val="107000"/>
+              </a:lnSpc>
+              <a:spcAft>
+                <a:spcPts val="800"/>
+              </a:spcAft>
+              <a:buFont typeface="Symbol" panose="05050102010706020507" pitchFamily="18" charset="2"/>
+              <a:buChar char=""/>
+            </a:pPr>
+            <a:r>
+              <a:rPr lang="en-US" sz="1200" dirty="0"/>
+              <a:t>Metrics (Accuracy – however the model papers themselves opted for accuracy, f1-score, precision, recall)</a:t>
+            </a:r>
+          </a:p>
+          <a:p>
+            <a:pPr marL="800100" lvl="1" indent="-342900">
+              <a:lnSpc>
+                <a:spcPct val="107000"/>
+              </a:lnSpc>
+              <a:spcAft>
+                <a:spcPts val="800"/>
+              </a:spcAft>
+              <a:buFont typeface="Symbol" panose="05050102010706020507" pitchFamily="18" charset="2"/>
+              <a:buChar char=""/>
+            </a:pPr>
+            <a:r>
+              <a:rPr lang="en-US" sz="1050" dirty="0"/>
+              <a:t>In all applications, data augmentation is advantageous due to its ability to enhance model flexibility, prevent overfitting, and generally enhance model accuracy by artificially increasing their training data.</a:t>
+            </a:r>
+            <a:endParaRPr lang="en-US" sz="1200" dirty="0"/>
+          </a:p>
+          <a:p>
+            <a:pPr marL="0" indent="0">
+              <a:lnSpc>
+                <a:spcPct val="107000"/>
+              </a:lnSpc>
+              <a:spcAft>
+                <a:spcPts val="800"/>
+              </a:spcAft>
+              <a:buNone/>
+            </a:pPr>
+            <a:r>
+              <a:rPr lang="en-US" sz="1600" dirty="0"/>
+              <a:t>LINK: </a:t>
+            </a:r>
+            <a:r>
+              <a:rPr lang="en-US" sz="1600" dirty="0">
+                <a:hlinkClick r:id="rId2"/>
+              </a:rPr>
+              <a:t>https://www.sciencedirect.com/org/science/article/pii/S1546221825000529</a:t>
+            </a:r>
+            <a:endParaRPr lang="en-US" sz="1600" dirty="0"/>
+          </a:p>
+          <a:p>
+            <a:pPr marL="800100" lvl="1" indent="-342900">
+              <a:lnSpc>
+                <a:spcPct val="107000"/>
+              </a:lnSpc>
+              <a:spcAft>
+                <a:spcPts val="800"/>
+              </a:spcAft>
+              <a:buFont typeface="Symbol" panose="05050102010706020507" pitchFamily="18" charset="2"/>
+              <a:buChar char=""/>
+            </a:pPr>
+            <a:endParaRPr lang="en-GB" sz="1600" b="1" kern="100" dirty="0">
+              <a:latin typeface="Aptos" panose="020B0004020202020204" pitchFamily="34" charset="0"/>
+              <a:cs typeface="Times New Roman" panose="02020603050405020304" pitchFamily="18" charset="0"/>
+            </a:endParaRPr>
+          </a:p>
+          <a:p>
+            <a:pPr marL="800100" lvl="1" indent="-342900">
+              <a:lnSpc>
+                <a:spcPct val="107000"/>
+              </a:lnSpc>
+              <a:spcAft>
+                <a:spcPts val="800"/>
+              </a:spcAft>
+              <a:buFont typeface="Symbol" panose="05050102010706020507" pitchFamily="18" charset="2"/>
+              <a:buChar char=""/>
+            </a:pPr>
+            <a:endParaRPr lang="en-GB" sz="2200" kern="100" dirty="0">
+              <a:latin typeface="Aptos" panose="020B0004020202020204" pitchFamily="34" charset="0"/>
+              <a:cs typeface="Times New Roman" panose="02020603050405020304" pitchFamily="18" charset="0"/>
+            </a:endParaRPr>
+          </a:p>
+          <a:p>
+            <a:pPr marL="800100" lvl="1" indent="-342900">
+              <a:lnSpc>
+                <a:spcPct val="107000"/>
+              </a:lnSpc>
+              <a:spcAft>
+                <a:spcPts val="800"/>
+              </a:spcAft>
+              <a:buFont typeface="Symbol" panose="05050102010706020507" pitchFamily="18" charset="2"/>
+              <a:buChar char=""/>
+            </a:pPr>
+            <a:endParaRPr lang="en-GB" sz="1600" kern="100" dirty="0">
+              <a:latin typeface="Aptos" panose="020B0004020202020204" pitchFamily="34" charset="0"/>
+              <a:cs typeface="Times New Roman" panose="02020603050405020304" pitchFamily="18" charset="0"/>
+            </a:endParaRPr>
+          </a:p>
+          <a:p>
+            <a:pPr marL="914400" lvl="2" indent="0">
+              <a:lnSpc>
+                <a:spcPct val="107000"/>
+              </a:lnSpc>
+              <a:spcAft>
+                <a:spcPts val="800"/>
+              </a:spcAft>
+              <a:buNone/>
+            </a:pPr>
+            <a:endParaRPr lang="en-GB" sz="1400" kern="100" dirty="0">
+              <a:latin typeface="Aptos" panose="020B0004020202020204" pitchFamily="34" charset="0"/>
+              <a:cs typeface="Times New Roman" panose="02020603050405020304" pitchFamily="18" charset="0"/>
+            </a:endParaRPr>
+          </a:p>
+        </p:txBody>
+      </p:sp>
+      <p:sp>
+        <p:nvSpPr>
+          <p:cNvPr id="7" name="Title 1">
+            <a:extLst>
+              <a:ext uri="{FF2B5EF4-FFF2-40B4-BE49-F238E27FC236}">
+                <a16:creationId xmlns:a16="http://schemas.microsoft.com/office/drawing/2014/main" id="{C1CC0649-44C9-EF36-A818-C7EEC82881CF}"/>
+              </a:ext>
+            </a:extLst>
+          </p:cNvPr>
+          <p:cNvSpPr txBox="1">
+            <a:spLocks/>
+          </p:cNvSpPr>
+          <p:nvPr/>
+        </p:nvSpPr>
+        <p:spPr>
+          <a:xfrm>
+            <a:off x="458694" y="365761"/>
+            <a:ext cx="11274612" cy="897890"/>
+          </a:xfrm>
+          <a:prstGeom prst="rect">
+            <a:avLst/>
+          </a:prstGeom>
+        </p:spPr>
+        <p:txBody>
+          <a:bodyPr vert="horz" lIns="91440" tIns="45720" rIns="91440" bIns="45720" rtlCol="0" anchor="ctr">
+            <a:normAutofit/>
+          </a:bodyPr>
+          <a:lstStyle>
+            <a:lvl1pPr algn="l" defTabSz="914400" rtl="0" eaLnBrk="1" latinLnBrk="0" hangingPunct="1">
+              <a:lnSpc>
+                <a:spcPct val="100000"/>
+              </a:lnSpc>
+              <a:spcBef>
+                <a:spcPct val="0"/>
+              </a:spcBef>
+              <a:buNone/>
+              <a:defRPr sz="4400" b="0" kern="1200">
+                <a:solidFill>
+                  <a:schemeClr val="tx1"/>
+                </a:solidFill>
+                <a:latin typeface="+mj-lt"/>
+                <a:ea typeface="+mj-ea"/>
+                <a:cs typeface="+mj-cs"/>
+              </a:defRPr>
+            </a:lvl1pPr>
+          </a:lstStyle>
+          <a:p>
+            <a:r>
+              <a:rPr lang="en-GB" kern="100" spc="75" dirty="0">
+                <a:solidFill>
+                  <a:srgbClr val="595959"/>
+                </a:solidFill>
+                <a:latin typeface="Aptos" panose="020B0004020202020204" pitchFamily="34" charset="0"/>
+                <a:ea typeface="Times New Roman" panose="02020603050405020304" pitchFamily="18" charset="0"/>
+                <a:cs typeface="Times New Roman" panose="02020603050405020304" pitchFamily="18" charset="0"/>
+              </a:rPr>
+              <a:t>Existing Research (1)</a:t>
+            </a:r>
+            <a:endParaRPr lang="en-MT" dirty="0"/>
+          </a:p>
+        </p:txBody>
+      </p:sp>
+      <p:sp>
+        <p:nvSpPr>
+          <p:cNvPr id="4" name="Content Placeholder 2">
+            <a:extLst>
+              <a:ext uri="{FF2B5EF4-FFF2-40B4-BE49-F238E27FC236}">
+                <a16:creationId xmlns:a16="http://schemas.microsoft.com/office/drawing/2014/main" id="{858C313D-A2F3-F87E-27CD-083FDEFCE142}"/>
+              </a:ext>
+            </a:extLst>
+          </p:cNvPr>
+          <p:cNvSpPr txBox="1">
+            <a:spLocks/>
+          </p:cNvSpPr>
+          <p:nvPr/>
+        </p:nvSpPr>
+        <p:spPr>
+          <a:xfrm>
+            <a:off x="458694" y="4229100"/>
+            <a:ext cx="11274612" cy="3108325"/>
+          </a:xfrm>
+          <a:prstGeom prst="rect">
+            <a:avLst/>
+          </a:prstGeom>
+        </p:spPr>
+        <p:txBody>
+          <a:bodyPr vert="horz" lIns="91440" tIns="45720" rIns="91440" bIns="45720" rtlCol="0">
+            <a:normAutofit/>
+          </a:bodyPr>
+          <a:lstStyle>
+            <a:lvl1pPr marL="228600" indent="-228600" algn="l" defTabSz="914400" rtl="0" eaLnBrk="1" latinLnBrk="0" hangingPunct="1">
+              <a:lnSpc>
+                <a:spcPct val="110000"/>
+              </a:lnSpc>
+              <a:spcBef>
+                <a:spcPts val="1000"/>
+              </a:spcBef>
+              <a:buClr>
+                <a:schemeClr val="accent1"/>
+              </a:buClr>
+              <a:buFont typeface="Arial" panose="020B0604020202020204" pitchFamily="34" charset="0"/>
+              <a:buChar char="•"/>
+              <a:defRPr sz="2800" kern="1200">
+                <a:solidFill>
+                  <a:schemeClr val="tx1"/>
+                </a:solidFill>
+                <a:latin typeface="+mn-lt"/>
+                <a:ea typeface="+mn-ea"/>
+                <a:cs typeface="+mn-cs"/>
+              </a:defRPr>
+            </a:lvl1pPr>
+            <a:lvl2pPr marL="685800" indent="-228600" algn="l" defTabSz="914400" rtl="0" eaLnBrk="1" latinLnBrk="0" hangingPunct="1">
+              <a:lnSpc>
+                <a:spcPct val="110000"/>
+              </a:lnSpc>
+              <a:spcBef>
+                <a:spcPts val="500"/>
+              </a:spcBef>
+              <a:buClr>
+                <a:schemeClr val="accent1"/>
+              </a:buClr>
+              <a:buFont typeface="Arial" panose="020B0604020202020204" pitchFamily="34" charset="0"/>
+              <a:buChar char="•"/>
+              <a:defRPr sz="2400" kern="1200">
+                <a:solidFill>
+                  <a:schemeClr val="tx1"/>
+                </a:solidFill>
+                <a:latin typeface="+mn-lt"/>
+                <a:ea typeface="+mn-ea"/>
+                <a:cs typeface="+mn-cs"/>
+              </a:defRPr>
+            </a:lvl2pPr>
+            <a:lvl3pPr marL="1143000" indent="-228600" algn="l" defTabSz="914400" rtl="0" eaLnBrk="1" latinLnBrk="0" hangingPunct="1">
+              <a:lnSpc>
+                <a:spcPct val="110000"/>
+              </a:lnSpc>
+              <a:spcBef>
+                <a:spcPts val="500"/>
+              </a:spcBef>
+              <a:buClr>
+                <a:schemeClr val="accent1"/>
+              </a:buClr>
+              <a:buFont typeface="Arial" panose="020B0604020202020204" pitchFamily="34" charset="0"/>
+              <a:buChar char="•"/>
+              <a:defRPr sz="2000" kern="1200">
+                <a:solidFill>
+                  <a:schemeClr val="tx1"/>
+                </a:solidFill>
+                <a:latin typeface="+mn-lt"/>
+                <a:ea typeface="+mn-ea"/>
+                <a:cs typeface="+mn-cs"/>
+              </a:defRPr>
+            </a:lvl3pPr>
+            <a:lvl4pPr marL="1600200" indent="-228600" algn="l" defTabSz="914400" rtl="0" eaLnBrk="1" latinLnBrk="0" hangingPunct="1">
+              <a:lnSpc>
+                <a:spcPct val="110000"/>
+              </a:lnSpc>
+              <a:spcBef>
+                <a:spcPts val="500"/>
+              </a:spcBef>
+              <a:buClr>
+                <a:schemeClr val="accent1"/>
+              </a:buClr>
+              <a:buFont typeface="Arial" panose="020B0604020202020204" pitchFamily="34" charset="0"/>
+              <a:buChar char="•"/>
+              <a:defRPr sz="1800" kern="1200">
+                <a:solidFill>
+                  <a:schemeClr val="tx1"/>
+                </a:solidFill>
+                <a:latin typeface="+mn-lt"/>
+                <a:ea typeface="+mn-ea"/>
+                <a:cs typeface="+mn-cs"/>
+              </a:defRPr>
+            </a:lvl4pPr>
+            <a:lvl5pPr marL="2057400" indent="-228600" algn="l" defTabSz="914400" rtl="0" eaLnBrk="1" latinLnBrk="0" hangingPunct="1">
+              <a:lnSpc>
+                <a:spcPct val="110000"/>
+              </a:lnSpc>
+              <a:spcBef>
+                <a:spcPts val="500"/>
+              </a:spcBef>
+              <a:buClr>
+                <a:schemeClr val="accent1"/>
+              </a:buClr>
+              <a:buFont typeface="Arial" panose="020B0604020202020204" pitchFamily="34" charset="0"/>
+              <a:buChar char="•"/>
+              <a:defRPr sz="1800" kern="1200">
+                <a:solidFill>
+                  <a:schemeClr val="tx1"/>
+                </a:solidFill>
+                <a:latin typeface="+mn-lt"/>
+                <a:ea typeface="+mn-ea"/>
+                <a:cs typeface="+mn-cs"/>
+              </a:defRPr>
+            </a:lvl5pPr>
+            <a:lvl6pPr marL="2514600" indent="-228600" algn="l" defTabSz="914400" rtl="0" eaLnBrk="1" latinLnBrk="0" hangingPunct="1">
+              <a:lnSpc>
+                <a:spcPct val="90000"/>
+              </a:lnSpc>
+              <a:spcBef>
+                <a:spcPts val="500"/>
+              </a:spcBef>
+              <a:buFont typeface="Arial" panose="020B0604020202020204" pitchFamily="34" charset="0"/>
+              <a:buChar char="•"/>
+              <a:defRPr sz="1800" kern="1200">
+                <a:solidFill>
+                  <a:schemeClr val="tx1"/>
+                </a:solidFill>
+                <a:latin typeface="+mn-lt"/>
+                <a:ea typeface="+mn-ea"/>
+                <a:cs typeface="+mn-cs"/>
+              </a:defRPr>
+            </a:lvl6pPr>
+            <a:lvl7pPr marL="2971800" indent="-228600" algn="l" defTabSz="914400" rtl="0" eaLnBrk="1" latinLnBrk="0" hangingPunct="1">
+              <a:lnSpc>
+                <a:spcPct val="90000"/>
+              </a:lnSpc>
+              <a:spcBef>
+                <a:spcPts val="500"/>
+              </a:spcBef>
+              <a:buFont typeface="Arial" panose="020B0604020202020204" pitchFamily="34" charset="0"/>
+              <a:buChar char="•"/>
+              <a:defRPr sz="1800" kern="1200">
+                <a:solidFill>
+                  <a:schemeClr val="tx1"/>
+                </a:solidFill>
+                <a:latin typeface="+mn-lt"/>
+                <a:ea typeface="+mn-ea"/>
+                <a:cs typeface="+mn-cs"/>
+              </a:defRPr>
+            </a:lvl7pPr>
+            <a:lvl8pPr marL="3429000" indent="-228600" algn="l" defTabSz="914400" rtl="0" eaLnBrk="1" latinLnBrk="0" hangingPunct="1">
+              <a:lnSpc>
+                <a:spcPct val="90000"/>
+              </a:lnSpc>
+              <a:spcBef>
+                <a:spcPts val="500"/>
+              </a:spcBef>
+              <a:buFont typeface="Arial" panose="020B0604020202020204" pitchFamily="34" charset="0"/>
+              <a:buChar char="•"/>
+              <a:defRPr sz="1800" kern="1200">
+                <a:solidFill>
+                  <a:schemeClr val="tx1"/>
+                </a:solidFill>
+                <a:latin typeface="+mn-lt"/>
+                <a:ea typeface="+mn-ea"/>
+                <a:cs typeface="+mn-cs"/>
+              </a:defRPr>
+            </a:lvl8pPr>
+            <a:lvl9pPr marL="3886200" indent="-228600" algn="l" defTabSz="914400" rtl="0" eaLnBrk="1" latinLnBrk="0" hangingPunct="1">
+              <a:lnSpc>
+                <a:spcPct val="90000"/>
+              </a:lnSpc>
+              <a:spcBef>
+                <a:spcPts val="500"/>
+              </a:spcBef>
+              <a:buFont typeface="Arial" panose="020B0604020202020204" pitchFamily="34" charset="0"/>
+              <a:buChar char="•"/>
+              <a:defRPr sz="1800" kern="1200">
+                <a:solidFill>
+                  <a:schemeClr val="tx1"/>
+                </a:solidFill>
+                <a:latin typeface="+mn-lt"/>
+                <a:ea typeface="+mn-ea"/>
+                <a:cs typeface="+mn-cs"/>
+              </a:defRPr>
+            </a:lvl9pPr>
+          </a:lstStyle>
+          <a:p>
+            <a:pPr>
+              <a:lnSpc>
+                <a:spcPct val="107000"/>
+              </a:lnSpc>
+              <a:spcAft>
+                <a:spcPts val="800"/>
+              </a:spcAft>
+            </a:pPr>
+            <a:endParaRPr lang="en-MT" sz="1400" kern="100" dirty="0">
+              <a:effectLst/>
+              <a:latin typeface="Aptos" panose="020B0004020202020204" pitchFamily="34" charset="0"/>
+              <a:ea typeface="Aptos" panose="020B0004020202020204" pitchFamily="34" charset="0"/>
+              <a:cs typeface="Times New Roman" panose="02020603050405020304" pitchFamily="18" charset="0"/>
+            </a:endParaRPr>
+          </a:p>
+        </p:txBody>
+      </p:sp>
+    </p:spTree>
+    <p:extLst>
+      <p:ext uri="{BB962C8B-B14F-4D97-AF65-F5344CB8AC3E}">
+        <p14:creationId xmlns:p14="http://schemas.microsoft.com/office/powerpoint/2010/main" val="3776628335"/>
       </p:ext>
     </p:extLst>
   </p:cSld>

--- a/ICS5118 - Facial Emotion Detection.pptx
+++ b/ICS5118 - Facial Emotion Detection.pptx
@@ -20,8 +20,10 @@
     <p:sldId id="273" r:id="rId14"/>
     <p:sldId id="274" r:id="rId15"/>
     <p:sldId id="275" r:id="rId16"/>
-    <p:sldId id="270" r:id="rId17"/>
-    <p:sldId id="271" r:id="rId18"/>
+    <p:sldId id="277" r:id="rId17"/>
+    <p:sldId id="276" r:id="rId18"/>
+    <p:sldId id="270" r:id="rId19"/>
+    <p:sldId id="271" r:id="rId20"/>
   </p:sldIdLst>
   <p:sldSz cx="12192000" cy="6858000"/>
   <p:notesSz cx="6858000" cy="9144000"/>
@@ -291,7 +293,7 @@
             <a:fld id="{11A6662E-FAF4-44BC-88B5-85A7CBFB6D30}" type="datetime1">
               <a:rPr lang="en-US" smtClean="0"/>
               <a:pPr/>
-              <a:t>3/31/2025</a:t>
+              <a:t>4/3/2025</a:t>
             </a:fld>
             <a:endParaRPr lang="en-US" dirty="0"/>
           </a:p>
@@ -518,7 +520,7 @@
           <a:p>
             <a:fld id="{4C559632-1575-4E14-B53B-3DC3D5ED3947}" type="datetime1">
               <a:rPr lang="en-US" smtClean="0"/>
-              <a:t>3/31/2025</a:t>
+              <a:t>4/3/2025</a:t>
             </a:fld>
             <a:endParaRPr lang="en-US"/>
           </a:p>
@@ -726,7 +728,7 @@
           <a:p>
             <a:fld id="{CC4A6868-2568-4CC9-B302-F37117B01A6E}" type="datetime1">
               <a:rPr lang="en-US" smtClean="0"/>
-              <a:t>3/31/2025</a:t>
+              <a:t>4/3/2025</a:t>
             </a:fld>
             <a:endParaRPr lang="en-US"/>
           </a:p>
@@ -931,7 +933,7 @@
           <a:p>
             <a:fld id="{0055F08A-1E71-4B2B-BB49-E743F2903911}" type="datetime1">
               <a:rPr lang="en-US" smtClean="0"/>
-              <a:t>3/31/2025</a:t>
+              <a:t>4/3/2025</a:t>
             </a:fld>
             <a:endParaRPr lang="en-US" dirty="0"/>
           </a:p>
@@ -1205,7 +1207,7 @@
           <a:p>
             <a:fld id="{15417D9E-721A-44BB-8863-9873FE64DA75}" type="datetime1">
               <a:rPr lang="en-US" smtClean="0"/>
-              <a:t>3/31/2025</a:t>
+              <a:t>4/3/2025</a:t>
             </a:fld>
             <a:endParaRPr lang="en-US"/>
           </a:p>
@@ -1478,7 +1480,7 @@
           <a:p>
             <a:fld id="{5F31DA2F-80B8-49CF-99FB-5ABCA53A607A}" type="datetime1">
               <a:rPr lang="en-US" smtClean="0"/>
-              <a:t>3/31/2025</a:t>
+              <a:t>4/3/2025</a:t>
             </a:fld>
             <a:endParaRPr lang="en-US"/>
           </a:p>
@@ -1893,7 +1895,7 @@
           <a:p>
             <a:fld id="{28852172-E6C9-4B6C-929A-A9DE3837BBF1}" type="datetime1">
               <a:rPr lang="en-US" smtClean="0"/>
-              <a:t>3/31/2025</a:t>
+              <a:t>4/3/2025</a:t>
             </a:fld>
             <a:endParaRPr lang="en-US"/>
           </a:p>
@@ -2045,7 +2047,7 @@
           <a:p>
             <a:fld id="{3AB41CFF-90C9-47B3-9DA1-F2BF8D839F7E}" type="datetime1">
               <a:rPr lang="en-US" smtClean="0"/>
-              <a:t>3/31/2025</a:t>
+              <a:t>4/3/2025</a:t>
             </a:fld>
             <a:endParaRPr lang="en-US"/>
           </a:p>
@@ -2158,7 +2160,7 @@
           <a:p>
             <a:fld id="{F06048FA-06AB-4884-A69B-986B96E68A24}" type="datetime1">
               <a:rPr lang="en-US" smtClean="0"/>
-              <a:t>3/31/2025</a:t>
+              <a:t>4/3/2025</a:t>
             </a:fld>
             <a:endParaRPr lang="en-US"/>
           </a:p>
@@ -2469,7 +2471,7 @@
           <a:p>
             <a:fld id="{50DB7ABA-0172-4F9C-889D-567164F66BCD}" type="datetime1">
               <a:rPr lang="en-US" smtClean="0"/>
-              <a:t>3/31/2025</a:t>
+              <a:t>4/3/2025</a:t>
             </a:fld>
             <a:endParaRPr lang="en-US"/>
           </a:p>
@@ -2760,7 +2762,7 @@
           <a:p>
             <a:fld id="{78AC6A5B-8AE7-4A41-B5A7-9ADC6686DC18}" type="datetime1">
               <a:rPr lang="en-US" smtClean="0"/>
-              <a:t>3/31/2025</a:t>
+              <a:t>4/3/2025</a:t>
             </a:fld>
             <a:endParaRPr lang="en-US"/>
           </a:p>
@@ -3069,7 +3071,7 @@
             <a:fld id="{57E0CF6C-748E-4B7A-BC8B-3011EF78ED13}" type="datetime1">
               <a:rPr lang="en-US" smtClean="0"/>
               <a:pPr/>
-              <a:t>3/31/2025</a:t>
+              <a:t>4/3/2025</a:t>
             </a:fld>
             <a:endParaRPr lang="en-US" dirty="0"/>
           </a:p>
@@ -3950,98 +3952,6 @@
   <p:clrMapOvr>
     <a:masterClrMapping/>
   </p:clrMapOvr>
-  <p:timing>
-    <p:tnLst>
-      <p:par>
-        <p:cTn id="1" dur="indefinite" restart="never" nodeType="tmRoot">
-          <p:childTnLst>
-            <p:seq concurrent="1" nextAc="seek">
-              <p:cTn id="2" dur="indefinite" nodeType="mainSeq">
-                <p:childTnLst>
-                  <p:par>
-                    <p:cTn id="3" fill="hold">
-                      <p:stCondLst>
-                        <p:cond delay="indefinite"/>
-                        <p:cond evt="onBegin" delay="0">
-                          <p:tn val="2"/>
-                        </p:cond>
-                      </p:stCondLst>
-                      <p:childTnLst>
-                        <p:par>
-                          <p:cTn id="4" fill="hold">
-                            <p:stCondLst>
-                              <p:cond delay="0"/>
-                            </p:stCondLst>
-                            <p:childTnLst>
-                              <p:par>
-                                <p:cTn id="5" presetID="10" presetClass="entr" presetSubtype="0" fill="hold" grpId="0" nodeType="withEffect">
-                                  <p:stCondLst>
-                                    <p:cond delay="1000"/>
-                                  </p:stCondLst>
-                                  <p:iterate type="lt">
-                                    <p:tmPct val="10000"/>
-                                  </p:iterate>
-                                  <p:childTnLst>
-                                    <p:set>
-                                      <p:cBhvr>
-                                        <p:cTn id="6" dur="1" fill="hold">
-                                          <p:stCondLst>
-                                            <p:cond delay="0"/>
-                                          </p:stCondLst>
-                                        </p:cTn>
-                                        <p:tgtEl>
-                                          <p:spTgt spid="2"/>
-                                        </p:tgtEl>
-                                        <p:attrNameLst>
-                                          <p:attrName>style.visibility</p:attrName>
-                                        </p:attrNameLst>
-                                      </p:cBhvr>
-                                      <p:to>
-                                        <p:strVal val="visible"/>
-                                      </p:to>
-                                    </p:set>
-                                    <p:animEffect transition="in" filter="fade">
-                                      <p:cBhvr>
-                                        <p:cTn id="7" dur="400"/>
-                                        <p:tgtEl>
-                                          <p:spTgt spid="2"/>
-                                        </p:tgtEl>
-                                      </p:cBhvr>
-                                    </p:animEffect>
-                                  </p:childTnLst>
-                                </p:cTn>
-                              </p:par>
-                            </p:childTnLst>
-                          </p:cTn>
-                        </p:par>
-                      </p:childTnLst>
-                    </p:cTn>
-                  </p:par>
-                </p:childTnLst>
-              </p:cTn>
-              <p:prevCondLst>
-                <p:cond evt="onPrev" delay="0">
-                  <p:tgtEl>
-                    <p:sldTgt/>
-                  </p:tgtEl>
-                </p:cond>
-              </p:prevCondLst>
-              <p:nextCondLst>
-                <p:cond evt="onNext" delay="0">
-                  <p:tgtEl>
-                    <p:sldTgt/>
-                  </p:tgtEl>
-                </p:cond>
-              </p:nextCondLst>
-            </p:seq>
-          </p:childTnLst>
-        </p:cTn>
-      </p:par>
-    </p:tnLst>
-    <p:bldLst>
-      <p:bldP spid="2" grpId="0"/>
-    </p:bldLst>
-  </p:timing>
 </p:sld>
 </file>
 
@@ -6582,10 +6492,21 @@
             <a:r>
               <a:rPr lang="en-US" sz="2100" b="0" i="0" dirty="0">
                 <a:effectLst/>
-                <a:latin typeface="Arial" panose="020B0604020202020204" pitchFamily="34" charset="0"/>
-              </a:rPr>
-              <a:t>Single-Source training</a:t>
-            </a:r>
+                <a:latin typeface="Aptos" panose="020B0004020202020204" pitchFamily="34" charset="0"/>
+              </a:rPr>
+              <a:t>Single-Source </a:t>
+            </a:r>
+            <a:r>
+              <a:rPr lang="en-US" sz="2100" b="0" i="0" dirty="0" err="1">
+                <a:effectLst/>
+                <a:latin typeface="Aptos" panose="020B0004020202020204" pitchFamily="34" charset="0"/>
+              </a:rPr>
+              <a:t>Generalisation</a:t>
+            </a:r>
+            <a:endParaRPr lang="en-US" sz="2100" b="0" i="0" dirty="0">
+              <a:effectLst/>
+              <a:latin typeface="Aptos" panose="020B0004020202020204" pitchFamily="34" charset="0"/>
+            </a:endParaRPr>
           </a:p>
           <a:p>
             <a:pPr marL="1257300" lvl="2" indent="-342900">
@@ -6603,8 +6524,19 @@
                 <a:latin typeface="Aptos" panose="020B0004020202020204" pitchFamily="34" charset="0"/>
                 <a:cs typeface="Times New Roman" panose="02020603050405020304" pitchFamily="18" charset="0"/>
               </a:rPr>
-              <a:t>Multiple-Source training</a:t>
-            </a:r>
+              <a:t>Multiple-Source </a:t>
+            </a:r>
+            <a:r>
+              <a:rPr lang="en-US" sz="2100" b="0" i="0" dirty="0" err="1">
+                <a:effectLst/>
+                <a:latin typeface="Aptos" panose="020B0004020202020204" pitchFamily="34" charset="0"/>
+              </a:rPr>
+              <a:t>Generalisation</a:t>
+            </a:r>
+            <a:endParaRPr lang="en-US" sz="2100" kern="100" dirty="0">
+              <a:latin typeface="Aptos" panose="020B0004020202020204" pitchFamily="34" charset="0"/>
+              <a:cs typeface="Times New Roman" panose="02020603050405020304" pitchFamily="18" charset="0"/>
+            </a:endParaRPr>
           </a:p>
           <a:p>
             <a:pPr marL="1714500" lvl="3" indent="-342900">
@@ -6679,7 +6611,14 @@
                 <a:latin typeface="Aptos" panose="020B0004020202020204" pitchFamily="34" charset="0"/>
                 <a:cs typeface="Times New Roman" panose="02020603050405020304" pitchFamily="18" charset="0"/>
               </a:rPr>
-              <a:t>Evaluate three FER APIs</a:t>
+              <a:t>Commercial APIs </a:t>
+            </a:r>
+            <a:r>
+              <a:rPr lang="en-US" sz="2100" kern="100" dirty="0" err="1">
+                <a:latin typeface="Aptos" panose="020B0004020202020204" pitchFamily="34" charset="0"/>
+                <a:cs typeface="Times New Roman" panose="02020603050405020304" pitchFamily="18" charset="0"/>
+              </a:rPr>
+              <a:t>Evalutaion</a:t>
             </a:r>
             <a:endParaRPr lang="en-GB" sz="2100" kern="100" dirty="0">
               <a:latin typeface="Aptos" panose="020B0004020202020204" pitchFamily="34" charset="0"/>
@@ -7118,24 +7057,6 @@
               <a:rPr lang="en-GB" sz="1600" dirty="0">
                 <a:latin typeface="Arial" panose="020B0604020202020204" pitchFamily="34" charset="0"/>
               </a:rPr>
-              <a:t>Primarily Metric – Accuracy</a:t>
-            </a:r>
-          </a:p>
-          <a:p>
-            <a:pPr marL="800100" lvl="1" indent="-342900">
-              <a:lnSpc>
-                <a:spcPct val="87000"/>
-              </a:lnSpc>
-              <a:spcAft>
-                <a:spcPts val="800"/>
-              </a:spcAft>
-              <a:buFont typeface="Symbol" panose="05050102010706020507" pitchFamily="18" charset="2"/>
-              <a:buChar char=""/>
-            </a:pPr>
-            <a:r>
-              <a:rPr lang="en-GB" sz="1600" dirty="0">
-                <a:latin typeface="Arial" panose="020B0604020202020204" pitchFamily="34" charset="0"/>
-              </a:rPr>
               <a:t>Experiment 1 (</a:t>
             </a:r>
             <a:r>
@@ -7160,11 +7081,11 @@
               <a:rPr lang="en-US" sz="1600" dirty="0">
                 <a:latin typeface="Arial" panose="020B0604020202020204" pitchFamily="34" charset="0"/>
               </a:rPr>
-              <a:t>Average Accuracy (76.4% -&gt; 42.0%)</a:t>
-            </a:r>
-          </a:p>
-          <a:p>
-            <a:pPr marL="800100" lvl="1" indent="-342900">
+              <a:t>132 permutations</a:t>
+            </a:r>
+          </a:p>
+          <a:p>
+            <a:pPr marL="1257300" lvl="2" indent="-342900">
               <a:lnSpc>
                 <a:spcPct val="87000"/>
               </a:lnSpc>
@@ -7178,7 +7099,7 @@
               <a:rPr lang="en-US" sz="1600" dirty="0">
                 <a:latin typeface="Arial" panose="020B0604020202020204" pitchFamily="34" charset="0"/>
               </a:rPr>
-              <a:t>Experiment 2 (Multi-Source) </a:t>
+              <a:t>Average Accuracy (76.4% -&gt; 42.0%)</a:t>
             </a:r>
           </a:p>
           <a:p>
@@ -7192,11 +7113,17 @@
               <a:buFont typeface="Symbol" panose="05050102010706020507" pitchFamily="18" charset="2"/>
               <a:buChar char=""/>
             </a:pPr>
+            <a:r>
+              <a:rPr lang="en-US" sz="1600" dirty="0" err="1">
+                <a:latin typeface="Arial" panose="020B0604020202020204" pitchFamily="34" charset="0"/>
+              </a:rPr>
+              <a:t>AffectNet</a:t>
+            </a:r>
             <a:r>
               <a:rPr lang="en-US" sz="1600" dirty="0">
                 <a:latin typeface="Arial" panose="020B0604020202020204" pitchFamily="34" charset="0"/>
               </a:rPr>
-              <a:t>Within-Setting - Average Accuracy (61.7%)</a:t>
+              <a:t> Best Results</a:t>
             </a:r>
           </a:p>
           <a:p>
@@ -7210,85 +7137,7 @@
               <a:buFont typeface="Symbol" panose="05050102010706020507" pitchFamily="18" charset="2"/>
               <a:buChar char=""/>
             </a:pPr>
-            <a:r>
-              <a:rPr lang="en-US" sz="1600" dirty="0">
-                <a:latin typeface="Arial" panose="020B0604020202020204" pitchFamily="34" charset="0"/>
-              </a:rPr>
-              <a:t>Cross-Setting - Average Accuracy (42.76%)</a:t>
-            </a:r>
-          </a:p>
-          <a:p>
-            <a:pPr marL="1257300" lvl="2" indent="-342900">
-              <a:lnSpc>
-                <a:spcPct val="87000"/>
-              </a:lnSpc>
-              <a:spcAft>
-                <a:spcPts val="800"/>
-              </a:spcAft>
-              <a:buFont typeface="Symbol" panose="05050102010706020507" pitchFamily="18" charset="2"/>
-              <a:buChar char=""/>
-            </a:pPr>
-            <a:r>
-              <a:rPr lang="en-US" sz="1600" dirty="0">
-                <a:latin typeface="Arial" panose="020B0604020202020204" pitchFamily="34" charset="0"/>
-              </a:rPr>
-              <a:t>Leave-one-out - Average Accuracy (65.6%)</a:t>
-            </a:r>
-          </a:p>
-          <a:p>
-            <a:pPr marL="1257300" lvl="2" indent="-342900">
-              <a:lnSpc>
-                <a:spcPct val="87000"/>
-              </a:lnSpc>
-              <a:spcAft>
-                <a:spcPts val="800"/>
-              </a:spcAft>
-              <a:buFont typeface="Symbol" panose="05050102010706020507" pitchFamily="18" charset="2"/>
-              <a:buChar char=""/>
-            </a:pPr>
-            <a:r>
-              <a:rPr lang="en-US" sz="1600" dirty="0">
-                <a:latin typeface="Arial" panose="020B0604020202020204" pitchFamily="34" charset="0"/>
-              </a:rPr>
-              <a:t>The larger the training data generally improves cross-setting performance for all models</a:t>
-            </a:r>
-          </a:p>
-          <a:p>
-            <a:pPr marL="800100" lvl="1" indent="-342900">
-              <a:lnSpc>
-                <a:spcPct val="87000"/>
-              </a:lnSpc>
-              <a:spcAft>
-                <a:spcPts val="800"/>
-              </a:spcAft>
-              <a:buFont typeface="Symbol" panose="05050102010706020507" pitchFamily="18" charset="2"/>
-              <a:buChar char=""/>
-            </a:pPr>
-            <a:r>
-              <a:rPr lang="en-US" sz="1600" dirty="0">
-                <a:latin typeface="Arial" panose="020B0604020202020204" pitchFamily="34" charset="0"/>
-              </a:rPr>
-              <a:t>Experiment 3 (Commercial API)</a:t>
-            </a:r>
-          </a:p>
-          <a:p>
-            <a:pPr marL="1257300" lvl="2" indent="-342900">
-              <a:lnSpc>
-                <a:spcPct val="87000"/>
-              </a:lnSpc>
-              <a:spcAft>
-                <a:spcPts val="800"/>
-              </a:spcAft>
-              <a:buFont typeface="Symbol" panose="05050102010706020507" pitchFamily="18" charset="2"/>
-              <a:buChar char=""/>
-            </a:pPr>
-            <a:r>
-              <a:rPr lang="en-US" sz="1600" dirty="0">
-                <a:latin typeface="Arial" panose="020B0604020202020204" pitchFamily="34" charset="0"/>
-              </a:rPr>
-              <a:t>API average performance underperforms by 25% across all datasets compared to within-corpus results</a:t>
-            </a:r>
-            <a:endParaRPr lang="en-GB" sz="1600" dirty="0">
+            <a:endParaRPr lang="en-US" sz="1600" dirty="0">
               <a:latin typeface="Arial" panose="020B0604020202020204" pitchFamily="34" charset="0"/>
             </a:endParaRPr>
           </a:p>
@@ -7580,6 +7429,36 @@
           </a:p>
         </p:txBody>
       </p:sp>
+      <p:pic>
+        <p:nvPicPr>
+          <p:cNvPr id="3" name="Picture 2">
+            <a:extLst>
+              <a:ext uri="{FF2B5EF4-FFF2-40B4-BE49-F238E27FC236}">
+                <a16:creationId xmlns:a16="http://schemas.microsoft.com/office/drawing/2014/main" id="{11421873-ACDF-FBBA-C634-3BF0A54A8460}"/>
+              </a:ext>
+            </a:extLst>
+          </p:cNvPr>
+          <p:cNvPicPr>
+            <a:picLocks noChangeAspect="1"/>
+          </p:cNvPicPr>
+          <p:nvPr/>
+        </p:nvPicPr>
+        <p:blipFill>
+          <a:blip r:embed="rId2"/>
+          <a:stretch>
+            <a:fillRect/>
+          </a:stretch>
+        </p:blipFill>
+        <p:spPr>
+          <a:xfrm>
+            <a:off x="1871662" y="3272587"/>
+            <a:ext cx="8448675" cy="3219652"/>
+          </a:xfrm>
+          <a:prstGeom prst="rect">
+            <a:avLst/>
+          </a:prstGeom>
+        </p:spPr>
+      </p:pic>
     </p:spTree>
     <p:extLst>
       <p:ext uri="{BB962C8B-B14F-4D97-AF65-F5344CB8AC3E}">
@@ -7594,6 +7473,795 @@
 </file>
 
 <file path=ppt/slides/slide16.xml><?xml version="1.0" encoding="utf-8"?>
+<p:sld xmlns:a="http://schemas.openxmlformats.org/drawingml/2006/main" xmlns:r="http://schemas.openxmlformats.org/officeDocument/2006/relationships" xmlns:p="http://schemas.openxmlformats.org/presentationml/2006/main">
+  <p:cSld>
+    <p:spTree>
+      <p:nvGrpSpPr>
+        <p:cNvPr id="1" name="">
+          <a:extLst>
+            <a:ext uri="{FF2B5EF4-FFF2-40B4-BE49-F238E27FC236}">
+              <a16:creationId xmlns:a16="http://schemas.microsoft.com/office/drawing/2014/main" id="{E1A51381-A2FC-3827-41C3-BE4DB1799F07}"/>
+            </a:ext>
+          </a:extLst>
+        </p:cNvPr>
+        <p:cNvGrpSpPr/>
+        <p:nvPr/>
+      </p:nvGrpSpPr>
+      <p:grpSpPr>
+        <a:xfrm>
+          <a:off x="0" y="0"/>
+          <a:ext cx="0" cy="0"/>
+          <a:chOff x="0" y="0"/>
+          <a:chExt cx="0" cy="0"/>
+        </a:xfrm>
+      </p:grpSpPr>
+      <p:sp>
+        <p:nvSpPr>
+          <p:cNvPr id="8" name="Content Placeholder 2">
+            <a:extLst>
+              <a:ext uri="{FF2B5EF4-FFF2-40B4-BE49-F238E27FC236}">
+                <a16:creationId xmlns:a16="http://schemas.microsoft.com/office/drawing/2014/main" id="{BEC3A1AD-021E-E7C8-442D-300A9B7E6D69}"/>
+              </a:ext>
+            </a:extLst>
+          </p:cNvPr>
+          <p:cNvSpPr>
+            <a:spLocks noGrp="1"/>
+          </p:cNvSpPr>
+          <p:nvPr>
+            <p:ph idx="1"/>
+          </p:nvPr>
+        </p:nvSpPr>
+        <p:spPr>
+          <a:xfrm>
+            <a:off x="458694" y="1263649"/>
+            <a:ext cx="11274612" cy="5594351"/>
+          </a:xfrm>
+        </p:spPr>
+        <p:txBody>
+          <a:bodyPr>
+            <a:normAutofit/>
+          </a:bodyPr>
+          <a:lstStyle/>
+          <a:p>
+            <a:pPr marL="342900" indent="-342900">
+              <a:lnSpc>
+                <a:spcPct val="107000"/>
+              </a:lnSpc>
+              <a:spcAft>
+                <a:spcPts val="800"/>
+              </a:spcAft>
+              <a:buFont typeface="Symbol" panose="05050102010706020507" pitchFamily="18" charset="2"/>
+              <a:buChar char=""/>
+            </a:pPr>
+            <a:r>
+              <a:rPr lang="en-US" sz="2000" b="1" kern="100" dirty="0">
+                <a:latin typeface="Aptos" panose="020B0004020202020204" pitchFamily="34" charset="0"/>
+                <a:cs typeface="Times New Roman" panose="02020603050405020304" pitchFamily="18" charset="0"/>
+              </a:rPr>
+              <a:t>Results</a:t>
+            </a:r>
+          </a:p>
+          <a:p>
+            <a:pPr marL="800100" lvl="1" indent="-342900">
+              <a:lnSpc>
+                <a:spcPct val="87000"/>
+              </a:lnSpc>
+              <a:spcAft>
+                <a:spcPts val="800"/>
+              </a:spcAft>
+              <a:buFont typeface="Symbol" panose="05050102010706020507" pitchFamily="18" charset="2"/>
+              <a:buChar char=""/>
+            </a:pPr>
+            <a:r>
+              <a:rPr lang="en-US" sz="1600" dirty="0">
+                <a:latin typeface="Arial" panose="020B0604020202020204" pitchFamily="34" charset="0"/>
+              </a:rPr>
+              <a:t>Experiment 2 (Multi-Source) </a:t>
+            </a:r>
+          </a:p>
+          <a:p>
+            <a:pPr marL="1257300" lvl="2" indent="-342900">
+              <a:lnSpc>
+                <a:spcPct val="87000"/>
+              </a:lnSpc>
+              <a:spcAft>
+                <a:spcPts val="800"/>
+              </a:spcAft>
+              <a:buFont typeface="Symbol" panose="05050102010706020507" pitchFamily="18" charset="2"/>
+              <a:buChar char=""/>
+            </a:pPr>
+            <a:r>
+              <a:rPr lang="en-US" sz="1600" dirty="0">
+                <a:latin typeface="Arial" panose="020B0604020202020204" pitchFamily="34" charset="0"/>
+              </a:rPr>
+              <a:t>Within-Setting - Average Accuracy (61.7%)</a:t>
+            </a:r>
+          </a:p>
+          <a:p>
+            <a:pPr marL="1257300" lvl="2" indent="-342900">
+              <a:lnSpc>
+                <a:spcPct val="87000"/>
+              </a:lnSpc>
+              <a:spcAft>
+                <a:spcPts val="800"/>
+              </a:spcAft>
+              <a:buFont typeface="Symbol" panose="05050102010706020507" pitchFamily="18" charset="2"/>
+              <a:buChar char=""/>
+            </a:pPr>
+            <a:r>
+              <a:rPr lang="en-US" sz="1600" dirty="0">
+                <a:latin typeface="Arial" panose="020B0604020202020204" pitchFamily="34" charset="0"/>
+              </a:rPr>
+              <a:t>Cross-Setting - Average Accuracy (42.76%)</a:t>
+            </a:r>
+          </a:p>
+          <a:p>
+            <a:pPr marL="1257300" lvl="2" indent="-342900">
+              <a:lnSpc>
+                <a:spcPct val="87000"/>
+              </a:lnSpc>
+              <a:spcAft>
+                <a:spcPts val="800"/>
+              </a:spcAft>
+              <a:buFont typeface="Symbol" panose="05050102010706020507" pitchFamily="18" charset="2"/>
+              <a:buChar char=""/>
+            </a:pPr>
+            <a:r>
+              <a:rPr lang="en-US" sz="1600" dirty="0">
+                <a:latin typeface="Arial" panose="020B0604020202020204" pitchFamily="34" charset="0"/>
+              </a:rPr>
+              <a:t>Leave-one-out - Average Accuracy (65.6%)</a:t>
+            </a:r>
+          </a:p>
+          <a:p>
+            <a:pPr marL="1257300" lvl="2" indent="-342900">
+              <a:lnSpc>
+                <a:spcPct val="87000"/>
+              </a:lnSpc>
+              <a:spcAft>
+                <a:spcPts val="800"/>
+              </a:spcAft>
+              <a:buFont typeface="Symbol" panose="05050102010706020507" pitchFamily="18" charset="2"/>
+              <a:buChar char=""/>
+            </a:pPr>
+            <a:r>
+              <a:rPr lang="en-US" sz="1600" dirty="0">
+                <a:latin typeface="Arial" panose="020B0604020202020204" pitchFamily="34" charset="0"/>
+              </a:rPr>
+              <a:t>The larger the training data generally improves cross-setting performance for all models</a:t>
+            </a:r>
+          </a:p>
+        </p:txBody>
+      </p:sp>
+      <p:sp>
+        <p:nvSpPr>
+          <p:cNvPr id="7" name="Title 1">
+            <a:extLst>
+              <a:ext uri="{FF2B5EF4-FFF2-40B4-BE49-F238E27FC236}">
+                <a16:creationId xmlns:a16="http://schemas.microsoft.com/office/drawing/2014/main" id="{876886EF-CAE4-9DA1-EA34-5A8716A4CA80}"/>
+              </a:ext>
+            </a:extLst>
+          </p:cNvPr>
+          <p:cNvSpPr txBox="1">
+            <a:spLocks/>
+          </p:cNvSpPr>
+          <p:nvPr/>
+        </p:nvSpPr>
+        <p:spPr>
+          <a:xfrm>
+            <a:off x="458694" y="365761"/>
+            <a:ext cx="11274612" cy="897890"/>
+          </a:xfrm>
+          <a:prstGeom prst="rect">
+            <a:avLst/>
+          </a:prstGeom>
+        </p:spPr>
+        <p:txBody>
+          <a:bodyPr vert="horz" lIns="91440" tIns="45720" rIns="91440" bIns="45720" rtlCol="0" anchor="ctr">
+            <a:normAutofit/>
+          </a:bodyPr>
+          <a:lstStyle>
+            <a:lvl1pPr algn="l" defTabSz="914400" rtl="0" eaLnBrk="1" latinLnBrk="0" hangingPunct="1">
+              <a:lnSpc>
+                <a:spcPct val="100000"/>
+              </a:lnSpc>
+              <a:spcBef>
+                <a:spcPct val="0"/>
+              </a:spcBef>
+              <a:buNone/>
+              <a:defRPr sz="4400" b="0" kern="1200">
+                <a:solidFill>
+                  <a:schemeClr val="tx1"/>
+                </a:solidFill>
+                <a:latin typeface="+mj-lt"/>
+                <a:ea typeface="+mj-ea"/>
+                <a:cs typeface="+mj-cs"/>
+              </a:defRPr>
+            </a:lvl1pPr>
+          </a:lstStyle>
+          <a:p>
+            <a:r>
+              <a:rPr lang="en-GB" kern="100" spc="75" dirty="0">
+                <a:solidFill>
+                  <a:srgbClr val="595959"/>
+                </a:solidFill>
+                <a:latin typeface="Aptos" panose="020B0004020202020204" pitchFamily="34" charset="0"/>
+                <a:ea typeface="Times New Roman" panose="02020603050405020304" pitchFamily="18" charset="0"/>
+                <a:cs typeface="Times New Roman" panose="02020603050405020304" pitchFamily="18" charset="0"/>
+              </a:rPr>
+              <a:t>Existing Research (P2-4)</a:t>
+            </a:r>
+            <a:endParaRPr lang="en-MT" dirty="0"/>
+          </a:p>
+        </p:txBody>
+      </p:sp>
+      <p:sp>
+        <p:nvSpPr>
+          <p:cNvPr id="4" name="Content Placeholder 2">
+            <a:extLst>
+              <a:ext uri="{FF2B5EF4-FFF2-40B4-BE49-F238E27FC236}">
+                <a16:creationId xmlns:a16="http://schemas.microsoft.com/office/drawing/2014/main" id="{D951518D-6247-9654-2E6C-607F37A9E8FE}"/>
+              </a:ext>
+            </a:extLst>
+          </p:cNvPr>
+          <p:cNvSpPr txBox="1">
+            <a:spLocks/>
+          </p:cNvSpPr>
+          <p:nvPr/>
+        </p:nvSpPr>
+        <p:spPr>
+          <a:xfrm>
+            <a:off x="458694" y="4229100"/>
+            <a:ext cx="11274612" cy="3108325"/>
+          </a:xfrm>
+          <a:prstGeom prst="rect">
+            <a:avLst/>
+          </a:prstGeom>
+        </p:spPr>
+        <p:txBody>
+          <a:bodyPr vert="horz" lIns="91440" tIns="45720" rIns="91440" bIns="45720" rtlCol="0">
+            <a:normAutofit/>
+          </a:bodyPr>
+          <a:lstStyle>
+            <a:lvl1pPr marL="228600" indent="-228600" algn="l" defTabSz="914400" rtl="0" eaLnBrk="1" latinLnBrk="0" hangingPunct="1">
+              <a:lnSpc>
+                <a:spcPct val="110000"/>
+              </a:lnSpc>
+              <a:spcBef>
+                <a:spcPts val="1000"/>
+              </a:spcBef>
+              <a:buClr>
+                <a:schemeClr val="accent1"/>
+              </a:buClr>
+              <a:buFont typeface="Arial" panose="020B0604020202020204" pitchFamily="34" charset="0"/>
+              <a:buChar char="•"/>
+              <a:defRPr sz="2800" kern="1200">
+                <a:solidFill>
+                  <a:schemeClr val="tx1"/>
+                </a:solidFill>
+                <a:latin typeface="+mn-lt"/>
+                <a:ea typeface="+mn-ea"/>
+                <a:cs typeface="+mn-cs"/>
+              </a:defRPr>
+            </a:lvl1pPr>
+            <a:lvl2pPr marL="685800" indent="-228600" algn="l" defTabSz="914400" rtl="0" eaLnBrk="1" latinLnBrk="0" hangingPunct="1">
+              <a:lnSpc>
+                <a:spcPct val="110000"/>
+              </a:lnSpc>
+              <a:spcBef>
+                <a:spcPts val="500"/>
+              </a:spcBef>
+              <a:buClr>
+                <a:schemeClr val="accent1"/>
+              </a:buClr>
+              <a:buFont typeface="Arial" panose="020B0604020202020204" pitchFamily="34" charset="0"/>
+              <a:buChar char="•"/>
+              <a:defRPr sz="2400" kern="1200">
+                <a:solidFill>
+                  <a:schemeClr val="tx1"/>
+                </a:solidFill>
+                <a:latin typeface="+mn-lt"/>
+                <a:ea typeface="+mn-ea"/>
+                <a:cs typeface="+mn-cs"/>
+              </a:defRPr>
+            </a:lvl2pPr>
+            <a:lvl3pPr marL="1143000" indent="-228600" algn="l" defTabSz="914400" rtl="0" eaLnBrk="1" latinLnBrk="0" hangingPunct="1">
+              <a:lnSpc>
+                <a:spcPct val="110000"/>
+              </a:lnSpc>
+              <a:spcBef>
+                <a:spcPts val="500"/>
+              </a:spcBef>
+              <a:buClr>
+                <a:schemeClr val="accent1"/>
+              </a:buClr>
+              <a:buFont typeface="Arial" panose="020B0604020202020204" pitchFamily="34" charset="0"/>
+              <a:buChar char="•"/>
+              <a:defRPr sz="2000" kern="1200">
+                <a:solidFill>
+                  <a:schemeClr val="tx1"/>
+                </a:solidFill>
+                <a:latin typeface="+mn-lt"/>
+                <a:ea typeface="+mn-ea"/>
+                <a:cs typeface="+mn-cs"/>
+              </a:defRPr>
+            </a:lvl3pPr>
+            <a:lvl4pPr marL="1600200" indent="-228600" algn="l" defTabSz="914400" rtl="0" eaLnBrk="1" latinLnBrk="0" hangingPunct="1">
+              <a:lnSpc>
+                <a:spcPct val="110000"/>
+              </a:lnSpc>
+              <a:spcBef>
+                <a:spcPts val="500"/>
+              </a:spcBef>
+              <a:buClr>
+                <a:schemeClr val="accent1"/>
+              </a:buClr>
+              <a:buFont typeface="Arial" panose="020B0604020202020204" pitchFamily="34" charset="0"/>
+              <a:buChar char="•"/>
+              <a:defRPr sz="1800" kern="1200">
+                <a:solidFill>
+                  <a:schemeClr val="tx1"/>
+                </a:solidFill>
+                <a:latin typeface="+mn-lt"/>
+                <a:ea typeface="+mn-ea"/>
+                <a:cs typeface="+mn-cs"/>
+              </a:defRPr>
+            </a:lvl4pPr>
+            <a:lvl5pPr marL="2057400" indent="-228600" algn="l" defTabSz="914400" rtl="0" eaLnBrk="1" latinLnBrk="0" hangingPunct="1">
+              <a:lnSpc>
+                <a:spcPct val="110000"/>
+              </a:lnSpc>
+              <a:spcBef>
+                <a:spcPts val="500"/>
+              </a:spcBef>
+              <a:buClr>
+                <a:schemeClr val="accent1"/>
+              </a:buClr>
+              <a:buFont typeface="Arial" panose="020B0604020202020204" pitchFamily="34" charset="0"/>
+              <a:buChar char="•"/>
+              <a:defRPr sz="1800" kern="1200">
+                <a:solidFill>
+                  <a:schemeClr val="tx1"/>
+                </a:solidFill>
+                <a:latin typeface="+mn-lt"/>
+                <a:ea typeface="+mn-ea"/>
+                <a:cs typeface="+mn-cs"/>
+              </a:defRPr>
+            </a:lvl5pPr>
+            <a:lvl6pPr marL="2514600" indent="-228600" algn="l" defTabSz="914400" rtl="0" eaLnBrk="1" latinLnBrk="0" hangingPunct="1">
+              <a:lnSpc>
+                <a:spcPct val="90000"/>
+              </a:lnSpc>
+              <a:spcBef>
+                <a:spcPts val="500"/>
+              </a:spcBef>
+              <a:buFont typeface="Arial" panose="020B0604020202020204" pitchFamily="34" charset="0"/>
+              <a:buChar char="•"/>
+              <a:defRPr sz="1800" kern="1200">
+                <a:solidFill>
+                  <a:schemeClr val="tx1"/>
+                </a:solidFill>
+                <a:latin typeface="+mn-lt"/>
+                <a:ea typeface="+mn-ea"/>
+                <a:cs typeface="+mn-cs"/>
+              </a:defRPr>
+            </a:lvl6pPr>
+            <a:lvl7pPr marL="2971800" indent="-228600" algn="l" defTabSz="914400" rtl="0" eaLnBrk="1" latinLnBrk="0" hangingPunct="1">
+              <a:lnSpc>
+                <a:spcPct val="90000"/>
+              </a:lnSpc>
+              <a:spcBef>
+                <a:spcPts val="500"/>
+              </a:spcBef>
+              <a:buFont typeface="Arial" panose="020B0604020202020204" pitchFamily="34" charset="0"/>
+              <a:buChar char="•"/>
+              <a:defRPr sz="1800" kern="1200">
+                <a:solidFill>
+                  <a:schemeClr val="tx1"/>
+                </a:solidFill>
+                <a:latin typeface="+mn-lt"/>
+                <a:ea typeface="+mn-ea"/>
+                <a:cs typeface="+mn-cs"/>
+              </a:defRPr>
+            </a:lvl7pPr>
+            <a:lvl8pPr marL="3429000" indent="-228600" algn="l" defTabSz="914400" rtl="0" eaLnBrk="1" latinLnBrk="0" hangingPunct="1">
+              <a:lnSpc>
+                <a:spcPct val="90000"/>
+              </a:lnSpc>
+              <a:spcBef>
+                <a:spcPts val="500"/>
+              </a:spcBef>
+              <a:buFont typeface="Arial" panose="020B0604020202020204" pitchFamily="34" charset="0"/>
+              <a:buChar char="•"/>
+              <a:defRPr sz="1800" kern="1200">
+                <a:solidFill>
+                  <a:schemeClr val="tx1"/>
+                </a:solidFill>
+                <a:latin typeface="+mn-lt"/>
+                <a:ea typeface="+mn-ea"/>
+                <a:cs typeface="+mn-cs"/>
+              </a:defRPr>
+            </a:lvl8pPr>
+            <a:lvl9pPr marL="3886200" indent="-228600" algn="l" defTabSz="914400" rtl="0" eaLnBrk="1" latinLnBrk="0" hangingPunct="1">
+              <a:lnSpc>
+                <a:spcPct val="90000"/>
+              </a:lnSpc>
+              <a:spcBef>
+                <a:spcPts val="500"/>
+              </a:spcBef>
+              <a:buFont typeface="Arial" panose="020B0604020202020204" pitchFamily="34" charset="0"/>
+              <a:buChar char="•"/>
+              <a:defRPr sz="1800" kern="1200">
+                <a:solidFill>
+                  <a:schemeClr val="tx1"/>
+                </a:solidFill>
+                <a:latin typeface="+mn-lt"/>
+                <a:ea typeface="+mn-ea"/>
+                <a:cs typeface="+mn-cs"/>
+              </a:defRPr>
+            </a:lvl9pPr>
+          </a:lstStyle>
+          <a:p>
+            <a:pPr>
+              <a:lnSpc>
+                <a:spcPct val="107000"/>
+              </a:lnSpc>
+              <a:spcAft>
+                <a:spcPts val="800"/>
+              </a:spcAft>
+            </a:pPr>
+            <a:endParaRPr lang="en-MT" sz="1400" kern="100" dirty="0">
+              <a:effectLst/>
+              <a:latin typeface="Aptos" panose="020B0004020202020204" pitchFamily="34" charset="0"/>
+              <a:ea typeface="Aptos" panose="020B0004020202020204" pitchFamily="34" charset="0"/>
+              <a:cs typeface="Times New Roman" panose="02020603050405020304" pitchFamily="18" charset="0"/>
+            </a:endParaRPr>
+          </a:p>
+        </p:txBody>
+      </p:sp>
+      <p:pic>
+        <p:nvPicPr>
+          <p:cNvPr id="5" name="Picture 4">
+            <a:extLst>
+              <a:ext uri="{FF2B5EF4-FFF2-40B4-BE49-F238E27FC236}">
+                <a16:creationId xmlns:a16="http://schemas.microsoft.com/office/drawing/2014/main" id="{423020D1-378C-BCEF-4D60-E2BB919C835E}"/>
+              </a:ext>
+            </a:extLst>
+          </p:cNvPr>
+          <p:cNvPicPr>
+            <a:picLocks noChangeAspect="1"/>
+          </p:cNvPicPr>
+          <p:nvPr/>
+        </p:nvPicPr>
+        <p:blipFill>
+          <a:blip r:embed="rId2"/>
+          <a:stretch>
+            <a:fillRect/>
+          </a:stretch>
+        </p:blipFill>
+        <p:spPr>
+          <a:xfrm>
+            <a:off x="458694" y="3624561"/>
+            <a:ext cx="7136607" cy="2867678"/>
+          </a:xfrm>
+          <a:prstGeom prst="rect">
+            <a:avLst/>
+          </a:prstGeom>
+        </p:spPr>
+      </p:pic>
+      <p:pic>
+        <p:nvPicPr>
+          <p:cNvPr id="9" name="Picture 8">
+            <a:extLst>
+              <a:ext uri="{FF2B5EF4-FFF2-40B4-BE49-F238E27FC236}">
+                <a16:creationId xmlns:a16="http://schemas.microsoft.com/office/drawing/2014/main" id="{B1366A95-4ED5-08F9-5F1E-474E904C6618}"/>
+              </a:ext>
+            </a:extLst>
+          </p:cNvPr>
+          <p:cNvPicPr>
+            <a:picLocks noChangeAspect="1"/>
+          </p:cNvPicPr>
+          <p:nvPr/>
+        </p:nvPicPr>
+        <p:blipFill>
+          <a:blip r:embed="rId3"/>
+          <a:stretch>
+            <a:fillRect/>
+          </a:stretch>
+        </p:blipFill>
+        <p:spPr>
+          <a:xfrm>
+            <a:off x="7885205" y="3624561"/>
+            <a:ext cx="3848101" cy="2868711"/>
+          </a:xfrm>
+          <a:prstGeom prst="rect">
+            <a:avLst/>
+          </a:prstGeom>
+        </p:spPr>
+      </p:pic>
+    </p:spTree>
+    <p:extLst>
+      <p:ext uri="{BB962C8B-B14F-4D97-AF65-F5344CB8AC3E}">
+        <p14:creationId xmlns:p14="http://schemas.microsoft.com/office/powerpoint/2010/main" val="3785657478"/>
+      </p:ext>
+    </p:extLst>
+  </p:cSld>
+  <p:clrMapOvr>
+    <a:masterClrMapping/>
+  </p:clrMapOvr>
+</p:sld>
+</file>
+
+<file path=ppt/slides/slide17.xml><?xml version="1.0" encoding="utf-8"?>
+<p:sld xmlns:a="http://schemas.openxmlformats.org/drawingml/2006/main" xmlns:r="http://schemas.openxmlformats.org/officeDocument/2006/relationships" xmlns:p="http://schemas.openxmlformats.org/presentationml/2006/main">
+  <p:cSld>
+    <p:spTree>
+      <p:nvGrpSpPr>
+        <p:cNvPr id="1" name="">
+          <a:extLst>
+            <a:ext uri="{FF2B5EF4-FFF2-40B4-BE49-F238E27FC236}">
+              <a16:creationId xmlns:a16="http://schemas.microsoft.com/office/drawing/2014/main" id="{B350D0B4-CB19-85A5-716D-6C15F8373EE7}"/>
+            </a:ext>
+          </a:extLst>
+        </p:cNvPr>
+        <p:cNvGrpSpPr/>
+        <p:nvPr/>
+      </p:nvGrpSpPr>
+      <p:grpSpPr>
+        <a:xfrm>
+          <a:off x="0" y="0"/>
+          <a:ext cx="0" cy="0"/>
+          <a:chOff x="0" y="0"/>
+          <a:chExt cx="0" cy="0"/>
+        </a:xfrm>
+      </p:grpSpPr>
+      <p:sp>
+        <p:nvSpPr>
+          <p:cNvPr id="8" name="Content Placeholder 2">
+            <a:extLst>
+              <a:ext uri="{FF2B5EF4-FFF2-40B4-BE49-F238E27FC236}">
+                <a16:creationId xmlns:a16="http://schemas.microsoft.com/office/drawing/2014/main" id="{5B41E31A-6438-6C03-DEDF-67AC5AFFF027}"/>
+              </a:ext>
+            </a:extLst>
+          </p:cNvPr>
+          <p:cNvSpPr>
+            <a:spLocks noGrp="1"/>
+          </p:cNvSpPr>
+          <p:nvPr>
+            <p:ph idx="1"/>
+          </p:nvPr>
+        </p:nvSpPr>
+        <p:spPr>
+          <a:xfrm>
+            <a:off x="458694" y="1263651"/>
+            <a:ext cx="11274612" cy="5594351"/>
+          </a:xfrm>
+        </p:spPr>
+        <p:txBody>
+          <a:bodyPr>
+            <a:normAutofit/>
+          </a:bodyPr>
+          <a:lstStyle/>
+          <a:p>
+            <a:pPr marL="342900" indent="-342900">
+              <a:lnSpc>
+                <a:spcPct val="107000"/>
+              </a:lnSpc>
+              <a:spcAft>
+                <a:spcPts val="800"/>
+              </a:spcAft>
+              <a:buFont typeface="Symbol" panose="05050102010706020507" pitchFamily="18" charset="2"/>
+              <a:buChar char=""/>
+            </a:pPr>
+            <a:r>
+              <a:rPr lang="en-US" sz="2000" b="1" kern="100" dirty="0">
+                <a:latin typeface="Aptos" panose="020B0004020202020204" pitchFamily="34" charset="0"/>
+                <a:cs typeface="Times New Roman" panose="02020603050405020304" pitchFamily="18" charset="0"/>
+              </a:rPr>
+              <a:t>Results</a:t>
+            </a:r>
+          </a:p>
+          <a:p>
+            <a:pPr marL="800100" lvl="1" indent="-342900">
+              <a:lnSpc>
+                <a:spcPct val="87000"/>
+              </a:lnSpc>
+              <a:spcAft>
+                <a:spcPts val="800"/>
+              </a:spcAft>
+              <a:buFont typeface="Symbol" panose="05050102010706020507" pitchFamily="18" charset="2"/>
+              <a:buChar char=""/>
+            </a:pPr>
+            <a:r>
+              <a:rPr lang="en-US" sz="1600" dirty="0">
+                <a:latin typeface="Arial" panose="020B0604020202020204" pitchFamily="34" charset="0"/>
+              </a:rPr>
+              <a:t>Experiment 3 (Commercial API)</a:t>
+            </a:r>
+          </a:p>
+          <a:p>
+            <a:pPr marL="1257300" lvl="2" indent="-342900">
+              <a:lnSpc>
+                <a:spcPct val="87000"/>
+              </a:lnSpc>
+              <a:spcAft>
+                <a:spcPts val="800"/>
+              </a:spcAft>
+              <a:buFont typeface="Symbol" panose="05050102010706020507" pitchFamily="18" charset="2"/>
+              <a:buChar char=""/>
+            </a:pPr>
+            <a:r>
+              <a:rPr lang="en-US" sz="1600" dirty="0">
+                <a:latin typeface="Arial" panose="020B0604020202020204" pitchFamily="34" charset="0"/>
+              </a:rPr>
+              <a:t>Only Test Sets used for results</a:t>
+            </a:r>
+          </a:p>
+          <a:p>
+            <a:pPr marL="1257300" lvl="2" indent="-342900">
+              <a:lnSpc>
+                <a:spcPct val="87000"/>
+              </a:lnSpc>
+              <a:spcAft>
+                <a:spcPts val="800"/>
+              </a:spcAft>
+              <a:buFont typeface="Symbol" panose="05050102010706020507" pitchFamily="18" charset="2"/>
+              <a:buChar char=""/>
+            </a:pPr>
+            <a:r>
+              <a:rPr lang="en-US" sz="1600" dirty="0">
+                <a:latin typeface="Arial" panose="020B0604020202020204" pitchFamily="34" charset="0"/>
+              </a:rPr>
+              <a:t>API average performance underperforms by 25% across all datasets compared to within-corpus results</a:t>
+            </a:r>
+          </a:p>
+          <a:p>
+            <a:pPr marL="1257300" lvl="2" indent="-342900">
+              <a:lnSpc>
+                <a:spcPct val="87000"/>
+              </a:lnSpc>
+              <a:spcAft>
+                <a:spcPts val="800"/>
+              </a:spcAft>
+              <a:buFont typeface="Symbol" panose="05050102010706020507" pitchFamily="18" charset="2"/>
+              <a:buChar char=""/>
+            </a:pPr>
+            <a:r>
+              <a:rPr lang="en-US" sz="1600" dirty="0">
+                <a:latin typeface="Arial" panose="020B0604020202020204" pitchFamily="34" charset="0"/>
+              </a:rPr>
+              <a:t>Microsoft Azure (Discontinued -&gt; Missing Results)</a:t>
+            </a:r>
+          </a:p>
+          <a:p>
+            <a:pPr marL="1257300" lvl="2" indent="-342900">
+              <a:lnSpc>
+                <a:spcPct val="87000"/>
+              </a:lnSpc>
+              <a:spcAft>
+                <a:spcPts val="800"/>
+              </a:spcAft>
+              <a:buFont typeface="Symbol" panose="05050102010706020507" pitchFamily="18" charset="2"/>
+              <a:buChar char=""/>
+            </a:pPr>
+            <a:r>
+              <a:rPr lang="en-US" sz="1600" dirty="0">
+                <a:latin typeface="Arial" panose="020B0604020202020204" pitchFamily="34" charset="0"/>
+              </a:rPr>
+              <a:t>Constantly Changing</a:t>
+            </a:r>
+            <a:endParaRPr lang="en-GB" sz="1600" dirty="0">
+              <a:latin typeface="Arial" panose="020B0604020202020204" pitchFamily="34" charset="0"/>
+            </a:endParaRPr>
+          </a:p>
+        </p:txBody>
+      </p:sp>
+      <p:sp>
+        <p:nvSpPr>
+          <p:cNvPr id="7" name="Title 1">
+            <a:extLst>
+              <a:ext uri="{FF2B5EF4-FFF2-40B4-BE49-F238E27FC236}">
+                <a16:creationId xmlns:a16="http://schemas.microsoft.com/office/drawing/2014/main" id="{2C6B5BAF-926A-5883-E3EB-424E1A5DA557}"/>
+              </a:ext>
+            </a:extLst>
+          </p:cNvPr>
+          <p:cNvSpPr txBox="1">
+            <a:spLocks/>
+          </p:cNvSpPr>
+          <p:nvPr/>
+        </p:nvSpPr>
+        <p:spPr>
+          <a:xfrm>
+            <a:off x="458694" y="365761"/>
+            <a:ext cx="11274612" cy="897890"/>
+          </a:xfrm>
+          <a:prstGeom prst="rect">
+            <a:avLst/>
+          </a:prstGeom>
+        </p:spPr>
+        <p:txBody>
+          <a:bodyPr vert="horz" lIns="91440" tIns="45720" rIns="91440" bIns="45720" rtlCol="0" anchor="ctr">
+            <a:normAutofit/>
+          </a:bodyPr>
+          <a:lstStyle>
+            <a:lvl1pPr algn="l" defTabSz="914400" rtl="0" eaLnBrk="1" latinLnBrk="0" hangingPunct="1">
+              <a:lnSpc>
+                <a:spcPct val="100000"/>
+              </a:lnSpc>
+              <a:spcBef>
+                <a:spcPct val="0"/>
+              </a:spcBef>
+              <a:buNone/>
+              <a:defRPr sz="4400" b="0" kern="1200">
+                <a:solidFill>
+                  <a:schemeClr val="tx1"/>
+                </a:solidFill>
+                <a:latin typeface="+mj-lt"/>
+                <a:ea typeface="+mj-ea"/>
+                <a:cs typeface="+mj-cs"/>
+              </a:defRPr>
+            </a:lvl1pPr>
+          </a:lstStyle>
+          <a:p>
+            <a:r>
+              <a:rPr lang="en-GB" kern="100" spc="75" dirty="0">
+                <a:solidFill>
+                  <a:srgbClr val="595959"/>
+                </a:solidFill>
+                <a:latin typeface="Aptos" panose="020B0004020202020204" pitchFamily="34" charset="0"/>
+                <a:ea typeface="Times New Roman" panose="02020603050405020304" pitchFamily="18" charset="0"/>
+                <a:cs typeface="Times New Roman" panose="02020603050405020304" pitchFamily="18" charset="0"/>
+              </a:rPr>
+              <a:t>Existing Research (P2-5)</a:t>
+            </a:r>
+            <a:endParaRPr lang="en-MT" dirty="0"/>
+          </a:p>
+        </p:txBody>
+      </p:sp>
+      <p:pic>
+        <p:nvPicPr>
+          <p:cNvPr id="10" name="Picture 9">
+            <a:extLst>
+              <a:ext uri="{FF2B5EF4-FFF2-40B4-BE49-F238E27FC236}">
+                <a16:creationId xmlns:a16="http://schemas.microsoft.com/office/drawing/2014/main" id="{2FABF062-6605-C4AB-8263-E3763242EB54}"/>
+              </a:ext>
+            </a:extLst>
+          </p:cNvPr>
+          <p:cNvPicPr>
+            <a:picLocks noChangeAspect="1"/>
+          </p:cNvPicPr>
+          <p:nvPr/>
+        </p:nvPicPr>
+        <p:blipFill>
+          <a:blip r:embed="rId2"/>
+          <a:stretch>
+            <a:fillRect/>
+          </a:stretch>
+        </p:blipFill>
+        <p:spPr>
+          <a:xfrm>
+            <a:off x="2986980" y="3739493"/>
+            <a:ext cx="6218039" cy="2752746"/>
+          </a:xfrm>
+          <a:prstGeom prst="rect">
+            <a:avLst/>
+          </a:prstGeom>
+        </p:spPr>
+      </p:pic>
+    </p:spTree>
+    <p:extLst>
+      <p:ext uri="{BB962C8B-B14F-4D97-AF65-F5344CB8AC3E}">
+        <p14:creationId xmlns:p14="http://schemas.microsoft.com/office/powerpoint/2010/main" val="1378192565"/>
+      </p:ext>
+    </p:extLst>
+  </p:cSld>
+  <p:clrMapOvr>
+    <a:masterClrMapping/>
+  </p:clrMapOvr>
+</p:sld>
+</file>
+
+<file path=ppt/slides/slide18.xml><?xml version="1.0" encoding="utf-8"?>
 <p:sld xmlns:a="http://schemas.openxmlformats.org/drawingml/2006/main" xmlns:r="http://schemas.openxmlformats.org/officeDocument/2006/relationships" xmlns:p="http://schemas.openxmlformats.org/presentationml/2006/main">
   <p:cSld>
     <p:spTree>
@@ -8165,7 +8833,7 @@
 </p:sld>
 </file>
 
-<file path=ppt/slides/slide17.xml><?xml version="1.0" encoding="utf-8"?>
+<file path=ppt/slides/slide19.xml><?xml version="1.0" encoding="utf-8"?>
 <p:sld xmlns:a="http://schemas.openxmlformats.org/drawingml/2006/main" xmlns:r="http://schemas.openxmlformats.org/officeDocument/2006/relationships" xmlns:p="http://schemas.openxmlformats.org/presentationml/2006/main">
   <p:cSld>
     <p:spTree>
@@ -8484,7 +9152,7 @@
           <p:nvPr>
             <p:extLst>
               <p:ext uri="{D42A27DB-BD31-4B8C-83A1-F6EECF244321}">
-                <p14:modId xmlns:p14="http://schemas.microsoft.com/office/powerpoint/2010/main" val="92273645"/>
+                <p14:modId xmlns:p14="http://schemas.microsoft.com/office/powerpoint/2010/main" val="4284510122"/>
               </p:ext>
             </p:extLst>
           </p:nvPr>
@@ -8837,6 +9505,17 @@
                     <a:lstStyle/>
                     <a:p>
                       <a:r>
+                        <a:rPr lang="en-GB" sz="1600" kern="100" dirty="0" err="1">
+                          <a:solidFill>
+                            <a:schemeClr val="tx1"/>
+                          </a:solidFill>
+                          <a:latin typeface="Aptos" panose="020B0004020202020204" pitchFamily="34" charset="0"/>
+                          <a:ea typeface="+mn-ea"/>
+                          <a:cs typeface="Times New Roman" panose="02020603050405020304" pitchFamily="18" charset="0"/>
+                        </a:rPr>
+                        <a:t>PAtt</a:t>
+                      </a:r>
+                      <a:r>
                         <a:rPr lang="en-GB" sz="1600" kern="100" dirty="0">
                           <a:solidFill>
                             <a:schemeClr val="tx1"/>
@@ -8845,7 +9524,7 @@
                           <a:ea typeface="+mn-ea"/>
                           <a:cs typeface="Times New Roman" panose="02020603050405020304" pitchFamily="18" charset="0"/>
                         </a:rPr>
-                        <a:t>Patt-Lite</a:t>
+                        <a:t>-Lite</a:t>
                       </a:r>
                       <a:endParaRPr lang="en-MT" sz="1600" kern="100" dirty="0">
                         <a:solidFill>
@@ -10394,7 +11073,7 @@
                 <a:latin typeface="Aptos" panose="020B0004020202020204" pitchFamily="34" charset="0"/>
                 <a:cs typeface="Times New Roman" panose="02020603050405020304" pitchFamily="18" charset="0"/>
               </a:rPr>
-              <a:t>, FER2013, RAF-DB,)</a:t>
+              <a:t>, FER2013, RAF-DB)</a:t>
             </a:r>
           </a:p>
           <a:p>
@@ -10877,6 +11556,94 @@
           </p:txBody>
         </p:sp>
       </p:grpSp>
+      <p:grpSp>
+        <p:nvGrpSpPr>
+          <p:cNvPr id="14" name="Group 13">
+            <a:extLst>
+              <a:ext uri="{FF2B5EF4-FFF2-40B4-BE49-F238E27FC236}">
+                <a16:creationId xmlns:a16="http://schemas.microsoft.com/office/drawing/2014/main" id="{88D92AFB-7AF6-BBCE-A78D-85D69FB38E29}"/>
+              </a:ext>
+            </a:extLst>
+          </p:cNvPr>
+          <p:cNvGrpSpPr/>
+          <p:nvPr/>
+        </p:nvGrpSpPr>
+        <p:grpSpPr>
+          <a:xfrm>
+            <a:off x="3177540" y="3263262"/>
+            <a:ext cx="5836920" cy="2889332"/>
+            <a:chOff x="3177540" y="3263262"/>
+            <a:chExt cx="5836920" cy="2889332"/>
+          </a:xfrm>
+        </p:grpSpPr>
+        <p:pic>
+          <p:nvPicPr>
+            <p:cNvPr id="5" name="Picture 4">
+              <a:extLst>
+                <a:ext uri="{FF2B5EF4-FFF2-40B4-BE49-F238E27FC236}">
+                  <a16:creationId xmlns:a16="http://schemas.microsoft.com/office/drawing/2014/main" id="{EE744437-BE45-B7FD-E897-C0510444B2E7}"/>
+                </a:ext>
+              </a:extLst>
+            </p:cNvPr>
+            <p:cNvPicPr>
+              <a:picLocks noChangeAspect="1"/>
+            </p:cNvPicPr>
+            <p:nvPr/>
+          </p:nvPicPr>
+          <p:blipFill>
+            <a:blip r:embed="rId4"/>
+            <a:stretch>
+              <a:fillRect/>
+            </a:stretch>
+          </p:blipFill>
+          <p:spPr>
+            <a:xfrm>
+              <a:off x="3177540" y="3263262"/>
+              <a:ext cx="5836920" cy="2520000"/>
+            </a:xfrm>
+            <a:prstGeom prst="rect">
+              <a:avLst/>
+            </a:prstGeom>
+          </p:spPr>
+        </p:pic>
+        <p:sp>
+          <p:nvSpPr>
+            <p:cNvPr id="13" name="TextBox 12">
+              <a:extLst>
+                <a:ext uri="{FF2B5EF4-FFF2-40B4-BE49-F238E27FC236}">
+                  <a16:creationId xmlns:a16="http://schemas.microsoft.com/office/drawing/2014/main" id="{3E28BCDF-4D1E-FA90-F831-40AEDA99BA65}"/>
+                </a:ext>
+              </a:extLst>
+            </p:cNvPr>
+            <p:cNvSpPr txBox="1"/>
+            <p:nvPr/>
+          </p:nvSpPr>
+          <p:spPr>
+            <a:xfrm>
+              <a:off x="3177540" y="5783262"/>
+              <a:ext cx="5836920" cy="369332"/>
+            </a:xfrm>
+            <a:prstGeom prst="rect">
+              <a:avLst/>
+            </a:prstGeom>
+            <a:noFill/>
+          </p:spPr>
+          <p:txBody>
+            <a:bodyPr wrap="square" rtlCol="0">
+              <a:spAutoFit/>
+            </a:bodyPr>
+            <a:lstStyle/>
+            <a:p>
+              <a:pPr algn="ctr"/>
+              <a:r>
+                <a:rPr lang="en-GB" dirty="0"/>
+                <a:t>RAF-DB Compound/Emotions</a:t>
+              </a:r>
+              <a:endParaRPr lang="en-MT" dirty="0"/>
+            </a:p>
+          </p:txBody>
+        </p:sp>
+      </p:grpSp>
     </p:spTree>
     <p:extLst>
       <p:ext uri="{BB962C8B-B14F-4D97-AF65-F5344CB8AC3E}">
@@ -10887,6 +11654,135 @@
   <p:clrMapOvr>
     <a:masterClrMapping/>
   </p:clrMapOvr>
+  <p:timing>
+    <p:tnLst>
+      <p:par>
+        <p:cTn id="1" dur="indefinite" restart="never" nodeType="tmRoot">
+          <p:childTnLst>
+            <p:seq concurrent="1" nextAc="seek">
+              <p:cTn id="2" dur="indefinite" nodeType="mainSeq">
+                <p:childTnLst>
+                  <p:par>
+                    <p:cTn id="3" fill="hold">
+                      <p:stCondLst>
+                        <p:cond delay="indefinite"/>
+                      </p:stCondLst>
+                      <p:childTnLst>
+                        <p:par>
+                          <p:cTn id="4" fill="hold">
+                            <p:stCondLst>
+                              <p:cond delay="0"/>
+                            </p:stCondLst>
+                            <p:childTnLst>
+                              <p:par>
+                                <p:cTn id="5" presetID="1" presetClass="entr" presetSubtype="0" fill="hold" nodeType="clickEffect">
+                                  <p:stCondLst>
+                                    <p:cond delay="0"/>
+                                  </p:stCondLst>
+                                  <p:childTnLst>
+                                    <p:set>
+                                      <p:cBhvr>
+                                        <p:cTn id="6" dur="1" fill="hold">
+                                          <p:stCondLst>
+                                            <p:cond delay="0"/>
+                                          </p:stCondLst>
+                                        </p:cTn>
+                                        <p:tgtEl>
+                                          <p:spTgt spid="14"/>
+                                        </p:tgtEl>
+                                        <p:attrNameLst>
+                                          <p:attrName>style.visibility</p:attrName>
+                                        </p:attrNameLst>
+                                      </p:cBhvr>
+                                      <p:to>
+                                        <p:strVal val="visible"/>
+                                      </p:to>
+                                    </p:set>
+                                  </p:childTnLst>
+                                </p:cTn>
+                              </p:par>
+                              <p:par>
+                                <p:cTn id="7" presetID="1" presetClass="exit" presetSubtype="0" fill="hold" nodeType="withEffect">
+                                  <p:stCondLst>
+                                    <p:cond delay="0"/>
+                                  </p:stCondLst>
+                                  <p:childTnLst>
+                                    <p:set>
+                                      <p:cBhvr>
+                                        <p:cTn id="8" dur="1" fill="hold">
+                                          <p:stCondLst>
+                                            <p:cond delay="0"/>
+                                          </p:stCondLst>
+                                        </p:cTn>
+                                        <p:tgtEl>
+                                          <p:spTgt spid="12"/>
+                                        </p:tgtEl>
+                                        <p:attrNameLst>
+                                          <p:attrName>style.visibility</p:attrName>
+                                        </p:attrNameLst>
+                                      </p:cBhvr>
+                                      <p:to>
+                                        <p:strVal val="hidden"/>
+                                      </p:to>
+                                    </p:set>
+                                  </p:childTnLst>
+                                </p:cTn>
+                              </p:par>
+                              <p:par>
+                                <p:cTn id="9" presetID="1" presetClass="exit" presetSubtype="0" fill="hold" nodeType="withEffect">
+                                  <p:stCondLst>
+                                    <p:cond delay="0"/>
+                                  </p:stCondLst>
+                                  <p:childTnLst>
+                                    <p:set>
+                                      <p:cBhvr>
+                                        <p:cTn id="10" dur="1" fill="hold">
+                                          <p:stCondLst>
+                                            <p:cond delay="0"/>
+                                          </p:stCondLst>
+                                        </p:cTn>
+                                        <p:tgtEl>
+                                          <p:spTgt spid="11"/>
+                                        </p:tgtEl>
+                                        <p:attrNameLst>
+                                          <p:attrName>style.visibility</p:attrName>
+                                        </p:attrNameLst>
+                                      </p:cBhvr>
+                                      <p:to>
+                                        <p:strVal val="hidden"/>
+                                      </p:to>
+                                    </p:set>
+                                  </p:childTnLst>
+                                </p:cTn>
+                              </p:par>
+                            </p:childTnLst>
+                          </p:cTn>
+                        </p:par>
+                      </p:childTnLst>
+                    </p:cTn>
+                  </p:par>
+                </p:childTnLst>
+              </p:cTn>
+              <p:prevCondLst>
+                <p:cond evt="onPrev" delay="0">
+                  <p:tgtEl>
+                    <p:sldTgt/>
+                  </p:tgtEl>
+                </p:cond>
+              </p:prevCondLst>
+              <p:nextCondLst>
+                <p:cond evt="onNext" delay="0">
+                  <p:tgtEl>
+                    <p:sldTgt/>
+                  </p:tgtEl>
+                </p:cond>
+              </p:nextCondLst>
+            </p:seq>
+          </p:childTnLst>
+        </p:cTn>
+      </p:par>
+    </p:tnLst>
+  </p:timing>
 </p:sld>
 </file>
 
@@ -12209,6 +13105,25 @@
                 <a:latin typeface="Aptos" panose="020B0004020202020204" pitchFamily="34" charset="0"/>
                 <a:cs typeface="Times New Roman" panose="02020603050405020304" pitchFamily="18" charset="0"/>
               </a:rPr>
+              <a:t>Generalisability Issue</a:t>
+            </a:r>
+          </a:p>
+          <a:p>
+            <a:pPr marL="800100" lvl="1" indent="-342900">
+              <a:lnSpc>
+                <a:spcPct val="107000"/>
+              </a:lnSpc>
+              <a:spcAft>
+                <a:spcPts val="800"/>
+              </a:spcAft>
+              <a:buFont typeface="Symbol" panose="05050102010706020507" pitchFamily="18" charset="2"/>
+              <a:buChar char=""/>
+            </a:pPr>
+            <a:r>
+              <a:rPr lang="en-GB" sz="1600" kern="100" dirty="0">
+                <a:latin typeface="Aptos" panose="020B0004020202020204" pitchFamily="34" charset="0"/>
+                <a:cs typeface="Times New Roman" panose="02020603050405020304" pitchFamily="18" charset="0"/>
+              </a:rPr>
               <a:t>Encourage FER model applicability (Assessing Generalisability)</a:t>
             </a:r>
           </a:p>
@@ -12247,8 +13162,19 @@
                 <a:latin typeface="Aptos" panose="020B0004020202020204" pitchFamily="34" charset="0"/>
                 <a:cs typeface="Times New Roman" panose="02020603050405020304" pitchFamily="18" charset="0"/>
               </a:rPr>
-              <a:t>Model Performance Replicability</a:t>
-            </a:r>
+              <a:t>Model Performance Replicability – </a:t>
+            </a:r>
+            <a:r>
+              <a:rPr lang="en-US" sz="1600" kern="100" dirty="0">
+                <a:latin typeface="Aptos" panose="020B0004020202020204" pitchFamily="34" charset="0"/>
+                <a:cs typeface="Times New Roman" panose="02020603050405020304" pitchFamily="18" charset="0"/>
+              </a:rPr>
+              <a:t>Are reported results accurate and repeatable?</a:t>
+            </a:r>
+            <a:endParaRPr lang="en-GB" sz="1600" kern="100" dirty="0">
+              <a:latin typeface="Aptos" panose="020B0004020202020204" pitchFamily="34" charset="0"/>
+              <a:cs typeface="Times New Roman" panose="02020603050405020304" pitchFamily="18" charset="0"/>
+            </a:endParaRPr>
           </a:p>
           <a:p>
             <a:pPr marL="800100" lvl="1" indent="-342900">
@@ -12266,8 +13192,19 @@
                 <a:latin typeface="Aptos" panose="020B0004020202020204" pitchFamily="34" charset="0"/>
                 <a:cs typeface="Times New Roman" panose="02020603050405020304" pitchFamily="18" charset="0"/>
               </a:rPr>
-              <a:t>Cross-Datasets Performance</a:t>
-            </a:r>
+              <a:t>Cross-Datasets Performance </a:t>
+            </a:r>
+            <a:r>
+              <a:rPr lang="en-US" sz="1600" kern="100" dirty="0">
+                <a:latin typeface="Aptos" panose="020B0004020202020204" pitchFamily="34" charset="0"/>
+                <a:cs typeface="Times New Roman" panose="02020603050405020304" pitchFamily="18" charset="0"/>
+              </a:rPr>
+              <a:t>– Do models trained on one dataset work well on others?</a:t>
+            </a:r>
+            <a:endParaRPr lang="en-GB" sz="1600" kern="100" dirty="0">
+              <a:latin typeface="Aptos" panose="020B0004020202020204" pitchFamily="34" charset="0"/>
+              <a:cs typeface="Times New Roman" panose="02020603050405020304" pitchFamily="18" charset="0"/>
+            </a:endParaRPr>
           </a:p>
           <a:p>
             <a:pPr marL="342900" indent="-342900">
@@ -12304,8 +13241,19 @@
                 <a:latin typeface="Aptos" panose="020B0004020202020204" pitchFamily="34" charset="0"/>
                 <a:cs typeface="Times New Roman" panose="02020603050405020304" pitchFamily="18" charset="0"/>
               </a:rPr>
-              <a:t>Comprehensive Understanding</a:t>
-            </a:r>
+              <a:t>Comprehensive Understanding of </a:t>
+            </a:r>
+            <a:r>
+              <a:rPr lang="en-US" sz="1600" kern="100" dirty="0">
+                <a:latin typeface="Aptos" panose="020B0004020202020204" pitchFamily="34" charset="0"/>
+                <a:cs typeface="Times New Roman" panose="02020603050405020304" pitchFamily="18" charset="0"/>
+              </a:rPr>
+              <a:t>FER model techniques strengths and weaknesses.</a:t>
+            </a:r>
+            <a:endParaRPr lang="en-GB" sz="1600" kern="100" dirty="0">
+              <a:latin typeface="Aptos" panose="020B0004020202020204" pitchFamily="34" charset="0"/>
+              <a:cs typeface="Times New Roman" panose="02020603050405020304" pitchFamily="18" charset="0"/>
+            </a:endParaRPr>
           </a:p>
           <a:p>
             <a:pPr marL="800100" lvl="1" indent="-342900">

--- a/ICS5118 - Facial Emotion Detection.pptx
+++ b/ICS5118 - Facial Emotion Detection.pptx
@@ -6,24 +6,26 @@
   </p:sldMasterIdLst>
   <p:sldIdLst>
     <p:sldId id="256" r:id="rId2"/>
-    <p:sldId id="257" r:id="rId3"/>
+    <p:sldId id="279" r:id="rId3"/>
     <p:sldId id="258" r:id="rId4"/>
-    <p:sldId id="261" r:id="rId5"/>
-    <p:sldId id="264" r:id="rId6"/>
+    <p:sldId id="264" r:id="rId5"/>
+    <p:sldId id="281" r:id="rId6"/>
     <p:sldId id="265" r:id="rId7"/>
     <p:sldId id="263" r:id="rId8"/>
     <p:sldId id="266" r:id="rId9"/>
-    <p:sldId id="267" r:id="rId10"/>
-    <p:sldId id="272" r:id="rId11"/>
-    <p:sldId id="269" r:id="rId12"/>
-    <p:sldId id="268" r:id="rId13"/>
-    <p:sldId id="273" r:id="rId14"/>
-    <p:sldId id="274" r:id="rId15"/>
-    <p:sldId id="275" r:id="rId16"/>
-    <p:sldId id="277" r:id="rId17"/>
-    <p:sldId id="276" r:id="rId18"/>
+    <p:sldId id="272" r:id="rId10"/>
+    <p:sldId id="269" r:id="rId11"/>
+    <p:sldId id="268" r:id="rId12"/>
+    <p:sldId id="273" r:id="rId13"/>
+    <p:sldId id="274" r:id="rId14"/>
+    <p:sldId id="275" r:id="rId15"/>
+    <p:sldId id="277" r:id="rId16"/>
+    <p:sldId id="276" r:id="rId17"/>
+    <p:sldId id="282" r:id="rId18"/>
     <p:sldId id="270" r:id="rId19"/>
     <p:sldId id="271" r:id="rId20"/>
+    <p:sldId id="261" r:id="rId21"/>
+    <p:sldId id="267" r:id="rId22"/>
   </p:sldIdLst>
   <p:sldSz cx="12192000" cy="6858000"/>
   <p:notesSz cx="6858000" cy="9144000"/>
@@ -293,7 +295,7 @@
             <a:fld id="{11A6662E-FAF4-44BC-88B5-85A7CBFB6D30}" type="datetime1">
               <a:rPr lang="en-US" smtClean="0"/>
               <a:pPr/>
-              <a:t>4/3/2025</a:t>
+              <a:t>4/7/2025</a:t>
             </a:fld>
             <a:endParaRPr lang="en-US" dirty="0"/>
           </a:p>
@@ -520,7 +522,7 @@
           <a:p>
             <a:fld id="{4C559632-1575-4E14-B53B-3DC3D5ED3947}" type="datetime1">
               <a:rPr lang="en-US" smtClean="0"/>
-              <a:t>4/3/2025</a:t>
+              <a:t>4/7/2025</a:t>
             </a:fld>
             <a:endParaRPr lang="en-US"/>
           </a:p>
@@ -728,7 +730,7 @@
           <a:p>
             <a:fld id="{CC4A6868-2568-4CC9-B302-F37117B01A6E}" type="datetime1">
               <a:rPr lang="en-US" smtClean="0"/>
-              <a:t>4/3/2025</a:t>
+              <a:t>4/7/2025</a:t>
             </a:fld>
             <a:endParaRPr lang="en-US"/>
           </a:p>
@@ -875,38 +877,37 @@
           <a:p>
             <a:pPr lvl="0"/>
             <a:r>
-              <a:rPr lang="en-US"/>
+              <a:rPr lang="en-US" dirty="0"/>
               <a:t>Click to edit Master text styles</a:t>
             </a:r>
           </a:p>
           <a:p>
             <a:pPr lvl="1"/>
             <a:r>
-              <a:rPr lang="en-US"/>
+              <a:rPr lang="en-US" dirty="0"/>
               <a:t>Second level</a:t>
             </a:r>
           </a:p>
           <a:p>
             <a:pPr lvl="2"/>
             <a:r>
-              <a:rPr lang="en-US"/>
+              <a:rPr lang="en-US" dirty="0"/>
               <a:t>Third level</a:t>
             </a:r>
           </a:p>
           <a:p>
             <a:pPr lvl="3"/>
             <a:r>
-              <a:rPr lang="en-US"/>
+              <a:rPr lang="en-US" dirty="0"/>
               <a:t>Fourth level</a:t>
             </a:r>
           </a:p>
           <a:p>
             <a:pPr lvl="4"/>
             <a:r>
-              <a:rPr lang="en-US"/>
+              <a:rPr lang="en-US" dirty="0"/>
               <a:t>Fifth level</a:t>
             </a:r>
-            <a:endParaRPr lang="en-US" dirty="0"/>
           </a:p>
         </p:txBody>
       </p:sp>
@@ -933,7 +934,7 @@
           <a:p>
             <a:fld id="{0055F08A-1E71-4B2B-BB49-E743F2903911}" type="datetime1">
               <a:rPr lang="en-US" smtClean="0"/>
-              <a:t>4/3/2025</a:t>
+              <a:t>4/7/2025</a:t>
             </a:fld>
             <a:endParaRPr lang="en-US" dirty="0"/>
           </a:p>
@@ -1207,7 +1208,7 @@
           <a:p>
             <a:fld id="{15417D9E-721A-44BB-8863-9873FE64DA75}" type="datetime1">
               <a:rPr lang="en-US" smtClean="0"/>
-              <a:t>4/3/2025</a:t>
+              <a:t>4/7/2025</a:t>
             </a:fld>
             <a:endParaRPr lang="en-US"/>
           </a:p>
@@ -1480,7 +1481,7 @@
           <a:p>
             <a:fld id="{5F31DA2F-80B8-49CF-99FB-5ABCA53A607A}" type="datetime1">
               <a:rPr lang="en-US" smtClean="0"/>
-              <a:t>4/3/2025</a:t>
+              <a:t>4/7/2025</a:t>
             </a:fld>
             <a:endParaRPr lang="en-US"/>
           </a:p>
@@ -1895,7 +1896,7 @@
           <a:p>
             <a:fld id="{28852172-E6C9-4B6C-929A-A9DE3837BBF1}" type="datetime1">
               <a:rPr lang="en-US" smtClean="0"/>
-              <a:t>4/3/2025</a:t>
+              <a:t>4/7/2025</a:t>
             </a:fld>
             <a:endParaRPr lang="en-US"/>
           </a:p>
@@ -2047,7 +2048,7 @@
           <a:p>
             <a:fld id="{3AB41CFF-90C9-47B3-9DA1-F2BF8D839F7E}" type="datetime1">
               <a:rPr lang="en-US" smtClean="0"/>
-              <a:t>4/3/2025</a:t>
+              <a:t>4/7/2025</a:t>
             </a:fld>
             <a:endParaRPr lang="en-US"/>
           </a:p>
@@ -2160,7 +2161,7 @@
           <a:p>
             <a:fld id="{F06048FA-06AB-4884-A69B-986B96E68A24}" type="datetime1">
               <a:rPr lang="en-US" smtClean="0"/>
-              <a:t>4/3/2025</a:t>
+              <a:t>4/7/2025</a:t>
             </a:fld>
             <a:endParaRPr lang="en-US"/>
           </a:p>
@@ -2471,7 +2472,7 @@
           <a:p>
             <a:fld id="{50DB7ABA-0172-4F9C-889D-567164F66BCD}" type="datetime1">
               <a:rPr lang="en-US" smtClean="0"/>
-              <a:t>4/3/2025</a:t>
+              <a:t>4/7/2025</a:t>
             </a:fld>
             <a:endParaRPr lang="en-US"/>
           </a:p>
@@ -2762,7 +2763,7 @@
           <a:p>
             <a:fld id="{78AC6A5B-8AE7-4A41-B5A7-9ADC6686DC18}" type="datetime1">
               <a:rPr lang="en-US" smtClean="0"/>
-              <a:t>4/3/2025</a:t>
+              <a:t>4/7/2025</a:t>
             </a:fld>
             <a:endParaRPr lang="en-US"/>
           </a:p>
@@ -3071,7 +3072,7 @@
             <a:fld id="{57E0CF6C-748E-4B7A-BC8B-3011EF78ED13}" type="datetime1">
               <a:rPr lang="en-US" smtClean="0"/>
               <a:pPr/>
-              <a:t>4/3/2025</a:t>
+              <a:t>4/7/2025</a:t>
             </a:fld>
             <a:endParaRPr lang="en-US" dirty="0"/>
           </a:p>
@@ -3956,503 +3957,7 @@
 </file>
 
 <file path=ppt/slides/slide10.xml><?xml version="1.0" encoding="utf-8"?>
-<p:sld xmlns:a="http://schemas.openxmlformats.org/drawingml/2006/main" xmlns:r="http://schemas.openxmlformats.org/officeDocument/2006/relationships" xmlns:p="http://schemas.openxmlformats.org/presentationml/2006/main">
-  <p:cSld>
-    <p:spTree>
-      <p:nvGrpSpPr>
-        <p:cNvPr id="1" name="">
-          <a:extLst>
-            <a:ext uri="{FF2B5EF4-FFF2-40B4-BE49-F238E27FC236}">
-              <a16:creationId xmlns:a16="http://schemas.microsoft.com/office/drawing/2014/main" id="{28CBBD48-93DC-2E04-A306-A745F0663E38}"/>
-            </a:ext>
-          </a:extLst>
-        </p:cNvPr>
-        <p:cNvGrpSpPr/>
-        <p:nvPr/>
-      </p:nvGrpSpPr>
-      <p:grpSpPr>
-        <a:xfrm>
-          <a:off x="0" y="0"/>
-          <a:ext cx="0" cy="0"/>
-          <a:chOff x="0" y="0"/>
-          <a:chExt cx="0" cy="0"/>
-        </a:xfrm>
-      </p:grpSpPr>
-      <p:sp>
-        <p:nvSpPr>
-          <p:cNvPr id="8" name="Content Placeholder 2">
-            <a:extLst>
-              <a:ext uri="{FF2B5EF4-FFF2-40B4-BE49-F238E27FC236}">
-                <a16:creationId xmlns:a16="http://schemas.microsoft.com/office/drawing/2014/main" id="{06D2C66D-36DF-3A63-050C-13F032F967CB}"/>
-              </a:ext>
-            </a:extLst>
-          </p:cNvPr>
-          <p:cNvSpPr>
-            <a:spLocks noGrp="1"/>
-          </p:cNvSpPr>
-          <p:nvPr>
-            <p:ph idx="1"/>
-          </p:nvPr>
-        </p:nvSpPr>
-        <p:spPr>
-          <a:xfrm>
-            <a:off x="458694" y="1263650"/>
-            <a:ext cx="11274612" cy="3451785"/>
-          </a:xfrm>
-        </p:spPr>
-        <p:txBody>
-          <a:bodyPr>
-            <a:normAutofit fontScale="25000" lnSpcReduction="20000"/>
-          </a:bodyPr>
-          <a:lstStyle/>
-          <a:p>
-            <a:pPr marL="342900" indent="-342900">
-              <a:lnSpc>
-                <a:spcPct val="117000"/>
-              </a:lnSpc>
-              <a:spcAft>
-                <a:spcPts val="800"/>
-              </a:spcAft>
-              <a:buFont typeface="Symbol" panose="05050102010706020507" pitchFamily="18" charset="2"/>
-              <a:buChar char=""/>
-            </a:pPr>
-            <a:r>
-              <a:rPr lang="en-US" sz="8000" b="1" kern="100" dirty="0">
-                <a:latin typeface="Aptos" panose="020B0004020202020204" pitchFamily="34" charset="0"/>
-                <a:cs typeface="Times New Roman" panose="02020603050405020304" pitchFamily="18" charset="0"/>
-              </a:rPr>
-              <a:t>Comprehensive Review and Analysis on Facial Emotion Recognition</a:t>
-            </a:r>
-          </a:p>
-          <a:p>
-            <a:pPr marL="800100" lvl="2" indent="-342900">
-              <a:lnSpc>
-                <a:spcPct val="117000"/>
-              </a:lnSpc>
-              <a:spcBef>
-                <a:spcPts val="1000"/>
-              </a:spcBef>
-              <a:spcAft>
-                <a:spcPts val="800"/>
-              </a:spcAft>
-              <a:buFont typeface="Symbol" panose="05050102010706020507" pitchFamily="18" charset="2"/>
-              <a:buChar char=""/>
-            </a:pPr>
-            <a:r>
-              <a:rPr lang="en-US" sz="6400" kern="100" dirty="0">
-                <a:latin typeface="Aptos" panose="020B0004020202020204" pitchFamily="34" charset="0"/>
-                <a:cs typeface="Times New Roman" panose="02020603050405020304" pitchFamily="18" charset="0"/>
-              </a:rPr>
-              <a:t>Authors: Amjad Rehman, Muhammad Mujahid, Alex </a:t>
-            </a:r>
-            <a:r>
-              <a:rPr lang="en-US" sz="6400" kern="100" dirty="0" err="1">
-                <a:latin typeface="Aptos" panose="020B0004020202020204" pitchFamily="34" charset="0"/>
-                <a:cs typeface="Times New Roman" panose="02020603050405020304" pitchFamily="18" charset="0"/>
-              </a:rPr>
-              <a:t>Elyassih</a:t>
-            </a:r>
-            <a:r>
-              <a:rPr lang="en-US" sz="6400" kern="100" dirty="0">
-                <a:latin typeface="Aptos" panose="020B0004020202020204" pitchFamily="34" charset="0"/>
-                <a:cs typeface="Times New Roman" panose="02020603050405020304" pitchFamily="18" charset="0"/>
-              </a:rPr>
-              <a:t>, Bayan </a:t>
-            </a:r>
-            <a:r>
-              <a:rPr lang="en-US" sz="6400" kern="100" dirty="0" err="1">
-                <a:latin typeface="Aptos" panose="020B0004020202020204" pitchFamily="34" charset="0"/>
-                <a:cs typeface="Times New Roman" panose="02020603050405020304" pitchFamily="18" charset="0"/>
-              </a:rPr>
-              <a:t>AlGhofaily</a:t>
-            </a:r>
-            <a:r>
-              <a:rPr lang="en-US" sz="6400" kern="100" dirty="0">
-                <a:latin typeface="Aptos" panose="020B0004020202020204" pitchFamily="34" charset="0"/>
-                <a:cs typeface="Times New Roman" panose="02020603050405020304" pitchFamily="18" charset="0"/>
-              </a:rPr>
-              <a:t>, Saeed Ali Omer Bahaj</a:t>
-            </a:r>
-          </a:p>
-          <a:p>
-            <a:pPr marL="342900" indent="-342900">
-              <a:lnSpc>
-                <a:spcPct val="117000"/>
-              </a:lnSpc>
-              <a:spcAft>
-                <a:spcPts val="800"/>
-              </a:spcAft>
-              <a:buFont typeface="Symbol" panose="05050102010706020507" pitchFamily="18" charset="2"/>
-              <a:buChar char=""/>
-            </a:pPr>
-            <a:r>
-              <a:rPr lang="en-US" sz="8000" b="1" kern="100" dirty="0">
-                <a:latin typeface="Aptos" panose="020B0004020202020204" pitchFamily="34" charset="0"/>
-                <a:cs typeface="Times New Roman" panose="02020603050405020304" pitchFamily="18" charset="0"/>
-              </a:rPr>
-              <a:t>Comparison </a:t>
-            </a:r>
-          </a:p>
-          <a:p>
-            <a:pPr marL="800100" lvl="2" indent="-342900">
-              <a:lnSpc>
-                <a:spcPct val="117000"/>
-              </a:lnSpc>
-              <a:spcBef>
-                <a:spcPts val="1000"/>
-              </a:spcBef>
-              <a:spcAft>
-                <a:spcPts val="800"/>
-              </a:spcAft>
-              <a:buFont typeface="Symbol" panose="05050102010706020507" pitchFamily="18" charset="2"/>
-              <a:buChar char=""/>
-            </a:pPr>
-            <a:r>
-              <a:rPr lang="en-US" sz="7200" kern="100" dirty="0">
-                <a:latin typeface="Aptos" panose="020B0004020202020204" pitchFamily="34" charset="0"/>
-                <a:cs typeface="Times New Roman" panose="02020603050405020304" pitchFamily="18" charset="0"/>
-              </a:rPr>
-              <a:t>Comparing research but didn’t implement the model from scratch</a:t>
-            </a:r>
-          </a:p>
-          <a:p>
-            <a:pPr marL="800100" lvl="2" indent="-342900">
-              <a:lnSpc>
-                <a:spcPct val="117000"/>
-              </a:lnSpc>
-              <a:spcBef>
-                <a:spcPts val="1000"/>
-              </a:spcBef>
-              <a:spcAft>
-                <a:spcPts val="800"/>
-              </a:spcAft>
-              <a:buFont typeface="Symbol" panose="05050102010706020507" pitchFamily="18" charset="2"/>
-              <a:buChar char=""/>
-            </a:pPr>
-            <a:r>
-              <a:rPr lang="en-US" sz="7200" kern="100" dirty="0">
-                <a:latin typeface="Aptos" panose="020B0004020202020204" pitchFamily="34" charset="0"/>
-                <a:cs typeface="Times New Roman" panose="02020603050405020304" pitchFamily="18" charset="0"/>
-              </a:rPr>
-              <a:t>Traditional Machine Learning Models (SVM, KNN, RF, CART, LR)</a:t>
-            </a:r>
-          </a:p>
-          <a:p>
-            <a:pPr marL="800100" lvl="2" indent="-342900">
-              <a:lnSpc>
-                <a:spcPct val="117000"/>
-              </a:lnSpc>
-              <a:spcBef>
-                <a:spcPts val="1000"/>
-              </a:spcBef>
-              <a:spcAft>
-                <a:spcPts val="800"/>
-              </a:spcAft>
-              <a:buFont typeface="Symbol" panose="05050102010706020507" pitchFamily="18" charset="2"/>
-              <a:buChar char=""/>
-            </a:pPr>
-            <a:r>
-              <a:rPr lang="en-US" sz="7200" kern="100" dirty="0">
-                <a:latin typeface="Aptos" panose="020B0004020202020204" pitchFamily="34" charset="0"/>
-                <a:cs typeface="Times New Roman" panose="02020603050405020304" pitchFamily="18" charset="0"/>
-              </a:rPr>
-              <a:t>Deep Learning Models (</a:t>
-            </a:r>
-            <a:r>
-              <a:rPr lang="en-US" sz="7200" kern="100" dirty="0" err="1">
-                <a:latin typeface="Aptos" panose="020B0004020202020204" pitchFamily="34" charset="0"/>
-                <a:cs typeface="Times New Roman" panose="02020603050405020304" pitchFamily="18" charset="0"/>
-              </a:rPr>
-              <a:t>MobileNet</a:t>
-            </a:r>
-            <a:r>
-              <a:rPr lang="en-US" sz="7200" kern="100" dirty="0">
-                <a:latin typeface="Aptos" panose="020B0004020202020204" pitchFamily="34" charset="0"/>
-                <a:cs typeface="Times New Roman" panose="02020603050405020304" pitchFamily="18" charset="0"/>
-              </a:rPr>
-              <a:t>, CNN, DCNN, VGG16, ResNet-50)</a:t>
-            </a:r>
-          </a:p>
-          <a:p>
-            <a:pPr marL="800100" lvl="2" indent="-342900">
-              <a:lnSpc>
-                <a:spcPct val="117000"/>
-              </a:lnSpc>
-              <a:spcBef>
-                <a:spcPts val="1000"/>
-              </a:spcBef>
-              <a:spcAft>
-                <a:spcPts val="800"/>
-              </a:spcAft>
-              <a:buFont typeface="Symbol" panose="05050102010706020507" pitchFamily="18" charset="2"/>
-              <a:buChar char=""/>
-            </a:pPr>
-            <a:r>
-              <a:rPr lang="en-US" sz="7200" kern="100" dirty="0">
-                <a:latin typeface="Aptos" panose="020B0004020202020204" pitchFamily="34" charset="0"/>
-                <a:cs typeface="Times New Roman" panose="02020603050405020304" pitchFamily="18" charset="0"/>
-              </a:rPr>
-              <a:t>Hybrid Models (CNN + SVM, DBN + SVM) (Feature Extraction + Classification)</a:t>
-            </a:r>
-          </a:p>
-          <a:p>
-            <a:pPr marL="800100" lvl="2" indent="-342900">
-              <a:lnSpc>
-                <a:spcPct val="117000"/>
-              </a:lnSpc>
-              <a:spcBef>
-                <a:spcPts val="1000"/>
-              </a:spcBef>
-              <a:spcAft>
-                <a:spcPts val="800"/>
-              </a:spcAft>
-              <a:buFont typeface="Symbol" panose="05050102010706020507" pitchFamily="18" charset="2"/>
-              <a:buChar char=""/>
-            </a:pPr>
-            <a:endParaRPr lang="en-US" sz="7200" kern="100" dirty="0">
-              <a:latin typeface="Aptos" panose="020B0004020202020204" pitchFamily="34" charset="0"/>
-              <a:cs typeface="Times New Roman" panose="02020603050405020304" pitchFamily="18" charset="0"/>
-            </a:endParaRPr>
-          </a:p>
-          <a:p>
-            <a:pPr marL="800100" lvl="2" indent="-342900">
-              <a:lnSpc>
-                <a:spcPct val="117000"/>
-              </a:lnSpc>
-              <a:spcBef>
-                <a:spcPts val="1000"/>
-              </a:spcBef>
-              <a:spcAft>
-                <a:spcPts val="800"/>
-              </a:spcAft>
-              <a:buFont typeface="Symbol" panose="05050102010706020507" pitchFamily="18" charset="2"/>
-              <a:buChar char=""/>
-            </a:pPr>
-            <a:endParaRPr lang="en-US" sz="7200" kern="100" dirty="0">
-              <a:latin typeface="Aptos" panose="020B0004020202020204" pitchFamily="34" charset="0"/>
-              <a:cs typeface="Times New Roman" panose="02020603050405020304" pitchFamily="18" charset="0"/>
-            </a:endParaRPr>
-          </a:p>
-          <a:p>
-            <a:pPr marL="800100" lvl="2" indent="-342900">
-              <a:lnSpc>
-                <a:spcPct val="117000"/>
-              </a:lnSpc>
-              <a:spcBef>
-                <a:spcPts val="1000"/>
-              </a:spcBef>
-              <a:spcAft>
-                <a:spcPts val="800"/>
-              </a:spcAft>
-              <a:buFont typeface="Symbol" panose="05050102010706020507" pitchFamily="18" charset="2"/>
-              <a:buChar char=""/>
-            </a:pPr>
-            <a:endParaRPr lang="en-US" sz="7200" kern="100" dirty="0">
-              <a:latin typeface="Aptos" panose="020B0004020202020204" pitchFamily="34" charset="0"/>
-              <a:cs typeface="Times New Roman" panose="02020603050405020304" pitchFamily="18" charset="0"/>
-            </a:endParaRPr>
-          </a:p>
-          <a:p>
-            <a:pPr marL="800100" lvl="2" indent="-342900">
-              <a:lnSpc>
-                <a:spcPct val="117000"/>
-              </a:lnSpc>
-              <a:spcBef>
-                <a:spcPts val="1000"/>
-              </a:spcBef>
-              <a:spcAft>
-                <a:spcPts val="800"/>
-              </a:spcAft>
-              <a:buFont typeface="Symbol" panose="05050102010706020507" pitchFamily="18" charset="2"/>
-              <a:buChar char=""/>
-            </a:pPr>
-            <a:endParaRPr lang="en-GB" sz="7200" kern="100" dirty="0">
-              <a:latin typeface="Aptos" panose="020B0004020202020204" pitchFamily="34" charset="0"/>
-              <a:cs typeface="Times New Roman" panose="02020603050405020304" pitchFamily="18" charset="0"/>
-            </a:endParaRPr>
-          </a:p>
-          <a:p>
-            <a:pPr marL="342900" indent="-342900">
-              <a:lnSpc>
-                <a:spcPct val="107000"/>
-              </a:lnSpc>
-              <a:spcAft>
-                <a:spcPts val="800"/>
-              </a:spcAft>
-              <a:buFont typeface="Symbol" panose="05050102010706020507" pitchFamily="18" charset="2"/>
-              <a:buChar char=""/>
-            </a:pPr>
-            <a:endParaRPr lang="en-GB" sz="8000" kern="100" dirty="0">
-              <a:latin typeface="Aptos" panose="020B0004020202020204" pitchFamily="34" charset="0"/>
-              <a:cs typeface="Times New Roman" panose="02020603050405020304" pitchFamily="18" charset="0"/>
-            </a:endParaRPr>
-          </a:p>
-          <a:p>
-            <a:pPr marL="0" indent="0">
-              <a:lnSpc>
-                <a:spcPct val="107000"/>
-              </a:lnSpc>
-              <a:spcAft>
-                <a:spcPts val="800"/>
-              </a:spcAft>
-              <a:buNone/>
-            </a:pPr>
-            <a:endParaRPr lang="en-GB" sz="8000" kern="100" dirty="0">
-              <a:latin typeface="Aptos" panose="020B0004020202020204" pitchFamily="34" charset="0"/>
-              <a:cs typeface="Times New Roman" panose="02020603050405020304" pitchFamily="18" charset="0"/>
-            </a:endParaRPr>
-          </a:p>
-          <a:p>
-            <a:pPr marL="0" indent="0">
-              <a:lnSpc>
-                <a:spcPct val="107000"/>
-              </a:lnSpc>
-              <a:spcAft>
-                <a:spcPts val="800"/>
-              </a:spcAft>
-              <a:buNone/>
-            </a:pPr>
-            <a:endParaRPr lang="en-GB" sz="8000" kern="100" dirty="0">
-              <a:latin typeface="Aptos" panose="020B0004020202020204" pitchFamily="34" charset="0"/>
-              <a:cs typeface="Times New Roman" panose="02020603050405020304" pitchFamily="18" charset="0"/>
-            </a:endParaRPr>
-          </a:p>
-        </p:txBody>
-      </p:sp>
-      <p:sp>
-        <p:nvSpPr>
-          <p:cNvPr id="7" name="Title 1">
-            <a:extLst>
-              <a:ext uri="{FF2B5EF4-FFF2-40B4-BE49-F238E27FC236}">
-                <a16:creationId xmlns:a16="http://schemas.microsoft.com/office/drawing/2014/main" id="{BA842BFB-B65E-0E53-CC38-CE3A1D595B8B}"/>
-              </a:ext>
-            </a:extLst>
-          </p:cNvPr>
-          <p:cNvSpPr txBox="1">
-            <a:spLocks/>
-          </p:cNvSpPr>
-          <p:nvPr/>
-        </p:nvSpPr>
-        <p:spPr>
-          <a:xfrm>
-            <a:off x="458694" y="365761"/>
-            <a:ext cx="11274612" cy="897890"/>
-          </a:xfrm>
-          <a:prstGeom prst="rect">
-            <a:avLst/>
-          </a:prstGeom>
-        </p:spPr>
-        <p:txBody>
-          <a:bodyPr vert="horz" lIns="91440" tIns="45720" rIns="91440" bIns="45720" rtlCol="0" anchor="ctr">
-            <a:normAutofit/>
-          </a:bodyPr>
-          <a:lstStyle>
-            <a:lvl1pPr algn="l" defTabSz="914400" rtl="0" eaLnBrk="1" latinLnBrk="0" hangingPunct="1">
-              <a:lnSpc>
-                <a:spcPct val="100000"/>
-              </a:lnSpc>
-              <a:spcBef>
-                <a:spcPct val="0"/>
-              </a:spcBef>
-              <a:buNone/>
-              <a:defRPr sz="4400" b="0" kern="1200">
-                <a:solidFill>
-                  <a:schemeClr val="tx1"/>
-                </a:solidFill>
-                <a:latin typeface="+mj-lt"/>
-                <a:ea typeface="+mj-ea"/>
-                <a:cs typeface="+mj-cs"/>
-              </a:defRPr>
-            </a:lvl1pPr>
-          </a:lstStyle>
-          <a:p>
-            <a:r>
-              <a:rPr lang="en-GB" kern="100" spc="75" dirty="0">
-                <a:solidFill>
-                  <a:srgbClr val="595959"/>
-                </a:solidFill>
-                <a:latin typeface="Aptos" panose="020B0004020202020204" pitchFamily="34" charset="0"/>
-                <a:ea typeface="Times New Roman" panose="02020603050405020304" pitchFamily="18" charset="0"/>
-                <a:cs typeface="Times New Roman" panose="02020603050405020304" pitchFamily="18" charset="0"/>
-              </a:rPr>
-              <a:t>Existing Research (P1-1)</a:t>
-            </a:r>
-            <a:endParaRPr lang="en-MT" dirty="0"/>
-          </a:p>
-        </p:txBody>
-      </p:sp>
-      <p:sp>
-        <p:nvSpPr>
-          <p:cNvPr id="11" name="TextBox 10">
-            <a:extLst>
-              <a:ext uri="{FF2B5EF4-FFF2-40B4-BE49-F238E27FC236}">
-                <a16:creationId xmlns:a16="http://schemas.microsoft.com/office/drawing/2014/main" id="{36CA5DCC-4CBC-ECC8-7A44-130662270D81}"/>
-              </a:ext>
-            </a:extLst>
-          </p:cNvPr>
-          <p:cNvSpPr txBox="1"/>
-          <p:nvPr/>
-        </p:nvSpPr>
-        <p:spPr>
-          <a:xfrm>
-            <a:off x="0" y="6290152"/>
-            <a:ext cx="12192000" cy="399340"/>
-          </a:xfrm>
-          <a:prstGeom prst="rect">
-            <a:avLst/>
-          </a:prstGeom>
-          <a:noFill/>
-        </p:spPr>
-        <p:txBody>
-          <a:bodyPr wrap="square">
-            <a:spAutoFit/>
-          </a:bodyPr>
-          <a:lstStyle/>
-          <a:p>
-            <a:pPr marL="0" indent="0">
-              <a:lnSpc>
-                <a:spcPct val="117000"/>
-              </a:lnSpc>
-              <a:spcAft>
-                <a:spcPts val="800"/>
-              </a:spcAft>
-              <a:buNone/>
-            </a:pPr>
-            <a:r>
-              <a:rPr lang="en-US" sz="1800" dirty="0">
-                <a:latin typeface="Aptos" panose="020B0004020202020204" pitchFamily="34" charset="0"/>
-              </a:rPr>
-              <a:t>LINK: </a:t>
-            </a:r>
-            <a:r>
-              <a:rPr lang="en-US" sz="1800" dirty="0">
-                <a:latin typeface="Aptos" panose="020B0004020202020204" pitchFamily="34" charset="0"/>
-                <a:hlinkClick r:id="rId2"/>
-              </a:rPr>
-              <a:t>https://www.sciencedirect.com/org/science/article/pii/S1546221825000529</a:t>
-            </a:r>
-            <a:endParaRPr lang="en-GB" sz="800" b="1" kern="100" dirty="0">
-              <a:latin typeface="Aptos" panose="020B0004020202020204" pitchFamily="34" charset="0"/>
-              <a:cs typeface="Times New Roman" panose="02020603050405020304" pitchFamily="18" charset="0"/>
-            </a:endParaRPr>
-          </a:p>
-        </p:txBody>
-      </p:sp>
-    </p:spTree>
-    <p:extLst>
-      <p:ext uri="{BB962C8B-B14F-4D97-AF65-F5344CB8AC3E}">
-        <p14:creationId xmlns:p14="http://schemas.microsoft.com/office/powerpoint/2010/main" val="147784856"/>
-      </p:ext>
-    </p:extLst>
-  </p:cSld>
-  <p:clrMapOvr>
-    <a:masterClrMapping/>
-  </p:clrMapOvr>
-</p:sld>
-</file>
-
-<file path=ppt/slides/slide11.xml><?xml version="1.0" encoding="utf-8"?>
-<p:sld xmlns:a="http://schemas.openxmlformats.org/drawingml/2006/main" xmlns:r="http://schemas.openxmlformats.org/officeDocument/2006/relationships" xmlns:p="http://schemas.openxmlformats.org/presentationml/2006/main">
+<p:sld xmlns:a="http://schemas.openxmlformats.org/drawingml/2006/main" xmlns:r="http://schemas.openxmlformats.org/officeDocument/2006/relationships" xmlns:p="http://schemas.openxmlformats.org/presentationml/2006/main" show="0">
   <p:cSld>
     <p:spTree>
       <p:nvGrpSpPr>
@@ -4513,11 +4018,11 @@
               <a:buChar char=""/>
             </a:pPr>
             <a:r>
-              <a:rPr lang="en-GB" sz="2000" b="1" kern="100" dirty="0">
-                <a:latin typeface="Aptos" panose="020B0004020202020204" pitchFamily="34" charset="0"/>
-                <a:cs typeface="Times New Roman" panose="02020603050405020304" pitchFamily="18" charset="0"/>
-              </a:rPr>
-              <a:t>Datasets Utilised (Deep Learning)</a:t>
+              <a:rPr lang="en-US" sz="2000" b="1" kern="100" dirty="0">
+                <a:latin typeface="Aptos" panose="020B0004020202020204" pitchFamily="34" charset="0"/>
+                <a:cs typeface="Times New Roman" panose="02020603050405020304" pitchFamily="18" charset="0"/>
+              </a:rPr>
+              <a:t>Evaluation Metrics</a:t>
             </a:r>
           </a:p>
           <a:p>
@@ -4535,45 +4040,69 @@
               <a:buChar char=""/>
             </a:pPr>
             <a:r>
-              <a:rPr lang="en-GB" sz="1600" kern="100" dirty="0">
-                <a:latin typeface="Aptos" panose="020B0004020202020204" pitchFamily="34" charset="0"/>
-                <a:cs typeface="Times New Roman" panose="02020603050405020304" pitchFamily="18" charset="0"/>
-              </a:rPr>
-              <a:t>FER2013, </a:t>
-            </a:r>
-            <a:r>
-              <a:rPr lang="en-GB" sz="1600" kern="100" dirty="0" err="1">
-                <a:latin typeface="Aptos" panose="020B0004020202020204" pitchFamily="34" charset="0"/>
-                <a:cs typeface="Times New Roman" panose="02020603050405020304" pitchFamily="18" charset="0"/>
-              </a:rPr>
-              <a:t>FERPlus</a:t>
-            </a:r>
-            <a:r>
-              <a:rPr lang="en-GB" sz="1600" kern="100" dirty="0">
-                <a:latin typeface="Aptos" panose="020B0004020202020204" pitchFamily="34" charset="0"/>
-                <a:cs typeface="Times New Roman" panose="02020603050405020304" pitchFamily="18" charset="0"/>
-              </a:rPr>
-              <a:t>, JAFFE, CK, CK+, RAF-DB, KDEF</a:t>
-            </a:r>
-            <a:endParaRPr lang="en-US" sz="1600" b="1" dirty="0"/>
-          </a:p>
-          <a:p>
-            <a:pPr marL="342900" indent="-342900">
+              <a:rPr lang="en-US" sz="1600" b="1" kern="100" dirty="0">
+                <a:latin typeface="Aptos" panose="020B0004020202020204" pitchFamily="34" charset="0"/>
+                <a:cs typeface="Times New Roman" panose="02020603050405020304" pitchFamily="18" charset="0"/>
+              </a:rPr>
+              <a:t>Primary Metric</a:t>
+            </a:r>
+            <a:r>
+              <a:rPr lang="en-US" sz="1600" kern="100" dirty="0">
+                <a:latin typeface="Aptos" panose="020B0004020202020204" pitchFamily="34" charset="0"/>
+                <a:cs typeface="Times New Roman" panose="02020603050405020304" pitchFamily="18" charset="0"/>
+              </a:rPr>
+              <a:t>: Accuracy.</a:t>
+            </a:r>
+          </a:p>
+          <a:p>
+            <a:pPr marL="800100" lvl="2" indent="-342900">
               <a:lnSpc>
                 <a:spcPct val="117000"/>
               </a:lnSpc>
-              <a:spcAft>
-                <a:spcPts val="800"/>
-              </a:spcAft>
-              <a:buFont typeface="Symbol" panose="05050102010706020507" pitchFamily="18" charset="2"/>
-              <a:buChar char=""/>
-            </a:pPr>
-            <a:r>
-              <a:rPr lang="en-US" sz="2000" b="1" kern="100" dirty="0">
-                <a:latin typeface="Aptos" panose="020B0004020202020204" pitchFamily="34" charset="0"/>
-                <a:cs typeface="Times New Roman" panose="02020603050405020304" pitchFamily="18" charset="0"/>
-              </a:rPr>
-              <a:t>Evaluation Metrics</a:t>
+              <a:spcBef>
+                <a:spcPts val="1000"/>
+              </a:spcBef>
+              <a:spcAft>
+                <a:spcPts val="800"/>
+              </a:spcAft>
+              <a:buFont typeface="Symbol" panose="05050102010706020507" pitchFamily="18" charset="2"/>
+              <a:buChar char=""/>
+            </a:pPr>
+            <a:r>
+              <a:rPr lang="en-US" sz="1600" b="1" kern="100" dirty="0">
+                <a:latin typeface="Aptos" panose="020B0004020202020204" pitchFamily="34" charset="0"/>
+                <a:cs typeface="Times New Roman" panose="02020603050405020304" pitchFamily="18" charset="0"/>
+              </a:rPr>
+              <a:t>Other Key Metrics</a:t>
+            </a:r>
+            <a:r>
+              <a:rPr lang="en-US" sz="1600" kern="100" dirty="0">
+                <a:latin typeface="Aptos" panose="020B0004020202020204" pitchFamily="34" charset="0"/>
+                <a:cs typeface="Times New Roman" panose="02020603050405020304" pitchFamily="18" charset="0"/>
+              </a:rPr>
+              <a:t>: F1-score, Precision, Recall (used in model-specific papers). </a:t>
+            </a:r>
+          </a:p>
+          <a:p>
+            <a:pPr marL="342900" lvl="1" indent="-342900">
+              <a:lnSpc>
+                <a:spcPct val="117000"/>
+              </a:lnSpc>
+              <a:spcBef>
+                <a:spcPts val="1000"/>
+              </a:spcBef>
+              <a:spcAft>
+                <a:spcPts val="800"/>
+              </a:spcAft>
+              <a:buFont typeface="Symbol" panose="05050102010706020507" pitchFamily="18" charset="2"/>
+              <a:buChar char=""/>
+            </a:pPr>
+            <a:r>
+              <a:rPr lang="en-US" sz="2000" kern="100" dirty="0">
+                <a:latin typeface="Aptos" panose="020B0004020202020204" pitchFamily="34" charset="0"/>
+                <a:cs typeface="Times New Roman" panose="02020603050405020304" pitchFamily="18" charset="0"/>
+              </a:rPr>
+              <a:t>Deep Learning Results</a:t>
             </a:r>
           </a:p>
           <a:p>
@@ -4591,18 +4120,11 @@
               <a:buChar char=""/>
             </a:pPr>
             <a:r>
-              <a:rPr lang="en-US" sz="1600" b="1" kern="100" dirty="0">
-                <a:latin typeface="Aptos" panose="020B0004020202020204" pitchFamily="34" charset="0"/>
-                <a:cs typeface="Times New Roman" panose="02020603050405020304" pitchFamily="18" charset="0"/>
-              </a:rPr>
-              <a:t>Primary Metric</a:t>
-            </a:r>
-            <a:r>
               <a:rPr lang="en-US" sz="1600" kern="100" dirty="0">
                 <a:latin typeface="Aptos" panose="020B0004020202020204" pitchFamily="34" charset="0"/>
                 <a:cs typeface="Times New Roman" panose="02020603050405020304" pitchFamily="18" charset="0"/>
               </a:rPr>
-              <a:t>: Accuracy.</a:t>
+              <a:t>Deep Learning Models outperform Traditional ML techniques in accuracy.</a:t>
             </a:r>
           </a:p>
           <a:p>
@@ -4620,18 +4142,209 @@
               <a:buChar char=""/>
             </a:pPr>
             <a:r>
-              <a:rPr lang="en-US" sz="1600" b="1" kern="100" dirty="0">
-                <a:latin typeface="Aptos" panose="020B0004020202020204" pitchFamily="34" charset="0"/>
-                <a:cs typeface="Times New Roman" panose="02020603050405020304" pitchFamily="18" charset="0"/>
-              </a:rPr>
-              <a:t>Other Key Metrics</a:t>
-            </a:r>
-            <a:r>
               <a:rPr lang="en-US" sz="1600" kern="100" dirty="0">
                 <a:latin typeface="Aptos" panose="020B0004020202020204" pitchFamily="34" charset="0"/>
                 <a:cs typeface="Times New Roman" panose="02020603050405020304" pitchFamily="18" charset="0"/>
               </a:rPr>
-              <a:t>: F1-score, Precision, Recall (used in model-specific papers).</a:t>
+              <a:t>Drawbacks:</a:t>
+            </a:r>
+          </a:p>
+          <a:p>
+            <a:pPr marL="1257300" lvl="3" indent="-342900">
+              <a:lnSpc>
+                <a:spcPct val="117000"/>
+              </a:lnSpc>
+              <a:spcBef>
+                <a:spcPts val="1000"/>
+              </a:spcBef>
+              <a:spcAft>
+                <a:spcPts val="800"/>
+              </a:spcAft>
+              <a:buFont typeface="Symbol" panose="05050102010706020507" pitchFamily="18" charset="2"/>
+              <a:buChar char=""/>
+            </a:pPr>
+            <a:r>
+              <a:rPr lang="en-US" sz="1600" kern="100" dirty="0">
+                <a:latin typeface="Aptos" panose="020B0004020202020204" pitchFamily="34" charset="0"/>
+                <a:cs typeface="Times New Roman" panose="02020603050405020304" pitchFamily="18" charset="0"/>
+              </a:rPr>
+              <a:t>Extensive datasets</a:t>
+            </a:r>
+          </a:p>
+          <a:p>
+            <a:pPr marL="1257300" lvl="3" indent="-342900">
+              <a:lnSpc>
+                <a:spcPct val="117000"/>
+              </a:lnSpc>
+              <a:spcBef>
+                <a:spcPts val="1000"/>
+              </a:spcBef>
+              <a:spcAft>
+                <a:spcPts val="800"/>
+              </a:spcAft>
+              <a:buFont typeface="Symbol" panose="05050102010706020507" pitchFamily="18" charset="2"/>
+              <a:buChar char=""/>
+            </a:pPr>
+            <a:r>
+              <a:rPr lang="en-US" sz="1400" kern="100" dirty="0">
+                <a:latin typeface="Aptos" panose="020B0004020202020204" pitchFamily="34" charset="0"/>
+                <a:cs typeface="Times New Roman" panose="02020603050405020304" pitchFamily="18" charset="0"/>
+              </a:rPr>
+              <a:t>Substantial memory and processing power</a:t>
+            </a:r>
+          </a:p>
+          <a:p>
+            <a:pPr marL="1257300" lvl="3" indent="-342900">
+              <a:lnSpc>
+                <a:spcPct val="117000"/>
+              </a:lnSpc>
+              <a:spcBef>
+                <a:spcPts val="1000"/>
+              </a:spcBef>
+              <a:spcAft>
+                <a:spcPts val="800"/>
+              </a:spcAft>
+              <a:buFont typeface="Symbol" panose="05050102010706020507" pitchFamily="18" charset="2"/>
+              <a:buChar char=""/>
+            </a:pPr>
+            <a:r>
+              <a:rPr lang="en-US" sz="1400" kern="100" dirty="0">
+                <a:latin typeface="Aptos" panose="020B0004020202020204" pitchFamily="34" charset="0"/>
+                <a:cs typeface="Times New Roman" panose="02020603050405020304" pitchFamily="18" charset="0"/>
+              </a:rPr>
+              <a:t>Considerable duration for both training and testing.</a:t>
+            </a:r>
+          </a:p>
+          <a:p>
+            <a:pPr marL="800100" lvl="2" indent="-342900">
+              <a:lnSpc>
+                <a:spcPct val="117000"/>
+              </a:lnSpc>
+              <a:spcBef>
+                <a:spcPts val="1000"/>
+              </a:spcBef>
+              <a:spcAft>
+                <a:spcPts val="800"/>
+              </a:spcAft>
+              <a:buFont typeface="Symbol" panose="05050102010706020507" pitchFamily="18" charset="2"/>
+              <a:buChar char=""/>
+            </a:pPr>
+            <a:r>
+              <a:rPr lang="en-US" sz="1600" kern="100" dirty="0">
+                <a:latin typeface="Aptos" panose="020B0004020202020204" pitchFamily="34" charset="0"/>
+                <a:cs typeface="Times New Roman" panose="02020603050405020304" pitchFamily="18" charset="0"/>
+              </a:rPr>
+              <a:t>Data augmentation is overall advantageous:</a:t>
+            </a:r>
+          </a:p>
+          <a:p>
+            <a:pPr marL="1257300" lvl="3" indent="-342900">
+              <a:lnSpc>
+                <a:spcPct val="117000"/>
+              </a:lnSpc>
+              <a:spcBef>
+                <a:spcPts val="1000"/>
+              </a:spcBef>
+              <a:spcAft>
+                <a:spcPts val="800"/>
+              </a:spcAft>
+              <a:buFont typeface="Symbol" panose="05050102010706020507" pitchFamily="18" charset="2"/>
+              <a:buChar char=""/>
+            </a:pPr>
+            <a:r>
+              <a:rPr lang="en-US" sz="1400" kern="100" dirty="0">
+                <a:latin typeface="Aptos" panose="020B0004020202020204" pitchFamily="34" charset="0"/>
+                <a:cs typeface="Times New Roman" panose="02020603050405020304" pitchFamily="18" charset="0"/>
+              </a:rPr>
+              <a:t>Enhance model flexibility</a:t>
+            </a:r>
+          </a:p>
+          <a:p>
+            <a:pPr marL="1257300" lvl="3" indent="-342900">
+              <a:lnSpc>
+                <a:spcPct val="117000"/>
+              </a:lnSpc>
+              <a:spcBef>
+                <a:spcPts val="1000"/>
+              </a:spcBef>
+              <a:spcAft>
+                <a:spcPts val="800"/>
+              </a:spcAft>
+              <a:buFont typeface="Symbol" panose="05050102010706020507" pitchFamily="18" charset="2"/>
+              <a:buChar char=""/>
+            </a:pPr>
+            <a:r>
+              <a:rPr lang="en-US" sz="1400" kern="100" dirty="0">
+                <a:latin typeface="Aptos" panose="020B0004020202020204" pitchFamily="34" charset="0"/>
+                <a:cs typeface="Times New Roman" panose="02020603050405020304" pitchFamily="18" charset="0"/>
+              </a:rPr>
+              <a:t>Prevent overfitting</a:t>
+            </a:r>
+          </a:p>
+          <a:p>
+            <a:pPr marL="1257300" lvl="3" indent="-342900">
+              <a:lnSpc>
+                <a:spcPct val="117000"/>
+              </a:lnSpc>
+              <a:spcBef>
+                <a:spcPts val="1000"/>
+              </a:spcBef>
+              <a:spcAft>
+                <a:spcPts val="800"/>
+              </a:spcAft>
+              <a:buFont typeface="Symbol" panose="05050102010706020507" pitchFamily="18" charset="2"/>
+              <a:buChar char=""/>
+            </a:pPr>
+            <a:r>
+              <a:rPr lang="en-US" sz="1400" kern="100" dirty="0">
+                <a:latin typeface="Aptos" panose="020B0004020202020204" pitchFamily="34" charset="0"/>
+                <a:cs typeface="Times New Roman" panose="02020603050405020304" pitchFamily="18" charset="0"/>
+              </a:rPr>
+              <a:t>Enhance model accuracy</a:t>
+            </a:r>
+          </a:p>
+          <a:p>
+            <a:pPr marL="800100" lvl="2" indent="-342900">
+              <a:lnSpc>
+                <a:spcPct val="117000"/>
+              </a:lnSpc>
+              <a:spcBef>
+                <a:spcPts val="1000"/>
+              </a:spcBef>
+              <a:spcAft>
+                <a:spcPts val="800"/>
+              </a:spcAft>
+              <a:buFont typeface="Symbol" panose="05050102010706020507" pitchFamily="18" charset="2"/>
+              <a:buChar char=""/>
+            </a:pPr>
+            <a:r>
+              <a:rPr lang="en-US" sz="1600" kern="100" dirty="0">
+                <a:latin typeface="Aptos" panose="020B0004020202020204" pitchFamily="34" charset="0"/>
+                <a:cs typeface="Times New Roman" panose="02020603050405020304" pitchFamily="18" charset="0"/>
+              </a:rPr>
+              <a:t>Limitations</a:t>
+            </a:r>
+          </a:p>
+          <a:p>
+            <a:pPr marL="800100" lvl="2" indent="-342900">
+              <a:lnSpc>
+                <a:spcPct val="117000"/>
+              </a:lnSpc>
+              <a:spcBef>
+                <a:spcPts val="1000"/>
+              </a:spcBef>
+              <a:spcAft>
+                <a:spcPts val="800"/>
+              </a:spcAft>
+              <a:buFont typeface="Symbol" panose="05050102010706020507" pitchFamily="18" charset="2"/>
+              <a:buChar char=""/>
+            </a:pPr>
+            <a:r>
+              <a:rPr lang="en-US" sz="1600" kern="100" dirty="0">
+                <a:latin typeface="Aptos" panose="020B0004020202020204" pitchFamily="34" charset="0"/>
+                <a:cs typeface="Times New Roman" panose="02020603050405020304" pitchFamily="18" charset="0"/>
+              </a:rPr>
+              <a:t>Models weren’t compared using the same datasets / hyperparameters</a:t>
             </a:r>
             <a:endParaRPr lang="en-GB" sz="1600" kern="100" dirty="0">
               <a:latin typeface="Aptos" panose="020B0004020202020204" pitchFamily="34" charset="0"/>
@@ -5002,7 +4715,7 @@
 </p:sld>
 </file>
 
-<file path=ppt/slides/slide12.xml><?xml version="1.0" encoding="utf-8"?>
+<file path=ppt/slides/slide11.xml><?xml version="1.0" encoding="utf-8"?>
 <p:sld xmlns:a="http://schemas.openxmlformats.org/drawingml/2006/main" xmlns:r="http://schemas.openxmlformats.org/officeDocument/2006/relationships" xmlns:p="http://schemas.openxmlformats.org/presentationml/2006/main">
   <p:cSld>
     <p:spTree>
@@ -5049,7 +4762,7 @@
         </p:spPr>
         <p:txBody>
           <a:bodyPr>
-            <a:normAutofit fontScale="85000" lnSpcReduction="20000"/>
+            <a:normAutofit fontScale="92500" lnSpcReduction="10000"/>
           </a:bodyPr>
           <a:lstStyle/>
           <a:p>
@@ -5278,44 +4991,6 @@
                 <a:cs typeface="Times New Roman" panose="02020603050405020304" pitchFamily="18" charset="0"/>
               </a:rPr>
               <a:t>Models weren’t compared using the same datasets / hyperparameters</a:t>
-            </a:r>
-          </a:p>
-          <a:p>
-            <a:pPr marL="800100" lvl="1" indent="-342900">
-              <a:lnSpc>
-                <a:spcPct val="107000"/>
-              </a:lnSpc>
-              <a:spcAft>
-                <a:spcPts val="800"/>
-              </a:spcAft>
-              <a:buFont typeface="Symbol" panose="05050102010706020507" pitchFamily="18" charset="2"/>
-              <a:buChar char=""/>
-            </a:pPr>
-            <a:r>
-              <a:rPr lang="en-GB" sz="1900" kern="100" dirty="0">
-                <a:latin typeface="Aptos" panose="020B0004020202020204" pitchFamily="34" charset="0"/>
-                <a:cs typeface="Times New Roman" panose="02020603050405020304" pitchFamily="18" charset="0"/>
-              </a:rPr>
-              <a:t>Considered only widely used models as opposed to SOTA</a:t>
-            </a:r>
-          </a:p>
-          <a:p>
-            <a:pPr marL="800100" lvl="1" indent="-342900">
-              <a:lnSpc>
-                <a:spcPct val="107000"/>
-              </a:lnSpc>
-              <a:spcAft>
-                <a:spcPts val="800"/>
-              </a:spcAft>
-              <a:buFont typeface="Symbol" panose="05050102010706020507" pitchFamily="18" charset="2"/>
-              <a:buChar char=""/>
-            </a:pPr>
-            <a:r>
-              <a:rPr lang="en-GB" sz="1900" kern="100" dirty="0">
-                <a:latin typeface="Aptos" panose="020B0004020202020204" pitchFamily="34" charset="0"/>
-                <a:cs typeface="Times New Roman" panose="02020603050405020304" pitchFamily="18" charset="0"/>
-              </a:rPr>
-              <a:t>Comparison was only done based on Accuracy</a:t>
             </a:r>
           </a:p>
           <a:p>
@@ -5423,7 +5098,7 @@
                 <a:ea typeface="Times New Roman" panose="02020603050405020304" pitchFamily="18" charset="0"/>
                 <a:cs typeface="Times New Roman" panose="02020603050405020304" pitchFamily="18" charset="0"/>
               </a:rPr>
-              <a:t>Existing Research (P1-3)</a:t>
+              <a:t>Existing Research (P1-2)</a:t>
             </a:r>
             <a:endParaRPr lang="en-MT" dirty="0"/>
           </a:p>
@@ -5666,7 +5341,7 @@
 </p:sld>
 </file>
 
-<file path=ppt/slides/slide13.xml><?xml version="1.0" encoding="utf-8"?>
+<file path=ppt/slides/slide12.xml><?xml version="1.0" encoding="utf-8"?>
 <p:sld xmlns:a="http://schemas.openxmlformats.org/drawingml/2006/main" xmlns:r="http://schemas.openxmlformats.org/officeDocument/2006/relationships" xmlns:p="http://schemas.openxmlformats.org/presentationml/2006/main">
   <p:cSld>
     <p:spTree>
@@ -6234,7 +5909,7 @@
 </p:sld>
 </file>
 
-<file path=ppt/slides/slide14.xml><?xml version="1.0" encoding="utf-8"?>
+<file path=ppt/slides/slide13.xml><?xml version="1.0" encoding="utf-8"?>
 <p:sld xmlns:a="http://schemas.openxmlformats.org/drawingml/2006/main" xmlns:r="http://schemas.openxmlformats.org/officeDocument/2006/relationships" xmlns:p="http://schemas.openxmlformats.org/presentationml/2006/main">
   <p:cSld>
     <p:spTree>
@@ -6973,7 +6648,7 @@
 </p:sld>
 </file>
 
-<file path=ppt/slides/slide15.xml><?xml version="1.0" encoding="utf-8"?>
+<file path=ppt/slides/slide14.xml><?xml version="1.0" encoding="utf-8"?>
 <p:sld xmlns:a="http://schemas.openxmlformats.org/drawingml/2006/main" xmlns:r="http://schemas.openxmlformats.org/officeDocument/2006/relationships" xmlns:p="http://schemas.openxmlformats.org/presentationml/2006/main">
   <p:cSld>
     <p:spTree>
@@ -7472,7 +7147,7 @@
 </p:sld>
 </file>
 
-<file path=ppt/slides/slide16.xml><?xml version="1.0" encoding="utf-8"?>
+<file path=ppt/slides/slide15.xml><?xml version="1.0" encoding="utf-8"?>
 <p:sld xmlns:a="http://schemas.openxmlformats.org/drawingml/2006/main" xmlns:r="http://schemas.openxmlformats.org/officeDocument/2006/relationships" xmlns:p="http://schemas.openxmlformats.org/presentationml/2006/main">
   <p:cSld>
     <p:spTree>
@@ -7992,8 +7667,8 @@
 </p:sld>
 </file>
 
-<file path=ppt/slides/slide17.xml><?xml version="1.0" encoding="utf-8"?>
-<p:sld xmlns:a="http://schemas.openxmlformats.org/drawingml/2006/main" xmlns:r="http://schemas.openxmlformats.org/officeDocument/2006/relationships" xmlns:p="http://schemas.openxmlformats.org/presentationml/2006/main">
+<file path=ppt/slides/slide16.xml><?xml version="1.0" encoding="utf-8"?>
+<p:sld xmlns:a="http://schemas.openxmlformats.org/drawingml/2006/main" xmlns:r="http://schemas.openxmlformats.org/officeDocument/2006/relationships" xmlns:p="http://schemas.openxmlformats.org/presentationml/2006/main" show="0">
   <p:cSld>
     <p:spTree>
       <p:nvGrpSpPr>
@@ -8252,6 +7927,1013 @@
     <p:extLst>
       <p:ext uri="{BB962C8B-B14F-4D97-AF65-F5344CB8AC3E}">
         <p14:creationId xmlns:p14="http://schemas.microsoft.com/office/powerpoint/2010/main" val="1378192565"/>
+      </p:ext>
+    </p:extLst>
+  </p:cSld>
+  <p:clrMapOvr>
+    <a:masterClrMapping/>
+  </p:clrMapOvr>
+</p:sld>
+</file>
+
+<file path=ppt/slides/slide17.xml><?xml version="1.0" encoding="utf-8"?>
+<p:sld xmlns:a="http://schemas.openxmlformats.org/drawingml/2006/main" xmlns:r="http://schemas.openxmlformats.org/officeDocument/2006/relationships" xmlns:p="http://schemas.openxmlformats.org/presentationml/2006/main">
+  <p:cSld>
+    <p:spTree>
+      <p:nvGrpSpPr>
+        <p:cNvPr id="1" name="">
+          <a:extLst>
+            <a:ext uri="{FF2B5EF4-FFF2-40B4-BE49-F238E27FC236}">
+              <a16:creationId xmlns:a16="http://schemas.microsoft.com/office/drawing/2014/main" id="{6C27E3CC-7536-8531-8828-282F3BB4FBCC}"/>
+            </a:ext>
+          </a:extLst>
+        </p:cNvPr>
+        <p:cNvGrpSpPr/>
+        <p:nvPr/>
+      </p:nvGrpSpPr>
+      <p:grpSpPr>
+        <a:xfrm>
+          <a:off x="0" y="0"/>
+          <a:ext cx="0" cy="0"/>
+          <a:chOff x="0" y="0"/>
+          <a:chExt cx="0" cy="0"/>
+        </a:xfrm>
+      </p:grpSpPr>
+      <p:sp>
+        <p:nvSpPr>
+          <p:cNvPr id="8" name="Content Placeholder 2">
+            <a:extLst>
+              <a:ext uri="{FF2B5EF4-FFF2-40B4-BE49-F238E27FC236}">
+                <a16:creationId xmlns:a16="http://schemas.microsoft.com/office/drawing/2014/main" id="{9452374B-A1A3-9B93-E9DF-C846948CA6E3}"/>
+              </a:ext>
+            </a:extLst>
+          </p:cNvPr>
+          <p:cNvSpPr>
+            <a:spLocks noGrp="1"/>
+          </p:cNvSpPr>
+          <p:nvPr>
+            <p:ph idx="1"/>
+          </p:nvPr>
+        </p:nvSpPr>
+        <p:spPr>
+          <a:xfrm>
+            <a:off x="458694" y="1263649"/>
+            <a:ext cx="11274612" cy="5228589"/>
+          </a:xfrm>
+        </p:spPr>
+        <p:txBody>
+          <a:bodyPr>
+            <a:normAutofit/>
+          </a:bodyPr>
+          <a:lstStyle/>
+          <a:p>
+            <a:pPr marL="342900" indent="-342900">
+              <a:lnSpc>
+                <a:spcPct val="107000"/>
+              </a:lnSpc>
+              <a:spcAft>
+                <a:spcPts val="800"/>
+              </a:spcAft>
+              <a:buFont typeface="Symbol" panose="05050102010706020507" pitchFamily="18" charset="2"/>
+              <a:buChar char=""/>
+            </a:pPr>
+            <a:r>
+              <a:rPr lang="en-GB" sz="2000" b="1" kern="100" dirty="0">
+                <a:latin typeface="Aptos" panose="020B0004020202020204" pitchFamily="34" charset="0"/>
+                <a:cs typeface="Times New Roman" panose="02020603050405020304" pitchFamily="18" charset="0"/>
+              </a:rPr>
+              <a:t>Datasets / Models</a:t>
+            </a:r>
+          </a:p>
+          <a:p>
+            <a:pPr marL="800100" lvl="1" indent="-342900">
+              <a:lnSpc>
+                <a:spcPct val="107000"/>
+              </a:lnSpc>
+              <a:spcAft>
+                <a:spcPts val="800"/>
+              </a:spcAft>
+              <a:buFont typeface="Symbol" panose="05050102010706020507" pitchFamily="18" charset="2"/>
+              <a:buChar char=""/>
+            </a:pPr>
+            <a:r>
+              <a:rPr lang="en-GB" sz="1600" kern="100" dirty="0">
+                <a:latin typeface="Aptos" panose="020B0004020202020204" pitchFamily="34" charset="0"/>
+                <a:cs typeface="Times New Roman" panose="02020603050405020304" pitchFamily="18" charset="0"/>
+              </a:rPr>
+              <a:t>SOTA Models &amp; Benchmark datasets:</a:t>
+            </a:r>
+          </a:p>
+          <a:p>
+            <a:pPr marL="800100" lvl="1" indent="-342900">
+              <a:lnSpc>
+                <a:spcPct val="107000"/>
+              </a:lnSpc>
+              <a:spcAft>
+                <a:spcPts val="800"/>
+              </a:spcAft>
+              <a:buFont typeface="Symbol" panose="05050102010706020507" pitchFamily="18" charset="2"/>
+              <a:buChar char=""/>
+            </a:pPr>
+            <a:endParaRPr lang="en-GB" sz="1600" kern="100" dirty="0">
+              <a:latin typeface="Aptos" panose="020B0004020202020204" pitchFamily="34" charset="0"/>
+              <a:cs typeface="Times New Roman" panose="02020603050405020304" pitchFamily="18" charset="0"/>
+            </a:endParaRPr>
+          </a:p>
+          <a:p>
+            <a:pPr marL="800100" lvl="1" indent="-342900">
+              <a:lnSpc>
+                <a:spcPct val="107000"/>
+              </a:lnSpc>
+              <a:spcAft>
+                <a:spcPts val="800"/>
+              </a:spcAft>
+              <a:buFont typeface="Symbol" panose="05050102010706020507" pitchFamily="18" charset="2"/>
+              <a:buChar char=""/>
+            </a:pPr>
+            <a:endParaRPr lang="en-GB" sz="1600" kern="100" dirty="0">
+              <a:latin typeface="Aptos" panose="020B0004020202020204" pitchFamily="34" charset="0"/>
+              <a:cs typeface="Times New Roman" panose="02020603050405020304" pitchFamily="18" charset="0"/>
+            </a:endParaRPr>
+          </a:p>
+          <a:p>
+            <a:pPr marL="800100" lvl="1" indent="-342900">
+              <a:lnSpc>
+                <a:spcPct val="107000"/>
+              </a:lnSpc>
+              <a:spcAft>
+                <a:spcPts val="800"/>
+              </a:spcAft>
+              <a:buFont typeface="Symbol" panose="05050102010706020507" pitchFamily="18" charset="2"/>
+              <a:buChar char=""/>
+            </a:pPr>
+            <a:endParaRPr lang="en-GB" sz="1600" kern="100" dirty="0">
+              <a:latin typeface="Aptos" panose="020B0004020202020204" pitchFamily="34" charset="0"/>
+              <a:cs typeface="Times New Roman" panose="02020603050405020304" pitchFamily="18" charset="0"/>
+            </a:endParaRPr>
+          </a:p>
+          <a:p>
+            <a:pPr marL="800100" lvl="1" indent="-342900">
+              <a:lnSpc>
+                <a:spcPct val="107000"/>
+              </a:lnSpc>
+              <a:spcAft>
+                <a:spcPts val="800"/>
+              </a:spcAft>
+              <a:buFont typeface="Symbol" panose="05050102010706020507" pitchFamily="18" charset="2"/>
+              <a:buChar char=""/>
+            </a:pPr>
+            <a:endParaRPr lang="en-GB" sz="1600" kern="100" dirty="0">
+              <a:latin typeface="Aptos" panose="020B0004020202020204" pitchFamily="34" charset="0"/>
+              <a:cs typeface="Times New Roman" panose="02020603050405020304" pitchFamily="18" charset="0"/>
+            </a:endParaRPr>
+          </a:p>
+          <a:p>
+            <a:pPr marL="457200" lvl="1" indent="0">
+              <a:lnSpc>
+                <a:spcPct val="107000"/>
+              </a:lnSpc>
+              <a:spcAft>
+                <a:spcPts val="800"/>
+              </a:spcAft>
+              <a:buNone/>
+            </a:pPr>
+            <a:endParaRPr lang="en-GB" sz="1600" kern="100" dirty="0">
+              <a:latin typeface="Aptos" panose="020B0004020202020204" pitchFamily="34" charset="0"/>
+              <a:cs typeface="Times New Roman" panose="02020603050405020304" pitchFamily="18" charset="0"/>
+            </a:endParaRPr>
+          </a:p>
+          <a:p>
+            <a:pPr marL="800100" lvl="1" indent="-342900">
+              <a:lnSpc>
+                <a:spcPct val="107000"/>
+              </a:lnSpc>
+              <a:spcAft>
+                <a:spcPts val="800"/>
+              </a:spcAft>
+              <a:buFont typeface="Symbol" panose="05050102010706020507" pitchFamily="18" charset="2"/>
+              <a:buChar char=""/>
+            </a:pPr>
+            <a:r>
+              <a:rPr lang="en-GB" sz="1600" kern="100" dirty="0">
+                <a:latin typeface="Aptos" panose="020B0004020202020204" pitchFamily="34" charset="0"/>
+                <a:cs typeface="Times New Roman" panose="02020603050405020304" pitchFamily="18" charset="0"/>
+              </a:rPr>
+              <a:t>Prepare &amp; Pre-Process Datasets (Face Detection &amp; Alignment, Grayscale, Resizing)</a:t>
+            </a:r>
+          </a:p>
+          <a:p>
+            <a:pPr>
+              <a:lnSpc>
+                <a:spcPct val="107000"/>
+              </a:lnSpc>
+              <a:spcAft>
+                <a:spcPts val="800"/>
+              </a:spcAft>
+            </a:pPr>
+            <a:r>
+              <a:rPr lang="en-GB" sz="2000" b="1" kern="100" dirty="0">
+                <a:latin typeface="Aptos" panose="020B0004020202020204" pitchFamily="34" charset="0"/>
+                <a:cs typeface="Times New Roman" panose="02020603050405020304" pitchFamily="18" charset="0"/>
+              </a:rPr>
+              <a:t>Performance Metrics</a:t>
+            </a:r>
+          </a:p>
+          <a:p>
+            <a:pPr marL="800100" lvl="1" indent="-342900">
+              <a:lnSpc>
+                <a:spcPct val="107000"/>
+              </a:lnSpc>
+              <a:spcAft>
+                <a:spcPts val="800"/>
+              </a:spcAft>
+              <a:buFont typeface="Symbol" panose="05050102010706020507" pitchFamily="18" charset="2"/>
+              <a:buChar char=""/>
+            </a:pPr>
+            <a:r>
+              <a:rPr lang="en-GB" sz="1600" kern="100" dirty="0">
+                <a:latin typeface="Aptos" panose="020B0004020202020204" pitchFamily="34" charset="0"/>
+                <a:cs typeface="Times New Roman" panose="02020603050405020304" pitchFamily="18" charset="0"/>
+              </a:rPr>
+              <a:t>Primary Metric : Accuracy</a:t>
+            </a:r>
+          </a:p>
+          <a:p>
+            <a:pPr marL="800100" lvl="1" indent="-342900">
+              <a:lnSpc>
+                <a:spcPct val="107000"/>
+              </a:lnSpc>
+              <a:spcAft>
+                <a:spcPts val="800"/>
+              </a:spcAft>
+              <a:buFont typeface="Symbol" panose="05050102010706020507" pitchFamily="18" charset="2"/>
+              <a:buChar char=""/>
+            </a:pPr>
+            <a:r>
+              <a:rPr lang="en-GB" sz="1600" kern="100" dirty="0">
+                <a:latin typeface="Aptos" panose="020B0004020202020204" pitchFamily="34" charset="0"/>
+                <a:cs typeface="Times New Roman" panose="02020603050405020304" pitchFamily="18" charset="0"/>
+              </a:rPr>
+              <a:t>Secondary Metric: Precision, Recall, </a:t>
+            </a:r>
+            <a:r>
+              <a:rPr lang="en-US" sz="1600" kern="100" dirty="0">
+                <a:latin typeface="Aptos" panose="020B0004020202020204" pitchFamily="34" charset="0"/>
+                <a:cs typeface="Times New Roman" panose="02020603050405020304" pitchFamily="18" charset="0"/>
+              </a:rPr>
+              <a:t>F1-score</a:t>
+            </a:r>
+            <a:endParaRPr lang="en-GB" sz="1600" kern="100" dirty="0">
+              <a:latin typeface="Aptos" panose="020B0004020202020204" pitchFamily="34" charset="0"/>
+              <a:cs typeface="Times New Roman" panose="02020603050405020304" pitchFamily="18" charset="0"/>
+            </a:endParaRPr>
+          </a:p>
+          <a:p>
+            <a:pPr marL="914400" lvl="2" indent="0">
+              <a:lnSpc>
+                <a:spcPct val="107000"/>
+              </a:lnSpc>
+              <a:spcAft>
+                <a:spcPts val="800"/>
+              </a:spcAft>
+              <a:buNone/>
+            </a:pPr>
+            <a:endParaRPr lang="en-GB" sz="1400" kern="100" dirty="0">
+              <a:latin typeface="Aptos" panose="020B0004020202020204" pitchFamily="34" charset="0"/>
+              <a:cs typeface="Times New Roman" panose="02020603050405020304" pitchFamily="18" charset="0"/>
+            </a:endParaRPr>
+          </a:p>
+        </p:txBody>
+      </p:sp>
+      <p:sp>
+        <p:nvSpPr>
+          <p:cNvPr id="7" name="Title 1">
+            <a:extLst>
+              <a:ext uri="{FF2B5EF4-FFF2-40B4-BE49-F238E27FC236}">
+                <a16:creationId xmlns:a16="http://schemas.microsoft.com/office/drawing/2014/main" id="{DC147A3D-4741-837B-F179-D57AF30B9343}"/>
+              </a:ext>
+            </a:extLst>
+          </p:cNvPr>
+          <p:cNvSpPr txBox="1">
+            <a:spLocks/>
+          </p:cNvSpPr>
+          <p:nvPr/>
+        </p:nvSpPr>
+        <p:spPr>
+          <a:xfrm>
+            <a:off x="458694" y="365761"/>
+            <a:ext cx="11274612" cy="897890"/>
+          </a:xfrm>
+          <a:prstGeom prst="rect">
+            <a:avLst/>
+          </a:prstGeom>
+        </p:spPr>
+        <p:txBody>
+          <a:bodyPr vert="horz" lIns="91440" tIns="45720" rIns="91440" bIns="45720" rtlCol="0" anchor="ctr">
+            <a:normAutofit/>
+          </a:bodyPr>
+          <a:lstStyle>
+            <a:lvl1pPr algn="l" defTabSz="914400" rtl="0" eaLnBrk="1" latinLnBrk="0" hangingPunct="1">
+              <a:lnSpc>
+                <a:spcPct val="100000"/>
+              </a:lnSpc>
+              <a:spcBef>
+                <a:spcPct val="0"/>
+              </a:spcBef>
+              <a:buNone/>
+              <a:defRPr sz="4400" b="0" kern="1200">
+                <a:solidFill>
+                  <a:schemeClr val="tx1"/>
+                </a:solidFill>
+                <a:latin typeface="+mj-lt"/>
+                <a:ea typeface="+mj-ea"/>
+                <a:cs typeface="+mj-cs"/>
+              </a:defRPr>
+            </a:lvl1pPr>
+          </a:lstStyle>
+          <a:p>
+            <a:r>
+              <a:rPr lang="en-GB" kern="100" spc="75" dirty="0">
+                <a:solidFill>
+                  <a:srgbClr val="595959"/>
+                </a:solidFill>
+                <a:latin typeface="Aptos" panose="020B0004020202020204" pitchFamily="34" charset="0"/>
+                <a:ea typeface="Times New Roman" panose="02020603050405020304" pitchFamily="18" charset="0"/>
+                <a:cs typeface="Times New Roman" panose="02020603050405020304" pitchFamily="18" charset="0"/>
+              </a:rPr>
+              <a:t>My Plan (1)</a:t>
+            </a:r>
+            <a:endParaRPr lang="en-MT" dirty="0"/>
+          </a:p>
+        </p:txBody>
+      </p:sp>
+      <p:sp>
+        <p:nvSpPr>
+          <p:cNvPr id="4" name="Content Placeholder 2">
+            <a:extLst>
+              <a:ext uri="{FF2B5EF4-FFF2-40B4-BE49-F238E27FC236}">
+                <a16:creationId xmlns:a16="http://schemas.microsoft.com/office/drawing/2014/main" id="{C3973960-34F0-0B3A-A769-59D6241C6505}"/>
+              </a:ext>
+            </a:extLst>
+          </p:cNvPr>
+          <p:cNvSpPr txBox="1">
+            <a:spLocks/>
+          </p:cNvSpPr>
+          <p:nvPr/>
+        </p:nvSpPr>
+        <p:spPr>
+          <a:xfrm>
+            <a:off x="458694" y="4229100"/>
+            <a:ext cx="11274612" cy="3108325"/>
+          </a:xfrm>
+          <a:prstGeom prst="rect">
+            <a:avLst/>
+          </a:prstGeom>
+        </p:spPr>
+        <p:txBody>
+          <a:bodyPr vert="horz" lIns="91440" tIns="45720" rIns="91440" bIns="45720" rtlCol="0">
+            <a:normAutofit/>
+          </a:bodyPr>
+          <a:lstStyle>
+            <a:lvl1pPr marL="228600" indent="-228600" algn="l" defTabSz="914400" rtl="0" eaLnBrk="1" latinLnBrk="0" hangingPunct="1">
+              <a:lnSpc>
+                <a:spcPct val="110000"/>
+              </a:lnSpc>
+              <a:spcBef>
+                <a:spcPts val="1000"/>
+              </a:spcBef>
+              <a:buClr>
+                <a:schemeClr val="accent1"/>
+              </a:buClr>
+              <a:buFont typeface="Arial" panose="020B0604020202020204" pitchFamily="34" charset="0"/>
+              <a:buChar char="•"/>
+              <a:defRPr sz="2800" kern="1200">
+                <a:solidFill>
+                  <a:schemeClr val="tx1"/>
+                </a:solidFill>
+                <a:latin typeface="+mn-lt"/>
+                <a:ea typeface="+mn-ea"/>
+                <a:cs typeface="+mn-cs"/>
+              </a:defRPr>
+            </a:lvl1pPr>
+            <a:lvl2pPr marL="685800" indent="-228600" algn="l" defTabSz="914400" rtl="0" eaLnBrk="1" latinLnBrk="0" hangingPunct="1">
+              <a:lnSpc>
+                <a:spcPct val="110000"/>
+              </a:lnSpc>
+              <a:spcBef>
+                <a:spcPts val="500"/>
+              </a:spcBef>
+              <a:buClr>
+                <a:schemeClr val="accent1"/>
+              </a:buClr>
+              <a:buFont typeface="Arial" panose="020B0604020202020204" pitchFamily="34" charset="0"/>
+              <a:buChar char="•"/>
+              <a:defRPr sz="2400" kern="1200">
+                <a:solidFill>
+                  <a:schemeClr val="tx1"/>
+                </a:solidFill>
+                <a:latin typeface="+mn-lt"/>
+                <a:ea typeface="+mn-ea"/>
+                <a:cs typeface="+mn-cs"/>
+              </a:defRPr>
+            </a:lvl2pPr>
+            <a:lvl3pPr marL="1143000" indent="-228600" algn="l" defTabSz="914400" rtl="0" eaLnBrk="1" latinLnBrk="0" hangingPunct="1">
+              <a:lnSpc>
+                <a:spcPct val="110000"/>
+              </a:lnSpc>
+              <a:spcBef>
+                <a:spcPts val="500"/>
+              </a:spcBef>
+              <a:buClr>
+                <a:schemeClr val="accent1"/>
+              </a:buClr>
+              <a:buFont typeface="Arial" panose="020B0604020202020204" pitchFamily="34" charset="0"/>
+              <a:buChar char="•"/>
+              <a:defRPr sz="2000" kern="1200">
+                <a:solidFill>
+                  <a:schemeClr val="tx1"/>
+                </a:solidFill>
+                <a:latin typeface="+mn-lt"/>
+                <a:ea typeface="+mn-ea"/>
+                <a:cs typeface="+mn-cs"/>
+              </a:defRPr>
+            </a:lvl3pPr>
+            <a:lvl4pPr marL="1600200" indent="-228600" algn="l" defTabSz="914400" rtl="0" eaLnBrk="1" latinLnBrk="0" hangingPunct="1">
+              <a:lnSpc>
+                <a:spcPct val="110000"/>
+              </a:lnSpc>
+              <a:spcBef>
+                <a:spcPts val="500"/>
+              </a:spcBef>
+              <a:buClr>
+                <a:schemeClr val="accent1"/>
+              </a:buClr>
+              <a:buFont typeface="Arial" panose="020B0604020202020204" pitchFamily="34" charset="0"/>
+              <a:buChar char="•"/>
+              <a:defRPr sz="1800" kern="1200">
+                <a:solidFill>
+                  <a:schemeClr val="tx1"/>
+                </a:solidFill>
+                <a:latin typeface="+mn-lt"/>
+                <a:ea typeface="+mn-ea"/>
+                <a:cs typeface="+mn-cs"/>
+              </a:defRPr>
+            </a:lvl4pPr>
+            <a:lvl5pPr marL="2057400" indent="-228600" algn="l" defTabSz="914400" rtl="0" eaLnBrk="1" latinLnBrk="0" hangingPunct="1">
+              <a:lnSpc>
+                <a:spcPct val="110000"/>
+              </a:lnSpc>
+              <a:spcBef>
+                <a:spcPts val="500"/>
+              </a:spcBef>
+              <a:buClr>
+                <a:schemeClr val="accent1"/>
+              </a:buClr>
+              <a:buFont typeface="Arial" panose="020B0604020202020204" pitchFamily="34" charset="0"/>
+              <a:buChar char="•"/>
+              <a:defRPr sz="1800" kern="1200">
+                <a:solidFill>
+                  <a:schemeClr val="tx1"/>
+                </a:solidFill>
+                <a:latin typeface="+mn-lt"/>
+                <a:ea typeface="+mn-ea"/>
+                <a:cs typeface="+mn-cs"/>
+              </a:defRPr>
+            </a:lvl5pPr>
+            <a:lvl6pPr marL="2514600" indent="-228600" algn="l" defTabSz="914400" rtl="0" eaLnBrk="1" latinLnBrk="0" hangingPunct="1">
+              <a:lnSpc>
+                <a:spcPct val="90000"/>
+              </a:lnSpc>
+              <a:spcBef>
+                <a:spcPts val="500"/>
+              </a:spcBef>
+              <a:buFont typeface="Arial" panose="020B0604020202020204" pitchFamily="34" charset="0"/>
+              <a:buChar char="•"/>
+              <a:defRPr sz="1800" kern="1200">
+                <a:solidFill>
+                  <a:schemeClr val="tx1"/>
+                </a:solidFill>
+                <a:latin typeface="+mn-lt"/>
+                <a:ea typeface="+mn-ea"/>
+                <a:cs typeface="+mn-cs"/>
+              </a:defRPr>
+            </a:lvl6pPr>
+            <a:lvl7pPr marL="2971800" indent="-228600" algn="l" defTabSz="914400" rtl="0" eaLnBrk="1" latinLnBrk="0" hangingPunct="1">
+              <a:lnSpc>
+                <a:spcPct val="90000"/>
+              </a:lnSpc>
+              <a:spcBef>
+                <a:spcPts val="500"/>
+              </a:spcBef>
+              <a:buFont typeface="Arial" panose="020B0604020202020204" pitchFamily="34" charset="0"/>
+              <a:buChar char="•"/>
+              <a:defRPr sz="1800" kern="1200">
+                <a:solidFill>
+                  <a:schemeClr val="tx1"/>
+                </a:solidFill>
+                <a:latin typeface="+mn-lt"/>
+                <a:ea typeface="+mn-ea"/>
+                <a:cs typeface="+mn-cs"/>
+              </a:defRPr>
+            </a:lvl7pPr>
+            <a:lvl8pPr marL="3429000" indent="-228600" algn="l" defTabSz="914400" rtl="0" eaLnBrk="1" latinLnBrk="0" hangingPunct="1">
+              <a:lnSpc>
+                <a:spcPct val="90000"/>
+              </a:lnSpc>
+              <a:spcBef>
+                <a:spcPts val="500"/>
+              </a:spcBef>
+              <a:buFont typeface="Arial" panose="020B0604020202020204" pitchFamily="34" charset="0"/>
+              <a:buChar char="•"/>
+              <a:defRPr sz="1800" kern="1200">
+                <a:solidFill>
+                  <a:schemeClr val="tx1"/>
+                </a:solidFill>
+                <a:latin typeface="+mn-lt"/>
+                <a:ea typeface="+mn-ea"/>
+                <a:cs typeface="+mn-cs"/>
+              </a:defRPr>
+            </a:lvl8pPr>
+            <a:lvl9pPr marL="3886200" indent="-228600" algn="l" defTabSz="914400" rtl="0" eaLnBrk="1" latinLnBrk="0" hangingPunct="1">
+              <a:lnSpc>
+                <a:spcPct val="90000"/>
+              </a:lnSpc>
+              <a:spcBef>
+                <a:spcPts val="500"/>
+              </a:spcBef>
+              <a:buFont typeface="Arial" panose="020B0604020202020204" pitchFamily="34" charset="0"/>
+              <a:buChar char="•"/>
+              <a:defRPr sz="1800" kern="1200">
+                <a:solidFill>
+                  <a:schemeClr val="tx1"/>
+                </a:solidFill>
+                <a:latin typeface="+mn-lt"/>
+                <a:ea typeface="+mn-ea"/>
+                <a:cs typeface="+mn-cs"/>
+              </a:defRPr>
+            </a:lvl9pPr>
+          </a:lstStyle>
+          <a:p>
+            <a:pPr>
+              <a:lnSpc>
+                <a:spcPct val="107000"/>
+              </a:lnSpc>
+              <a:spcAft>
+                <a:spcPts val="800"/>
+              </a:spcAft>
+            </a:pPr>
+            <a:endParaRPr lang="en-MT" sz="1400" kern="100" dirty="0">
+              <a:effectLst/>
+              <a:latin typeface="Aptos" panose="020B0004020202020204" pitchFamily="34" charset="0"/>
+              <a:ea typeface="Aptos" panose="020B0004020202020204" pitchFamily="34" charset="0"/>
+              <a:cs typeface="Times New Roman" panose="02020603050405020304" pitchFamily="18" charset="0"/>
+            </a:endParaRPr>
+          </a:p>
+        </p:txBody>
+      </p:sp>
+      <p:graphicFrame>
+        <p:nvGraphicFramePr>
+          <p:cNvPr id="5" name="Table 4">
+            <a:extLst>
+              <a:ext uri="{FF2B5EF4-FFF2-40B4-BE49-F238E27FC236}">
+                <a16:creationId xmlns:a16="http://schemas.microsoft.com/office/drawing/2014/main" id="{4CA1CC1B-FCC2-B407-D87E-CC9EC9900385}"/>
+              </a:ext>
+            </a:extLst>
+          </p:cNvPr>
+          <p:cNvGraphicFramePr>
+            <a:graphicFrameLocks noGrp="1"/>
+          </p:cNvGraphicFramePr>
+          <p:nvPr>
+            <p:extLst>
+              <p:ext uri="{D42A27DB-BD31-4B8C-83A1-F6EECF244321}">
+                <p14:modId xmlns:p14="http://schemas.microsoft.com/office/powerpoint/2010/main" val="1765612262"/>
+              </p:ext>
+            </p:extLst>
+          </p:nvPr>
+        </p:nvGraphicFramePr>
+        <p:xfrm>
+          <a:off x="2894106" y="2161539"/>
+          <a:ext cx="6403788" cy="1919685"/>
+        </p:xfrm>
+        <a:graphic>
+          <a:graphicData uri="http://schemas.openxmlformats.org/drawingml/2006/table">
+            <a:tbl>
+              <a:tblPr firstRow="1" bandRow="1">
+                <a:tableStyleId>{5C22544A-7EE6-4342-B048-85BDC9FD1C3A}</a:tableStyleId>
+              </a:tblPr>
+              <a:tblGrid>
+                <a:gridCol w="3201894">
+                  <a:extLst>
+                    <a:ext uri="{9D8B030D-6E8A-4147-A177-3AD203B41FA5}">
+                      <a16:colId xmlns:a16="http://schemas.microsoft.com/office/drawing/2014/main" val="74696118"/>
+                    </a:ext>
+                  </a:extLst>
+                </a:gridCol>
+                <a:gridCol w="3201894">
+                  <a:extLst>
+                    <a:ext uri="{9D8B030D-6E8A-4147-A177-3AD203B41FA5}">
+                      <a16:colId xmlns:a16="http://schemas.microsoft.com/office/drawing/2014/main" val="3759233739"/>
+                    </a:ext>
+                  </a:extLst>
+                </a:gridCol>
+              </a:tblGrid>
+              <a:tr h="265461">
+                <a:tc>
+                  <a:txBody>
+                    <a:bodyPr/>
+                    <a:lstStyle/>
+                    <a:p>
+                      <a:r>
+                        <a:rPr lang="en-GB" sz="1400" kern="100" dirty="0">
+                          <a:solidFill>
+                            <a:schemeClr val="bg1"/>
+                          </a:solidFill>
+                          <a:latin typeface="Aptos" panose="020B0004020202020204" pitchFamily="34" charset="0"/>
+                          <a:ea typeface="+mn-ea"/>
+                          <a:cs typeface="Times New Roman" panose="02020603050405020304" pitchFamily="18" charset="0"/>
+                        </a:rPr>
+                        <a:t>Models</a:t>
+                      </a:r>
+                      <a:endParaRPr lang="en-MT" sz="1400" kern="100" dirty="0">
+                        <a:solidFill>
+                          <a:schemeClr val="bg1"/>
+                        </a:solidFill>
+                        <a:latin typeface="Aptos" panose="020B0004020202020204" pitchFamily="34" charset="0"/>
+                        <a:ea typeface="+mn-ea"/>
+                        <a:cs typeface="Times New Roman" panose="02020603050405020304" pitchFamily="18" charset="0"/>
+                      </a:endParaRPr>
+                    </a:p>
+                  </a:txBody>
+                  <a:tcPr/>
+                </a:tc>
+                <a:tc>
+                  <a:txBody>
+                    <a:bodyPr/>
+                    <a:lstStyle/>
+                    <a:p>
+                      <a:r>
+                        <a:rPr lang="en-GB" sz="1400" kern="100" dirty="0">
+                          <a:solidFill>
+                            <a:schemeClr val="bg1"/>
+                          </a:solidFill>
+                          <a:latin typeface="Aptos" panose="020B0004020202020204" pitchFamily="34" charset="0"/>
+                          <a:ea typeface="+mn-ea"/>
+                          <a:cs typeface="Times New Roman" panose="02020603050405020304" pitchFamily="18" charset="0"/>
+                        </a:rPr>
+                        <a:t>Datasets</a:t>
+                      </a:r>
+                      <a:endParaRPr lang="en-MT" sz="1400" kern="100" dirty="0">
+                        <a:solidFill>
+                          <a:schemeClr val="bg1"/>
+                        </a:solidFill>
+                        <a:latin typeface="Aptos" panose="020B0004020202020204" pitchFamily="34" charset="0"/>
+                        <a:ea typeface="+mn-ea"/>
+                        <a:cs typeface="Times New Roman" panose="02020603050405020304" pitchFamily="18" charset="0"/>
+                      </a:endParaRPr>
+                    </a:p>
+                  </a:txBody>
+                  <a:tcPr/>
+                </a:tc>
+                <a:extLst>
+                  <a:ext uri="{0D108BD9-81ED-4DB2-BD59-A6C34878D82A}">
+                    <a16:rowId xmlns:a16="http://schemas.microsoft.com/office/drawing/2014/main" val="135874453"/>
+                  </a:ext>
+                </a:extLst>
+              </a:tr>
+              <a:tr h="322977">
+                <a:tc>
+                  <a:txBody>
+                    <a:bodyPr/>
+                    <a:lstStyle/>
+                    <a:p>
+                      <a:r>
+                        <a:rPr lang="en-GB" sz="1400" kern="100" dirty="0" err="1">
+                          <a:solidFill>
+                            <a:schemeClr val="tx1"/>
+                          </a:solidFill>
+                          <a:latin typeface="Aptos" panose="020B0004020202020204" pitchFamily="34" charset="0"/>
+                          <a:ea typeface="+mn-ea"/>
+                          <a:cs typeface="Times New Roman" panose="02020603050405020304" pitchFamily="18" charset="0"/>
+                        </a:rPr>
+                        <a:t>ResEmoteNet</a:t>
+                      </a:r>
+                      <a:endParaRPr lang="en-MT" sz="1400" kern="100" dirty="0">
+                        <a:solidFill>
+                          <a:schemeClr val="tx1"/>
+                        </a:solidFill>
+                        <a:latin typeface="Aptos" panose="020B0004020202020204" pitchFamily="34" charset="0"/>
+                        <a:ea typeface="+mn-ea"/>
+                        <a:cs typeface="Times New Roman" panose="02020603050405020304" pitchFamily="18" charset="0"/>
+                      </a:endParaRPr>
+                    </a:p>
+                  </a:txBody>
+                  <a:tcPr/>
+                </a:tc>
+                <a:tc>
+                  <a:txBody>
+                    <a:bodyPr/>
+                    <a:lstStyle/>
+                    <a:p>
+                      <a:r>
+                        <a:rPr lang="en-GB" sz="1400" kern="100" dirty="0" err="1">
+                          <a:solidFill>
+                            <a:schemeClr val="tx1"/>
+                          </a:solidFill>
+                          <a:latin typeface="Aptos" panose="020B0004020202020204" pitchFamily="34" charset="0"/>
+                          <a:ea typeface="+mn-ea"/>
+                          <a:cs typeface="Times New Roman" panose="02020603050405020304" pitchFamily="18" charset="0"/>
+                        </a:rPr>
+                        <a:t>AffectNet</a:t>
+                      </a:r>
+                      <a:endParaRPr lang="en-MT" sz="1400" kern="100" dirty="0">
+                        <a:solidFill>
+                          <a:schemeClr val="tx1"/>
+                        </a:solidFill>
+                        <a:latin typeface="Aptos" panose="020B0004020202020204" pitchFamily="34" charset="0"/>
+                        <a:ea typeface="+mn-ea"/>
+                        <a:cs typeface="Times New Roman" panose="02020603050405020304" pitchFamily="18" charset="0"/>
+                      </a:endParaRPr>
+                    </a:p>
+                  </a:txBody>
+                  <a:tcPr/>
+                </a:tc>
+                <a:extLst>
+                  <a:ext uri="{0D108BD9-81ED-4DB2-BD59-A6C34878D82A}">
+                    <a16:rowId xmlns:a16="http://schemas.microsoft.com/office/drawing/2014/main" val="3884886486"/>
+                  </a:ext>
+                </a:extLst>
+              </a:tr>
+              <a:tr h="322977">
+                <a:tc>
+                  <a:txBody>
+                    <a:bodyPr/>
+                    <a:lstStyle/>
+                    <a:p>
+                      <a:r>
+                        <a:rPr lang="en-GB" sz="1400" kern="100" dirty="0">
+                          <a:solidFill>
+                            <a:schemeClr val="tx1"/>
+                          </a:solidFill>
+                          <a:latin typeface="Aptos" panose="020B0004020202020204" pitchFamily="34" charset="0"/>
+                          <a:ea typeface="+mn-ea"/>
+                          <a:cs typeface="Times New Roman" panose="02020603050405020304" pitchFamily="18" charset="0"/>
+                        </a:rPr>
+                        <a:t>ResNet50</a:t>
+                      </a:r>
+                      <a:endParaRPr lang="en-MT" sz="1400" kern="100" dirty="0">
+                        <a:solidFill>
+                          <a:schemeClr val="tx1"/>
+                        </a:solidFill>
+                        <a:latin typeface="Aptos" panose="020B0004020202020204" pitchFamily="34" charset="0"/>
+                        <a:ea typeface="+mn-ea"/>
+                        <a:cs typeface="Times New Roman" panose="02020603050405020304" pitchFamily="18" charset="0"/>
+                      </a:endParaRPr>
+                    </a:p>
+                  </a:txBody>
+                  <a:tcPr/>
+                </a:tc>
+                <a:tc>
+                  <a:txBody>
+                    <a:bodyPr/>
+                    <a:lstStyle/>
+                    <a:p>
+                      <a:r>
+                        <a:rPr lang="en-GB" sz="1400" kern="100" dirty="0">
+                          <a:solidFill>
+                            <a:schemeClr val="tx1"/>
+                          </a:solidFill>
+                          <a:latin typeface="Aptos" panose="020B0004020202020204" pitchFamily="34" charset="0"/>
+                          <a:ea typeface="+mn-ea"/>
+                          <a:cs typeface="Times New Roman" panose="02020603050405020304" pitchFamily="18" charset="0"/>
+                        </a:rPr>
+                        <a:t>FER2013</a:t>
+                      </a:r>
+                      <a:endParaRPr lang="en-MT" sz="1400" kern="100" dirty="0">
+                        <a:solidFill>
+                          <a:schemeClr val="tx1"/>
+                        </a:solidFill>
+                        <a:latin typeface="Aptos" panose="020B0004020202020204" pitchFamily="34" charset="0"/>
+                        <a:ea typeface="+mn-ea"/>
+                        <a:cs typeface="Times New Roman" panose="02020603050405020304" pitchFamily="18" charset="0"/>
+                      </a:endParaRPr>
+                    </a:p>
+                  </a:txBody>
+                  <a:tcPr/>
+                </a:tc>
+                <a:extLst>
+                  <a:ext uri="{0D108BD9-81ED-4DB2-BD59-A6C34878D82A}">
+                    <a16:rowId xmlns:a16="http://schemas.microsoft.com/office/drawing/2014/main" val="123323182"/>
+                  </a:ext>
+                </a:extLst>
+              </a:tr>
+              <a:tr h="322977">
+                <a:tc>
+                  <a:txBody>
+                    <a:bodyPr/>
+                    <a:lstStyle/>
+                    <a:p>
+                      <a:r>
+                        <a:rPr lang="en-GB" sz="1400" kern="100" dirty="0" err="1">
+                          <a:solidFill>
+                            <a:schemeClr val="tx1"/>
+                          </a:solidFill>
+                          <a:latin typeface="Aptos" panose="020B0004020202020204" pitchFamily="34" charset="0"/>
+                          <a:ea typeface="+mn-ea"/>
+                          <a:cs typeface="Times New Roman" panose="02020603050405020304" pitchFamily="18" charset="0"/>
+                        </a:rPr>
+                        <a:t>EmoNeXt</a:t>
+                      </a:r>
+                      <a:endParaRPr lang="en-MT" sz="1400" kern="100" dirty="0">
+                        <a:solidFill>
+                          <a:schemeClr val="tx1"/>
+                        </a:solidFill>
+                        <a:latin typeface="Aptos" panose="020B0004020202020204" pitchFamily="34" charset="0"/>
+                        <a:ea typeface="+mn-ea"/>
+                        <a:cs typeface="Times New Roman" panose="02020603050405020304" pitchFamily="18" charset="0"/>
+                      </a:endParaRPr>
+                    </a:p>
+                  </a:txBody>
+                  <a:tcPr/>
+                </a:tc>
+                <a:tc>
+                  <a:txBody>
+                    <a:bodyPr/>
+                    <a:lstStyle/>
+                    <a:p>
+                      <a:r>
+                        <a:rPr lang="en-GB" sz="1400" kern="100" dirty="0">
+                          <a:solidFill>
+                            <a:schemeClr val="tx1"/>
+                          </a:solidFill>
+                          <a:latin typeface="Aptos" panose="020B0004020202020204" pitchFamily="34" charset="0"/>
+                          <a:ea typeface="+mn-ea"/>
+                          <a:cs typeface="Times New Roman" panose="02020603050405020304" pitchFamily="18" charset="0"/>
+                        </a:rPr>
+                        <a:t>RAF-DB</a:t>
+                      </a:r>
+                      <a:endParaRPr lang="en-MT" sz="1400" kern="100" dirty="0">
+                        <a:solidFill>
+                          <a:schemeClr val="tx1"/>
+                        </a:solidFill>
+                        <a:latin typeface="Aptos" panose="020B0004020202020204" pitchFamily="34" charset="0"/>
+                        <a:ea typeface="+mn-ea"/>
+                        <a:cs typeface="Times New Roman" panose="02020603050405020304" pitchFamily="18" charset="0"/>
+                      </a:endParaRPr>
+                    </a:p>
+                  </a:txBody>
+                  <a:tcPr/>
+                </a:tc>
+                <a:extLst>
+                  <a:ext uri="{0D108BD9-81ED-4DB2-BD59-A6C34878D82A}">
+                    <a16:rowId xmlns:a16="http://schemas.microsoft.com/office/drawing/2014/main" val="2673018738"/>
+                  </a:ext>
+                </a:extLst>
+              </a:tr>
+              <a:tr h="322977">
+                <a:tc>
+                  <a:txBody>
+                    <a:bodyPr/>
+                    <a:lstStyle/>
+                    <a:p>
+                      <a:r>
+                        <a:rPr lang="en-GB" sz="1400" kern="100" dirty="0">
+                          <a:solidFill>
+                            <a:schemeClr val="tx1"/>
+                          </a:solidFill>
+                          <a:latin typeface="Aptos" panose="020B0004020202020204" pitchFamily="34" charset="0"/>
+                          <a:ea typeface="+mn-ea"/>
+                          <a:cs typeface="Times New Roman" panose="02020603050405020304" pitchFamily="18" charset="0"/>
+                        </a:rPr>
+                        <a:t>DDAMFN++</a:t>
+                      </a:r>
+                      <a:endParaRPr lang="en-MT" sz="1400" kern="100" dirty="0">
+                        <a:solidFill>
+                          <a:schemeClr val="tx1"/>
+                        </a:solidFill>
+                        <a:latin typeface="Aptos" panose="020B0004020202020204" pitchFamily="34" charset="0"/>
+                        <a:ea typeface="+mn-ea"/>
+                        <a:cs typeface="Times New Roman" panose="02020603050405020304" pitchFamily="18" charset="0"/>
+                      </a:endParaRPr>
+                    </a:p>
+                  </a:txBody>
+                  <a:tcPr/>
+                </a:tc>
+                <a:tc>
+                  <a:txBody>
+                    <a:bodyPr/>
+                    <a:lstStyle/>
+                    <a:p>
+                      <a:r>
+                        <a:rPr lang="en-GB" sz="1400" kern="100" dirty="0">
+                          <a:solidFill>
+                            <a:schemeClr val="tx1"/>
+                          </a:solidFill>
+                          <a:latin typeface="Aptos" panose="020B0004020202020204" pitchFamily="34" charset="0"/>
+                          <a:ea typeface="+mn-ea"/>
+                          <a:cs typeface="Times New Roman" panose="02020603050405020304" pitchFamily="18" charset="0"/>
+                        </a:rPr>
+                        <a:t>CK+</a:t>
+                      </a:r>
+                      <a:endParaRPr lang="en-MT" sz="1400" kern="100" dirty="0">
+                        <a:solidFill>
+                          <a:schemeClr val="tx1"/>
+                        </a:solidFill>
+                        <a:latin typeface="Aptos" panose="020B0004020202020204" pitchFamily="34" charset="0"/>
+                        <a:ea typeface="+mn-ea"/>
+                        <a:cs typeface="Times New Roman" panose="02020603050405020304" pitchFamily="18" charset="0"/>
+                      </a:endParaRPr>
+                    </a:p>
+                  </a:txBody>
+                  <a:tcPr/>
+                </a:tc>
+                <a:extLst>
+                  <a:ext uri="{0D108BD9-81ED-4DB2-BD59-A6C34878D82A}">
+                    <a16:rowId xmlns:a16="http://schemas.microsoft.com/office/drawing/2014/main" val="1009863000"/>
+                  </a:ext>
+                </a:extLst>
+              </a:tr>
+              <a:tr h="322977">
+                <a:tc>
+                  <a:txBody>
+                    <a:bodyPr/>
+                    <a:lstStyle/>
+                    <a:p>
+                      <a:r>
+                        <a:rPr lang="en-GB" sz="1400" kern="100" dirty="0" err="1">
+                          <a:solidFill>
+                            <a:schemeClr val="tx1"/>
+                          </a:solidFill>
+                          <a:latin typeface="Aptos" panose="020B0004020202020204" pitchFamily="34" charset="0"/>
+                          <a:ea typeface="+mn-ea"/>
+                          <a:cs typeface="Times New Roman" panose="02020603050405020304" pitchFamily="18" charset="0"/>
+                        </a:rPr>
+                        <a:t>PAtt</a:t>
+                      </a:r>
+                      <a:r>
+                        <a:rPr lang="en-GB" sz="1400" kern="100" dirty="0">
+                          <a:solidFill>
+                            <a:schemeClr val="tx1"/>
+                          </a:solidFill>
+                          <a:latin typeface="Aptos" panose="020B0004020202020204" pitchFamily="34" charset="0"/>
+                          <a:ea typeface="+mn-ea"/>
+                          <a:cs typeface="Times New Roman" panose="02020603050405020304" pitchFamily="18" charset="0"/>
+                        </a:rPr>
+                        <a:t>-Lite</a:t>
+                      </a:r>
+                      <a:endParaRPr lang="en-MT" sz="1400" kern="100" dirty="0">
+                        <a:solidFill>
+                          <a:schemeClr val="tx1"/>
+                        </a:solidFill>
+                        <a:latin typeface="Aptos" panose="020B0004020202020204" pitchFamily="34" charset="0"/>
+                        <a:ea typeface="+mn-ea"/>
+                        <a:cs typeface="Times New Roman" panose="02020603050405020304" pitchFamily="18" charset="0"/>
+                      </a:endParaRPr>
+                    </a:p>
+                  </a:txBody>
+                  <a:tcPr/>
+                </a:tc>
+                <a:tc>
+                  <a:txBody>
+                    <a:bodyPr/>
+                    <a:lstStyle/>
+                    <a:p>
+                      <a:r>
+                        <a:rPr lang="en-GB" sz="1400" kern="100" dirty="0">
+                          <a:solidFill>
+                            <a:schemeClr val="tx1"/>
+                          </a:solidFill>
+                          <a:latin typeface="Aptos" panose="020B0004020202020204" pitchFamily="34" charset="0"/>
+                          <a:ea typeface="+mn-ea"/>
+                          <a:cs typeface="Times New Roman" panose="02020603050405020304" pitchFamily="18" charset="0"/>
+                        </a:rPr>
+                        <a:t>JAFFE</a:t>
+                      </a:r>
+                      <a:endParaRPr lang="en-MT" sz="1400" kern="100" dirty="0">
+                        <a:solidFill>
+                          <a:schemeClr val="tx1"/>
+                        </a:solidFill>
+                        <a:latin typeface="Aptos" panose="020B0004020202020204" pitchFamily="34" charset="0"/>
+                        <a:ea typeface="+mn-ea"/>
+                        <a:cs typeface="Times New Roman" panose="02020603050405020304" pitchFamily="18" charset="0"/>
+                      </a:endParaRPr>
+                    </a:p>
+                  </a:txBody>
+                  <a:tcPr/>
+                </a:tc>
+                <a:extLst>
+                  <a:ext uri="{0D108BD9-81ED-4DB2-BD59-A6C34878D82A}">
+                    <a16:rowId xmlns:a16="http://schemas.microsoft.com/office/drawing/2014/main" val="3704132675"/>
+                  </a:ext>
+                </a:extLst>
+              </a:tr>
+            </a:tbl>
+          </a:graphicData>
+        </a:graphic>
+      </p:graphicFrame>
+    </p:spTree>
+    <p:extLst>
+      <p:ext uri="{BB962C8B-B14F-4D97-AF65-F5344CB8AC3E}">
+        <p14:creationId xmlns:p14="http://schemas.microsoft.com/office/powerpoint/2010/main" val="3026126246"/>
       </p:ext>
     </p:extLst>
   </p:cSld>
@@ -8346,7 +9028,45 @@
                 <a:latin typeface="Aptos" panose="020B0004020202020204" pitchFamily="34" charset="0"/>
                 <a:cs typeface="Times New Roman" panose="02020603050405020304" pitchFamily="18" charset="0"/>
               </a:rPr>
-              <a:t>Determine SOTA Models &amp; Benchmark datasets (Papers with Code)</a:t>
+              <a:t>Train Models on each In-The-Wild Dataset (3) </a:t>
+            </a:r>
+          </a:p>
+          <a:p>
+            <a:pPr marL="1257300" lvl="2" indent="-342900">
+              <a:lnSpc>
+                <a:spcPct val="107000"/>
+              </a:lnSpc>
+              <a:spcAft>
+                <a:spcPts val="800"/>
+              </a:spcAft>
+              <a:buFont typeface="Symbol" panose="05050102010706020507" pitchFamily="18" charset="2"/>
+              <a:buChar char=""/>
+            </a:pPr>
+            <a:r>
+              <a:rPr lang="en-GB" sz="1600" kern="100" dirty="0">
+                <a:latin typeface="Aptos" panose="020B0004020202020204" pitchFamily="34" charset="0"/>
+                <a:cs typeface="Times New Roman" panose="02020603050405020304" pitchFamily="18" charset="0"/>
+              </a:rPr>
+              <a:t>Larger -&gt; Better overall performance (Concluded in Paper 2)</a:t>
+            </a:r>
+          </a:p>
+          <a:p>
+            <a:pPr marL="1257300" lvl="2" indent="-342900">
+              <a:lnSpc>
+                <a:spcPct val="107000"/>
+              </a:lnSpc>
+              <a:spcAft>
+                <a:spcPts val="800"/>
+              </a:spcAft>
+              <a:buFont typeface="Symbol" panose="05050102010706020507" pitchFamily="18" charset="2"/>
+              <a:buChar char=""/>
+            </a:pPr>
+            <a:r>
+              <a:rPr lang="en-GB" sz="1600" kern="100" dirty="0">
+                <a:latin typeface="Aptos" panose="020B0004020202020204" pitchFamily="34" charset="0"/>
+                <a:cs typeface="Times New Roman" panose="02020603050405020304" pitchFamily="18" charset="0"/>
+              </a:rPr>
+              <a:t>Use same hyperparameters were applicable </a:t>
             </a:r>
           </a:p>
           <a:p>
@@ -8365,7 +9085,7 @@
                 <a:latin typeface="Aptos" panose="020B0004020202020204" pitchFamily="34" charset="0"/>
                 <a:cs typeface="Times New Roman" panose="02020603050405020304" pitchFamily="18" charset="0"/>
               </a:rPr>
-              <a:t>Retrieve Datasets &amp; Pre-Process (Face Detection &amp; Alignment, Grayscale, Resizing)</a:t>
+              <a:t>Evaluate Models on Testing set + Other Datasets</a:t>
             </a:r>
           </a:p>
           <a:p>
@@ -8384,11 +9104,11 @@
                 <a:latin typeface="Aptos" panose="020B0004020202020204" pitchFamily="34" charset="0"/>
                 <a:cs typeface="Times New Roman" panose="02020603050405020304" pitchFamily="18" charset="0"/>
               </a:rPr>
-              <a:t>Implement the model architectures</a:t>
-            </a:r>
-          </a:p>
-          <a:p>
-            <a:pPr marL="800100" lvl="1" indent="-342900">
+              <a:t>Arrive to a conclusion on best model considering:</a:t>
+            </a:r>
+          </a:p>
+          <a:p>
+            <a:pPr marL="1257300" lvl="2" indent="-342900">
               <a:lnSpc>
                 <a:spcPct val="107000"/>
               </a:lnSpc>
@@ -8403,7 +9123,7 @@
                 <a:latin typeface="Aptos" panose="020B0004020202020204" pitchFamily="34" charset="0"/>
                 <a:cs typeface="Times New Roman" panose="02020603050405020304" pitchFamily="18" charset="0"/>
               </a:rPr>
-              <a:t>Train Models on each In-The-Wild Dataset (3) </a:t>
+              <a:t>Training time </a:t>
             </a:r>
           </a:p>
           <a:p>
@@ -8422,7 +9142,7 @@
                 <a:latin typeface="Aptos" panose="020B0004020202020204" pitchFamily="34" charset="0"/>
                 <a:cs typeface="Times New Roman" panose="02020603050405020304" pitchFamily="18" charset="0"/>
               </a:rPr>
-              <a:t>Larger -&gt; Better overall performance (Concluded in Paper 2)</a:t>
+              <a:t>Difficulty of Model Implementation</a:t>
             </a:r>
           </a:p>
           <a:p>
@@ -8441,11 +9161,11 @@
                 <a:latin typeface="Aptos" panose="020B0004020202020204" pitchFamily="34" charset="0"/>
                 <a:cs typeface="Times New Roman" panose="02020603050405020304" pitchFamily="18" charset="0"/>
               </a:rPr>
-              <a:t>Use same hyperparameters were applicable </a:t>
-            </a:r>
-          </a:p>
-          <a:p>
-            <a:pPr marL="800100" lvl="1" indent="-342900">
+              <a:t>Performance Replicability </a:t>
+            </a:r>
+          </a:p>
+          <a:p>
+            <a:pPr marL="1257300" lvl="2" indent="-342900">
               <a:lnSpc>
                 <a:spcPct val="107000"/>
               </a:lnSpc>
@@ -8460,11 +9180,11 @@
                 <a:latin typeface="Aptos" panose="020B0004020202020204" pitchFamily="34" charset="0"/>
                 <a:cs typeface="Times New Roman" panose="02020603050405020304" pitchFamily="18" charset="0"/>
               </a:rPr>
-              <a:t>Evaluate Models on Testing set + Other Datasets</a:t>
-            </a:r>
-          </a:p>
-          <a:p>
-            <a:pPr marL="800100" lvl="1" indent="-342900">
+              <a:t>Metric Results</a:t>
+            </a:r>
+          </a:p>
+          <a:p>
+            <a:pPr marL="1257300" lvl="2" indent="-342900">
               <a:lnSpc>
                 <a:spcPct val="107000"/>
               </a:lnSpc>
@@ -8479,26 +9199,7 @@
                 <a:latin typeface="Aptos" panose="020B0004020202020204" pitchFamily="34" charset="0"/>
                 <a:cs typeface="Times New Roman" panose="02020603050405020304" pitchFamily="18" charset="0"/>
               </a:rPr>
-              <a:t>Arrive to a conclusion on best model considering:</a:t>
-            </a:r>
-          </a:p>
-          <a:p>
-            <a:pPr marL="1257300" lvl="2" indent="-342900">
-              <a:lnSpc>
-                <a:spcPct val="107000"/>
-              </a:lnSpc>
-              <a:spcAft>
-                <a:spcPts val="800"/>
-              </a:spcAft>
-              <a:buFont typeface="Symbol" panose="05050102010706020507" pitchFamily="18" charset="2"/>
-              <a:buChar char=""/>
-            </a:pPr>
-            <a:r>
-              <a:rPr lang="en-GB" sz="1600" kern="100" dirty="0">
-                <a:latin typeface="Aptos" panose="020B0004020202020204" pitchFamily="34" charset="0"/>
-                <a:cs typeface="Times New Roman" panose="02020603050405020304" pitchFamily="18" charset="0"/>
-              </a:rPr>
-              <a:t>Training time / Setup / Reported Performance Replicability / Generalisability (within / cross setting)</a:t>
+              <a:t>Generalisability (within / cross setting)</a:t>
             </a:r>
           </a:p>
           <a:p>
@@ -8590,7 +9291,7 @@
                 <a:ea typeface="Times New Roman" panose="02020603050405020304" pitchFamily="18" charset="0"/>
                 <a:cs typeface="Times New Roman" panose="02020603050405020304" pitchFamily="18" charset="0"/>
               </a:rPr>
-              <a:t>My Plan (1)</a:t>
+              <a:t>My Plan (2)</a:t>
             </a:r>
             <a:endParaRPr lang="en-MT" dirty="0"/>
           </a:p>
@@ -8834,7 +9535,7 @@
 </file>
 
 <file path=ppt/slides/slide19.xml><?xml version="1.0" encoding="utf-8"?>
-<p:sld xmlns:a="http://schemas.openxmlformats.org/drawingml/2006/main" xmlns:r="http://schemas.openxmlformats.org/officeDocument/2006/relationships" xmlns:p="http://schemas.openxmlformats.org/presentationml/2006/main">
+<p:sld xmlns:a="http://schemas.openxmlformats.org/drawingml/2006/main" xmlns:r="http://schemas.openxmlformats.org/officeDocument/2006/relationships" xmlns:p="http://schemas.openxmlformats.org/presentationml/2006/main" show="0">
   <p:cSld>
     <p:spTree>
       <p:nvGrpSpPr>
@@ -9594,7 +10295,13 @@
   <p:cSld>
     <p:spTree>
       <p:nvGrpSpPr>
-        <p:cNvPr id="1" name=""/>
+        <p:cNvPr id="1" name="">
+          <a:extLst>
+            <a:ext uri="{FF2B5EF4-FFF2-40B4-BE49-F238E27FC236}">
+              <a16:creationId xmlns:a16="http://schemas.microsoft.com/office/drawing/2014/main" id="{960D184A-C367-9777-C313-490192B737CA}"/>
+            </a:ext>
+          </a:extLst>
+        </p:cNvPr>
         <p:cNvGrpSpPr/>
         <p:nvPr/>
       </p:nvGrpSpPr>
@@ -9611,7 +10318,7 @@
           <p:cNvPr id="2" name="Title 1">
             <a:extLst>
               <a:ext uri="{FF2B5EF4-FFF2-40B4-BE49-F238E27FC236}">
-                <a16:creationId xmlns:a16="http://schemas.microsoft.com/office/drawing/2014/main" id="{78701558-C2E5-50E3-7BF8-CC856B3ACE9E}"/>
+                <a16:creationId xmlns:a16="http://schemas.microsoft.com/office/drawing/2014/main" id="{CD732202-9384-80B3-F0A6-C41F123CE8AE}"/>
               </a:ext>
             </a:extLst>
           </p:cNvPr>
@@ -9653,7 +10360,7 @@
           <p:cNvPr id="3" name="Content Placeholder 2">
             <a:extLst>
               <a:ext uri="{FF2B5EF4-FFF2-40B4-BE49-F238E27FC236}">
-                <a16:creationId xmlns:a16="http://schemas.microsoft.com/office/drawing/2014/main" id="{232C85E3-FF74-7BEB-0630-58690E35856D}"/>
+                <a16:creationId xmlns:a16="http://schemas.microsoft.com/office/drawing/2014/main" id="{3A8FE343-C34B-3968-446E-44FB81A8B4FE}"/>
               </a:ext>
             </a:extLst>
           </p:cNvPr>
@@ -9687,22 +10394,36 @@
           <a:p>
             <a:pPr lvl="1"/>
             <a:r>
-              <a:rPr lang="en-GB" sz="1600" dirty="0">
-                <a:latin typeface="Aptos" panose="020B0004020202020204" pitchFamily="34" charset="0"/>
-                <a:cs typeface="Times New Roman" panose="02020603050405020304" pitchFamily="18" charset="0"/>
-              </a:rPr>
-              <a:t>Analysing Sentiments</a:t>
+              <a:rPr lang="en-US" sz="1600" kern="100" dirty="0">
+                <a:latin typeface="Aptos" panose="020B0004020202020204" pitchFamily="34" charset="0"/>
+                <a:cs typeface="Times New Roman" panose="02020603050405020304" pitchFamily="18" charset="0"/>
+              </a:rPr>
+              <a:t>Have you ever struggled to tell how someone is feeling just by looking at their face in a video call? Wouldn’t it be helpful to have a system that automatically detects emotions in real-time?</a:t>
             </a:r>
           </a:p>
           <a:p>
             <a:pPr lvl="1"/>
             <a:r>
-              <a:rPr lang="en-GB" sz="1600" dirty="0">
-                <a:latin typeface="Aptos" panose="020B0004020202020204" pitchFamily="34" charset="0"/>
-                <a:cs typeface="Times New Roman" panose="02020603050405020304" pitchFamily="18" charset="0"/>
-              </a:rPr>
-              <a:t>Psychology &amp; Human-Computer Interaction </a:t>
-            </a:r>
+              <a:rPr lang="en-US" sz="1600" kern="100" dirty="0">
+                <a:latin typeface="Aptos" panose="020B0004020202020204" pitchFamily="34" charset="0"/>
+                <a:cs typeface="Times New Roman" panose="02020603050405020304" pitchFamily="18" charset="0"/>
+              </a:rPr>
+              <a:t>Every day, we interact with hundreds of people, but many of us miss subtle emotional cues. What if technology could help us understand people's emotions better, improving communication and empathy?</a:t>
+            </a:r>
+          </a:p>
+          <a:p>
+            <a:pPr lvl="1"/>
+            <a:r>
+              <a:rPr lang="en-US" sz="1600" kern="100" dirty="0">
+                <a:latin typeface="Aptos" panose="020B0004020202020204" pitchFamily="34" charset="0"/>
+                <a:cs typeface="Times New Roman" panose="02020603050405020304" pitchFamily="18" charset="0"/>
+              </a:rPr>
+              <a:t>In customer service or healthcare, understanding how people feel can make all the difference. Imagine a system that could detect and respond to the emotions of a customer or patient in an instant.</a:t>
+            </a:r>
+            <a:endParaRPr lang="en-GB" sz="1600" kern="100" dirty="0">
+              <a:latin typeface="Aptos" panose="020B0004020202020204" pitchFamily="34" charset="0"/>
+              <a:cs typeface="Times New Roman" panose="02020603050405020304" pitchFamily="18" charset="0"/>
+            </a:endParaRPr>
           </a:p>
           <a:p>
             <a:r>
@@ -9940,18 +10661,6 @@
               </a:rPr>
               <a:t> – Spot shoplifters.</a:t>
             </a:r>
-          </a:p>
-          <a:p>
-            <a:pPr marL="800100" lvl="1" indent="-342900">
-              <a:lnSpc>
-                <a:spcPct val="107000"/>
-              </a:lnSpc>
-              <a:spcAft>
-                <a:spcPts val="800"/>
-              </a:spcAft>
-              <a:buFont typeface="Symbol" panose="05050102010706020507" pitchFamily="18" charset="2"/>
-              <a:buChar char=""/>
-            </a:pPr>
             <a:endParaRPr lang="en-GB" sz="1400" kern="100" dirty="0">
               <a:latin typeface="Aptos" panose="020B0004020202020204" pitchFamily="34" charset="0"/>
               <a:ea typeface="Aptos" panose="020B0004020202020204" pitchFamily="34" charset="0"/>
@@ -9984,7 +10693,7 @@
     </p:spTree>
     <p:extLst>
       <p:ext uri="{BB962C8B-B14F-4D97-AF65-F5344CB8AC3E}">
-        <p14:creationId xmlns:p14="http://schemas.microsoft.com/office/powerpoint/2010/main" val="1010189537"/>
+        <p14:creationId xmlns:p14="http://schemas.microsoft.com/office/powerpoint/2010/main" val="3077600973"/>
       </p:ext>
     </p:extLst>
   </p:cSld>
@@ -9994,533 +10703,7 @@
 </p:sld>
 </file>
 
-<file path=ppt/slides/slide3.xml><?xml version="1.0" encoding="utf-8"?>
-<p:sld xmlns:a="http://schemas.openxmlformats.org/drawingml/2006/main" xmlns:r="http://schemas.openxmlformats.org/officeDocument/2006/relationships" xmlns:p="http://schemas.openxmlformats.org/presentationml/2006/main">
-  <p:cSld>
-    <p:spTree>
-      <p:nvGrpSpPr>
-        <p:cNvPr id="1" name="">
-          <a:extLst>
-            <a:ext uri="{FF2B5EF4-FFF2-40B4-BE49-F238E27FC236}">
-              <a16:creationId xmlns:a16="http://schemas.microsoft.com/office/drawing/2014/main" id="{D8DE6EC9-E46C-ACE4-CE35-67BFCF739413}"/>
-            </a:ext>
-          </a:extLst>
-        </p:cNvPr>
-        <p:cNvGrpSpPr/>
-        <p:nvPr/>
-      </p:nvGrpSpPr>
-      <p:grpSpPr>
-        <a:xfrm>
-          <a:off x="0" y="0"/>
-          <a:ext cx="0" cy="0"/>
-          <a:chOff x="0" y="0"/>
-          <a:chExt cx="0" cy="0"/>
-        </a:xfrm>
-      </p:grpSpPr>
-      <p:sp>
-        <p:nvSpPr>
-          <p:cNvPr id="8" name="Content Placeholder 2">
-            <a:extLst>
-              <a:ext uri="{FF2B5EF4-FFF2-40B4-BE49-F238E27FC236}">
-                <a16:creationId xmlns:a16="http://schemas.microsoft.com/office/drawing/2014/main" id="{5B81736E-9FC7-C901-F364-68444FC35EC9}"/>
-              </a:ext>
-            </a:extLst>
-          </p:cNvPr>
-          <p:cNvSpPr>
-            <a:spLocks noGrp="1"/>
-          </p:cNvSpPr>
-          <p:nvPr>
-            <p:ph idx="1"/>
-          </p:nvPr>
-        </p:nvSpPr>
-        <p:spPr>
-          <a:xfrm>
-            <a:off x="458694" y="1263649"/>
-            <a:ext cx="11274612" cy="5228589"/>
-          </a:xfrm>
-        </p:spPr>
-        <p:txBody>
-          <a:bodyPr>
-            <a:normAutofit/>
-          </a:bodyPr>
-          <a:lstStyle/>
-          <a:p>
-            <a:pPr>
-              <a:lnSpc>
-                <a:spcPct val="107000"/>
-              </a:lnSpc>
-              <a:spcAft>
-                <a:spcPts val="800"/>
-              </a:spcAft>
-            </a:pPr>
-            <a:r>
-              <a:rPr lang="en-GB" sz="2000" b="1" kern="100" dirty="0">
-                <a:effectLst/>
-                <a:latin typeface="Aptos" panose="020B0004020202020204" pitchFamily="34" charset="0"/>
-                <a:ea typeface="Aptos" panose="020B0004020202020204" pitchFamily="34" charset="0"/>
-                <a:cs typeface="Times New Roman" panose="02020603050405020304" pitchFamily="18" charset="0"/>
-              </a:rPr>
-              <a:t>Issues</a:t>
-            </a:r>
-            <a:endParaRPr lang="en-MT" sz="2000" b="1" kern="100" dirty="0">
-              <a:effectLst/>
-              <a:latin typeface="Aptos" panose="020B0004020202020204" pitchFamily="34" charset="0"/>
-              <a:ea typeface="Aptos" panose="020B0004020202020204" pitchFamily="34" charset="0"/>
-              <a:cs typeface="Times New Roman" panose="02020603050405020304" pitchFamily="18" charset="0"/>
-            </a:endParaRPr>
-          </a:p>
-          <a:p>
-            <a:pPr marL="800100" lvl="1" indent="-342900">
-              <a:lnSpc>
-                <a:spcPct val="107000"/>
-              </a:lnSpc>
-              <a:buFont typeface="Symbol" panose="05050102010706020507" pitchFamily="18" charset="2"/>
-              <a:buChar char=""/>
-            </a:pPr>
-            <a:r>
-              <a:rPr lang="en-GB" sz="1600" b="1" kern="100" dirty="0">
-                <a:effectLst/>
-                <a:latin typeface="Aptos" panose="020B0004020202020204" pitchFamily="34" charset="0"/>
-                <a:ea typeface="Aptos" panose="020B0004020202020204" pitchFamily="34" charset="0"/>
-                <a:cs typeface="Times New Roman" panose="02020603050405020304" pitchFamily="18" charset="0"/>
-              </a:rPr>
-              <a:t>Privacy Risks</a:t>
-            </a:r>
-            <a:r>
-              <a:rPr lang="en-GB" sz="1600" b="1" kern="100" dirty="0">
-                <a:latin typeface="Aptos" panose="020B0004020202020204" pitchFamily="34" charset="0"/>
-                <a:ea typeface="Aptos" panose="020B0004020202020204" pitchFamily="34" charset="0"/>
-                <a:cs typeface="Times New Roman" panose="02020603050405020304" pitchFamily="18" charset="0"/>
-              </a:rPr>
-              <a:t> </a:t>
-            </a:r>
-            <a:r>
-              <a:rPr lang="en-GB" sz="1600" kern="100" dirty="0">
-                <a:latin typeface="Aptos" panose="020B0004020202020204" pitchFamily="34" charset="0"/>
-                <a:ea typeface="Aptos" panose="020B0004020202020204" pitchFamily="34" charset="0"/>
-                <a:cs typeface="Times New Roman" panose="02020603050405020304" pitchFamily="18" charset="0"/>
-              </a:rPr>
-              <a:t>– A</a:t>
-            </a:r>
-            <a:r>
-              <a:rPr lang="en-GB" sz="1600" kern="100" dirty="0">
-                <a:effectLst/>
-                <a:latin typeface="Aptos" panose="020B0004020202020204" pitchFamily="34" charset="0"/>
-                <a:ea typeface="Aptos" panose="020B0004020202020204" pitchFamily="34" charset="0"/>
-                <a:cs typeface="Times New Roman" panose="02020603050405020304" pitchFamily="18" charset="0"/>
-              </a:rPr>
-              <a:t>nalysing sensitive biometric data -&gt; privacy concerns and unauthorised data use.</a:t>
-            </a:r>
-            <a:endParaRPr lang="en-MT" sz="1600" kern="100" dirty="0">
-              <a:effectLst/>
-              <a:latin typeface="Aptos" panose="020B0004020202020204" pitchFamily="34" charset="0"/>
-              <a:ea typeface="Aptos" panose="020B0004020202020204" pitchFamily="34" charset="0"/>
-              <a:cs typeface="Times New Roman" panose="02020603050405020304" pitchFamily="18" charset="0"/>
-            </a:endParaRPr>
-          </a:p>
-          <a:p>
-            <a:pPr marL="800100" lvl="1" indent="-342900">
-              <a:lnSpc>
-                <a:spcPct val="107000"/>
-              </a:lnSpc>
-              <a:buFont typeface="Symbol" panose="05050102010706020507" pitchFamily="18" charset="2"/>
-              <a:buChar char=""/>
-            </a:pPr>
-            <a:r>
-              <a:rPr lang="en-GB" sz="1600" b="1" kern="100" dirty="0">
-                <a:effectLst/>
-                <a:latin typeface="Aptos" panose="020B0004020202020204" pitchFamily="34" charset="0"/>
-                <a:ea typeface="Aptos" panose="020B0004020202020204" pitchFamily="34" charset="0"/>
-                <a:cs typeface="Times New Roman" panose="02020603050405020304" pitchFamily="18" charset="0"/>
-              </a:rPr>
-              <a:t>Accuracy and Bias</a:t>
-            </a:r>
-            <a:r>
-              <a:rPr lang="en-GB" sz="1600" b="1" kern="100" dirty="0">
-                <a:latin typeface="Aptos" panose="020B0004020202020204" pitchFamily="34" charset="0"/>
-                <a:ea typeface="Aptos" panose="020B0004020202020204" pitchFamily="34" charset="0"/>
-                <a:cs typeface="Times New Roman" panose="02020603050405020304" pitchFamily="18" charset="0"/>
-              </a:rPr>
-              <a:t> </a:t>
-            </a:r>
-            <a:r>
-              <a:rPr lang="en-GB" sz="1600" kern="100" dirty="0">
-                <a:latin typeface="Aptos" panose="020B0004020202020204" pitchFamily="34" charset="0"/>
-                <a:ea typeface="Aptos" panose="020B0004020202020204" pitchFamily="34" charset="0"/>
-                <a:cs typeface="Times New Roman" panose="02020603050405020304" pitchFamily="18" charset="0"/>
-              </a:rPr>
-              <a:t>– I</a:t>
-            </a:r>
-            <a:r>
-              <a:rPr lang="en-GB" sz="1600" kern="100" dirty="0">
-                <a:effectLst/>
-                <a:latin typeface="Aptos" panose="020B0004020202020204" pitchFamily="34" charset="0"/>
-                <a:ea typeface="Aptos" panose="020B0004020202020204" pitchFamily="34" charset="0"/>
-                <a:cs typeface="Times New Roman" panose="02020603050405020304" pitchFamily="18" charset="0"/>
-              </a:rPr>
-              <a:t>naccuracies and biases, particularly against certain ethnic groups or skin colours, leading to unfair profiling and discrimination.</a:t>
-            </a:r>
-            <a:endParaRPr lang="en-MT" sz="1600" kern="100" dirty="0">
-              <a:effectLst/>
-              <a:latin typeface="Aptos" panose="020B0004020202020204" pitchFamily="34" charset="0"/>
-              <a:ea typeface="Aptos" panose="020B0004020202020204" pitchFamily="34" charset="0"/>
-              <a:cs typeface="Times New Roman" panose="02020603050405020304" pitchFamily="18" charset="0"/>
-            </a:endParaRPr>
-          </a:p>
-          <a:p>
-            <a:pPr marL="800100" lvl="1" indent="-342900">
-              <a:lnSpc>
-                <a:spcPct val="107000"/>
-              </a:lnSpc>
-              <a:spcAft>
-                <a:spcPts val="800"/>
-              </a:spcAft>
-              <a:buFont typeface="Symbol" panose="05050102010706020507" pitchFamily="18" charset="2"/>
-              <a:buChar char=""/>
-            </a:pPr>
-            <a:r>
-              <a:rPr lang="en-GB" sz="1600" b="1" kern="100" dirty="0">
-                <a:effectLst/>
-                <a:latin typeface="Aptos" panose="020B0004020202020204" pitchFamily="34" charset="0"/>
-                <a:ea typeface="Aptos" panose="020B0004020202020204" pitchFamily="34" charset="0"/>
-                <a:cs typeface="Times New Roman" panose="02020603050405020304" pitchFamily="18" charset="0"/>
-              </a:rPr>
-              <a:t>Emotional Misinterpretation</a:t>
-            </a:r>
-            <a:r>
-              <a:rPr lang="en-GB" sz="1600" b="1" kern="100" dirty="0">
-                <a:latin typeface="Aptos" panose="020B0004020202020204" pitchFamily="34" charset="0"/>
-                <a:ea typeface="Aptos" panose="020B0004020202020204" pitchFamily="34" charset="0"/>
-                <a:cs typeface="Times New Roman" panose="02020603050405020304" pitchFamily="18" charset="0"/>
-              </a:rPr>
-              <a:t> </a:t>
-            </a:r>
-            <a:r>
-              <a:rPr lang="en-GB" sz="1600" kern="100" dirty="0">
-                <a:latin typeface="Aptos" panose="020B0004020202020204" pitchFamily="34" charset="0"/>
-                <a:ea typeface="Aptos" panose="020B0004020202020204" pitchFamily="34" charset="0"/>
-                <a:cs typeface="Times New Roman" panose="02020603050405020304" pitchFamily="18" charset="0"/>
-              </a:rPr>
-              <a:t>– M</a:t>
-            </a:r>
-            <a:r>
-              <a:rPr lang="en-GB" sz="1600" kern="100" dirty="0">
-                <a:effectLst/>
-                <a:latin typeface="Aptos" panose="020B0004020202020204" pitchFamily="34" charset="0"/>
-                <a:ea typeface="Aptos" panose="020B0004020202020204" pitchFamily="34" charset="0"/>
-                <a:cs typeface="Times New Roman" panose="02020603050405020304" pitchFamily="18" charset="0"/>
-              </a:rPr>
-              <a:t>isinterpretation of emotions due to contextual factors, resulting in erroneous conclusions that can affect individuals' lives negatively.</a:t>
-            </a:r>
-            <a:endParaRPr lang="en-MT" sz="1600" kern="100" dirty="0">
-              <a:effectLst/>
-              <a:latin typeface="Aptos" panose="020B0004020202020204" pitchFamily="34" charset="0"/>
-              <a:ea typeface="Aptos" panose="020B0004020202020204" pitchFamily="34" charset="0"/>
-              <a:cs typeface="Times New Roman" panose="02020603050405020304" pitchFamily="18" charset="0"/>
-            </a:endParaRPr>
-          </a:p>
-        </p:txBody>
-      </p:sp>
-      <p:sp>
-        <p:nvSpPr>
-          <p:cNvPr id="7" name="Title 1">
-            <a:extLst>
-              <a:ext uri="{FF2B5EF4-FFF2-40B4-BE49-F238E27FC236}">
-                <a16:creationId xmlns:a16="http://schemas.microsoft.com/office/drawing/2014/main" id="{B00C8DEF-E91B-41D0-1E1B-711A5EAC18B0}"/>
-              </a:ext>
-            </a:extLst>
-          </p:cNvPr>
-          <p:cNvSpPr txBox="1">
-            <a:spLocks/>
-          </p:cNvSpPr>
-          <p:nvPr/>
-        </p:nvSpPr>
-        <p:spPr>
-          <a:xfrm>
-            <a:off x="458694" y="365761"/>
-            <a:ext cx="3691965" cy="897890"/>
-          </a:xfrm>
-          <a:prstGeom prst="rect">
-            <a:avLst/>
-          </a:prstGeom>
-        </p:spPr>
-        <p:txBody>
-          <a:bodyPr vert="horz" lIns="91440" tIns="45720" rIns="91440" bIns="45720" rtlCol="0" anchor="ctr">
-            <a:normAutofit/>
-          </a:bodyPr>
-          <a:lstStyle>
-            <a:lvl1pPr algn="l" defTabSz="914400" rtl="0" eaLnBrk="1" latinLnBrk="0" hangingPunct="1">
-              <a:lnSpc>
-                <a:spcPct val="100000"/>
-              </a:lnSpc>
-              <a:spcBef>
-                <a:spcPct val="0"/>
-              </a:spcBef>
-              <a:buNone/>
-              <a:defRPr sz="4400" b="0" kern="1200">
-                <a:solidFill>
-                  <a:schemeClr val="tx1"/>
-                </a:solidFill>
-                <a:latin typeface="+mj-lt"/>
-                <a:ea typeface="+mj-ea"/>
-                <a:cs typeface="+mj-cs"/>
-              </a:defRPr>
-            </a:lvl1pPr>
-          </a:lstStyle>
-          <a:p>
-            <a:r>
-              <a:rPr lang="en-GB" kern="100" spc="75" dirty="0">
-                <a:solidFill>
-                  <a:srgbClr val="595959"/>
-                </a:solidFill>
-                <a:latin typeface="Aptos" panose="020B0004020202020204" pitchFamily="34" charset="0"/>
-                <a:ea typeface="Times New Roman" panose="02020603050405020304" pitchFamily="18" charset="0"/>
-                <a:cs typeface="Times New Roman" panose="02020603050405020304" pitchFamily="18" charset="0"/>
-              </a:rPr>
-              <a:t>Motivation (2)</a:t>
-            </a:r>
-            <a:endParaRPr lang="en-MT" dirty="0"/>
-          </a:p>
-        </p:txBody>
-      </p:sp>
-      <p:sp>
-        <p:nvSpPr>
-          <p:cNvPr id="4" name="Content Placeholder 2">
-            <a:extLst>
-              <a:ext uri="{FF2B5EF4-FFF2-40B4-BE49-F238E27FC236}">
-                <a16:creationId xmlns:a16="http://schemas.microsoft.com/office/drawing/2014/main" id="{0850E826-5739-EDF4-74B5-06FEB5382B0D}"/>
-              </a:ext>
-            </a:extLst>
-          </p:cNvPr>
-          <p:cNvSpPr txBox="1">
-            <a:spLocks/>
-          </p:cNvSpPr>
-          <p:nvPr/>
-        </p:nvSpPr>
-        <p:spPr>
-          <a:xfrm>
-            <a:off x="458694" y="4229100"/>
-            <a:ext cx="11274612" cy="3108325"/>
-          </a:xfrm>
-          <a:prstGeom prst="rect">
-            <a:avLst/>
-          </a:prstGeom>
-        </p:spPr>
-        <p:txBody>
-          <a:bodyPr vert="horz" lIns="91440" tIns="45720" rIns="91440" bIns="45720" rtlCol="0">
-            <a:normAutofit/>
-          </a:bodyPr>
-          <a:lstStyle>
-            <a:lvl1pPr marL="228600" indent="-228600" algn="l" defTabSz="914400" rtl="0" eaLnBrk="1" latinLnBrk="0" hangingPunct="1">
-              <a:lnSpc>
-                <a:spcPct val="110000"/>
-              </a:lnSpc>
-              <a:spcBef>
-                <a:spcPts val="1000"/>
-              </a:spcBef>
-              <a:buClr>
-                <a:schemeClr val="accent1"/>
-              </a:buClr>
-              <a:buFont typeface="Arial" panose="020B0604020202020204" pitchFamily="34" charset="0"/>
-              <a:buChar char="•"/>
-              <a:defRPr sz="2800" kern="1200">
-                <a:solidFill>
-                  <a:schemeClr val="tx1"/>
-                </a:solidFill>
-                <a:latin typeface="+mn-lt"/>
-                <a:ea typeface="+mn-ea"/>
-                <a:cs typeface="+mn-cs"/>
-              </a:defRPr>
-            </a:lvl1pPr>
-            <a:lvl2pPr marL="685800" indent="-228600" algn="l" defTabSz="914400" rtl="0" eaLnBrk="1" latinLnBrk="0" hangingPunct="1">
-              <a:lnSpc>
-                <a:spcPct val="110000"/>
-              </a:lnSpc>
-              <a:spcBef>
-                <a:spcPts val="500"/>
-              </a:spcBef>
-              <a:buClr>
-                <a:schemeClr val="accent1"/>
-              </a:buClr>
-              <a:buFont typeface="Arial" panose="020B0604020202020204" pitchFamily="34" charset="0"/>
-              <a:buChar char="•"/>
-              <a:defRPr sz="2400" kern="1200">
-                <a:solidFill>
-                  <a:schemeClr val="tx1"/>
-                </a:solidFill>
-                <a:latin typeface="+mn-lt"/>
-                <a:ea typeface="+mn-ea"/>
-                <a:cs typeface="+mn-cs"/>
-              </a:defRPr>
-            </a:lvl2pPr>
-            <a:lvl3pPr marL="1143000" indent="-228600" algn="l" defTabSz="914400" rtl="0" eaLnBrk="1" latinLnBrk="0" hangingPunct="1">
-              <a:lnSpc>
-                <a:spcPct val="110000"/>
-              </a:lnSpc>
-              <a:spcBef>
-                <a:spcPts val="500"/>
-              </a:spcBef>
-              <a:buClr>
-                <a:schemeClr val="accent1"/>
-              </a:buClr>
-              <a:buFont typeface="Arial" panose="020B0604020202020204" pitchFamily="34" charset="0"/>
-              <a:buChar char="•"/>
-              <a:defRPr sz="2000" kern="1200">
-                <a:solidFill>
-                  <a:schemeClr val="tx1"/>
-                </a:solidFill>
-                <a:latin typeface="+mn-lt"/>
-                <a:ea typeface="+mn-ea"/>
-                <a:cs typeface="+mn-cs"/>
-              </a:defRPr>
-            </a:lvl3pPr>
-            <a:lvl4pPr marL="1600200" indent="-228600" algn="l" defTabSz="914400" rtl="0" eaLnBrk="1" latinLnBrk="0" hangingPunct="1">
-              <a:lnSpc>
-                <a:spcPct val="110000"/>
-              </a:lnSpc>
-              <a:spcBef>
-                <a:spcPts val="500"/>
-              </a:spcBef>
-              <a:buClr>
-                <a:schemeClr val="accent1"/>
-              </a:buClr>
-              <a:buFont typeface="Arial" panose="020B0604020202020204" pitchFamily="34" charset="0"/>
-              <a:buChar char="•"/>
-              <a:defRPr sz="1800" kern="1200">
-                <a:solidFill>
-                  <a:schemeClr val="tx1"/>
-                </a:solidFill>
-                <a:latin typeface="+mn-lt"/>
-                <a:ea typeface="+mn-ea"/>
-                <a:cs typeface="+mn-cs"/>
-              </a:defRPr>
-            </a:lvl4pPr>
-            <a:lvl5pPr marL="2057400" indent="-228600" algn="l" defTabSz="914400" rtl="0" eaLnBrk="1" latinLnBrk="0" hangingPunct="1">
-              <a:lnSpc>
-                <a:spcPct val="110000"/>
-              </a:lnSpc>
-              <a:spcBef>
-                <a:spcPts val="500"/>
-              </a:spcBef>
-              <a:buClr>
-                <a:schemeClr val="accent1"/>
-              </a:buClr>
-              <a:buFont typeface="Arial" panose="020B0604020202020204" pitchFamily="34" charset="0"/>
-              <a:buChar char="•"/>
-              <a:defRPr sz="1800" kern="1200">
-                <a:solidFill>
-                  <a:schemeClr val="tx1"/>
-                </a:solidFill>
-                <a:latin typeface="+mn-lt"/>
-                <a:ea typeface="+mn-ea"/>
-                <a:cs typeface="+mn-cs"/>
-              </a:defRPr>
-            </a:lvl5pPr>
-            <a:lvl6pPr marL="2514600" indent="-228600" algn="l" defTabSz="914400" rtl="0" eaLnBrk="1" latinLnBrk="0" hangingPunct="1">
-              <a:lnSpc>
-                <a:spcPct val="90000"/>
-              </a:lnSpc>
-              <a:spcBef>
-                <a:spcPts val="500"/>
-              </a:spcBef>
-              <a:buFont typeface="Arial" panose="020B0604020202020204" pitchFamily="34" charset="0"/>
-              <a:buChar char="•"/>
-              <a:defRPr sz="1800" kern="1200">
-                <a:solidFill>
-                  <a:schemeClr val="tx1"/>
-                </a:solidFill>
-                <a:latin typeface="+mn-lt"/>
-                <a:ea typeface="+mn-ea"/>
-                <a:cs typeface="+mn-cs"/>
-              </a:defRPr>
-            </a:lvl6pPr>
-            <a:lvl7pPr marL="2971800" indent="-228600" algn="l" defTabSz="914400" rtl="0" eaLnBrk="1" latinLnBrk="0" hangingPunct="1">
-              <a:lnSpc>
-                <a:spcPct val="90000"/>
-              </a:lnSpc>
-              <a:spcBef>
-                <a:spcPts val="500"/>
-              </a:spcBef>
-              <a:buFont typeface="Arial" panose="020B0604020202020204" pitchFamily="34" charset="0"/>
-              <a:buChar char="•"/>
-              <a:defRPr sz="1800" kern="1200">
-                <a:solidFill>
-                  <a:schemeClr val="tx1"/>
-                </a:solidFill>
-                <a:latin typeface="+mn-lt"/>
-                <a:ea typeface="+mn-ea"/>
-                <a:cs typeface="+mn-cs"/>
-              </a:defRPr>
-            </a:lvl7pPr>
-            <a:lvl8pPr marL="3429000" indent="-228600" algn="l" defTabSz="914400" rtl="0" eaLnBrk="1" latinLnBrk="0" hangingPunct="1">
-              <a:lnSpc>
-                <a:spcPct val="90000"/>
-              </a:lnSpc>
-              <a:spcBef>
-                <a:spcPts val="500"/>
-              </a:spcBef>
-              <a:buFont typeface="Arial" panose="020B0604020202020204" pitchFamily="34" charset="0"/>
-              <a:buChar char="•"/>
-              <a:defRPr sz="1800" kern="1200">
-                <a:solidFill>
-                  <a:schemeClr val="tx1"/>
-                </a:solidFill>
-                <a:latin typeface="+mn-lt"/>
-                <a:ea typeface="+mn-ea"/>
-                <a:cs typeface="+mn-cs"/>
-              </a:defRPr>
-            </a:lvl8pPr>
-            <a:lvl9pPr marL="3886200" indent="-228600" algn="l" defTabSz="914400" rtl="0" eaLnBrk="1" latinLnBrk="0" hangingPunct="1">
-              <a:lnSpc>
-                <a:spcPct val="90000"/>
-              </a:lnSpc>
-              <a:spcBef>
-                <a:spcPts val="500"/>
-              </a:spcBef>
-              <a:buFont typeface="Arial" panose="020B0604020202020204" pitchFamily="34" charset="0"/>
-              <a:buChar char="•"/>
-              <a:defRPr sz="1800" kern="1200">
-                <a:solidFill>
-                  <a:schemeClr val="tx1"/>
-                </a:solidFill>
-                <a:latin typeface="+mn-lt"/>
-                <a:ea typeface="+mn-ea"/>
-                <a:cs typeface="+mn-cs"/>
-              </a:defRPr>
-            </a:lvl9pPr>
-          </a:lstStyle>
-          <a:p>
-            <a:pPr>
-              <a:lnSpc>
-                <a:spcPct val="107000"/>
-              </a:lnSpc>
-              <a:spcAft>
-                <a:spcPts val="800"/>
-              </a:spcAft>
-            </a:pPr>
-            <a:endParaRPr lang="en-MT" sz="1400" kern="100" dirty="0">
-              <a:effectLst/>
-              <a:latin typeface="Aptos" panose="020B0004020202020204" pitchFamily="34" charset="0"/>
-              <a:ea typeface="Aptos" panose="020B0004020202020204" pitchFamily="34" charset="0"/>
-              <a:cs typeface="Times New Roman" panose="02020603050405020304" pitchFamily="18" charset="0"/>
-            </a:endParaRPr>
-          </a:p>
-        </p:txBody>
-      </p:sp>
-    </p:spTree>
-    <p:extLst>
-      <p:ext uri="{BB962C8B-B14F-4D97-AF65-F5344CB8AC3E}">
-        <p14:creationId xmlns:p14="http://schemas.microsoft.com/office/powerpoint/2010/main" val="224423335"/>
-      </p:ext>
-    </p:extLst>
-  </p:cSld>
-  <p:clrMapOvr>
-    <a:masterClrMapping/>
-  </p:clrMapOvr>
-</p:sld>
-</file>
-
-<file path=ppt/slides/slide4.xml><?xml version="1.0" encoding="utf-8"?>
+<file path=ppt/slides/slide20.xml><?xml version="1.0" encoding="utf-8"?>
 <p:sld xmlns:a="http://schemas.openxmlformats.org/drawingml/2006/main" xmlns:r="http://schemas.openxmlformats.org/officeDocument/2006/relationships" xmlns:p="http://schemas.openxmlformats.org/presentationml/2006/main" show="0">
   <p:cSld>
     <p:spTree>
@@ -10948,7 +11131,1237 @@
 </p:sld>
 </file>
 
-<file path=ppt/slides/slide5.xml><?xml version="1.0" encoding="utf-8"?>
+<file path=ppt/slides/slide21.xml><?xml version="1.0" encoding="utf-8"?>
+<p:sld xmlns:a="http://schemas.openxmlformats.org/drawingml/2006/main" xmlns:r="http://schemas.openxmlformats.org/officeDocument/2006/relationships" xmlns:p="http://schemas.openxmlformats.org/presentationml/2006/main" show="0">
+  <p:cSld>
+    <p:spTree>
+      <p:nvGrpSpPr>
+        <p:cNvPr id="1" name="">
+          <a:extLst>
+            <a:ext uri="{FF2B5EF4-FFF2-40B4-BE49-F238E27FC236}">
+              <a16:creationId xmlns:a16="http://schemas.microsoft.com/office/drawing/2014/main" id="{C0A821D8-C4A5-E467-15F0-45DBB7B98F78}"/>
+            </a:ext>
+          </a:extLst>
+        </p:cNvPr>
+        <p:cNvGrpSpPr/>
+        <p:nvPr/>
+      </p:nvGrpSpPr>
+      <p:grpSpPr>
+        <a:xfrm>
+          <a:off x="0" y="0"/>
+          <a:ext cx="0" cy="0"/>
+          <a:chOff x="0" y="0"/>
+          <a:chExt cx="0" cy="0"/>
+        </a:xfrm>
+      </p:grpSpPr>
+      <p:sp>
+        <p:nvSpPr>
+          <p:cNvPr id="8" name="Content Placeholder 2">
+            <a:extLst>
+              <a:ext uri="{FF2B5EF4-FFF2-40B4-BE49-F238E27FC236}">
+                <a16:creationId xmlns:a16="http://schemas.microsoft.com/office/drawing/2014/main" id="{A6B14A5C-6F37-E0E5-C39A-F1F2D7833674}"/>
+              </a:ext>
+            </a:extLst>
+          </p:cNvPr>
+          <p:cNvSpPr>
+            <a:spLocks noGrp="1"/>
+          </p:cNvSpPr>
+          <p:nvPr>
+            <p:ph idx="1"/>
+          </p:nvPr>
+        </p:nvSpPr>
+        <p:spPr>
+          <a:xfrm>
+            <a:off x="458694" y="1263649"/>
+            <a:ext cx="11274612" cy="5228589"/>
+          </a:xfrm>
+        </p:spPr>
+        <p:txBody>
+          <a:bodyPr>
+            <a:normAutofit fontScale="70000" lnSpcReduction="20000"/>
+          </a:bodyPr>
+          <a:lstStyle/>
+          <a:p>
+            <a:pPr marL="342900" indent="-342900">
+              <a:lnSpc>
+                <a:spcPct val="107000"/>
+              </a:lnSpc>
+              <a:spcAft>
+                <a:spcPts val="800"/>
+              </a:spcAft>
+              <a:buFont typeface="Symbol" panose="05050102010706020507" pitchFamily="18" charset="2"/>
+              <a:buChar char=""/>
+            </a:pPr>
+            <a:r>
+              <a:rPr lang="en-US" sz="2900" dirty="0"/>
+              <a:t>Comprehensive Review and Analysis on Facial Emotion Recognition: Performance Insights into Deep and Traditional Learning with Current Updates and Challenges</a:t>
+            </a:r>
+          </a:p>
+          <a:p>
+            <a:pPr marL="342900" indent="-342900">
+              <a:lnSpc>
+                <a:spcPct val="107000"/>
+              </a:lnSpc>
+              <a:spcAft>
+                <a:spcPts val="800"/>
+              </a:spcAft>
+              <a:buFont typeface="Symbol" panose="05050102010706020507" pitchFamily="18" charset="2"/>
+              <a:buChar char=""/>
+            </a:pPr>
+            <a:r>
+              <a:rPr lang="en-US" sz="2000" b="1" kern="100" dirty="0">
+                <a:latin typeface="Aptos" panose="020B0004020202020204" pitchFamily="34" charset="0"/>
+                <a:cs typeface="Times New Roman" panose="02020603050405020304" pitchFamily="18" charset="0"/>
+              </a:rPr>
+              <a:t>Comparison </a:t>
+            </a:r>
+          </a:p>
+          <a:p>
+            <a:pPr marL="800100" lvl="1" indent="-342900">
+              <a:lnSpc>
+                <a:spcPct val="107000"/>
+              </a:lnSpc>
+              <a:spcAft>
+                <a:spcPts val="800"/>
+              </a:spcAft>
+              <a:buFont typeface="Symbol" panose="05050102010706020507" pitchFamily="18" charset="2"/>
+              <a:buChar char=""/>
+            </a:pPr>
+            <a:r>
+              <a:rPr lang="en-US" sz="1600" kern="100" dirty="0">
+                <a:latin typeface="Aptos" panose="020B0004020202020204" pitchFamily="34" charset="0"/>
+                <a:cs typeface="Times New Roman" panose="02020603050405020304" pitchFamily="18" charset="0"/>
+              </a:rPr>
+              <a:t>Comparing research but didn’t implement the model from scratch</a:t>
+            </a:r>
+          </a:p>
+          <a:p>
+            <a:pPr marL="800100" lvl="1" indent="-342900">
+              <a:lnSpc>
+                <a:spcPct val="107000"/>
+              </a:lnSpc>
+              <a:spcAft>
+                <a:spcPts val="800"/>
+              </a:spcAft>
+              <a:buFont typeface="Symbol" panose="05050102010706020507" pitchFamily="18" charset="2"/>
+              <a:buChar char=""/>
+            </a:pPr>
+            <a:r>
+              <a:rPr lang="en-US" sz="1600" kern="100" dirty="0">
+                <a:latin typeface="Aptos" panose="020B0004020202020204" pitchFamily="34" charset="0"/>
+                <a:cs typeface="Times New Roman" panose="02020603050405020304" pitchFamily="18" charset="0"/>
+              </a:rPr>
+              <a:t>Machine Learning Models (SVM, KNN, RF, CART, LR)</a:t>
+            </a:r>
+          </a:p>
+          <a:p>
+            <a:pPr marL="800100" lvl="1" indent="-342900">
+              <a:lnSpc>
+                <a:spcPct val="107000"/>
+              </a:lnSpc>
+              <a:spcAft>
+                <a:spcPts val="800"/>
+              </a:spcAft>
+              <a:buFont typeface="Symbol" panose="05050102010706020507" pitchFamily="18" charset="2"/>
+              <a:buChar char=""/>
+            </a:pPr>
+            <a:r>
+              <a:rPr lang="en-US" sz="1600" kern="100" dirty="0">
+                <a:latin typeface="Aptos" panose="020B0004020202020204" pitchFamily="34" charset="0"/>
+                <a:cs typeface="Times New Roman" panose="02020603050405020304" pitchFamily="18" charset="0"/>
+              </a:rPr>
+              <a:t>Deep Learning Models (</a:t>
+            </a:r>
+            <a:r>
+              <a:rPr lang="en-US" sz="1600" kern="100" dirty="0" err="1">
+                <a:latin typeface="Aptos" panose="020B0004020202020204" pitchFamily="34" charset="0"/>
+                <a:cs typeface="Times New Roman" panose="02020603050405020304" pitchFamily="18" charset="0"/>
+              </a:rPr>
+              <a:t>MobileNet</a:t>
+            </a:r>
+            <a:r>
+              <a:rPr lang="en-US" sz="1600" kern="100" dirty="0">
+                <a:latin typeface="Aptos" panose="020B0004020202020204" pitchFamily="34" charset="0"/>
+                <a:cs typeface="Times New Roman" panose="02020603050405020304" pitchFamily="18" charset="0"/>
+              </a:rPr>
+              <a:t>, CNN, DCNN, VGG16, ResNet-50)</a:t>
+            </a:r>
+          </a:p>
+          <a:p>
+            <a:pPr marL="800100" lvl="1" indent="-342900">
+              <a:lnSpc>
+                <a:spcPct val="107000"/>
+              </a:lnSpc>
+              <a:spcAft>
+                <a:spcPts val="800"/>
+              </a:spcAft>
+              <a:buFont typeface="Symbol" panose="05050102010706020507" pitchFamily="18" charset="2"/>
+              <a:buChar char=""/>
+            </a:pPr>
+            <a:r>
+              <a:rPr lang="en-US" sz="1600" kern="100" dirty="0">
+                <a:latin typeface="Aptos" panose="020B0004020202020204" pitchFamily="34" charset="0"/>
+                <a:cs typeface="Times New Roman" panose="02020603050405020304" pitchFamily="18" charset="0"/>
+              </a:rPr>
+              <a:t>Hybrid Models (CNN+SVM, DBN+SVM) (Feature </a:t>
+            </a:r>
+            <a:r>
+              <a:rPr lang="en-US" sz="1600" kern="100" dirty="0" err="1">
+                <a:latin typeface="Aptos" panose="020B0004020202020204" pitchFamily="34" charset="0"/>
+                <a:cs typeface="Times New Roman" panose="02020603050405020304" pitchFamily="18" charset="0"/>
+              </a:rPr>
+              <a:t>Extraction+Classification</a:t>
+            </a:r>
+            <a:r>
+              <a:rPr lang="en-US" sz="1600" kern="100" dirty="0">
+                <a:latin typeface="Aptos" panose="020B0004020202020204" pitchFamily="34" charset="0"/>
+                <a:cs typeface="Times New Roman" panose="02020603050405020304" pitchFamily="18" charset="0"/>
+              </a:rPr>
+              <a:t>)</a:t>
+            </a:r>
+            <a:endParaRPr lang="en-GB" sz="1600" kern="100" dirty="0">
+              <a:latin typeface="Aptos" panose="020B0004020202020204" pitchFamily="34" charset="0"/>
+              <a:cs typeface="Times New Roman" panose="02020603050405020304" pitchFamily="18" charset="0"/>
+            </a:endParaRPr>
+          </a:p>
+          <a:p>
+            <a:pPr marL="342900" indent="-342900">
+              <a:lnSpc>
+                <a:spcPct val="107000"/>
+              </a:lnSpc>
+              <a:spcAft>
+                <a:spcPts val="800"/>
+              </a:spcAft>
+              <a:buFont typeface="Symbol" panose="05050102010706020507" pitchFamily="18" charset="2"/>
+              <a:buChar char=""/>
+            </a:pPr>
+            <a:r>
+              <a:rPr lang="en-GB" sz="2000" b="1" kern="100" dirty="0">
+                <a:latin typeface="Aptos" panose="020B0004020202020204" pitchFamily="34" charset="0"/>
+                <a:cs typeface="Times New Roman" panose="02020603050405020304" pitchFamily="18" charset="0"/>
+              </a:rPr>
+              <a:t>Datasets</a:t>
+            </a:r>
+          </a:p>
+          <a:p>
+            <a:pPr marL="800100" lvl="1" indent="-342900">
+              <a:lnSpc>
+                <a:spcPct val="107000"/>
+              </a:lnSpc>
+              <a:spcAft>
+                <a:spcPts val="800"/>
+              </a:spcAft>
+              <a:buFont typeface="Symbol" panose="05050102010706020507" pitchFamily="18" charset="2"/>
+              <a:buChar char=""/>
+            </a:pPr>
+            <a:r>
+              <a:rPr lang="en-GB" sz="1600" kern="100" dirty="0">
+                <a:latin typeface="Aptos" panose="020B0004020202020204" pitchFamily="34" charset="0"/>
+                <a:cs typeface="Times New Roman" panose="02020603050405020304" pitchFamily="18" charset="0"/>
+              </a:rPr>
+              <a:t>FER2013, JAFFE, CK+, RAF-DB</a:t>
+            </a:r>
+          </a:p>
+          <a:p>
+            <a:pPr marL="342900" indent="-342900">
+              <a:lnSpc>
+                <a:spcPct val="107000"/>
+              </a:lnSpc>
+              <a:spcAft>
+                <a:spcPts val="800"/>
+              </a:spcAft>
+              <a:buFont typeface="Symbol" panose="05050102010706020507" pitchFamily="18" charset="2"/>
+              <a:buChar char=""/>
+            </a:pPr>
+            <a:r>
+              <a:rPr lang="en-GB" sz="2000" b="1" kern="100" dirty="0">
+                <a:latin typeface="Aptos" panose="020B0004020202020204" pitchFamily="34" charset="0"/>
+                <a:cs typeface="Times New Roman" panose="02020603050405020304" pitchFamily="18" charset="0"/>
+              </a:rPr>
+              <a:t>Deep Learning Results</a:t>
+            </a:r>
+          </a:p>
+          <a:p>
+            <a:pPr marL="800100" lvl="1" indent="-342900">
+              <a:lnSpc>
+                <a:spcPct val="107000"/>
+              </a:lnSpc>
+              <a:spcAft>
+                <a:spcPts val="800"/>
+              </a:spcAft>
+              <a:buFont typeface="Symbol" panose="05050102010706020507" pitchFamily="18" charset="2"/>
+              <a:buChar char=""/>
+            </a:pPr>
+            <a:r>
+              <a:rPr lang="en-GB" sz="1600" kern="100" dirty="0">
+                <a:latin typeface="Aptos" panose="020B0004020202020204" pitchFamily="34" charset="0"/>
+                <a:cs typeface="Times New Roman" panose="02020603050405020304" pitchFamily="18" charset="0"/>
+              </a:rPr>
+              <a:t>Deep Learning techniques outperformed traditional ML models</a:t>
+            </a:r>
+          </a:p>
+          <a:p>
+            <a:pPr marL="800100" lvl="1" indent="-342900">
+              <a:lnSpc>
+                <a:spcPct val="107000"/>
+              </a:lnSpc>
+              <a:spcAft>
+                <a:spcPts val="800"/>
+              </a:spcAft>
+              <a:buFont typeface="Symbol" panose="05050102010706020507" pitchFamily="18" charset="2"/>
+              <a:buChar char=""/>
+            </a:pPr>
+            <a:r>
+              <a:rPr lang="en-US" sz="1200" dirty="0"/>
+              <a:t>Regrettably, deep learning-based FER methodology still has several drawbacks. Specifically, these techniques need extensive datasets, substantial memory and processing power, and a considerable duration for both training and testing.</a:t>
+            </a:r>
+          </a:p>
+          <a:p>
+            <a:pPr marL="800100" lvl="1" indent="-342900">
+              <a:lnSpc>
+                <a:spcPct val="107000"/>
+              </a:lnSpc>
+              <a:spcAft>
+                <a:spcPts val="800"/>
+              </a:spcAft>
+              <a:buFont typeface="Symbol" panose="05050102010706020507" pitchFamily="18" charset="2"/>
+              <a:buChar char=""/>
+            </a:pPr>
+            <a:r>
+              <a:rPr lang="en-US" sz="1200" dirty="0"/>
+              <a:t>Metrics (Accuracy – however the model papers themselves opted for accuracy, f1-score, precision, recall)</a:t>
+            </a:r>
+          </a:p>
+          <a:p>
+            <a:pPr marL="800100" lvl="1" indent="-342900">
+              <a:lnSpc>
+                <a:spcPct val="107000"/>
+              </a:lnSpc>
+              <a:spcAft>
+                <a:spcPts val="800"/>
+              </a:spcAft>
+              <a:buFont typeface="Symbol" panose="05050102010706020507" pitchFamily="18" charset="2"/>
+              <a:buChar char=""/>
+            </a:pPr>
+            <a:r>
+              <a:rPr lang="en-US" sz="1050" dirty="0"/>
+              <a:t>In all applications, data augmentation is advantageous due to its ability to enhance model flexibility, prevent overfitting, and generally enhance model accuracy by artificially increasing their training data.</a:t>
+            </a:r>
+            <a:endParaRPr lang="en-US" sz="1200" dirty="0"/>
+          </a:p>
+          <a:p>
+            <a:pPr marL="0" indent="0">
+              <a:lnSpc>
+                <a:spcPct val="107000"/>
+              </a:lnSpc>
+              <a:spcAft>
+                <a:spcPts val="800"/>
+              </a:spcAft>
+              <a:buNone/>
+            </a:pPr>
+            <a:r>
+              <a:rPr lang="en-US" sz="1600" dirty="0"/>
+              <a:t>LINK: </a:t>
+            </a:r>
+            <a:r>
+              <a:rPr lang="en-US" sz="1600" dirty="0">
+                <a:hlinkClick r:id="rId2"/>
+              </a:rPr>
+              <a:t>https://www.sciencedirect.com/org/science/article/pii/S1546221825000529</a:t>
+            </a:r>
+            <a:endParaRPr lang="en-US" sz="1600" dirty="0"/>
+          </a:p>
+          <a:p>
+            <a:pPr marL="800100" lvl="1" indent="-342900">
+              <a:lnSpc>
+                <a:spcPct val="107000"/>
+              </a:lnSpc>
+              <a:spcAft>
+                <a:spcPts val="800"/>
+              </a:spcAft>
+              <a:buFont typeface="Symbol" panose="05050102010706020507" pitchFamily="18" charset="2"/>
+              <a:buChar char=""/>
+            </a:pPr>
+            <a:endParaRPr lang="en-GB" sz="1600" b="1" kern="100" dirty="0">
+              <a:latin typeface="Aptos" panose="020B0004020202020204" pitchFamily="34" charset="0"/>
+              <a:cs typeface="Times New Roman" panose="02020603050405020304" pitchFamily="18" charset="0"/>
+            </a:endParaRPr>
+          </a:p>
+          <a:p>
+            <a:pPr marL="800100" lvl="1" indent="-342900">
+              <a:lnSpc>
+                <a:spcPct val="107000"/>
+              </a:lnSpc>
+              <a:spcAft>
+                <a:spcPts val="800"/>
+              </a:spcAft>
+              <a:buFont typeface="Symbol" panose="05050102010706020507" pitchFamily="18" charset="2"/>
+              <a:buChar char=""/>
+            </a:pPr>
+            <a:endParaRPr lang="en-GB" sz="2200" kern="100" dirty="0">
+              <a:latin typeface="Aptos" panose="020B0004020202020204" pitchFamily="34" charset="0"/>
+              <a:cs typeface="Times New Roman" panose="02020603050405020304" pitchFamily="18" charset="0"/>
+            </a:endParaRPr>
+          </a:p>
+          <a:p>
+            <a:pPr marL="800100" lvl="1" indent="-342900">
+              <a:lnSpc>
+                <a:spcPct val="107000"/>
+              </a:lnSpc>
+              <a:spcAft>
+                <a:spcPts val="800"/>
+              </a:spcAft>
+              <a:buFont typeface="Symbol" panose="05050102010706020507" pitchFamily="18" charset="2"/>
+              <a:buChar char=""/>
+            </a:pPr>
+            <a:endParaRPr lang="en-GB" sz="1600" kern="100" dirty="0">
+              <a:latin typeface="Aptos" panose="020B0004020202020204" pitchFamily="34" charset="0"/>
+              <a:cs typeface="Times New Roman" panose="02020603050405020304" pitchFamily="18" charset="0"/>
+            </a:endParaRPr>
+          </a:p>
+          <a:p>
+            <a:pPr marL="914400" lvl="2" indent="0">
+              <a:lnSpc>
+                <a:spcPct val="107000"/>
+              </a:lnSpc>
+              <a:spcAft>
+                <a:spcPts val="800"/>
+              </a:spcAft>
+              <a:buNone/>
+            </a:pPr>
+            <a:endParaRPr lang="en-GB" sz="1400" kern="100" dirty="0">
+              <a:latin typeface="Aptos" panose="020B0004020202020204" pitchFamily="34" charset="0"/>
+              <a:cs typeface="Times New Roman" panose="02020603050405020304" pitchFamily="18" charset="0"/>
+            </a:endParaRPr>
+          </a:p>
+        </p:txBody>
+      </p:sp>
+      <p:sp>
+        <p:nvSpPr>
+          <p:cNvPr id="7" name="Title 1">
+            <a:extLst>
+              <a:ext uri="{FF2B5EF4-FFF2-40B4-BE49-F238E27FC236}">
+                <a16:creationId xmlns:a16="http://schemas.microsoft.com/office/drawing/2014/main" id="{C1CC0649-44C9-EF36-A818-C7EEC82881CF}"/>
+              </a:ext>
+            </a:extLst>
+          </p:cNvPr>
+          <p:cNvSpPr txBox="1">
+            <a:spLocks/>
+          </p:cNvSpPr>
+          <p:nvPr/>
+        </p:nvSpPr>
+        <p:spPr>
+          <a:xfrm>
+            <a:off x="458694" y="365761"/>
+            <a:ext cx="11274612" cy="897890"/>
+          </a:xfrm>
+          <a:prstGeom prst="rect">
+            <a:avLst/>
+          </a:prstGeom>
+        </p:spPr>
+        <p:txBody>
+          <a:bodyPr vert="horz" lIns="91440" tIns="45720" rIns="91440" bIns="45720" rtlCol="0" anchor="ctr">
+            <a:normAutofit/>
+          </a:bodyPr>
+          <a:lstStyle>
+            <a:lvl1pPr algn="l" defTabSz="914400" rtl="0" eaLnBrk="1" latinLnBrk="0" hangingPunct="1">
+              <a:lnSpc>
+                <a:spcPct val="100000"/>
+              </a:lnSpc>
+              <a:spcBef>
+                <a:spcPct val="0"/>
+              </a:spcBef>
+              <a:buNone/>
+              <a:defRPr sz="4400" b="0" kern="1200">
+                <a:solidFill>
+                  <a:schemeClr val="tx1"/>
+                </a:solidFill>
+                <a:latin typeface="+mj-lt"/>
+                <a:ea typeface="+mj-ea"/>
+                <a:cs typeface="+mj-cs"/>
+              </a:defRPr>
+            </a:lvl1pPr>
+          </a:lstStyle>
+          <a:p>
+            <a:r>
+              <a:rPr lang="en-GB" kern="100" spc="75" dirty="0">
+                <a:solidFill>
+                  <a:srgbClr val="595959"/>
+                </a:solidFill>
+                <a:latin typeface="Aptos" panose="020B0004020202020204" pitchFamily="34" charset="0"/>
+                <a:ea typeface="Times New Roman" panose="02020603050405020304" pitchFamily="18" charset="0"/>
+                <a:cs typeface="Times New Roman" panose="02020603050405020304" pitchFamily="18" charset="0"/>
+              </a:rPr>
+              <a:t>Existing Research (1)</a:t>
+            </a:r>
+            <a:endParaRPr lang="en-MT" dirty="0"/>
+          </a:p>
+        </p:txBody>
+      </p:sp>
+      <p:sp>
+        <p:nvSpPr>
+          <p:cNvPr id="4" name="Content Placeholder 2">
+            <a:extLst>
+              <a:ext uri="{FF2B5EF4-FFF2-40B4-BE49-F238E27FC236}">
+                <a16:creationId xmlns:a16="http://schemas.microsoft.com/office/drawing/2014/main" id="{858C313D-A2F3-F87E-27CD-083FDEFCE142}"/>
+              </a:ext>
+            </a:extLst>
+          </p:cNvPr>
+          <p:cNvSpPr txBox="1">
+            <a:spLocks/>
+          </p:cNvSpPr>
+          <p:nvPr/>
+        </p:nvSpPr>
+        <p:spPr>
+          <a:xfrm>
+            <a:off x="458694" y="4229100"/>
+            <a:ext cx="11274612" cy="3108325"/>
+          </a:xfrm>
+          <a:prstGeom prst="rect">
+            <a:avLst/>
+          </a:prstGeom>
+        </p:spPr>
+        <p:txBody>
+          <a:bodyPr vert="horz" lIns="91440" tIns="45720" rIns="91440" bIns="45720" rtlCol="0">
+            <a:normAutofit/>
+          </a:bodyPr>
+          <a:lstStyle>
+            <a:lvl1pPr marL="228600" indent="-228600" algn="l" defTabSz="914400" rtl="0" eaLnBrk="1" latinLnBrk="0" hangingPunct="1">
+              <a:lnSpc>
+                <a:spcPct val="110000"/>
+              </a:lnSpc>
+              <a:spcBef>
+                <a:spcPts val="1000"/>
+              </a:spcBef>
+              <a:buClr>
+                <a:schemeClr val="accent1"/>
+              </a:buClr>
+              <a:buFont typeface="Arial" panose="020B0604020202020204" pitchFamily="34" charset="0"/>
+              <a:buChar char="•"/>
+              <a:defRPr sz="2800" kern="1200">
+                <a:solidFill>
+                  <a:schemeClr val="tx1"/>
+                </a:solidFill>
+                <a:latin typeface="+mn-lt"/>
+                <a:ea typeface="+mn-ea"/>
+                <a:cs typeface="+mn-cs"/>
+              </a:defRPr>
+            </a:lvl1pPr>
+            <a:lvl2pPr marL="685800" indent="-228600" algn="l" defTabSz="914400" rtl="0" eaLnBrk="1" latinLnBrk="0" hangingPunct="1">
+              <a:lnSpc>
+                <a:spcPct val="110000"/>
+              </a:lnSpc>
+              <a:spcBef>
+                <a:spcPts val="500"/>
+              </a:spcBef>
+              <a:buClr>
+                <a:schemeClr val="accent1"/>
+              </a:buClr>
+              <a:buFont typeface="Arial" panose="020B0604020202020204" pitchFamily="34" charset="0"/>
+              <a:buChar char="•"/>
+              <a:defRPr sz="2400" kern="1200">
+                <a:solidFill>
+                  <a:schemeClr val="tx1"/>
+                </a:solidFill>
+                <a:latin typeface="+mn-lt"/>
+                <a:ea typeface="+mn-ea"/>
+                <a:cs typeface="+mn-cs"/>
+              </a:defRPr>
+            </a:lvl2pPr>
+            <a:lvl3pPr marL="1143000" indent="-228600" algn="l" defTabSz="914400" rtl="0" eaLnBrk="1" latinLnBrk="0" hangingPunct="1">
+              <a:lnSpc>
+                <a:spcPct val="110000"/>
+              </a:lnSpc>
+              <a:spcBef>
+                <a:spcPts val="500"/>
+              </a:spcBef>
+              <a:buClr>
+                <a:schemeClr val="accent1"/>
+              </a:buClr>
+              <a:buFont typeface="Arial" panose="020B0604020202020204" pitchFamily="34" charset="0"/>
+              <a:buChar char="•"/>
+              <a:defRPr sz="2000" kern="1200">
+                <a:solidFill>
+                  <a:schemeClr val="tx1"/>
+                </a:solidFill>
+                <a:latin typeface="+mn-lt"/>
+                <a:ea typeface="+mn-ea"/>
+                <a:cs typeface="+mn-cs"/>
+              </a:defRPr>
+            </a:lvl3pPr>
+            <a:lvl4pPr marL="1600200" indent="-228600" algn="l" defTabSz="914400" rtl="0" eaLnBrk="1" latinLnBrk="0" hangingPunct="1">
+              <a:lnSpc>
+                <a:spcPct val="110000"/>
+              </a:lnSpc>
+              <a:spcBef>
+                <a:spcPts val="500"/>
+              </a:spcBef>
+              <a:buClr>
+                <a:schemeClr val="accent1"/>
+              </a:buClr>
+              <a:buFont typeface="Arial" panose="020B0604020202020204" pitchFamily="34" charset="0"/>
+              <a:buChar char="•"/>
+              <a:defRPr sz="1800" kern="1200">
+                <a:solidFill>
+                  <a:schemeClr val="tx1"/>
+                </a:solidFill>
+                <a:latin typeface="+mn-lt"/>
+                <a:ea typeface="+mn-ea"/>
+                <a:cs typeface="+mn-cs"/>
+              </a:defRPr>
+            </a:lvl4pPr>
+            <a:lvl5pPr marL="2057400" indent="-228600" algn="l" defTabSz="914400" rtl="0" eaLnBrk="1" latinLnBrk="0" hangingPunct="1">
+              <a:lnSpc>
+                <a:spcPct val="110000"/>
+              </a:lnSpc>
+              <a:spcBef>
+                <a:spcPts val="500"/>
+              </a:spcBef>
+              <a:buClr>
+                <a:schemeClr val="accent1"/>
+              </a:buClr>
+              <a:buFont typeface="Arial" panose="020B0604020202020204" pitchFamily="34" charset="0"/>
+              <a:buChar char="•"/>
+              <a:defRPr sz="1800" kern="1200">
+                <a:solidFill>
+                  <a:schemeClr val="tx1"/>
+                </a:solidFill>
+                <a:latin typeface="+mn-lt"/>
+                <a:ea typeface="+mn-ea"/>
+                <a:cs typeface="+mn-cs"/>
+              </a:defRPr>
+            </a:lvl5pPr>
+            <a:lvl6pPr marL="2514600" indent="-228600" algn="l" defTabSz="914400" rtl="0" eaLnBrk="1" latinLnBrk="0" hangingPunct="1">
+              <a:lnSpc>
+                <a:spcPct val="90000"/>
+              </a:lnSpc>
+              <a:spcBef>
+                <a:spcPts val="500"/>
+              </a:spcBef>
+              <a:buFont typeface="Arial" panose="020B0604020202020204" pitchFamily="34" charset="0"/>
+              <a:buChar char="•"/>
+              <a:defRPr sz="1800" kern="1200">
+                <a:solidFill>
+                  <a:schemeClr val="tx1"/>
+                </a:solidFill>
+                <a:latin typeface="+mn-lt"/>
+                <a:ea typeface="+mn-ea"/>
+                <a:cs typeface="+mn-cs"/>
+              </a:defRPr>
+            </a:lvl6pPr>
+            <a:lvl7pPr marL="2971800" indent="-228600" algn="l" defTabSz="914400" rtl="0" eaLnBrk="1" latinLnBrk="0" hangingPunct="1">
+              <a:lnSpc>
+                <a:spcPct val="90000"/>
+              </a:lnSpc>
+              <a:spcBef>
+                <a:spcPts val="500"/>
+              </a:spcBef>
+              <a:buFont typeface="Arial" panose="020B0604020202020204" pitchFamily="34" charset="0"/>
+              <a:buChar char="•"/>
+              <a:defRPr sz="1800" kern="1200">
+                <a:solidFill>
+                  <a:schemeClr val="tx1"/>
+                </a:solidFill>
+                <a:latin typeface="+mn-lt"/>
+                <a:ea typeface="+mn-ea"/>
+                <a:cs typeface="+mn-cs"/>
+              </a:defRPr>
+            </a:lvl7pPr>
+            <a:lvl8pPr marL="3429000" indent="-228600" algn="l" defTabSz="914400" rtl="0" eaLnBrk="1" latinLnBrk="0" hangingPunct="1">
+              <a:lnSpc>
+                <a:spcPct val="90000"/>
+              </a:lnSpc>
+              <a:spcBef>
+                <a:spcPts val="500"/>
+              </a:spcBef>
+              <a:buFont typeface="Arial" panose="020B0604020202020204" pitchFamily="34" charset="0"/>
+              <a:buChar char="•"/>
+              <a:defRPr sz="1800" kern="1200">
+                <a:solidFill>
+                  <a:schemeClr val="tx1"/>
+                </a:solidFill>
+                <a:latin typeface="+mn-lt"/>
+                <a:ea typeface="+mn-ea"/>
+                <a:cs typeface="+mn-cs"/>
+              </a:defRPr>
+            </a:lvl8pPr>
+            <a:lvl9pPr marL="3886200" indent="-228600" algn="l" defTabSz="914400" rtl="0" eaLnBrk="1" latinLnBrk="0" hangingPunct="1">
+              <a:lnSpc>
+                <a:spcPct val="90000"/>
+              </a:lnSpc>
+              <a:spcBef>
+                <a:spcPts val="500"/>
+              </a:spcBef>
+              <a:buFont typeface="Arial" panose="020B0604020202020204" pitchFamily="34" charset="0"/>
+              <a:buChar char="•"/>
+              <a:defRPr sz="1800" kern="1200">
+                <a:solidFill>
+                  <a:schemeClr val="tx1"/>
+                </a:solidFill>
+                <a:latin typeface="+mn-lt"/>
+                <a:ea typeface="+mn-ea"/>
+                <a:cs typeface="+mn-cs"/>
+              </a:defRPr>
+            </a:lvl9pPr>
+          </a:lstStyle>
+          <a:p>
+            <a:pPr>
+              <a:lnSpc>
+                <a:spcPct val="107000"/>
+              </a:lnSpc>
+              <a:spcAft>
+                <a:spcPts val="800"/>
+              </a:spcAft>
+            </a:pPr>
+            <a:endParaRPr lang="en-MT" sz="1400" kern="100" dirty="0">
+              <a:effectLst/>
+              <a:latin typeface="Aptos" panose="020B0004020202020204" pitchFamily="34" charset="0"/>
+              <a:ea typeface="Aptos" panose="020B0004020202020204" pitchFamily="34" charset="0"/>
+              <a:cs typeface="Times New Roman" panose="02020603050405020304" pitchFamily="18" charset="0"/>
+            </a:endParaRPr>
+          </a:p>
+        </p:txBody>
+      </p:sp>
+    </p:spTree>
+    <p:extLst>
+      <p:ext uri="{BB962C8B-B14F-4D97-AF65-F5344CB8AC3E}">
+        <p14:creationId xmlns:p14="http://schemas.microsoft.com/office/powerpoint/2010/main" val="3776628335"/>
+      </p:ext>
+    </p:extLst>
+  </p:cSld>
+  <p:clrMapOvr>
+    <a:masterClrMapping/>
+  </p:clrMapOvr>
+</p:sld>
+</file>
+
+<file path=ppt/slides/slide3.xml><?xml version="1.0" encoding="utf-8"?>
+<p:sld xmlns:a="http://schemas.openxmlformats.org/drawingml/2006/main" xmlns:r="http://schemas.openxmlformats.org/officeDocument/2006/relationships" xmlns:p="http://schemas.openxmlformats.org/presentationml/2006/main" show="0">
+  <p:cSld>
+    <p:spTree>
+      <p:nvGrpSpPr>
+        <p:cNvPr id="1" name="">
+          <a:extLst>
+            <a:ext uri="{FF2B5EF4-FFF2-40B4-BE49-F238E27FC236}">
+              <a16:creationId xmlns:a16="http://schemas.microsoft.com/office/drawing/2014/main" id="{D8DE6EC9-E46C-ACE4-CE35-67BFCF739413}"/>
+            </a:ext>
+          </a:extLst>
+        </p:cNvPr>
+        <p:cNvGrpSpPr/>
+        <p:nvPr/>
+      </p:nvGrpSpPr>
+      <p:grpSpPr>
+        <a:xfrm>
+          <a:off x="0" y="0"/>
+          <a:ext cx="0" cy="0"/>
+          <a:chOff x="0" y="0"/>
+          <a:chExt cx="0" cy="0"/>
+        </a:xfrm>
+      </p:grpSpPr>
+      <p:sp>
+        <p:nvSpPr>
+          <p:cNvPr id="8" name="Content Placeholder 2">
+            <a:extLst>
+              <a:ext uri="{FF2B5EF4-FFF2-40B4-BE49-F238E27FC236}">
+                <a16:creationId xmlns:a16="http://schemas.microsoft.com/office/drawing/2014/main" id="{5B81736E-9FC7-C901-F364-68444FC35EC9}"/>
+              </a:ext>
+            </a:extLst>
+          </p:cNvPr>
+          <p:cNvSpPr>
+            <a:spLocks noGrp="1"/>
+          </p:cNvSpPr>
+          <p:nvPr>
+            <p:ph idx="1"/>
+          </p:nvPr>
+        </p:nvSpPr>
+        <p:spPr>
+          <a:xfrm>
+            <a:off x="458694" y="1263649"/>
+            <a:ext cx="11274612" cy="5228589"/>
+          </a:xfrm>
+        </p:spPr>
+        <p:txBody>
+          <a:bodyPr>
+            <a:normAutofit/>
+          </a:bodyPr>
+          <a:lstStyle/>
+          <a:p>
+            <a:pPr>
+              <a:lnSpc>
+                <a:spcPct val="107000"/>
+              </a:lnSpc>
+              <a:spcAft>
+                <a:spcPts val="800"/>
+              </a:spcAft>
+            </a:pPr>
+            <a:r>
+              <a:rPr lang="en-GB" sz="2000" b="1" kern="100" dirty="0">
+                <a:effectLst/>
+                <a:latin typeface="Aptos" panose="020B0004020202020204" pitchFamily="34" charset="0"/>
+                <a:ea typeface="Aptos" panose="020B0004020202020204" pitchFamily="34" charset="0"/>
+                <a:cs typeface="Times New Roman" panose="02020603050405020304" pitchFamily="18" charset="0"/>
+              </a:rPr>
+              <a:t>Issues</a:t>
+            </a:r>
+            <a:endParaRPr lang="en-MT" sz="2000" b="1" kern="100" dirty="0">
+              <a:effectLst/>
+              <a:latin typeface="Aptos" panose="020B0004020202020204" pitchFamily="34" charset="0"/>
+              <a:ea typeface="Aptos" panose="020B0004020202020204" pitchFamily="34" charset="0"/>
+              <a:cs typeface="Times New Roman" panose="02020603050405020304" pitchFamily="18" charset="0"/>
+            </a:endParaRPr>
+          </a:p>
+          <a:p>
+            <a:pPr marL="800100" lvl="1" indent="-342900">
+              <a:lnSpc>
+                <a:spcPct val="107000"/>
+              </a:lnSpc>
+              <a:buFont typeface="Symbol" panose="05050102010706020507" pitchFamily="18" charset="2"/>
+              <a:buChar char=""/>
+            </a:pPr>
+            <a:r>
+              <a:rPr lang="en-GB" sz="1600" b="1" kern="100" dirty="0">
+                <a:effectLst/>
+                <a:latin typeface="Aptos" panose="020B0004020202020204" pitchFamily="34" charset="0"/>
+                <a:ea typeface="Aptos" panose="020B0004020202020204" pitchFamily="34" charset="0"/>
+                <a:cs typeface="Times New Roman" panose="02020603050405020304" pitchFamily="18" charset="0"/>
+              </a:rPr>
+              <a:t>Privacy Risks</a:t>
+            </a:r>
+            <a:r>
+              <a:rPr lang="en-GB" sz="1600" b="1" kern="100" dirty="0">
+                <a:latin typeface="Aptos" panose="020B0004020202020204" pitchFamily="34" charset="0"/>
+                <a:ea typeface="Aptos" panose="020B0004020202020204" pitchFamily="34" charset="0"/>
+                <a:cs typeface="Times New Roman" panose="02020603050405020304" pitchFamily="18" charset="0"/>
+              </a:rPr>
+              <a:t> </a:t>
+            </a:r>
+            <a:r>
+              <a:rPr lang="en-GB" sz="1600" kern="100" dirty="0">
+                <a:latin typeface="Aptos" panose="020B0004020202020204" pitchFamily="34" charset="0"/>
+                <a:ea typeface="Aptos" panose="020B0004020202020204" pitchFamily="34" charset="0"/>
+                <a:cs typeface="Times New Roman" panose="02020603050405020304" pitchFamily="18" charset="0"/>
+              </a:rPr>
+              <a:t>– A</a:t>
+            </a:r>
+            <a:r>
+              <a:rPr lang="en-GB" sz="1600" kern="100" dirty="0">
+                <a:effectLst/>
+                <a:latin typeface="Aptos" panose="020B0004020202020204" pitchFamily="34" charset="0"/>
+                <a:ea typeface="Aptos" panose="020B0004020202020204" pitchFamily="34" charset="0"/>
+                <a:cs typeface="Times New Roman" panose="02020603050405020304" pitchFamily="18" charset="0"/>
+              </a:rPr>
+              <a:t>nalysing sensitive biometric data -&gt; privacy concerns and unauthorised data use.</a:t>
+            </a:r>
+            <a:endParaRPr lang="en-MT" sz="1600" kern="100" dirty="0">
+              <a:effectLst/>
+              <a:latin typeface="Aptos" panose="020B0004020202020204" pitchFamily="34" charset="0"/>
+              <a:ea typeface="Aptos" panose="020B0004020202020204" pitchFamily="34" charset="0"/>
+              <a:cs typeface="Times New Roman" panose="02020603050405020304" pitchFamily="18" charset="0"/>
+            </a:endParaRPr>
+          </a:p>
+          <a:p>
+            <a:pPr marL="800100" lvl="1" indent="-342900">
+              <a:lnSpc>
+                <a:spcPct val="107000"/>
+              </a:lnSpc>
+              <a:buFont typeface="Symbol" panose="05050102010706020507" pitchFamily="18" charset="2"/>
+              <a:buChar char=""/>
+            </a:pPr>
+            <a:r>
+              <a:rPr lang="en-GB" sz="1600" b="1" kern="100" dirty="0">
+                <a:effectLst/>
+                <a:latin typeface="Aptos" panose="020B0004020202020204" pitchFamily="34" charset="0"/>
+                <a:ea typeface="Aptos" panose="020B0004020202020204" pitchFamily="34" charset="0"/>
+                <a:cs typeface="Times New Roman" panose="02020603050405020304" pitchFamily="18" charset="0"/>
+              </a:rPr>
+              <a:t>Accuracy and Bias</a:t>
+            </a:r>
+            <a:r>
+              <a:rPr lang="en-GB" sz="1600" b="1" kern="100" dirty="0">
+                <a:latin typeface="Aptos" panose="020B0004020202020204" pitchFamily="34" charset="0"/>
+                <a:ea typeface="Aptos" panose="020B0004020202020204" pitchFamily="34" charset="0"/>
+                <a:cs typeface="Times New Roman" panose="02020603050405020304" pitchFamily="18" charset="0"/>
+              </a:rPr>
+              <a:t> </a:t>
+            </a:r>
+            <a:r>
+              <a:rPr lang="en-GB" sz="1600" kern="100" dirty="0">
+                <a:latin typeface="Aptos" panose="020B0004020202020204" pitchFamily="34" charset="0"/>
+                <a:ea typeface="Aptos" panose="020B0004020202020204" pitchFamily="34" charset="0"/>
+                <a:cs typeface="Times New Roman" panose="02020603050405020304" pitchFamily="18" charset="0"/>
+              </a:rPr>
+              <a:t>– I</a:t>
+            </a:r>
+            <a:r>
+              <a:rPr lang="en-GB" sz="1600" kern="100" dirty="0">
+                <a:effectLst/>
+                <a:latin typeface="Aptos" panose="020B0004020202020204" pitchFamily="34" charset="0"/>
+                <a:ea typeface="Aptos" panose="020B0004020202020204" pitchFamily="34" charset="0"/>
+                <a:cs typeface="Times New Roman" panose="02020603050405020304" pitchFamily="18" charset="0"/>
+              </a:rPr>
+              <a:t>naccuracies and biases, particularly against certain ethnic groups or skin colours, leading to unfair profiling and discrimination.</a:t>
+            </a:r>
+            <a:endParaRPr lang="en-MT" sz="1600" kern="100" dirty="0">
+              <a:effectLst/>
+              <a:latin typeface="Aptos" panose="020B0004020202020204" pitchFamily="34" charset="0"/>
+              <a:ea typeface="Aptos" panose="020B0004020202020204" pitchFamily="34" charset="0"/>
+              <a:cs typeface="Times New Roman" panose="02020603050405020304" pitchFamily="18" charset="0"/>
+            </a:endParaRPr>
+          </a:p>
+          <a:p>
+            <a:pPr marL="800100" lvl="1" indent="-342900">
+              <a:lnSpc>
+                <a:spcPct val="107000"/>
+              </a:lnSpc>
+              <a:spcAft>
+                <a:spcPts val="800"/>
+              </a:spcAft>
+              <a:buFont typeface="Symbol" panose="05050102010706020507" pitchFamily="18" charset="2"/>
+              <a:buChar char=""/>
+            </a:pPr>
+            <a:r>
+              <a:rPr lang="en-GB" sz="1600" b="1" kern="100" dirty="0">
+                <a:effectLst/>
+                <a:latin typeface="Aptos" panose="020B0004020202020204" pitchFamily="34" charset="0"/>
+                <a:ea typeface="Aptos" panose="020B0004020202020204" pitchFamily="34" charset="0"/>
+                <a:cs typeface="Times New Roman" panose="02020603050405020304" pitchFamily="18" charset="0"/>
+              </a:rPr>
+              <a:t>Emotional Misinterpretation</a:t>
+            </a:r>
+            <a:r>
+              <a:rPr lang="en-GB" sz="1600" b="1" kern="100" dirty="0">
+                <a:latin typeface="Aptos" panose="020B0004020202020204" pitchFamily="34" charset="0"/>
+                <a:ea typeface="Aptos" panose="020B0004020202020204" pitchFamily="34" charset="0"/>
+                <a:cs typeface="Times New Roman" panose="02020603050405020304" pitchFamily="18" charset="0"/>
+              </a:rPr>
+              <a:t> </a:t>
+            </a:r>
+            <a:r>
+              <a:rPr lang="en-GB" sz="1600" kern="100" dirty="0">
+                <a:latin typeface="Aptos" panose="020B0004020202020204" pitchFamily="34" charset="0"/>
+                <a:ea typeface="Aptos" panose="020B0004020202020204" pitchFamily="34" charset="0"/>
+                <a:cs typeface="Times New Roman" panose="02020603050405020304" pitchFamily="18" charset="0"/>
+              </a:rPr>
+              <a:t>– M</a:t>
+            </a:r>
+            <a:r>
+              <a:rPr lang="en-GB" sz="1600" kern="100" dirty="0">
+                <a:effectLst/>
+                <a:latin typeface="Aptos" panose="020B0004020202020204" pitchFamily="34" charset="0"/>
+                <a:ea typeface="Aptos" panose="020B0004020202020204" pitchFamily="34" charset="0"/>
+                <a:cs typeface="Times New Roman" panose="02020603050405020304" pitchFamily="18" charset="0"/>
+              </a:rPr>
+              <a:t>isinterpretation of emotions due to contextual factors, resulting in erroneous conclusions that can affect individuals' lives negatively.</a:t>
+            </a:r>
+            <a:endParaRPr lang="en-MT" sz="1600" kern="100" dirty="0">
+              <a:effectLst/>
+              <a:latin typeface="Aptos" panose="020B0004020202020204" pitchFamily="34" charset="0"/>
+              <a:ea typeface="Aptos" panose="020B0004020202020204" pitchFamily="34" charset="0"/>
+              <a:cs typeface="Times New Roman" panose="02020603050405020304" pitchFamily="18" charset="0"/>
+            </a:endParaRPr>
+          </a:p>
+        </p:txBody>
+      </p:sp>
+      <p:sp>
+        <p:nvSpPr>
+          <p:cNvPr id="7" name="Title 1">
+            <a:extLst>
+              <a:ext uri="{FF2B5EF4-FFF2-40B4-BE49-F238E27FC236}">
+                <a16:creationId xmlns:a16="http://schemas.microsoft.com/office/drawing/2014/main" id="{B00C8DEF-E91B-41D0-1E1B-711A5EAC18B0}"/>
+              </a:ext>
+            </a:extLst>
+          </p:cNvPr>
+          <p:cNvSpPr txBox="1">
+            <a:spLocks/>
+          </p:cNvSpPr>
+          <p:nvPr/>
+        </p:nvSpPr>
+        <p:spPr>
+          <a:xfrm>
+            <a:off x="458694" y="365761"/>
+            <a:ext cx="3691965" cy="897890"/>
+          </a:xfrm>
+          <a:prstGeom prst="rect">
+            <a:avLst/>
+          </a:prstGeom>
+        </p:spPr>
+        <p:txBody>
+          <a:bodyPr vert="horz" lIns="91440" tIns="45720" rIns="91440" bIns="45720" rtlCol="0" anchor="ctr">
+            <a:normAutofit/>
+          </a:bodyPr>
+          <a:lstStyle>
+            <a:lvl1pPr algn="l" defTabSz="914400" rtl="0" eaLnBrk="1" latinLnBrk="0" hangingPunct="1">
+              <a:lnSpc>
+                <a:spcPct val="100000"/>
+              </a:lnSpc>
+              <a:spcBef>
+                <a:spcPct val="0"/>
+              </a:spcBef>
+              <a:buNone/>
+              <a:defRPr sz="4400" b="0" kern="1200">
+                <a:solidFill>
+                  <a:schemeClr val="tx1"/>
+                </a:solidFill>
+                <a:latin typeface="+mj-lt"/>
+                <a:ea typeface="+mj-ea"/>
+                <a:cs typeface="+mj-cs"/>
+              </a:defRPr>
+            </a:lvl1pPr>
+          </a:lstStyle>
+          <a:p>
+            <a:r>
+              <a:rPr lang="en-GB" kern="100" spc="75" dirty="0">
+                <a:solidFill>
+                  <a:srgbClr val="595959"/>
+                </a:solidFill>
+                <a:latin typeface="Aptos" panose="020B0004020202020204" pitchFamily="34" charset="0"/>
+                <a:ea typeface="Times New Roman" panose="02020603050405020304" pitchFamily="18" charset="0"/>
+                <a:cs typeface="Times New Roman" panose="02020603050405020304" pitchFamily="18" charset="0"/>
+              </a:rPr>
+              <a:t>Motivation (2)</a:t>
+            </a:r>
+            <a:endParaRPr lang="en-MT" dirty="0"/>
+          </a:p>
+        </p:txBody>
+      </p:sp>
+      <p:sp>
+        <p:nvSpPr>
+          <p:cNvPr id="4" name="Content Placeholder 2">
+            <a:extLst>
+              <a:ext uri="{FF2B5EF4-FFF2-40B4-BE49-F238E27FC236}">
+                <a16:creationId xmlns:a16="http://schemas.microsoft.com/office/drawing/2014/main" id="{0850E826-5739-EDF4-74B5-06FEB5382B0D}"/>
+              </a:ext>
+            </a:extLst>
+          </p:cNvPr>
+          <p:cNvSpPr txBox="1">
+            <a:spLocks/>
+          </p:cNvSpPr>
+          <p:nvPr/>
+        </p:nvSpPr>
+        <p:spPr>
+          <a:xfrm>
+            <a:off x="458694" y="4229100"/>
+            <a:ext cx="11274612" cy="3108325"/>
+          </a:xfrm>
+          <a:prstGeom prst="rect">
+            <a:avLst/>
+          </a:prstGeom>
+        </p:spPr>
+        <p:txBody>
+          <a:bodyPr vert="horz" lIns="91440" tIns="45720" rIns="91440" bIns="45720" rtlCol="0">
+            <a:normAutofit/>
+          </a:bodyPr>
+          <a:lstStyle>
+            <a:lvl1pPr marL="228600" indent="-228600" algn="l" defTabSz="914400" rtl="0" eaLnBrk="1" latinLnBrk="0" hangingPunct="1">
+              <a:lnSpc>
+                <a:spcPct val="110000"/>
+              </a:lnSpc>
+              <a:spcBef>
+                <a:spcPts val="1000"/>
+              </a:spcBef>
+              <a:buClr>
+                <a:schemeClr val="accent1"/>
+              </a:buClr>
+              <a:buFont typeface="Arial" panose="020B0604020202020204" pitchFamily="34" charset="0"/>
+              <a:buChar char="•"/>
+              <a:defRPr sz="2800" kern="1200">
+                <a:solidFill>
+                  <a:schemeClr val="tx1"/>
+                </a:solidFill>
+                <a:latin typeface="+mn-lt"/>
+                <a:ea typeface="+mn-ea"/>
+                <a:cs typeface="+mn-cs"/>
+              </a:defRPr>
+            </a:lvl1pPr>
+            <a:lvl2pPr marL="685800" indent="-228600" algn="l" defTabSz="914400" rtl="0" eaLnBrk="1" latinLnBrk="0" hangingPunct="1">
+              <a:lnSpc>
+                <a:spcPct val="110000"/>
+              </a:lnSpc>
+              <a:spcBef>
+                <a:spcPts val="500"/>
+              </a:spcBef>
+              <a:buClr>
+                <a:schemeClr val="accent1"/>
+              </a:buClr>
+              <a:buFont typeface="Arial" panose="020B0604020202020204" pitchFamily="34" charset="0"/>
+              <a:buChar char="•"/>
+              <a:defRPr sz="2400" kern="1200">
+                <a:solidFill>
+                  <a:schemeClr val="tx1"/>
+                </a:solidFill>
+                <a:latin typeface="+mn-lt"/>
+                <a:ea typeface="+mn-ea"/>
+                <a:cs typeface="+mn-cs"/>
+              </a:defRPr>
+            </a:lvl2pPr>
+            <a:lvl3pPr marL="1143000" indent="-228600" algn="l" defTabSz="914400" rtl="0" eaLnBrk="1" latinLnBrk="0" hangingPunct="1">
+              <a:lnSpc>
+                <a:spcPct val="110000"/>
+              </a:lnSpc>
+              <a:spcBef>
+                <a:spcPts val="500"/>
+              </a:spcBef>
+              <a:buClr>
+                <a:schemeClr val="accent1"/>
+              </a:buClr>
+              <a:buFont typeface="Arial" panose="020B0604020202020204" pitchFamily="34" charset="0"/>
+              <a:buChar char="•"/>
+              <a:defRPr sz="2000" kern="1200">
+                <a:solidFill>
+                  <a:schemeClr val="tx1"/>
+                </a:solidFill>
+                <a:latin typeface="+mn-lt"/>
+                <a:ea typeface="+mn-ea"/>
+                <a:cs typeface="+mn-cs"/>
+              </a:defRPr>
+            </a:lvl3pPr>
+            <a:lvl4pPr marL="1600200" indent="-228600" algn="l" defTabSz="914400" rtl="0" eaLnBrk="1" latinLnBrk="0" hangingPunct="1">
+              <a:lnSpc>
+                <a:spcPct val="110000"/>
+              </a:lnSpc>
+              <a:spcBef>
+                <a:spcPts val="500"/>
+              </a:spcBef>
+              <a:buClr>
+                <a:schemeClr val="accent1"/>
+              </a:buClr>
+              <a:buFont typeface="Arial" panose="020B0604020202020204" pitchFamily="34" charset="0"/>
+              <a:buChar char="•"/>
+              <a:defRPr sz="1800" kern="1200">
+                <a:solidFill>
+                  <a:schemeClr val="tx1"/>
+                </a:solidFill>
+                <a:latin typeface="+mn-lt"/>
+                <a:ea typeface="+mn-ea"/>
+                <a:cs typeface="+mn-cs"/>
+              </a:defRPr>
+            </a:lvl4pPr>
+            <a:lvl5pPr marL="2057400" indent="-228600" algn="l" defTabSz="914400" rtl="0" eaLnBrk="1" latinLnBrk="0" hangingPunct="1">
+              <a:lnSpc>
+                <a:spcPct val="110000"/>
+              </a:lnSpc>
+              <a:spcBef>
+                <a:spcPts val="500"/>
+              </a:spcBef>
+              <a:buClr>
+                <a:schemeClr val="accent1"/>
+              </a:buClr>
+              <a:buFont typeface="Arial" panose="020B0604020202020204" pitchFamily="34" charset="0"/>
+              <a:buChar char="•"/>
+              <a:defRPr sz="1800" kern="1200">
+                <a:solidFill>
+                  <a:schemeClr val="tx1"/>
+                </a:solidFill>
+                <a:latin typeface="+mn-lt"/>
+                <a:ea typeface="+mn-ea"/>
+                <a:cs typeface="+mn-cs"/>
+              </a:defRPr>
+            </a:lvl5pPr>
+            <a:lvl6pPr marL="2514600" indent="-228600" algn="l" defTabSz="914400" rtl="0" eaLnBrk="1" latinLnBrk="0" hangingPunct="1">
+              <a:lnSpc>
+                <a:spcPct val="90000"/>
+              </a:lnSpc>
+              <a:spcBef>
+                <a:spcPts val="500"/>
+              </a:spcBef>
+              <a:buFont typeface="Arial" panose="020B0604020202020204" pitchFamily="34" charset="0"/>
+              <a:buChar char="•"/>
+              <a:defRPr sz="1800" kern="1200">
+                <a:solidFill>
+                  <a:schemeClr val="tx1"/>
+                </a:solidFill>
+                <a:latin typeface="+mn-lt"/>
+                <a:ea typeface="+mn-ea"/>
+                <a:cs typeface="+mn-cs"/>
+              </a:defRPr>
+            </a:lvl6pPr>
+            <a:lvl7pPr marL="2971800" indent="-228600" algn="l" defTabSz="914400" rtl="0" eaLnBrk="1" latinLnBrk="0" hangingPunct="1">
+              <a:lnSpc>
+                <a:spcPct val="90000"/>
+              </a:lnSpc>
+              <a:spcBef>
+                <a:spcPts val="500"/>
+              </a:spcBef>
+              <a:buFont typeface="Arial" panose="020B0604020202020204" pitchFamily="34" charset="0"/>
+              <a:buChar char="•"/>
+              <a:defRPr sz="1800" kern="1200">
+                <a:solidFill>
+                  <a:schemeClr val="tx1"/>
+                </a:solidFill>
+                <a:latin typeface="+mn-lt"/>
+                <a:ea typeface="+mn-ea"/>
+                <a:cs typeface="+mn-cs"/>
+              </a:defRPr>
+            </a:lvl7pPr>
+            <a:lvl8pPr marL="3429000" indent="-228600" algn="l" defTabSz="914400" rtl="0" eaLnBrk="1" latinLnBrk="0" hangingPunct="1">
+              <a:lnSpc>
+                <a:spcPct val="90000"/>
+              </a:lnSpc>
+              <a:spcBef>
+                <a:spcPts val="500"/>
+              </a:spcBef>
+              <a:buFont typeface="Arial" panose="020B0604020202020204" pitchFamily="34" charset="0"/>
+              <a:buChar char="•"/>
+              <a:defRPr sz="1800" kern="1200">
+                <a:solidFill>
+                  <a:schemeClr val="tx1"/>
+                </a:solidFill>
+                <a:latin typeface="+mn-lt"/>
+                <a:ea typeface="+mn-ea"/>
+                <a:cs typeface="+mn-cs"/>
+              </a:defRPr>
+            </a:lvl8pPr>
+            <a:lvl9pPr marL="3886200" indent="-228600" algn="l" defTabSz="914400" rtl="0" eaLnBrk="1" latinLnBrk="0" hangingPunct="1">
+              <a:lnSpc>
+                <a:spcPct val="90000"/>
+              </a:lnSpc>
+              <a:spcBef>
+                <a:spcPts val="500"/>
+              </a:spcBef>
+              <a:buFont typeface="Arial" panose="020B0604020202020204" pitchFamily="34" charset="0"/>
+              <a:buChar char="•"/>
+              <a:defRPr sz="1800" kern="1200">
+                <a:solidFill>
+                  <a:schemeClr val="tx1"/>
+                </a:solidFill>
+                <a:latin typeface="+mn-lt"/>
+                <a:ea typeface="+mn-ea"/>
+                <a:cs typeface="+mn-cs"/>
+              </a:defRPr>
+            </a:lvl9pPr>
+          </a:lstStyle>
+          <a:p>
+            <a:pPr>
+              <a:lnSpc>
+                <a:spcPct val="107000"/>
+              </a:lnSpc>
+              <a:spcAft>
+                <a:spcPts val="800"/>
+              </a:spcAft>
+            </a:pPr>
+            <a:endParaRPr lang="en-MT" sz="1400" kern="100" dirty="0">
+              <a:effectLst/>
+              <a:latin typeface="Aptos" panose="020B0004020202020204" pitchFamily="34" charset="0"/>
+              <a:ea typeface="Aptos" panose="020B0004020202020204" pitchFamily="34" charset="0"/>
+              <a:cs typeface="Times New Roman" panose="02020603050405020304" pitchFamily="18" charset="0"/>
+            </a:endParaRPr>
+          </a:p>
+        </p:txBody>
+      </p:sp>
+    </p:spTree>
+    <p:extLst>
+      <p:ext uri="{BB962C8B-B14F-4D97-AF65-F5344CB8AC3E}">
+        <p14:creationId xmlns:p14="http://schemas.microsoft.com/office/powerpoint/2010/main" val="224423335"/>
+      </p:ext>
+    </p:extLst>
+  </p:cSld>
+  <p:clrMapOvr>
+    <a:masterClrMapping/>
+  </p:clrMapOvr>
+</p:sld>
+</file>
+
+<file path=ppt/slides/slide4.xml><?xml version="1.0" encoding="utf-8"?>
 <p:sld xmlns:a="http://schemas.openxmlformats.org/drawingml/2006/main" xmlns:r="http://schemas.openxmlformats.org/officeDocument/2006/relationships" xmlns:p="http://schemas.openxmlformats.org/presentationml/2006/main">
   <p:cSld>
     <p:spTree>
@@ -11556,12 +12969,562 @@
           </p:txBody>
         </p:sp>
       </p:grpSp>
+    </p:spTree>
+    <p:extLst>
+      <p:ext uri="{BB962C8B-B14F-4D97-AF65-F5344CB8AC3E}">
+        <p14:creationId xmlns:p14="http://schemas.microsoft.com/office/powerpoint/2010/main" val="1085962028"/>
+      </p:ext>
+    </p:extLst>
+  </p:cSld>
+  <p:clrMapOvr>
+    <a:masterClrMapping/>
+  </p:clrMapOvr>
+  <p:timing>
+    <p:tnLst>
+      <p:par>
+        <p:cTn id="1" dur="indefinite" restart="never" nodeType="tmRoot">
+          <p:childTnLst>
+            <p:seq concurrent="1" nextAc="seek">
+              <p:cTn id="2" dur="indefinite" nodeType="mainSeq">
+                <p:childTnLst>
+                  <p:par>
+                    <p:cTn id="3" fill="hold">
+                      <p:stCondLst>
+                        <p:cond delay="indefinite"/>
+                        <p:cond evt="onBegin" delay="0">
+                          <p:tn val="2"/>
+                        </p:cond>
+                      </p:stCondLst>
+                      <p:childTnLst>
+                        <p:par>
+                          <p:cTn id="4" fill="hold">
+                            <p:stCondLst>
+                              <p:cond delay="0"/>
+                            </p:stCondLst>
+                            <p:childTnLst>
+                              <p:par>
+                                <p:cTn id="5" presetID="1" presetClass="exit" presetSubtype="0" fill="hold" nodeType="withEffect">
+                                  <p:stCondLst>
+                                    <p:cond delay="0"/>
+                                  </p:stCondLst>
+                                  <p:childTnLst>
+                                    <p:set>
+                                      <p:cBhvr>
+                                        <p:cTn id="6" dur="1" fill="hold">
+                                          <p:stCondLst>
+                                            <p:cond delay="0"/>
+                                          </p:stCondLst>
+                                        </p:cTn>
+                                        <p:tgtEl>
+                                          <p:spTgt spid="12"/>
+                                        </p:tgtEl>
+                                        <p:attrNameLst>
+                                          <p:attrName>style.visibility</p:attrName>
+                                        </p:attrNameLst>
+                                      </p:cBhvr>
+                                      <p:to>
+                                        <p:strVal val="hidden"/>
+                                      </p:to>
+                                    </p:set>
+                                  </p:childTnLst>
+                                </p:cTn>
+                              </p:par>
+                              <p:par>
+                                <p:cTn id="7" presetID="1" presetClass="exit" presetSubtype="0" fill="hold" nodeType="withEffect">
+                                  <p:stCondLst>
+                                    <p:cond delay="0"/>
+                                  </p:stCondLst>
+                                  <p:childTnLst>
+                                    <p:set>
+                                      <p:cBhvr>
+                                        <p:cTn id="8" dur="1" fill="hold">
+                                          <p:stCondLst>
+                                            <p:cond delay="0"/>
+                                          </p:stCondLst>
+                                        </p:cTn>
+                                        <p:tgtEl>
+                                          <p:spTgt spid="11"/>
+                                        </p:tgtEl>
+                                        <p:attrNameLst>
+                                          <p:attrName>style.visibility</p:attrName>
+                                        </p:attrNameLst>
+                                      </p:cBhvr>
+                                      <p:to>
+                                        <p:strVal val="hidden"/>
+                                      </p:to>
+                                    </p:set>
+                                  </p:childTnLst>
+                                </p:cTn>
+                              </p:par>
+                            </p:childTnLst>
+                          </p:cTn>
+                        </p:par>
+                      </p:childTnLst>
+                    </p:cTn>
+                  </p:par>
+                </p:childTnLst>
+              </p:cTn>
+              <p:prevCondLst>
+                <p:cond evt="onPrev" delay="0">
+                  <p:tgtEl>
+                    <p:sldTgt/>
+                  </p:tgtEl>
+                </p:cond>
+              </p:prevCondLst>
+              <p:nextCondLst>
+                <p:cond evt="onNext" delay="0">
+                  <p:tgtEl>
+                    <p:sldTgt/>
+                  </p:tgtEl>
+                </p:cond>
+              </p:nextCondLst>
+            </p:seq>
+          </p:childTnLst>
+        </p:cTn>
+      </p:par>
+    </p:tnLst>
+  </p:timing>
+</p:sld>
+</file>
+
+<file path=ppt/slides/slide5.xml><?xml version="1.0" encoding="utf-8"?>
+<p:sld xmlns:a="http://schemas.openxmlformats.org/drawingml/2006/main" xmlns:r="http://schemas.openxmlformats.org/officeDocument/2006/relationships" xmlns:p="http://schemas.openxmlformats.org/presentationml/2006/main">
+  <p:cSld>
+    <p:spTree>
+      <p:nvGrpSpPr>
+        <p:cNvPr id="1" name="">
+          <a:extLst>
+            <a:ext uri="{FF2B5EF4-FFF2-40B4-BE49-F238E27FC236}">
+              <a16:creationId xmlns:a16="http://schemas.microsoft.com/office/drawing/2014/main" id="{1F2BC398-61AE-7ECC-F84C-EE02A3594285}"/>
+            </a:ext>
+          </a:extLst>
+        </p:cNvPr>
+        <p:cNvGrpSpPr/>
+        <p:nvPr/>
+      </p:nvGrpSpPr>
+      <p:grpSpPr>
+        <a:xfrm>
+          <a:off x="0" y="0"/>
+          <a:ext cx="0" cy="0"/>
+          <a:chOff x="0" y="0"/>
+          <a:chExt cx="0" cy="0"/>
+        </a:xfrm>
+      </p:grpSpPr>
+      <p:sp>
+        <p:nvSpPr>
+          <p:cNvPr id="8" name="Content Placeholder 2">
+            <a:extLst>
+              <a:ext uri="{FF2B5EF4-FFF2-40B4-BE49-F238E27FC236}">
+                <a16:creationId xmlns:a16="http://schemas.microsoft.com/office/drawing/2014/main" id="{11EFD22A-F548-A408-F8FB-9C6FF12E3980}"/>
+              </a:ext>
+            </a:extLst>
+          </p:cNvPr>
+          <p:cNvSpPr>
+            <a:spLocks noGrp="1"/>
+          </p:cNvSpPr>
+          <p:nvPr>
+            <p:ph idx="1"/>
+          </p:nvPr>
+        </p:nvSpPr>
+        <p:spPr>
+          <a:xfrm>
+            <a:off x="458694" y="1263649"/>
+            <a:ext cx="11274612" cy="5228589"/>
+          </a:xfrm>
+        </p:spPr>
+        <p:txBody>
+          <a:bodyPr>
+            <a:normAutofit/>
+          </a:bodyPr>
+          <a:lstStyle/>
+          <a:p>
+            <a:pPr marL="342900" indent="-342900">
+              <a:lnSpc>
+                <a:spcPct val="107000"/>
+              </a:lnSpc>
+              <a:buFont typeface="Symbol" panose="05050102010706020507" pitchFamily="18" charset="2"/>
+              <a:buChar char=""/>
+            </a:pPr>
+            <a:r>
+              <a:rPr lang="en-US" sz="2000" b="1" kern="100" dirty="0">
+                <a:latin typeface="Aptos" panose="020B0004020202020204" pitchFamily="34" charset="0"/>
+                <a:cs typeface="Times New Roman" panose="02020603050405020304" pitchFamily="18" charset="0"/>
+              </a:rPr>
+              <a:t>Process</a:t>
+            </a:r>
+          </a:p>
+          <a:p>
+            <a:pPr marL="800100" lvl="1" indent="-342900">
+              <a:lnSpc>
+                <a:spcPct val="107000"/>
+              </a:lnSpc>
+              <a:buFont typeface="Symbol" panose="05050102010706020507" pitchFamily="18" charset="2"/>
+              <a:buChar char=""/>
+            </a:pPr>
+            <a:r>
+              <a:rPr lang="en-US" sz="1600" kern="100" dirty="0">
+                <a:latin typeface="Aptos" panose="020B0004020202020204" pitchFamily="34" charset="0"/>
+                <a:cs typeface="Times New Roman" panose="02020603050405020304" pitchFamily="18" charset="0"/>
+              </a:rPr>
+              <a:t>Facial Expression Recognition (FER) involves training visual models to detect human emotions from facial images. This can be broadly classified into:</a:t>
+            </a:r>
+          </a:p>
+          <a:p>
+            <a:pPr marL="1257300" lvl="2" indent="-342900">
+              <a:lnSpc>
+                <a:spcPct val="107000"/>
+              </a:lnSpc>
+              <a:buFont typeface="Symbol" panose="05050102010706020507" pitchFamily="18" charset="2"/>
+              <a:buChar char=""/>
+            </a:pPr>
+            <a:r>
+              <a:rPr lang="en-US" sz="1600" kern="100" dirty="0">
+                <a:latin typeface="Aptos" panose="020B0004020202020204" pitchFamily="34" charset="0"/>
+                <a:cs typeface="Times New Roman" panose="02020603050405020304" pitchFamily="18" charset="0"/>
+              </a:rPr>
+              <a:t>In-lab FER: Models trained on controlled, structured datasets. (CK+, JAFFE)</a:t>
+            </a:r>
+          </a:p>
+          <a:p>
+            <a:pPr marL="1257300" lvl="2" indent="-342900">
+              <a:lnSpc>
+                <a:spcPct val="107000"/>
+              </a:lnSpc>
+              <a:buFont typeface="Symbol" panose="05050102010706020507" pitchFamily="18" charset="2"/>
+              <a:buChar char=""/>
+            </a:pPr>
+            <a:r>
+              <a:rPr lang="en-US" sz="1600" kern="100" dirty="0">
+                <a:latin typeface="Aptos" panose="020B0004020202020204" pitchFamily="34" charset="0"/>
+                <a:cs typeface="Times New Roman" panose="02020603050405020304" pitchFamily="18" charset="0"/>
+              </a:rPr>
+              <a:t>In-the-wild FER: Models trained on real-world, unstructured images. (</a:t>
+            </a:r>
+            <a:r>
+              <a:rPr lang="en-US" sz="1600" kern="100" dirty="0" err="1">
+                <a:latin typeface="Aptos" panose="020B0004020202020204" pitchFamily="34" charset="0"/>
+                <a:cs typeface="Times New Roman" panose="02020603050405020304" pitchFamily="18" charset="0"/>
+              </a:rPr>
+              <a:t>AffectNet</a:t>
+            </a:r>
+            <a:r>
+              <a:rPr lang="en-US" sz="1600" kern="100" dirty="0">
+                <a:latin typeface="Aptos" panose="020B0004020202020204" pitchFamily="34" charset="0"/>
+                <a:cs typeface="Times New Roman" panose="02020603050405020304" pitchFamily="18" charset="0"/>
+              </a:rPr>
+              <a:t>, FER2013, RAF-DB)</a:t>
+            </a:r>
+          </a:p>
+          <a:p>
+            <a:pPr>
+              <a:lnSpc>
+                <a:spcPct val="107000"/>
+              </a:lnSpc>
+              <a:spcAft>
+                <a:spcPts val="800"/>
+              </a:spcAft>
+            </a:pPr>
+            <a:endParaRPr lang="en-GB" kern="100" dirty="0">
+              <a:effectLst/>
+              <a:latin typeface="Aptos" panose="020B0004020202020204" pitchFamily="34" charset="0"/>
+              <a:ea typeface="Aptos" panose="020B0004020202020204" pitchFamily="34" charset="0"/>
+              <a:cs typeface="Times New Roman" panose="02020603050405020304" pitchFamily="18" charset="0"/>
+            </a:endParaRPr>
+          </a:p>
+        </p:txBody>
+      </p:sp>
+      <p:sp>
+        <p:nvSpPr>
+          <p:cNvPr id="7" name="Title 1">
+            <a:extLst>
+              <a:ext uri="{FF2B5EF4-FFF2-40B4-BE49-F238E27FC236}">
+                <a16:creationId xmlns:a16="http://schemas.microsoft.com/office/drawing/2014/main" id="{EF3AB1AD-CFAD-6DBA-944A-1D2D3A913748}"/>
+              </a:ext>
+            </a:extLst>
+          </p:cNvPr>
+          <p:cNvSpPr txBox="1">
+            <a:spLocks/>
+          </p:cNvSpPr>
+          <p:nvPr/>
+        </p:nvSpPr>
+        <p:spPr>
+          <a:xfrm>
+            <a:off x="458694" y="365761"/>
+            <a:ext cx="11274612" cy="897890"/>
+          </a:xfrm>
+          <a:prstGeom prst="rect">
+            <a:avLst/>
+          </a:prstGeom>
+        </p:spPr>
+        <p:txBody>
+          <a:bodyPr vert="horz" lIns="91440" tIns="45720" rIns="91440" bIns="45720" rtlCol="0" anchor="ctr">
+            <a:normAutofit/>
+          </a:bodyPr>
+          <a:lstStyle>
+            <a:lvl1pPr algn="l" defTabSz="914400" rtl="0" eaLnBrk="1" latinLnBrk="0" hangingPunct="1">
+              <a:lnSpc>
+                <a:spcPct val="100000"/>
+              </a:lnSpc>
+              <a:spcBef>
+                <a:spcPct val="0"/>
+              </a:spcBef>
+              <a:buNone/>
+              <a:defRPr sz="4400" b="0" kern="1200">
+                <a:solidFill>
+                  <a:schemeClr val="tx1"/>
+                </a:solidFill>
+                <a:latin typeface="+mj-lt"/>
+                <a:ea typeface="+mj-ea"/>
+                <a:cs typeface="+mj-cs"/>
+              </a:defRPr>
+            </a:lvl1pPr>
+          </a:lstStyle>
+          <a:p>
+            <a:r>
+              <a:rPr lang="en-GB" kern="100" spc="75" dirty="0">
+                <a:solidFill>
+                  <a:srgbClr val="595959"/>
+                </a:solidFill>
+                <a:latin typeface="Aptos" panose="020B0004020202020204" pitchFamily="34" charset="0"/>
+                <a:ea typeface="Times New Roman" panose="02020603050405020304" pitchFamily="18" charset="0"/>
+                <a:cs typeface="Times New Roman" panose="02020603050405020304" pitchFamily="18" charset="0"/>
+              </a:rPr>
+              <a:t>Research Topic (1)</a:t>
+            </a:r>
+            <a:endParaRPr lang="en-MT" dirty="0"/>
+          </a:p>
+        </p:txBody>
+      </p:sp>
+      <p:sp>
+        <p:nvSpPr>
+          <p:cNvPr id="4" name="Content Placeholder 2">
+            <a:extLst>
+              <a:ext uri="{FF2B5EF4-FFF2-40B4-BE49-F238E27FC236}">
+                <a16:creationId xmlns:a16="http://schemas.microsoft.com/office/drawing/2014/main" id="{761E1509-6DF7-E5CB-2C9F-D4456A063AC2}"/>
+              </a:ext>
+            </a:extLst>
+          </p:cNvPr>
+          <p:cNvSpPr txBox="1">
+            <a:spLocks/>
+          </p:cNvSpPr>
+          <p:nvPr/>
+        </p:nvSpPr>
+        <p:spPr>
+          <a:xfrm>
+            <a:off x="458694" y="4229100"/>
+            <a:ext cx="11274612" cy="3108325"/>
+          </a:xfrm>
+          <a:prstGeom prst="rect">
+            <a:avLst/>
+          </a:prstGeom>
+        </p:spPr>
+        <p:txBody>
+          <a:bodyPr vert="horz" lIns="91440" tIns="45720" rIns="91440" bIns="45720" rtlCol="0">
+            <a:normAutofit/>
+          </a:bodyPr>
+          <a:lstStyle>
+            <a:lvl1pPr marL="228600" indent="-228600" algn="l" defTabSz="914400" rtl="0" eaLnBrk="1" latinLnBrk="0" hangingPunct="1">
+              <a:lnSpc>
+                <a:spcPct val="110000"/>
+              </a:lnSpc>
+              <a:spcBef>
+                <a:spcPts val="1000"/>
+              </a:spcBef>
+              <a:buClr>
+                <a:schemeClr val="accent1"/>
+              </a:buClr>
+              <a:buFont typeface="Arial" panose="020B0604020202020204" pitchFamily="34" charset="0"/>
+              <a:buChar char="•"/>
+              <a:defRPr sz="2800" kern="1200">
+                <a:solidFill>
+                  <a:schemeClr val="tx1"/>
+                </a:solidFill>
+                <a:latin typeface="+mn-lt"/>
+                <a:ea typeface="+mn-ea"/>
+                <a:cs typeface="+mn-cs"/>
+              </a:defRPr>
+            </a:lvl1pPr>
+            <a:lvl2pPr marL="685800" indent="-228600" algn="l" defTabSz="914400" rtl="0" eaLnBrk="1" latinLnBrk="0" hangingPunct="1">
+              <a:lnSpc>
+                <a:spcPct val="110000"/>
+              </a:lnSpc>
+              <a:spcBef>
+                <a:spcPts val="500"/>
+              </a:spcBef>
+              <a:buClr>
+                <a:schemeClr val="accent1"/>
+              </a:buClr>
+              <a:buFont typeface="Arial" panose="020B0604020202020204" pitchFamily="34" charset="0"/>
+              <a:buChar char="•"/>
+              <a:defRPr sz="2400" kern="1200">
+                <a:solidFill>
+                  <a:schemeClr val="tx1"/>
+                </a:solidFill>
+                <a:latin typeface="+mn-lt"/>
+                <a:ea typeface="+mn-ea"/>
+                <a:cs typeface="+mn-cs"/>
+              </a:defRPr>
+            </a:lvl2pPr>
+            <a:lvl3pPr marL="1143000" indent="-228600" algn="l" defTabSz="914400" rtl="0" eaLnBrk="1" latinLnBrk="0" hangingPunct="1">
+              <a:lnSpc>
+                <a:spcPct val="110000"/>
+              </a:lnSpc>
+              <a:spcBef>
+                <a:spcPts val="500"/>
+              </a:spcBef>
+              <a:buClr>
+                <a:schemeClr val="accent1"/>
+              </a:buClr>
+              <a:buFont typeface="Arial" panose="020B0604020202020204" pitchFamily="34" charset="0"/>
+              <a:buChar char="•"/>
+              <a:defRPr sz="2000" kern="1200">
+                <a:solidFill>
+                  <a:schemeClr val="tx1"/>
+                </a:solidFill>
+                <a:latin typeface="+mn-lt"/>
+                <a:ea typeface="+mn-ea"/>
+                <a:cs typeface="+mn-cs"/>
+              </a:defRPr>
+            </a:lvl3pPr>
+            <a:lvl4pPr marL="1600200" indent="-228600" algn="l" defTabSz="914400" rtl="0" eaLnBrk="1" latinLnBrk="0" hangingPunct="1">
+              <a:lnSpc>
+                <a:spcPct val="110000"/>
+              </a:lnSpc>
+              <a:spcBef>
+                <a:spcPts val="500"/>
+              </a:spcBef>
+              <a:buClr>
+                <a:schemeClr val="accent1"/>
+              </a:buClr>
+              <a:buFont typeface="Arial" panose="020B0604020202020204" pitchFamily="34" charset="0"/>
+              <a:buChar char="•"/>
+              <a:defRPr sz="1800" kern="1200">
+                <a:solidFill>
+                  <a:schemeClr val="tx1"/>
+                </a:solidFill>
+                <a:latin typeface="+mn-lt"/>
+                <a:ea typeface="+mn-ea"/>
+                <a:cs typeface="+mn-cs"/>
+              </a:defRPr>
+            </a:lvl4pPr>
+            <a:lvl5pPr marL="2057400" indent="-228600" algn="l" defTabSz="914400" rtl="0" eaLnBrk="1" latinLnBrk="0" hangingPunct="1">
+              <a:lnSpc>
+                <a:spcPct val="110000"/>
+              </a:lnSpc>
+              <a:spcBef>
+                <a:spcPts val="500"/>
+              </a:spcBef>
+              <a:buClr>
+                <a:schemeClr val="accent1"/>
+              </a:buClr>
+              <a:buFont typeface="Arial" panose="020B0604020202020204" pitchFamily="34" charset="0"/>
+              <a:buChar char="•"/>
+              <a:defRPr sz="1800" kern="1200">
+                <a:solidFill>
+                  <a:schemeClr val="tx1"/>
+                </a:solidFill>
+                <a:latin typeface="+mn-lt"/>
+                <a:ea typeface="+mn-ea"/>
+                <a:cs typeface="+mn-cs"/>
+              </a:defRPr>
+            </a:lvl5pPr>
+            <a:lvl6pPr marL="2514600" indent="-228600" algn="l" defTabSz="914400" rtl="0" eaLnBrk="1" latinLnBrk="0" hangingPunct="1">
+              <a:lnSpc>
+                <a:spcPct val="90000"/>
+              </a:lnSpc>
+              <a:spcBef>
+                <a:spcPts val="500"/>
+              </a:spcBef>
+              <a:buFont typeface="Arial" panose="020B0604020202020204" pitchFamily="34" charset="0"/>
+              <a:buChar char="•"/>
+              <a:defRPr sz="1800" kern="1200">
+                <a:solidFill>
+                  <a:schemeClr val="tx1"/>
+                </a:solidFill>
+                <a:latin typeface="+mn-lt"/>
+                <a:ea typeface="+mn-ea"/>
+                <a:cs typeface="+mn-cs"/>
+              </a:defRPr>
+            </a:lvl6pPr>
+            <a:lvl7pPr marL="2971800" indent="-228600" algn="l" defTabSz="914400" rtl="0" eaLnBrk="1" latinLnBrk="0" hangingPunct="1">
+              <a:lnSpc>
+                <a:spcPct val="90000"/>
+              </a:lnSpc>
+              <a:spcBef>
+                <a:spcPts val="500"/>
+              </a:spcBef>
+              <a:buFont typeface="Arial" panose="020B0604020202020204" pitchFamily="34" charset="0"/>
+              <a:buChar char="•"/>
+              <a:defRPr sz="1800" kern="1200">
+                <a:solidFill>
+                  <a:schemeClr val="tx1"/>
+                </a:solidFill>
+                <a:latin typeface="+mn-lt"/>
+                <a:ea typeface="+mn-ea"/>
+                <a:cs typeface="+mn-cs"/>
+              </a:defRPr>
+            </a:lvl7pPr>
+            <a:lvl8pPr marL="3429000" indent="-228600" algn="l" defTabSz="914400" rtl="0" eaLnBrk="1" latinLnBrk="0" hangingPunct="1">
+              <a:lnSpc>
+                <a:spcPct val="90000"/>
+              </a:lnSpc>
+              <a:spcBef>
+                <a:spcPts val="500"/>
+              </a:spcBef>
+              <a:buFont typeface="Arial" panose="020B0604020202020204" pitchFamily="34" charset="0"/>
+              <a:buChar char="•"/>
+              <a:defRPr sz="1800" kern="1200">
+                <a:solidFill>
+                  <a:schemeClr val="tx1"/>
+                </a:solidFill>
+                <a:latin typeface="+mn-lt"/>
+                <a:ea typeface="+mn-ea"/>
+                <a:cs typeface="+mn-cs"/>
+              </a:defRPr>
+            </a:lvl8pPr>
+            <a:lvl9pPr marL="3886200" indent="-228600" algn="l" defTabSz="914400" rtl="0" eaLnBrk="1" latinLnBrk="0" hangingPunct="1">
+              <a:lnSpc>
+                <a:spcPct val="90000"/>
+              </a:lnSpc>
+              <a:spcBef>
+                <a:spcPts val="500"/>
+              </a:spcBef>
+              <a:buFont typeface="Arial" panose="020B0604020202020204" pitchFamily="34" charset="0"/>
+              <a:buChar char="•"/>
+              <a:defRPr sz="1800" kern="1200">
+                <a:solidFill>
+                  <a:schemeClr val="tx1"/>
+                </a:solidFill>
+                <a:latin typeface="+mn-lt"/>
+                <a:ea typeface="+mn-ea"/>
+                <a:cs typeface="+mn-cs"/>
+              </a:defRPr>
+            </a:lvl9pPr>
+          </a:lstStyle>
+          <a:p>
+            <a:pPr>
+              <a:lnSpc>
+                <a:spcPct val="107000"/>
+              </a:lnSpc>
+              <a:spcAft>
+                <a:spcPts val="800"/>
+              </a:spcAft>
+            </a:pPr>
+            <a:endParaRPr lang="en-MT" sz="1400" kern="100" dirty="0">
+              <a:effectLst/>
+              <a:latin typeface="Aptos" panose="020B0004020202020204" pitchFamily="34" charset="0"/>
+              <a:ea typeface="Aptos" panose="020B0004020202020204" pitchFamily="34" charset="0"/>
+              <a:cs typeface="Times New Roman" panose="02020603050405020304" pitchFamily="18" charset="0"/>
+            </a:endParaRPr>
+          </a:p>
+        </p:txBody>
+      </p:sp>
       <p:grpSp>
         <p:nvGrpSpPr>
           <p:cNvPr id="14" name="Group 13">
             <a:extLst>
               <a:ext uri="{FF2B5EF4-FFF2-40B4-BE49-F238E27FC236}">
-                <a16:creationId xmlns:a16="http://schemas.microsoft.com/office/drawing/2014/main" id="{88D92AFB-7AF6-BBCE-A78D-85D69FB38E29}"/>
+                <a16:creationId xmlns:a16="http://schemas.microsoft.com/office/drawing/2014/main" id="{6848B515-FEC4-DCD2-374D-E6934CDA5795}"/>
               </a:ext>
             </a:extLst>
           </p:cNvPr>
@@ -11581,7 +13544,7 @@
             <p:cNvPr id="5" name="Picture 4">
               <a:extLst>
                 <a:ext uri="{FF2B5EF4-FFF2-40B4-BE49-F238E27FC236}">
-                  <a16:creationId xmlns:a16="http://schemas.microsoft.com/office/drawing/2014/main" id="{EE744437-BE45-B7FD-E897-C0510444B2E7}"/>
+                  <a16:creationId xmlns:a16="http://schemas.microsoft.com/office/drawing/2014/main" id="{EC23C4A9-2C1F-9E16-C807-F01BD13B7A2D}"/>
                 </a:ext>
               </a:extLst>
             </p:cNvPr>
@@ -11591,7 +13554,7 @@
             <p:nvPr/>
           </p:nvPicPr>
           <p:blipFill>
-            <a:blip r:embed="rId4"/>
+            <a:blip r:embed="rId2"/>
             <a:stretch>
               <a:fillRect/>
             </a:stretch>
@@ -11611,7 +13574,7 @@
             <p:cNvPr id="13" name="TextBox 12">
               <a:extLst>
                 <a:ext uri="{FF2B5EF4-FFF2-40B4-BE49-F238E27FC236}">
-                  <a16:creationId xmlns:a16="http://schemas.microsoft.com/office/drawing/2014/main" id="{3E28BCDF-4D1E-FA90-F831-40AEDA99BA65}"/>
+                  <a16:creationId xmlns:a16="http://schemas.microsoft.com/office/drawing/2014/main" id="{1E36D6AF-C635-92F7-EB88-FD80A9A91E27}"/>
                 </a:ext>
               </a:extLst>
             </p:cNvPr>
@@ -11647,7 +13610,7 @@
     </p:spTree>
     <p:extLst>
       <p:ext uri="{BB962C8B-B14F-4D97-AF65-F5344CB8AC3E}">
-        <p14:creationId xmlns:p14="http://schemas.microsoft.com/office/powerpoint/2010/main" val="1085962028"/>
+        <p14:creationId xmlns:p14="http://schemas.microsoft.com/office/powerpoint/2010/main" val="2352086343"/>
       </p:ext>
     </p:extLst>
   </p:cSld>
@@ -11696,60 +13659,6 @@
                                       </p:cBhvr>
                                       <p:to>
                                         <p:strVal val="visible"/>
-                                      </p:to>
-                                    </p:set>
-                                  </p:childTnLst>
-                                </p:cTn>
-                              </p:par>
-                              <p:par>
-                                <p:cTn id="7" presetID="1" presetClass="exit" presetSubtype="0" fill="hold" nodeType="withEffect">
-                                  <p:stCondLst>
-                                    <p:cond delay="0"/>
-                                  </p:stCondLst>
-                                  <p:childTnLst>
-                                    <p:set>
-                                      <p:cBhvr>
-                                        <p:cTn id="8" dur="1" fill="hold">
-                                          <p:stCondLst>
-                                            <p:cond delay="0"/>
-                                          </p:stCondLst>
-                                        </p:cTn>
-                                        <p:tgtEl>
-                                          <p:spTgt spid="12"/>
-                                        </p:tgtEl>
-                                        <p:attrNameLst>
-                                          <p:attrName>style.visibility</p:attrName>
-                                        </p:attrNameLst>
-                                      </p:cBhvr>
-                                      <p:to>
-                                        <p:strVal val="hidden"/>
-                                      </p:to>
-                                    </p:set>
-                                  </p:childTnLst>
-                                </p:cTn>
-                              </p:par>
-                              <p:par>
-                                <p:cTn id="9" presetID="1" presetClass="exit" presetSubtype="0" fill="hold" nodeType="withEffect">
-                                  <p:stCondLst>
-                                    <p:cond delay="0"/>
-                                  </p:stCondLst>
-                                  <p:childTnLst>
-                                    <p:set>
-                                      <p:cBhvr>
-                                        <p:cTn id="10" dur="1" fill="hold">
-                                          <p:stCondLst>
-                                            <p:cond delay="0"/>
-                                          </p:stCondLst>
-                                        </p:cTn>
-                                        <p:tgtEl>
-                                          <p:spTgt spid="11"/>
-                                        </p:tgtEl>
-                                        <p:attrNameLst>
-                                          <p:attrName>style.visibility</p:attrName>
-                                        </p:attrNameLst>
-                                      </p:cBhvr>
-                                      <p:to>
-                                        <p:strVal val="hidden"/>
                                       </p:to>
                                     </p:set>
                                   </p:childTnLst>
@@ -11850,7 +13759,7 @@
                 <a:latin typeface="Aptos" panose="020B0004020202020204" pitchFamily="34" charset="0"/>
                 <a:cs typeface="Times New Roman" panose="02020603050405020304" pitchFamily="18" charset="0"/>
               </a:rPr>
-              <a:t>FER Pipeline</a:t>
+              <a:t>FER Pipeline – How Does It Work</a:t>
             </a:r>
           </a:p>
           <a:p>
@@ -12514,7 +14423,7 @@
                 <a:latin typeface="Aptos" panose="020B0004020202020204" pitchFamily="34" charset="0"/>
                 <a:cs typeface="Times New Roman" panose="02020603050405020304" pitchFamily="18" charset="0"/>
               </a:rPr>
-              <a:t>The primary challenge for FER model is Generalisability </a:t>
+              <a:t>Generalisability </a:t>
             </a:r>
           </a:p>
           <a:p>
@@ -12533,11 +14442,11 @@
                 <a:latin typeface="Aptos" panose="020B0004020202020204" pitchFamily="34" charset="0"/>
                 <a:cs typeface="Times New Roman" panose="02020603050405020304" pitchFamily="18" charset="0"/>
               </a:rPr>
-              <a:t>Assess SOTA models and their generalisability</a:t>
-            </a:r>
-          </a:p>
-          <a:p>
-            <a:pPr marL="1257300" lvl="2" indent="-342900">
+              <a:t>Facial Expression Variability</a:t>
+            </a:r>
+          </a:p>
+          <a:p>
+            <a:pPr marL="800100" lvl="1" indent="-342900">
               <a:lnSpc>
                 <a:spcPct val="107000"/>
               </a:lnSpc>
@@ -12552,11 +14461,11 @@
                 <a:latin typeface="Aptos" panose="020B0004020202020204" pitchFamily="34" charset="0"/>
                 <a:cs typeface="Times New Roman" panose="02020603050405020304" pitchFamily="18" charset="0"/>
               </a:rPr>
-              <a:t>Replicability of reported results</a:t>
-            </a:r>
-          </a:p>
-          <a:p>
-            <a:pPr marL="1257300" lvl="2" indent="-342900">
+              <a:t>Ambiguity</a:t>
+            </a:r>
+          </a:p>
+          <a:p>
+            <a:pPr marL="800100" lvl="1" indent="-342900">
               <a:lnSpc>
                 <a:spcPct val="107000"/>
               </a:lnSpc>
@@ -12571,7 +14480,26 @@
                 <a:latin typeface="Aptos" panose="020B0004020202020204" pitchFamily="34" charset="0"/>
                 <a:cs typeface="Times New Roman" panose="02020603050405020304" pitchFamily="18" charset="0"/>
               </a:rPr>
-              <a:t>Assess results on unseen data</a:t>
+              <a:t>Occlusion</a:t>
+            </a:r>
+          </a:p>
+          <a:p>
+            <a:pPr marL="800100" lvl="1" indent="-342900">
+              <a:lnSpc>
+                <a:spcPct val="107000"/>
+              </a:lnSpc>
+              <a:spcAft>
+                <a:spcPts val="800"/>
+              </a:spcAft>
+              <a:buFont typeface="Symbol" panose="05050102010706020507" pitchFamily="18" charset="2"/>
+              <a:buChar char=""/>
+            </a:pPr>
+            <a:r>
+              <a:rPr lang="en-GB" sz="1600" kern="100" dirty="0">
+                <a:latin typeface="Aptos" panose="020B0004020202020204" pitchFamily="34" charset="0"/>
+                <a:cs typeface="Times New Roman" panose="02020603050405020304" pitchFamily="18" charset="0"/>
+              </a:rPr>
+              <a:t>Ethical / Privacy Concerns</a:t>
             </a:r>
           </a:p>
           <a:p>
@@ -12609,11 +14537,11 @@
                 <a:latin typeface="Aptos" panose="020B0004020202020204" pitchFamily="34" charset="0"/>
                 <a:cs typeface="Times New Roman" panose="02020603050405020304" pitchFamily="18" charset="0"/>
               </a:rPr>
-              <a:t>Model comparison</a:t>
-            </a:r>
-          </a:p>
-          <a:p>
-            <a:pPr marL="1257300" lvl="2" indent="-342900">
+              <a:t>Improve human-computer interaction</a:t>
+            </a:r>
+          </a:p>
+          <a:p>
+            <a:pPr marL="800100" lvl="1" indent="-342900">
               <a:lnSpc>
                 <a:spcPct val="107000"/>
               </a:lnSpc>
@@ -12628,49 +14556,30 @@
                 <a:latin typeface="Aptos" panose="020B0004020202020204" pitchFamily="34" charset="0"/>
                 <a:cs typeface="Times New Roman" panose="02020603050405020304" pitchFamily="18" charset="0"/>
               </a:rPr>
+              <a:t>Enhance communication / understanding </a:t>
+            </a:r>
+          </a:p>
+          <a:p>
+            <a:pPr marL="800100" lvl="1" indent="-342900">
+              <a:lnSpc>
+                <a:spcPct val="107000"/>
+              </a:lnSpc>
+              <a:spcAft>
+                <a:spcPts val="800"/>
+              </a:spcAft>
+              <a:buFont typeface="Symbol" panose="05050102010706020507" pitchFamily="18" charset="2"/>
+              <a:buChar char=""/>
+            </a:pPr>
+            <a:r>
+              <a:rPr lang="en-GB" sz="1600" kern="100" dirty="0">
+                <a:latin typeface="Aptos" panose="020B0004020202020204" pitchFamily="34" charset="0"/>
+                <a:cs typeface="Times New Roman" panose="02020603050405020304" pitchFamily="18" charset="0"/>
+              </a:rPr>
               <a:t>Highlight limitations in current models</a:t>
             </a:r>
           </a:p>
           <a:p>
-            <a:pPr marL="1257300" lvl="2" indent="-342900">
-              <a:lnSpc>
-                <a:spcPct val="107000"/>
-              </a:lnSpc>
-              <a:spcAft>
-                <a:spcPts val="800"/>
-              </a:spcAft>
-              <a:buFont typeface="Symbol" panose="05050102010706020507" pitchFamily="18" charset="2"/>
-              <a:buChar char=""/>
-            </a:pPr>
-            <a:r>
-              <a:rPr lang="en-GB" sz="1600" kern="100" dirty="0">
-                <a:latin typeface="Aptos" panose="020B0004020202020204" pitchFamily="34" charset="0"/>
-                <a:cs typeface="Times New Roman" panose="02020603050405020304" pitchFamily="18" charset="0"/>
-              </a:rPr>
-              <a:t>Focus further research on promising solutions</a:t>
-            </a:r>
-          </a:p>
-          <a:p>
-            <a:pPr marL="1257300" lvl="2" indent="-342900">
-              <a:lnSpc>
-                <a:spcPct val="107000"/>
-              </a:lnSpc>
-              <a:spcAft>
-                <a:spcPts val="800"/>
-              </a:spcAft>
-              <a:buFont typeface="Symbol" panose="05050102010706020507" pitchFamily="18" charset="2"/>
-              <a:buChar char=""/>
-            </a:pPr>
-            <a:r>
-              <a:rPr lang="en-GB" sz="1600" kern="100" dirty="0">
-                <a:latin typeface="Aptos" panose="020B0004020202020204" pitchFamily="34" charset="0"/>
-                <a:cs typeface="Times New Roman" panose="02020603050405020304" pitchFamily="18" charset="0"/>
-              </a:rPr>
-              <a:t>Highlight non-replicable results (Questioning SOTA status)</a:t>
-            </a:r>
-          </a:p>
-          <a:p>
-            <a:pPr marL="1257300" lvl="2" indent="-342900">
+            <a:pPr marL="800100" lvl="1" indent="-342900">
               <a:lnSpc>
                 <a:spcPct val="107000"/>
               </a:lnSpc>
@@ -13086,7 +14995,7 @@
                 <a:latin typeface="Aptos" panose="020B0004020202020204" pitchFamily="34" charset="0"/>
                 <a:cs typeface="Times New Roman" panose="02020603050405020304" pitchFamily="18" charset="0"/>
               </a:rPr>
-              <a:t>FER has promising applications (Healthcare, Education, Safety)</a:t>
+              <a:t>FER Applications (Healthcare, Education, Safety)</a:t>
             </a:r>
           </a:p>
           <a:p>
@@ -13105,26 +15014,7 @@
                 <a:latin typeface="Aptos" panose="020B0004020202020204" pitchFamily="34" charset="0"/>
                 <a:cs typeface="Times New Roman" panose="02020603050405020304" pitchFamily="18" charset="0"/>
               </a:rPr>
-              <a:t>Generalisability Issue</a:t>
-            </a:r>
-          </a:p>
-          <a:p>
-            <a:pPr marL="800100" lvl="1" indent="-342900">
-              <a:lnSpc>
-                <a:spcPct val="107000"/>
-              </a:lnSpc>
-              <a:spcAft>
-                <a:spcPts val="800"/>
-              </a:spcAft>
-              <a:buFont typeface="Symbol" panose="05050102010706020507" pitchFamily="18" charset="2"/>
-              <a:buChar char=""/>
-            </a:pPr>
-            <a:r>
-              <a:rPr lang="en-GB" sz="1600" kern="100" dirty="0">
-                <a:latin typeface="Aptos" panose="020B0004020202020204" pitchFamily="34" charset="0"/>
-                <a:cs typeface="Times New Roman" panose="02020603050405020304" pitchFamily="18" charset="0"/>
-              </a:rPr>
-              <a:t>Encourage FER model applicability (Assessing Generalisability)</a:t>
+              <a:t>Assess Generalisability Issue</a:t>
             </a:r>
           </a:p>
           <a:p>
@@ -13201,6 +15091,39 @@
               </a:rPr>
               <a:t>– Do models trained on one dataset work well on others?</a:t>
             </a:r>
+          </a:p>
+          <a:p>
+            <a:pPr marL="800100" lvl="1" indent="-342900">
+              <a:lnSpc>
+                <a:spcPct val="107000"/>
+              </a:lnSpc>
+              <a:spcAft>
+                <a:spcPts val="800"/>
+              </a:spcAft>
+              <a:buFont typeface="Symbol" panose="05050102010706020507" pitchFamily="18" charset="2"/>
+              <a:buChar char=""/>
+            </a:pPr>
+            <a:r>
+              <a:rPr lang="en-US" sz="1600" kern="100" dirty="0">
+                <a:latin typeface="Aptos" panose="020B0004020202020204" pitchFamily="34" charset="0"/>
+                <a:cs typeface="Times New Roman" panose="02020603050405020304" pitchFamily="18" charset="0"/>
+              </a:rPr>
+              <a:t>Model </a:t>
+            </a:r>
+            <a:r>
+              <a:rPr lang="en-US" sz="1600" kern="100" dirty="0" err="1">
+                <a:latin typeface="Aptos" panose="020B0004020202020204" pitchFamily="34" charset="0"/>
+                <a:cs typeface="Times New Roman" panose="02020603050405020304" pitchFamily="18" charset="0"/>
+              </a:rPr>
+              <a:t>Generalisability</a:t>
+            </a:r>
+            <a:r>
+              <a:rPr lang="en-US" sz="1600" kern="100" dirty="0">
+                <a:latin typeface="Aptos" panose="020B0004020202020204" pitchFamily="34" charset="0"/>
+                <a:cs typeface="Times New Roman" panose="02020603050405020304" pitchFamily="18" charset="0"/>
+              </a:rPr>
+              <a:t> – How well do current models generalize?</a:t>
+            </a:r>
             <a:endParaRPr lang="en-GB" sz="1600" kern="100" dirty="0">
               <a:latin typeface="Aptos" panose="020B0004020202020204" pitchFamily="34" charset="0"/>
               <a:cs typeface="Times New Roman" panose="02020603050405020304" pitchFamily="18" charset="0"/>
@@ -13273,37 +15196,6 @@
               </a:rPr>
               <a:t>Identify Best Model &amp; Techniques (Results and Ease of use)</a:t>
             </a:r>
-          </a:p>
-          <a:p>
-            <a:pPr marL="800100" lvl="1" indent="-342900">
-              <a:lnSpc>
-                <a:spcPct val="107000"/>
-              </a:lnSpc>
-              <a:spcAft>
-                <a:spcPts val="800"/>
-              </a:spcAft>
-              <a:buFont typeface="Symbol" panose="05050102010706020507" pitchFamily="18" charset="2"/>
-              <a:buChar char=""/>
-            </a:pPr>
-            <a:r>
-              <a:rPr lang="en-GB" sz="1600" kern="100" dirty="0">
-                <a:latin typeface="Aptos" panose="020B0004020202020204" pitchFamily="34" charset="0"/>
-                <a:cs typeface="Times New Roman" panose="02020603050405020304" pitchFamily="18" charset="0"/>
-              </a:rPr>
-              <a:t>Encourage Replicability &amp; Result transparency  </a:t>
-            </a:r>
-          </a:p>
-          <a:p>
-            <a:pPr marL="800100" lvl="1" indent="-342900">
-              <a:lnSpc>
-                <a:spcPct val="107000"/>
-              </a:lnSpc>
-              <a:spcAft>
-                <a:spcPts val="800"/>
-              </a:spcAft>
-              <a:buFont typeface="Symbol" panose="05050102010706020507" pitchFamily="18" charset="2"/>
-              <a:buChar char=""/>
-            </a:pPr>
             <a:endParaRPr lang="en-GB" sz="2200" kern="100" dirty="0">
               <a:latin typeface="Aptos" panose="020B0004020202020204" pitchFamily="34" charset="0"/>
               <a:cs typeface="Times New Roman" panose="02020603050405020304" pitchFamily="18" charset="0"/>
@@ -13658,14 +15550,14 @@
 </file>
 
 <file path=ppt/slides/slide9.xml><?xml version="1.0" encoding="utf-8"?>
-<p:sld xmlns:a="http://schemas.openxmlformats.org/drawingml/2006/main" xmlns:r="http://schemas.openxmlformats.org/officeDocument/2006/relationships" xmlns:p="http://schemas.openxmlformats.org/presentationml/2006/main" show="0">
+<p:sld xmlns:a="http://schemas.openxmlformats.org/drawingml/2006/main" xmlns:r="http://schemas.openxmlformats.org/officeDocument/2006/relationships" xmlns:p="http://schemas.openxmlformats.org/presentationml/2006/main">
   <p:cSld>
     <p:spTree>
       <p:nvGrpSpPr>
         <p:cNvPr id="1" name="">
           <a:extLst>
             <a:ext uri="{FF2B5EF4-FFF2-40B4-BE49-F238E27FC236}">
-              <a16:creationId xmlns:a16="http://schemas.microsoft.com/office/drawing/2014/main" id="{C0A821D8-C4A5-E467-15F0-45DBB7B98F78}"/>
+              <a16:creationId xmlns:a16="http://schemas.microsoft.com/office/drawing/2014/main" id="{28CBBD48-93DC-2E04-A306-A745F0663E38}"/>
             </a:ext>
           </a:extLst>
         </p:cNvPr>
@@ -13685,7 +15577,7 @@
           <p:cNvPr id="8" name="Content Placeholder 2">
             <a:extLst>
               <a:ext uri="{FF2B5EF4-FFF2-40B4-BE49-F238E27FC236}">
-                <a16:creationId xmlns:a16="http://schemas.microsoft.com/office/drawing/2014/main" id="{A6B14A5C-6F37-E0E5-C39A-F1F2D7833674}"/>
+                <a16:creationId xmlns:a16="http://schemas.microsoft.com/office/drawing/2014/main" id="{06D2C66D-36DF-3A63-050C-13F032F967CB}"/>
               </a:ext>
             </a:extLst>
           </p:cNvPr>
@@ -13698,44 +15590,97 @@
         </p:nvSpPr>
         <p:spPr>
           <a:xfrm>
-            <a:off x="458694" y="1263649"/>
-            <a:ext cx="11274612" cy="5228589"/>
+            <a:off x="458694" y="1263650"/>
+            <a:ext cx="11274612" cy="5026502"/>
           </a:xfrm>
         </p:spPr>
         <p:txBody>
           <a:bodyPr>
-            <a:normAutofit fontScale="70000" lnSpcReduction="20000"/>
+            <a:normAutofit fontScale="47500" lnSpcReduction="20000"/>
           </a:bodyPr>
           <a:lstStyle/>
           <a:p>
             <a:pPr marL="342900" indent="-342900">
               <a:lnSpc>
-                <a:spcPct val="107000"/>
-              </a:lnSpc>
-              <a:spcAft>
-                <a:spcPts val="800"/>
-              </a:spcAft>
-              <a:buFont typeface="Symbol" panose="05050102010706020507" pitchFamily="18" charset="2"/>
-              <a:buChar char=""/>
-            </a:pPr>
-            <a:r>
-              <a:rPr lang="en-US" sz="2900" dirty="0"/>
-              <a:t>Comprehensive Review and Analysis on Facial Emotion Recognition: Performance Insights into Deep and Traditional Learning with Current Updates and Challenges</a:t>
+                <a:spcPct val="117000"/>
+              </a:lnSpc>
+              <a:spcAft>
+                <a:spcPts val="800"/>
+              </a:spcAft>
+              <a:buFont typeface="Symbol" panose="05050102010706020507" pitchFamily="18" charset="2"/>
+              <a:buChar char=""/>
+            </a:pPr>
+            <a:r>
+              <a:rPr lang="en-US" sz="4200" b="1" kern="100" dirty="0">
+                <a:latin typeface="Aptos" panose="020B0004020202020204" pitchFamily="34" charset="0"/>
+                <a:cs typeface="Times New Roman" panose="02020603050405020304" pitchFamily="18" charset="0"/>
+              </a:rPr>
+              <a:t>Comprehensive Review and Analysis on Facial Emotion Recognition</a:t>
+            </a:r>
+          </a:p>
+          <a:p>
+            <a:pPr marL="800100" lvl="2" indent="-342900">
+              <a:lnSpc>
+                <a:spcPct val="117000"/>
+              </a:lnSpc>
+              <a:spcBef>
+                <a:spcPts val="1000"/>
+              </a:spcBef>
+              <a:spcAft>
+                <a:spcPts val="800"/>
+              </a:spcAft>
+              <a:buFont typeface="Symbol" panose="05050102010706020507" pitchFamily="18" charset="2"/>
+              <a:buChar char=""/>
+            </a:pPr>
+            <a:r>
+              <a:rPr lang="en-US" sz="3400" kern="100" dirty="0">
+                <a:latin typeface="Aptos" panose="020B0004020202020204" pitchFamily="34" charset="0"/>
+                <a:cs typeface="Times New Roman" panose="02020603050405020304" pitchFamily="18" charset="0"/>
+              </a:rPr>
+              <a:t>Authors: Amjad Rehman, Muhammad Mujahid, Alex </a:t>
+            </a:r>
+            <a:r>
+              <a:rPr lang="en-US" sz="3400" kern="100" dirty="0" err="1">
+                <a:latin typeface="Aptos" panose="020B0004020202020204" pitchFamily="34" charset="0"/>
+                <a:cs typeface="Times New Roman" panose="02020603050405020304" pitchFamily="18" charset="0"/>
+              </a:rPr>
+              <a:t>Elyassih</a:t>
+            </a:r>
+            <a:r>
+              <a:rPr lang="en-US" sz="3400" kern="100" dirty="0">
+                <a:latin typeface="Aptos" panose="020B0004020202020204" pitchFamily="34" charset="0"/>
+                <a:cs typeface="Times New Roman" panose="02020603050405020304" pitchFamily="18" charset="0"/>
+              </a:rPr>
+              <a:t>, Bayan </a:t>
+            </a:r>
+            <a:r>
+              <a:rPr lang="en-US" sz="3400" kern="100" dirty="0" err="1">
+                <a:latin typeface="Aptos" panose="020B0004020202020204" pitchFamily="34" charset="0"/>
+                <a:cs typeface="Times New Roman" panose="02020603050405020304" pitchFamily="18" charset="0"/>
+              </a:rPr>
+              <a:t>AlGhofaily</a:t>
+            </a:r>
+            <a:r>
+              <a:rPr lang="en-US" sz="3400" kern="100" dirty="0">
+                <a:latin typeface="Aptos" panose="020B0004020202020204" pitchFamily="34" charset="0"/>
+                <a:cs typeface="Times New Roman" panose="02020603050405020304" pitchFamily="18" charset="0"/>
+              </a:rPr>
+              <a:t>, Saeed Ali Omer Bahaj</a:t>
             </a:r>
           </a:p>
           <a:p>
             <a:pPr marL="342900" indent="-342900">
               <a:lnSpc>
-                <a:spcPct val="107000"/>
-              </a:lnSpc>
-              <a:spcAft>
-                <a:spcPts val="800"/>
-              </a:spcAft>
-              <a:buFont typeface="Symbol" panose="05050102010706020507" pitchFamily="18" charset="2"/>
-              <a:buChar char=""/>
-            </a:pPr>
-            <a:r>
-              <a:rPr lang="en-US" sz="2000" b="1" kern="100" dirty="0">
+                <a:spcPct val="117000"/>
+              </a:lnSpc>
+              <a:spcAft>
+                <a:spcPts val="800"/>
+              </a:spcAft>
+              <a:buFont typeface="Symbol" panose="05050102010706020507" pitchFamily="18" charset="2"/>
+              <a:buChar char=""/>
+            </a:pPr>
+            <a:r>
+              <a:rPr lang="en-US" sz="4200" b="1" kern="100" dirty="0">
                 <a:latin typeface="Aptos" panose="020B0004020202020204" pitchFamily="34" charset="0"/>
                 <a:cs typeface="Times New Roman" panose="02020603050405020304" pitchFamily="18" charset="0"/>
               </a:rPr>
@@ -13743,70 +15688,79 @@
             </a:r>
           </a:p>
           <a:p>
-            <a:pPr marL="800100" lvl="1" indent="-342900">
-              <a:lnSpc>
-                <a:spcPct val="107000"/>
-              </a:lnSpc>
-              <a:spcAft>
-                <a:spcPts val="800"/>
-              </a:spcAft>
-              <a:buFont typeface="Symbol" panose="05050102010706020507" pitchFamily="18" charset="2"/>
-              <a:buChar char=""/>
-            </a:pPr>
-            <a:r>
-              <a:rPr lang="en-US" sz="1600" kern="100" dirty="0">
-                <a:latin typeface="Aptos" panose="020B0004020202020204" pitchFamily="34" charset="0"/>
-                <a:cs typeface="Times New Roman" panose="02020603050405020304" pitchFamily="18" charset="0"/>
-              </a:rPr>
-              <a:t>Comparing research but didn’t implement the model from scratch</a:t>
-            </a:r>
-          </a:p>
-          <a:p>
-            <a:pPr marL="800100" lvl="1" indent="-342900">
-              <a:lnSpc>
-                <a:spcPct val="107000"/>
-              </a:lnSpc>
-              <a:spcAft>
-                <a:spcPts val="800"/>
-              </a:spcAft>
-              <a:buFont typeface="Symbol" panose="05050102010706020507" pitchFamily="18" charset="2"/>
-              <a:buChar char=""/>
-            </a:pPr>
-            <a:r>
-              <a:rPr lang="en-US" sz="1600" kern="100" dirty="0">
-                <a:latin typeface="Aptos" panose="020B0004020202020204" pitchFamily="34" charset="0"/>
-                <a:cs typeface="Times New Roman" panose="02020603050405020304" pitchFamily="18" charset="0"/>
-              </a:rPr>
-              <a:t>Machine Learning Models (SVM, KNN, RF, CART, LR)</a:t>
-            </a:r>
-          </a:p>
-          <a:p>
-            <a:pPr marL="800100" lvl="1" indent="-342900">
-              <a:lnSpc>
-                <a:spcPct val="107000"/>
-              </a:lnSpc>
-              <a:spcAft>
-                <a:spcPts val="800"/>
-              </a:spcAft>
-              <a:buFont typeface="Symbol" panose="05050102010706020507" pitchFamily="18" charset="2"/>
-              <a:buChar char=""/>
-            </a:pPr>
-            <a:r>
-              <a:rPr lang="en-US" sz="1600" kern="100" dirty="0">
+            <a:pPr marL="800100" lvl="2" indent="-342900">
+              <a:lnSpc>
+                <a:spcPct val="117000"/>
+              </a:lnSpc>
+              <a:spcBef>
+                <a:spcPts val="1000"/>
+              </a:spcBef>
+              <a:spcAft>
+                <a:spcPts val="800"/>
+              </a:spcAft>
+              <a:buFont typeface="Symbol" panose="05050102010706020507" pitchFamily="18" charset="2"/>
+              <a:buChar char=""/>
+            </a:pPr>
+            <a:r>
+              <a:rPr lang="en-US" sz="3400" kern="100" dirty="0">
+                <a:latin typeface="Aptos" panose="020B0004020202020204" pitchFamily="34" charset="0"/>
+                <a:cs typeface="Times New Roman" panose="02020603050405020304" pitchFamily="18" charset="0"/>
+              </a:rPr>
+              <a:t>Evaluated existing models and methodologies via reported result comparison</a:t>
+            </a:r>
+          </a:p>
+          <a:p>
+            <a:pPr marL="1257300" lvl="3" indent="-342900">
+              <a:lnSpc>
+                <a:spcPct val="117000"/>
+              </a:lnSpc>
+              <a:spcBef>
+                <a:spcPts val="1000"/>
+              </a:spcBef>
+              <a:spcAft>
+                <a:spcPts val="800"/>
+              </a:spcAft>
+              <a:buFont typeface="Symbol" panose="05050102010706020507" pitchFamily="18" charset="2"/>
+              <a:buChar char=""/>
+            </a:pPr>
+            <a:r>
+              <a:rPr lang="en-US" sz="2500" kern="100" dirty="0">
+                <a:latin typeface="Aptos" panose="020B0004020202020204" pitchFamily="34" charset="0"/>
+                <a:cs typeface="Times New Roman" panose="02020603050405020304" pitchFamily="18" charset="0"/>
+              </a:rPr>
+              <a:t>Traditional Machine Learning Models (SVM, KNN, RF, CART, LR)</a:t>
+            </a:r>
+          </a:p>
+          <a:p>
+            <a:pPr marL="1257300" lvl="3" indent="-342900">
+              <a:lnSpc>
+                <a:spcPct val="117000"/>
+              </a:lnSpc>
+              <a:spcBef>
+                <a:spcPts val="1000"/>
+              </a:spcBef>
+              <a:spcAft>
+                <a:spcPts val="800"/>
+              </a:spcAft>
+              <a:buFont typeface="Symbol" panose="05050102010706020507" pitchFamily="18" charset="2"/>
+              <a:buChar char=""/>
+            </a:pPr>
+            <a:r>
+              <a:rPr lang="en-US" sz="2500" kern="100" dirty="0">
                 <a:latin typeface="Aptos" panose="020B0004020202020204" pitchFamily="34" charset="0"/>
                 <a:cs typeface="Times New Roman" panose="02020603050405020304" pitchFamily="18" charset="0"/>
               </a:rPr>
               <a:t>Deep Learning Models (</a:t>
             </a:r>
             <a:r>
-              <a:rPr lang="en-US" sz="1600" kern="100" dirty="0" err="1">
+              <a:rPr lang="en-US" sz="2500" kern="100" dirty="0" err="1">
                 <a:latin typeface="Aptos" panose="020B0004020202020204" pitchFamily="34" charset="0"/>
                 <a:cs typeface="Times New Roman" panose="02020603050405020304" pitchFamily="18" charset="0"/>
               </a:rPr>
               <a:t>MobileNet</a:t>
             </a:r>
             <a:r>
-              <a:rPr lang="en-US" sz="1600" kern="100" dirty="0">
+              <a:rPr lang="en-US" sz="2500" kern="100" dirty="0">
                 <a:latin typeface="Aptos" panose="020B0004020202020204" pitchFamily="34" charset="0"/>
                 <a:cs typeface="Times New Roman" panose="02020603050405020304" pitchFamily="18" charset="0"/>
               </a:rPr>
@@ -13814,239 +15768,294 @@
             </a:r>
           </a:p>
           <a:p>
-            <a:pPr marL="800100" lvl="1" indent="-342900">
-              <a:lnSpc>
-                <a:spcPct val="107000"/>
-              </a:lnSpc>
-              <a:spcAft>
-                <a:spcPts val="800"/>
-              </a:spcAft>
-              <a:buFont typeface="Symbol" panose="05050102010706020507" pitchFamily="18" charset="2"/>
-              <a:buChar char=""/>
-            </a:pPr>
-            <a:r>
-              <a:rPr lang="en-US" sz="1600" kern="100" dirty="0">
-                <a:latin typeface="Aptos" panose="020B0004020202020204" pitchFamily="34" charset="0"/>
-                <a:cs typeface="Times New Roman" panose="02020603050405020304" pitchFamily="18" charset="0"/>
-              </a:rPr>
-              <a:t>Hybrid Models (CNN+SVM, DBN+SVM) (Feature </a:t>
-            </a:r>
-            <a:r>
-              <a:rPr lang="en-US" sz="1600" kern="100" dirty="0" err="1">
-                <a:latin typeface="Aptos" panose="020B0004020202020204" pitchFamily="34" charset="0"/>
-                <a:cs typeface="Times New Roman" panose="02020603050405020304" pitchFamily="18" charset="0"/>
-              </a:rPr>
-              <a:t>Extraction+Classification</a:t>
-            </a:r>
-            <a:r>
-              <a:rPr lang="en-US" sz="1600" kern="100" dirty="0">
-                <a:latin typeface="Aptos" panose="020B0004020202020204" pitchFamily="34" charset="0"/>
-                <a:cs typeface="Times New Roman" panose="02020603050405020304" pitchFamily="18" charset="0"/>
-              </a:rPr>
-              <a:t>)</a:t>
-            </a:r>
-            <a:endParaRPr lang="en-GB" sz="1600" kern="100" dirty="0">
+            <a:pPr marL="1257300" lvl="3" indent="-342900">
+              <a:lnSpc>
+                <a:spcPct val="117000"/>
+              </a:lnSpc>
+              <a:spcBef>
+                <a:spcPts val="1000"/>
+              </a:spcBef>
+              <a:spcAft>
+                <a:spcPts val="800"/>
+              </a:spcAft>
+              <a:buFont typeface="Symbol" panose="05050102010706020507" pitchFamily="18" charset="2"/>
+              <a:buChar char=""/>
+            </a:pPr>
+            <a:r>
+              <a:rPr lang="en-US" sz="2500" kern="100" dirty="0">
+                <a:latin typeface="Aptos" panose="020B0004020202020204" pitchFamily="34" charset="0"/>
+                <a:cs typeface="Times New Roman" panose="02020603050405020304" pitchFamily="18" charset="0"/>
+              </a:rPr>
+              <a:t>Hybrid Models (CNN + SVM, DBN + SVM) (Feature Extraction + Classification)</a:t>
+            </a:r>
+          </a:p>
+          <a:p>
+            <a:pPr marL="342900" lvl="1" indent="-342900">
+              <a:lnSpc>
+                <a:spcPct val="117000"/>
+              </a:lnSpc>
+              <a:spcBef>
+                <a:spcPts val="1000"/>
+              </a:spcBef>
+              <a:spcAft>
+                <a:spcPts val="800"/>
+              </a:spcAft>
+              <a:buFont typeface="Symbol" panose="05050102010706020507" pitchFamily="18" charset="2"/>
+              <a:buChar char=""/>
+            </a:pPr>
+            <a:r>
+              <a:rPr lang="en-US" sz="4200" b="1" kern="100" dirty="0">
+                <a:latin typeface="Aptos" panose="020B0004020202020204" pitchFamily="34" charset="0"/>
+                <a:cs typeface="Times New Roman" panose="02020603050405020304" pitchFamily="18" charset="0"/>
+              </a:rPr>
+              <a:t>Datasets </a:t>
+            </a:r>
+            <a:r>
+              <a:rPr lang="en-US" sz="4200" b="1" kern="100" dirty="0" err="1">
+                <a:latin typeface="Aptos" panose="020B0004020202020204" pitchFamily="34" charset="0"/>
+                <a:cs typeface="Times New Roman" panose="02020603050405020304" pitchFamily="18" charset="0"/>
+              </a:rPr>
+              <a:t>Utilised</a:t>
+            </a:r>
+            <a:r>
+              <a:rPr lang="en-US" sz="4200" b="1" kern="100" dirty="0">
+                <a:latin typeface="Aptos" panose="020B0004020202020204" pitchFamily="34" charset="0"/>
+                <a:cs typeface="Times New Roman" panose="02020603050405020304" pitchFamily="18" charset="0"/>
+              </a:rPr>
+              <a:t> (Deep Learning)</a:t>
+            </a:r>
+          </a:p>
+          <a:p>
+            <a:pPr marL="800100" lvl="2" indent="-342900">
+              <a:lnSpc>
+                <a:spcPct val="117000"/>
+              </a:lnSpc>
+              <a:spcBef>
+                <a:spcPts val="1000"/>
+              </a:spcBef>
+              <a:spcAft>
+                <a:spcPts val="800"/>
+              </a:spcAft>
+              <a:buFont typeface="Symbol" panose="05050102010706020507" pitchFamily="18" charset="2"/>
+              <a:buChar char=""/>
+            </a:pPr>
+            <a:r>
+              <a:rPr lang="en-US" sz="3400" kern="100" dirty="0">
+                <a:latin typeface="Aptos" panose="020B0004020202020204" pitchFamily="34" charset="0"/>
+                <a:cs typeface="Times New Roman" panose="02020603050405020304" pitchFamily="18" charset="0"/>
+              </a:rPr>
+              <a:t>FER2013, </a:t>
+            </a:r>
+            <a:r>
+              <a:rPr lang="en-US" sz="3400" kern="100" dirty="0" err="1">
+                <a:latin typeface="Aptos" panose="020B0004020202020204" pitchFamily="34" charset="0"/>
+                <a:cs typeface="Times New Roman" panose="02020603050405020304" pitchFamily="18" charset="0"/>
+              </a:rPr>
+              <a:t>FERPlus</a:t>
+            </a:r>
+            <a:r>
+              <a:rPr lang="en-US" sz="3400" kern="100" dirty="0">
+                <a:latin typeface="Aptos" panose="020B0004020202020204" pitchFamily="34" charset="0"/>
+                <a:cs typeface="Times New Roman" panose="02020603050405020304" pitchFamily="18" charset="0"/>
+              </a:rPr>
+              <a:t>, JAFFE, CK, CK+, RAF-DB, KDEF</a:t>
+            </a:r>
+          </a:p>
+          <a:p>
+            <a:pPr marL="342900" lvl="1" indent="-342900">
+              <a:lnSpc>
+                <a:spcPct val="117000"/>
+              </a:lnSpc>
+              <a:spcBef>
+                <a:spcPts val="1000"/>
+              </a:spcBef>
+              <a:spcAft>
+                <a:spcPts val="800"/>
+              </a:spcAft>
+              <a:buFont typeface="Symbol" panose="05050102010706020507" pitchFamily="18" charset="2"/>
+              <a:buChar char=""/>
+            </a:pPr>
+            <a:r>
+              <a:rPr lang="en-US" sz="4200" kern="100" dirty="0">
+                <a:latin typeface="Aptos" panose="020B0004020202020204" pitchFamily="34" charset="0"/>
+                <a:cs typeface="Times New Roman" panose="02020603050405020304" pitchFamily="18" charset="0"/>
+              </a:rPr>
+              <a:t>Evaluation Metrics</a:t>
+            </a:r>
+          </a:p>
+          <a:p>
+            <a:pPr marL="800100" lvl="2" indent="-342900">
+              <a:lnSpc>
+                <a:spcPct val="117000"/>
+              </a:lnSpc>
+              <a:spcBef>
+                <a:spcPts val="1000"/>
+              </a:spcBef>
+              <a:spcAft>
+                <a:spcPts val="800"/>
+              </a:spcAft>
+              <a:buFont typeface="Symbol" panose="05050102010706020507" pitchFamily="18" charset="2"/>
+              <a:buChar char=""/>
+            </a:pPr>
+            <a:r>
+              <a:rPr lang="en-US" sz="3400" kern="100" dirty="0">
+                <a:latin typeface="Aptos" panose="020B0004020202020204" pitchFamily="34" charset="0"/>
+                <a:cs typeface="Times New Roman" panose="02020603050405020304" pitchFamily="18" charset="0"/>
+              </a:rPr>
+              <a:t>Accuracy (F1-score, Precision, Recall)</a:t>
+            </a:r>
+          </a:p>
+          <a:p>
+            <a:pPr marL="342900" lvl="1" indent="-342900">
+              <a:lnSpc>
+                <a:spcPct val="117000"/>
+              </a:lnSpc>
+              <a:spcBef>
+                <a:spcPts val="1000"/>
+              </a:spcBef>
+              <a:spcAft>
+                <a:spcPts val="800"/>
+              </a:spcAft>
+              <a:buFont typeface="Symbol" panose="05050102010706020507" pitchFamily="18" charset="2"/>
+              <a:buChar char=""/>
+            </a:pPr>
+            <a:endParaRPr lang="en-US" sz="3800" kern="100" dirty="0">
               <a:latin typeface="Aptos" panose="020B0004020202020204" pitchFamily="34" charset="0"/>
               <a:cs typeface="Times New Roman" panose="02020603050405020304" pitchFamily="18" charset="0"/>
             </a:endParaRPr>
           </a:p>
           <a:p>
-            <a:pPr marL="342900" indent="-342900">
-              <a:lnSpc>
-                <a:spcPct val="107000"/>
-              </a:lnSpc>
-              <a:spcAft>
-                <a:spcPts val="800"/>
-              </a:spcAft>
-              <a:buFont typeface="Symbol" panose="05050102010706020507" pitchFamily="18" charset="2"/>
-              <a:buChar char=""/>
-            </a:pPr>
-            <a:r>
-              <a:rPr lang="en-GB" sz="2000" b="1" kern="100" dirty="0">
-                <a:latin typeface="Aptos" panose="020B0004020202020204" pitchFamily="34" charset="0"/>
-                <a:cs typeface="Times New Roman" panose="02020603050405020304" pitchFamily="18" charset="0"/>
-              </a:rPr>
-              <a:t>Datasets</a:t>
-            </a:r>
-          </a:p>
-          <a:p>
-            <a:pPr marL="800100" lvl="1" indent="-342900">
-              <a:lnSpc>
-                <a:spcPct val="107000"/>
-              </a:lnSpc>
-              <a:spcAft>
-                <a:spcPts val="800"/>
-              </a:spcAft>
-              <a:buFont typeface="Symbol" panose="05050102010706020507" pitchFamily="18" charset="2"/>
-              <a:buChar char=""/>
-            </a:pPr>
-            <a:r>
-              <a:rPr lang="en-GB" sz="1600" kern="100" dirty="0">
-                <a:latin typeface="Aptos" panose="020B0004020202020204" pitchFamily="34" charset="0"/>
-                <a:cs typeface="Times New Roman" panose="02020603050405020304" pitchFamily="18" charset="0"/>
-              </a:rPr>
-              <a:t>FER2013, JAFFE, CK+, RAF-DB</a:t>
-            </a:r>
-          </a:p>
-          <a:p>
-            <a:pPr marL="342900" indent="-342900">
-              <a:lnSpc>
-                <a:spcPct val="107000"/>
-              </a:lnSpc>
-              <a:spcAft>
-                <a:spcPts val="800"/>
-              </a:spcAft>
-              <a:buFont typeface="Symbol" panose="05050102010706020507" pitchFamily="18" charset="2"/>
-              <a:buChar char=""/>
-            </a:pPr>
-            <a:r>
-              <a:rPr lang="en-GB" sz="2000" b="1" kern="100" dirty="0">
-                <a:latin typeface="Aptos" panose="020B0004020202020204" pitchFamily="34" charset="0"/>
-                <a:cs typeface="Times New Roman" panose="02020603050405020304" pitchFamily="18" charset="0"/>
-              </a:rPr>
-              <a:t>Deep Learning Results</a:t>
-            </a:r>
-          </a:p>
-          <a:p>
-            <a:pPr marL="800100" lvl="1" indent="-342900">
-              <a:lnSpc>
-                <a:spcPct val="107000"/>
-              </a:lnSpc>
-              <a:spcAft>
-                <a:spcPts val="800"/>
-              </a:spcAft>
-              <a:buFont typeface="Symbol" panose="05050102010706020507" pitchFamily="18" charset="2"/>
-              <a:buChar char=""/>
-            </a:pPr>
-            <a:r>
-              <a:rPr lang="en-GB" sz="1600" kern="100" dirty="0">
-                <a:latin typeface="Aptos" panose="020B0004020202020204" pitchFamily="34" charset="0"/>
-                <a:cs typeface="Times New Roman" panose="02020603050405020304" pitchFamily="18" charset="0"/>
-              </a:rPr>
-              <a:t>Deep Learning techniques outperformed traditional ML models</a:t>
-            </a:r>
-          </a:p>
-          <a:p>
-            <a:pPr marL="800100" lvl="1" indent="-342900">
-              <a:lnSpc>
-                <a:spcPct val="107000"/>
-              </a:lnSpc>
-              <a:spcAft>
-                <a:spcPts val="800"/>
-              </a:spcAft>
-              <a:buFont typeface="Symbol" panose="05050102010706020507" pitchFamily="18" charset="2"/>
-              <a:buChar char=""/>
-            </a:pPr>
-            <a:r>
-              <a:rPr lang="en-US" sz="1200" dirty="0"/>
-              <a:t>Regrettably, deep learning-based FER methodology still has several drawbacks. Specifically, these techniques need extensive datasets, substantial memory and processing power, and a considerable duration for both training and testing.</a:t>
-            </a:r>
-          </a:p>
-          <a:p>
-            <a:pPr marL="800100" lvl="1" indent="-342900">
-              <a:lnSpc>
-                <a:spcPct val="107000"/>
-              </a:lnSpc>
-              <a:spcAft>
-                <a:spcPts val="800"/>
-              </a:spcAft>
-              <a:buFont typeface="Symbol" panose="05050102010706020507" pitchFamily="18" charset="2"/>
-              <a:buChar char=""/>
-            </a:pPr>
-            <a:r>
-              <a:rPr lang="en-US" sz="1200" dirty="0"/>
-              <a:t>Metrics (Accuracy – however the model papers themselves opted for accuracy, f1-score, precision, recall)</a:t>
-            </a:r>
-          </a:p>
-          <a:p>
-            <a:pPr marL="800100" lvl="1" indent="-342900">
-              <a:lnSpc>
-                <a:spcPct val="107000"/>
-              </a:lnSpc>
-              <a:spcAft>
-                <a:spcPts val="800"/>
-              </a:spcAft>
-              <a:buFont typeface="Symbol" panose="05050102010706020507" pitchFamily="18" charset="2"/>
-              <a:buChar char=""/>
-            </a:pPr>
-            <a:r>
-              <a:rPr lang="en-US" sz="1050" dirty="0"/>
-              <a:t>In all applications, data augmentation is advantageous due to its ability to enhance model flexibility, prevent overfitting, and generally enhance model accuracy by artificially increasing their training data.</a:t>
-            </a:r>
-            <a:endParaRPr lang="en-US" sz="1200" dirty="0"/>
-          </a:p>
-          <a:p>
-            <a:pPr marL="0" indent="0">
-              <a:lnSpc>
-                <a:spcPct val="107000"/>
-              </a:lnSpc>
-              <a:spcAft>
-                <a:spcPts val="800"/>
-              </a:spcAft>
-              <a:buNone/>
-            </a:pPr>
-            <a:r>
-              <a:rPr lang="en-US" sz="1600" dirty="0"/>
-              <a:t>LINK: </a:t>
-            </a:r>
-            <a:r>
-              <a:rPr lang="en-US" sz="1600" dirty="0">
-                <a:hlinkClick r:id="rId2"/>
-              </a:rPr>
-              <a:t>https://www.sciencedirect.com/org/science/article/pii/S1546221825000529</a:t>
-            </a:r>
-            <a:endParaRPr lang="en-US" sz="1600" dirty="0"/>
-          </a:p>
-          <a:p>
-            <a:pPr marL="800100" lvl="1" indent="-342900">
-              <a:lnSpc>
-                <a:spcPct val="107000"/>
-              </a:lnSpc>
-              <a:spcAft>
-                <a:spcPts val="800"/>
-              </a:spcAft>
-              <a:buFont typeface="Symbol" panose="05050102010706020507" pitchFamily="18" charset="2"/>
-              <a:buChar char=""/>
-            </a:pPr>
-            <a:endParaRPr lang="en-GB" sz="1600" b="1" kern="100" dirty="0">
+            <a:pPr marL="800100" lvl="2" indent="-342900">
+              <a:lnSpc>
+                <a:spcPct val="117000"/>
+              </a:lnSpc>
+              <a:spcBef>
+                <a:spcPts val="1000"/>
+              </a:spcBef>
+              <a:spcAft>
+                <a:spcPts val="800"/>
+              </a:spcAft>
+              <a:buFont typeface="Symbol" panose="05050102010706020507" pitchFamily="18" charset="2"/>
+              <a:buChar char=""/>
+            </a:pPr>
+            <a:endParaRPr lang="en-US" sz="7200" kern="100" dirty="0">
               <a:latin typeface="Aptos" panose="020B0004020202020204" pitchFamily="34" charset="0"/>
               <a:cs typeface="Times New Roman" panose="02020603050405020304" pitchFamily="18" charset="0"/>
             </a:endParaRPr>
           </a:p>
           <a:p>
-            <a:pPr marL="800100" lvl="1" indent="-342900">
-              <a:lnSpc>
-                <a:spcPct val="107000"/>
-              </a:lnSpc>
-              <a:spcAft>
-                <a:spcPts val="800"/>
-              </a:spcAft>
-              <a:buFont typeface="Symbol" panose="05050102010706020507" pitchFamily="18" charset="2"/>
-              <a:buChar char=""/>
-            </a:pPr>
-            <a:endParaRPr lang="en-GB" sz="2200" kern="100" dirty="0">
+            <a:pPr marL="800100" lvl="2" indent="-342900">
+              <a:lnSpc>
+                <a:spcPct val="117000"/>
+              </a:lnSpc>
+              <a:spcBef>
+                <a:spcPts val="1000"/>
+              </a:spcBef>
+              <a:spcAft>
+                <a:spcPts val="800"/>
+              </a:spcAft>
+              <a:buFont typeface="Symbol" panose="05050102010706020507" pitchFamily="18" charset="2"/>
+              <a:buChar char=""/>
+            </a:pPr>
+            <a:endParaRPr lang="en-US" sz="7200" kern="100" dirty="0">
               <a:latin typeface="Aptos" panose="020B0004020202020204" pitchFamily="34" charset="0"/>
               <a:cs typeface="Times New Roman" panose="02020603050405020304" pitchFamily="18" charset="0"/>
             </a:endParaRPr>
           </a:p>
           <a:p>
-            <a:pPr marL="800100" lvl="1" indent="-342900">
-              <a:lnSpc>
-                <a:spcPct val="107000"/>
-              </a:lnSpc>
-              <a:spcAft>
-                <a:spcPts val="800"/>
-              </a:spcAft>
-              <a:buFont typeface="Symbol" panose="05050102010706020507" pitchFamily="18" charset="2"/>
-              <a:buChar char=""/>
-            </a:pPr>
-            <a:endParaRPr lang="en-GB" sz="1600" kern="100" dirty="0">
+            <a:pPr marL="800100" lvl="2" indent="-342900">
+              <a:lnSpc>
+                <a:spcPct val="117000"/>
+              </a:lnSpc>
+              <a:spcBef>
+                <a:spcPts val="1000"/>
+              </a:spcBef>
+              <a:spcAft>
+                <a:spcPts val="800"/>
+              </a:spcAft>
+              <a:buFont typeface="Symbol" panose="05050102010706020507" pitchFamily="18" charset="2"/>
+              <a:buChar char=""/>
+            </a:pPr>
+            <a:endParaRPr lang="en-US" sz="7200" kern="100" dirty="0">
               <a:latin typeface="Aptos" panose="020B0004020202020204" pitchFamily="34" charset="0"/>
               <a:cs typeface="Times New Roman" panose="02020603050405020304" pitchFamily="18" charset="0"/>
             </a:endParaRPr>
           </a:p>
           <a:p>
-            <a:pPr marL="914400" lvl="2" indent="0">
+            <a:pPr marL="800100" lvl="2" indent="-342900">
+              <a:lnSpc>
+                <a:spcPct val="117000"/>
+              </a:lnSpc>
+              <a:spcBef>
+                <a:spcPts val="1000"/>
+              </a:spcBef>
+              <a:spcAft>
+                <a:spcPts val="800"/>
+              </a:spcAft>
+              <a:buFont typeface="Symbol" panose="05050102010706020507" pitchFamily="18" charset="2"/>
+              <a:buChar char=""/>
+            </a:pPr>
+            <a:endParaRPr lang="en-US" sz="7200" kern="100" dirty="0">
+              <a:latin typeface="Aptos" panose="020B0004020202020204" pitchFamily="34" charset="0"/>
+              <a:cs typeface="Times New Roman" panose="02020603050405020304" pitchFamily="18" charset="0"/>
+            </a:endParaRPr>
+          </a:p>
+          <a:p>
+            <a:pPr marL="800100" lvl="2" indent="-342900">
+              <a:lnSpc>
+                <a:spcPct val="117000"/>
+              </a:lnSpc>
+              <a:spcBef>
+                <a:spcPts val="1000"/>
+              </a:spcBef>
+              <a:spcAft>
+                <a:spcPts val="800"/>
+              </a:spcAft>
+              <a:buFont typeface="Symbol" panose="05050102010706020507" pitchFamily="18" charset="2"/>
+              <a:buChar char=""/>
+            </a:pPr>
+            <a:endParaRPr lang="en-US" sz="7200" kern="100" dirty="0">
+              <a:latin typeface="Aptos" panose="020B0004020202020204" pitchFamily="34" charset="0"/>
+              <a:cs typeface="Times New Roman" panose="02020603050405020304" pitchFamily="18" charset="0"/>
+            </a:endParaRPr>
+          </a:p>
+          <a:p>
+            <a:pPr marL="800100" lvl="2" indent="-342900">
+              <a:lnSpc>
+                <a:spcPct val="117000"/>
+              </a:lnSpc>
+              <a:spcBef>
+                <a:spcPts val="1000"/>
+              </a:spcBef>
+              <a:spcAft>
+                <a:spcPts val="800"/>
+              </a:spcAft>
+              <a:buFont typeface="Symbol" panose="05050102010706020507" pitchFamily="18" charset="2"/>
+              <a:buChar char=""/>
+            </a:pPr>
+            <a:endParaRPr lang="en-GB" sz="7200" kern="100" dirty="0">
+              <a:latin typeface="Aptos" panose="020B0004020202020204" pitchFamily="34" charset="0"/>
+              <a:cs typeface="Times New Roman" panose="02020603050405020304" pitchFamily="18" charset="0"/>
+            </a:endParaRPr>
+          </a:p>
+          <a:p>
+            <a:pPr marL="342900" indent="-342900">
+              <a:lnSpc>
+                <a:spcPct val="107000"/>
+              </a:lnSpc>
+              <a:spcAft>
+                <a:spcPts val="800"/>
+              </a:spcAft>
+              <a:buFont typeface="Symbol" panose="05050102010706020507" pitchFamily="18" charset="2"/>
+              <a:buChar char=""/>
+            </a:pPr>
+            <a:endParaRPr lang="en-GB" sz="8000" kern="100" dirty="0">
+              <a:latin typeface="Aptos" panose="020B0004020202020204" pitchFamily="34" charset="0"/>
+              <a:cs typeface="Times New Roman" panose="02020603050405020304" pitchFamily="18" charset="0"/>
+            </a:endParaRPr>
+          </a:p>
+          <a:p>
+            <a:pPr marL="0" indent="0">
               <a:lnSpc>
                 <a:spcPct val="107000"/>
               </a:lnSpc>
@@ -14055,7 +16064,22 @@
               </a:spcAft>
               <a:buNone/>
             </a:pPr>
-            <a:endParaRPr lang="en-GB" sz="1400" kern="100" dirty="0">
+            <a:endParaRPr lang="en-GB" sz="8000" kern="100" dirty="0">
+              <a:latin typeface="Aptos" panose="020B0004020202020204" pitchFamily="34" charset="0"/>
+              <a:cs typeface="Times New Roman" panose="02020603050405020304" pitchFamily="18" charset="0"/>
+            </a:endParaRPr>
+          </a:p>
+          <a:p>
+            <a:pPr marL="0" indent="0">
+              <a:lnSpc>
+                <a:spcPct val="107000"/>
+              </a:lnSpc>
+              <a:spcAft>
+                <a:spcPts val="800"/>
+              </a:spcAft>
+              <a:buNone/>
+            </a:pPr>
+            <a:endParaRPr lang="en-GB" sz="8000" kern="100" dirty="0">
               <a:latin typeface="Aptos" panose="020B0004020202020204" pitchFamily="34" charset="0"/>
               <a:cs typeface="Times New Roman" panose="02020603050405020304" pitchFamily="18" charset="0"/>
             </a:endParaRPr>
@@ -14067,7 +16091,7 @@
           <p:cNvPr id="7" name="Title 1">
             <a:extLst>
               <a:ext uri="{FF2B5EF4-FFF2-40B4-BE49-F238E27FC236}">
-                <a16:creationId xmlns:a16="http://schemas.microsoft.com/office/drawing/2014/main" id="{C1CC0649-44C9-EF36-A818-C7EEC82881CF}"/>
+                <a16:creationId xmlns:a16="http://schemas.microsoft.com/office/drawing/2014/main" id="{BA842BFB-B65E-0E53-CC38-CE3A1D595B8B}"/>
               </a:ext>
             </a:extLst>
           </p:cNvPr>
@@ -14118,7 +16142,7 @@
                 <a:ea typeface="Times New Roman" panose="02020603050405020304" pitchFamily="18" charset="0"/>
                 <a:cs typeface="Times New Roman" panose="02020603050405020304" pitchFamily="18" charset="0"/>
               </a:rPr>
-              <a:t>Existing Research (1)</a:t>
+              <a:t>Existing Research (P1-1)</a:t>
             </a:r>
             <a:endParaRPr lang="en-MT" dirty="0"/>
           </a:p>
@@ -14126,223 +16150,56 @@
       </p:sp>
       <p:sp>
         <p:nvSpPr>
-          <p:cNvPr id="4" name="Content Placeholder 2">
+          <p:cNvPr id="11" name="TextBox 10">
             <a:extLst>
               <a:ext uri="{FF2B5EF4-FFF2-40B4-BE49-F238E27FC236}">
-                <a16:creationId xmlns:a16="http://schemas.microsoft.com/office/drawing/2014/main" id="{858C313D-A2F3-F87E-27CD-083FDEFCE142}"/>
+                <a16:creationId xmlns:a16="http://schemas.microsoft.com/office/drawing/2014/main" id="{36CA5DCC-4CBC-ECC8-7A44-130662270D81}"/>
               </a:ext>
             </a:extLst>
           </p:cNvPr>
-          <p:cNvSpPr txBox="1">
-            <a:spLocks/>
-          </p:cNvSpPr>
+          <p:cNvSpPr txBox="1"/>
           <p:nvPr/>
         </p:nvSpPr>
         <p:spPr>
           <a:xfrm>
-            <a:off x="458694" y="4229100"/>
-            <a:ext cx="11274612" cy="3108325"/>
+            <a:off x="0" y="6290152"/>
+            <a:ext cx="12192000" cy="399340"/>
           </a:xfrm>
           <a:prstGeom prst="rect">
             <a:avLst/>
           </a:prstGeom>
+          <a:noFill/>
         </p:spPr>
         <p:txBody>
-          <a:bodyPr vert="horz" lIns="91440" tIns="45720" rIns="91440" bIns="45720" rtlCol="0">
-            <a:normAutofit/>
+          <a:bodyPr wrap="square">
+            <a:spAutoFit/>
           </a:bodyPr>
-          <a:lstStyle>
-            <a:lvl1pPr marL="228600" indent="-228600" algn="l" defTabSz="914400" rtl="0" eaLnBrk="1" latinLnBrk="0" hangingPunct="1">
-              <a:lnSpc>
-                <a:spcPct val="110000"/>
-              </a:lnSpc>
-              <a:spcBef>
-                <a:spcPts val="1000"/>
-              </a:spcBef>
-              <a:buClr>
-                <a:schemeClr val="accent1"/>
-              </a:buClr>
-              <a:buFont typeface="Arial" panose="020B0604020202020204" pitchFamily="34" charset="0"/>
-              <a:buChar char="•"/>
-              <a:defRPr sz="2800" kern="1200">
-                <a:solidFill>
-                  <a:schemeClr val="tx1"/>
-                </a:solidFill>
-                <a:latin typeface="+mn-lt"/>
-                <a:ea typeface="+mn-ea"/>
-                <a:cs typeface="+mn-cs"/>
-              </a:defRPr>
-            </a:lvl1pPr>
-            <a:lvl2pPr marL="685800" indent="-228600" algn="l" defTabSz="914400" rtl="0" eaLnBrk="1" latinLnBrk="0" hangingPunct="1">
-              <a:lnSpc>
-                <a:spcPct val="110000"/>
-              </a:lnSpc>
-              <a:spcBef>
-                <a:spcPts val="500"/>
-              </a:spcBef>
-              <a:buClr>
-                <a:schemeClr val="accent1"/>
-              </a:buClr>
-              <a:buFont typeface="Arial" panose="020B0604020202020204" pitchFamily="34" charset="0"/>
-              <a:buChar char="•"/>
-              <a:defRPr sz="2400" kern="1200">
-                <a:solidFill>
-                  <a:schemeClr val="tx1"/>
-                </a:solidFill>
-                <a:latin typeface="+mn-lt"/>
-                <a:ea typeface="+mn-ea"/>
-                <a:cs typeface="+mn-cs"/>
-              </a:defRPr>
-            </a:lvl2pPr>
-            <a:lvl3pPr marL="1143000" indent="-228600" algn="l" defTabSz="914400" rtl="0" eaLnBrk="1" latinLnBrk="0" hangingPunct="1">
-              <a:lnSpc>
-                <a:spcPct val="110000"/>
-              </a:lnSpc>
-              <a:spcBef>
-                <a:spcPts val="500"/>
-              </a:spcBef>
-              <a:buClr>
-                <a:schemeClr val="accent1"/>
-              </a:buClr>
-              <a:buFont typeface="Arial" panose="020B0604020202020204" pitchFamily="34" charset="0"/>
-              <a:buChar char="•"/>
-              <a:defRPr sz="2000" kern="1200">
-                <a:solidFill>
-                  <a:schemeClr val="tx1"/>
-                </a:solidFill>
-                <a:latin typeface="+mn-lt"/>
-                <a:ea typeface="+mn-ea"/>
-                <a:cs typeface="+mn-cs"/>
-              </a:defRPr>
-            </a:lvl3pPr>
-            <a:lvl4pPr marL="1600200" indent="-228600" algn="l" defTabSz="914400" rtl="0" eaLnBrk="1" latinLnBrk="0" hangingPunct="1">
-              <a:lnSpc>
-                <a:spcPct val="110000"/>
-              </a:lnSpc>
-              <a:spcBef>
-                <a:spcPts val="500"/>
-              </a:spcBef>
-              <a:buClr>
-                <a:schemeClr val="accent1"/>
-              </a:buClr>
-              <a:buFont typeface="Arial" panose="020B0604020202020204" pitchFamily="34" charset="0"/>
-              <a:buChar char="•"/>
-              <a:defRPr sz="1800" kern="1200">
-                <a:solidFill>
-                  <a:schemeClr val="tx1"/>
-                </a:solidFill>
-                <a:latin typeface="+mn-lt"/>
-                <a:ea typeface="+mn-ea"/>
-                <a:cs typeface="+mn-cs"/>
-              </a:defRPr>
-            </a:lvl4pPr>
-            <a:lvl5pPr marL="2057400" indent="-228600" algn="l" defTabSz="914400" rtl="0" eaLnBrk="1" latinLnBrk="0" hangingPunct="1">
-              <a:lnSpc>
-                <a:spcPct val="110000"/>
-              </a:lnSpc>
-              <a:spcBef>
-                <a:spcPts val="500"/>
-              </a:spcBef>
-              <a:buClr>
-                <a:schemeClr val="accent1"/>
-              </a:buClr>
-              <a:buFont typeface="Arial" panose="020B0604020202020204" pitchFamily="34" charset="0"/>
-              <a:buChar char="•"/>
-              <a:defRPr sz="1800" kern="1200">
-                <a:solidFill>
-                  <a:schemeClr val="tx1"/>
-                </a:solidFill>
-                <a:latin typeface="+mn-lt"/>
-                <a:ea typeface="+mn-ea"/>
-                <a:cs typeface="+mn-cs"/>
-              </a:defRPr>
-            </a:lvl5pPr>
-            <a:lvl6pPr marL="2514600" indent="-228600" algn="l" defTabSz="914400" rtl="0" eaLnBrk="1" latinLnBrk="0" hangingPunct="1">
-              <a:lnSpc>
-                <a:spcPct val="90000"/>
-              </a:lnSpc>
-              <a:spcBef>
-                <a:spcPts val="500"/>
-              </a:spcBef>
-              <a:buFont typeface="Arial" panose="020B0604020202020204" pitchFamily="34" charset="0"/>
-              <a:buChar char="•"/>
-              <a:defRPr sz="1800" kern="1200">
-                <a:solidFill>
-                  <a:schemeClr val="tx1"/>
-                </a:solidFill>
-                <a:latin typeface="+mn-lt"/>
-                <a:ea typeface="+mn-ea"/>
-                <a:cs typeface="+mn-cs"/>
-              </a:defRPr>
-            </a:lvl6pPr>
-            <a:lvl7pPr marL="2971800" indent="-228600" algn="l" defTabSz="914400" rtl="0" eaLnBrk="1" latinLnBrk="0" hangingPunct="1">
-              <a:lnSpc>
-                <a:spcPct val="90000"/>
-              </a:lnSpc>
-              <a:spcBef>
-                <a:spcPts val="500"/>
-              </a:spcBef>
-              <a:buFont typeface="Arial" panose="020B0604020202020204" pitchFamily="34" charset="0"/>
-              <a:buChar char="•"/>
-              <a:defRPr sz="1800" kern="1200">
-                <a:solidFill>
-                  <a:schemeClr val="tx1"/>
-                </a:solidFill>
-                <a:latin typeface="+mn-lt"/>
-                <a:ea typeface="+mn-ea"/>
-                <a:cs typeface="+mn-cs"/>
-              </a:defRPr>
-            </a:lvl7pPr>
-            <a:lvl8pPr marL="3429000" indent="-228600" algn="l" defTabSz="914400" rtl="0" eaLnBrk="1" latinLnBrk="0" hangingPunct="1">
-              <a:lnSpc>
-                <a:spcPct val="90000"/>
-              </a:lnSpc>
-              <a:spcBef>
-                <a:spcPts val="500"/>
-              </a:spcBef>
-              <a:buFont typeface="Arial" panose="020B0604020202020204" pitchFamily="34" charset="0"/>
-              <a:buChar char="•"/>
-              <a:defRPr sz="1800" kern="1200">
-                <a:solidFill>
-                  <a:schemeClr val="tx1"/>
-                </a:solidFill>
-                <a:latin typeface="+mn-lt"/>
-                <a:ea typeface="+mn-ea"/>
-                <a:cs typeface="+mn-cs"/>
-              </a:defRPr>
-            </a:lvl8pPr>
-            <a:lvl9pPr marL="3886200" indent="-228600" algn="l" defTabSz="914400" rtl="0" eaLnBrk="1" latinLnBrk="0" hangingPunct="1">
-              <a:lnSpc>
-                <a:spcPct val="90000"/>
-              </a:lnSpc>
-              <a:spcBef>
-                <a:spcPts val="500"/>
-              </a:spcBef>
-              <a:buFont typeface="Arial" panose="020B0604020202020204" pitchFamily="34" charset="0"/>
-              <a:buChar char="•"/>
-              <a:defRPr sz="1800" kern="1200">
-                <a:solidFill>
-                  <a:schemeClr val="tx1"/>
-                </a:solidFill>
-                <a:latin typeface="+mn-lt"/>
-                <a:ea typeface="+mn-ea"/>
-                <a:cs typeface="+mn-cs"/>
-              </a:defRPr>
-            </a:lvl9pPr>
-          </a:lstStyle>
-          <a:p>
-            <a:pPr>
-              <a:lnSpc>
-                <a:spcPct val="107000"/>
-              </a:lnSpc>
-              <a:spcAft>
-                <a:spcPts val="800"/>
-              </a:spcAft>
-            </a:pPr>
-            <a:endParaRPr lang="en-MT" sz="1400" kern="100" dirty="0">
-              <a:effectLst/>
+          <a:lstStyle/>
+          <a:p>
+            <a:pPr marL="0" indent="0">
+              <a:lnSpc>
+                <a:spcPct val="117000"/>
+              </a:lnSpc>
+              <a:spcAft>
+                <a:spcPts val="800"/>
+              </a:spcAft>
+              <a:buNone/>
+            </a:pPr>
+            <a:r>
+              <a:rPr lang="en-US" sz="1800" dirty="0">
+                <a:latin typeface="Aptos" panose="020B0004020202020204" pitchFamily="34" charset="0"/>
+              </a:rPr>
+              <a:t>LINK: </a:t>
+            </a:r>
+            <a:r>
+              <a:rPr lang="en-US" sz="1800" dirty="0">
+                <a:latin typeface="Aptos" panose="020B0004020202020204" pitchFamily="34" charset="0"/>
+                <a:hlinkClick r:id="rId2"/>
+              </a:rPr>
+              <a:t>https://www.sciencedirect.com/org/science/article/pii/S1546221825000529</a:t>
+            </a:r>
+            <a:endParaRPr lang="en-GB" sz="800" b="1" kern="100" dirty="0">
               <a:latin typeface="Aptos" panose="020B0004020202020204" pitchFamily="34" charset="0"/>
-              <a:ea typeface="Aptos" panose="020B0004020202020204" pitchFamily="34" charset="0"/>
               <a:cs typeface="Times New Roman" panose="02020603050405020304" pitchFamily="18" charset="0"/>
             </a:endParaRPr>
           </a:p>
@@ -14351,7 +16208,7 @@
     </p:spTree>
     <p:extLst>
       <p:ext uri="{BB962C8B-B14F-4D97-AF65-F5344CB8AC3E}">
-        <p14:creationId xmlns:p14="http://schemas.microsoft.com/office/powerpoint/2010/main" val="3776628335"/>
+        <p14:creationId xmlns:p14="http://schemas.microsoft.com/office/powerpoint/2010/main" val="147784856"/>
       </p:ext>
     </p:extLst>
   </p:cSld>
